--- a/mylearnings/mylecturenotes/TheMacroMinimum.pptx
+++ b/mylearnings/mylecturenotes/TheMacroMinimum.pptx
@@ -4,6 +4,9 @@
   <p:sldMasterIdLst>
     <p:sldMasterId id="2147483648" r:id="rId1"/>
   </p:sldMasterIdLst>
+  <p:notesMasterIdLst>
+    <p:notesMasterId r:id="rId44"/>
+  </p:notesMasterIdLst>
   <p:sldIdLst>
     <p:sldId id="256" r:id="rId2"/>
     <p:sldId id="257" r:id="rId3"/>
@@ -11,27 +14,42 @@
     <p:sldId id="259" r:id="rId5"/>
     <p:sldId id="261" r:id="rId6"/>
     <p:sldId id="262" r:id="rId7"/>
-    <p:sldId id="265" r:id="rId8"/>
-    <p:sldId id="266" r:id="rId9"/>
-    <p:sldId id="267" r:id="rId10"/>
-    <p:sldId id="268" r:id="rId11"/>
-    <p:sldId id="269" r:id="rId12"/>
-    <p:sldId id="270" r:id="rId13"/>
-    <p:sldId id="271" r:id="rId14"/>
-    <p:sldId id="272" r:id="rId15"/>
-    <p:sldId id="273" r:id="rId16"/>
-    <p:sldId id="274" r:id="rId17"/>
-    <p:sldId id="275" r:id="rId18"/>
-    <p:sldId id="276" r:id="rId19"/>
-    <p:sldId id="277" r:id="rId20"/>
-    <p:sldId id="278" r:id="rId21"/>
-    <p:sldId id="279" r:id="rId22"/>
-    <p:sldId id="280" r:id="rId23"/>
-    <p:sldId id="281" r:id="rId24"/>
-    <p:sldId id="282" r:id="rId25"/>
-    <p:sldId id="283" r:id="rId26"/>
-    <p:sldId id="284" r:id="rId27"/>
-    <p:sldId id="285" r:id="rId28"/>
+    <p:sldId id="299" r:id="rId8"/>
+    <p:sldId id="265" r:id="rId9"/>
+    <p:sldId id="266" r:id="rId10"/>
+    <p:sldId id="267" r:id="rId11"/>
+    <p:sldId id="268" r:id="rId12"/>
+    <p:sldId id="269" r:id="rId13"/>
+    <p:sldId id="300" r:id="rId14"/>
+    <p:sldId id="270" r:id="rId15"/>
+    <p:sldId id="271" r:id="rId16"/>
+    <p:sldId id="272" r:id="rId17"/>
+    <p:sldId id="273" r:id="rId18"/>
+    <p:sldId id="274" r:id="rId19"/>
+    <p:sldId id="275" r:id="rId20"/>
+    <p:sldId id="276" r:id="rId21"/>
+    <p:sldId id="277" r:id="rId22"/>
+    <p:sldId id="278" r:id="rId23"/>
+    <p:sldId id="279" r:id="rId24"/>
+    <p:sldId id="280" r:id="rId25"/>
+    <p:sldId id="281" r:id="rId26"/>
+    <p:sldId id="282" r:id="rId27"/>
+    <p:sldId id="283" r:id="rId28"/>
+    <p:sldId id="284" r:id="rId29"/>
+    <p:sldId id="294" r:id="rId30"/>
+    <p:sldId id="292" r:id="rId31"/>
+    <p:sldId id="293" r:id="rId32"/>
+    <p:sldId id="287" r:id="rId33"/>
+    <p:sldId id="289" r:id="rId34"/>
+    <p:sldId id="288" r:id="rId35"/>
+    <p:sldId id="295" r:id="rId36"/>
+    <p:sldId id="291" r:id="rId37"/>
+    <p:sldId id="290" r:id="rId38"/>
+    <p:sldId id="296" r:id="rId39"/>
+    <p:sldId id="297" r:id="rId40"/>
+    <p:sldId id="286" r:id="rId41"/>
+    <p:sldId id="298" r:id="rId42"/>
+    <p:sldId id="285" r:id="rId43"/>
   </p:sldIdLst>
   <p:sldSz cx="12192000" cy="6858000"/>
   <p:notesSz cx="6858000" cy="9144000"/>
@@ -130,7 +148,408 @@
       </a:defRPr>
     </a:lvl9pPr>
   </p:defaultTextStyle>
+  <p:extLst>
+    <p:ext uri="{521415D9-36F7-43E2-AB2F-B90AF26B5E84}">
+      <p14:sectionLst xmlns:p14="http://schemas.microsoft.com/office/powerpoint/2010/main">
+        <p14:section name="Default Section" id="{88AA28DE-2366-7D4B-A841-89DA05886012}">
+          <p14:sldIdLst>
+            <p14:sldId id="256"/>
+            <p14:sldId id="257"/>
+            <p14:sldId id="258"/>
+            <p14:sldId id="259"/>
+            <p14:sldId id="261"/>
+            <p14:sldId id="262"/>
+            <p14:sldId id="299"/>
+            <p14:sldId id="265"/>
+            <p14:sldId id="266"/>
+            <p14:sldId id="267"/>
+            <p14:sldId id="268"/>
+            <p14:sldId id="269"/>
+            <p14:sldId id="300"/>
+            <p14:sldId id="270"/>
+            <p14:sldId id="271"/>
+            <p14:sldId id="272"/>
+            <p14:sldId id="273"/>
+            <p14:sldId id="274"/>
+            <p14:sldId id="275"/>
+            <p14:sldId id="276"/>
+            <p14:sldId id="277"/>
+            <p14:sldId id="278"/>
+            <p14:sldId id="279"/>
+            <p14:sldId id="280"/>
+            <p14:sldId id="281"/>
+            <p14:sldId id="282"/>
+            <p14:sldId id="283"/>
+            <p14:sldId id="284"/>
+            <p14:sldId id="294"/>
+            <p14:sldId id="292"/>
+            <p14:sldId id="293"/>
+            <p14:sldId id="287"/>
+            <p14:sldId id="289"/>
+            <p14:sldId id="288"/>
+            <p14:sldId id="295"/>
+            <p14:sldId id="291"/>
+            <p14:sldId id="290"/>
+            <p14:sldId id="296"/>
+            <p14:sldId id="297"/>
+            <p14:sldId id="286"/>
+            <p14:sldId id="298"/>
+            <p14:sldId id="285"/>
+          </p14:sldIdLst>
+        </p14:section>
+      </p14:sectionLst>
+    </p:ext>
+  </p:extLst>
 </p:presentation>
+</file>
+
+<file path=ppt/notesMasters/notesMaster1.xml><?xml version="1.0" encoding="utf-8"?>
+<p:notesMaster xmlns:a="http://schemas.openxmlformats.org/drawingml/2006/main" xmlns:r="http://schemas.openxmlformats.org/officeDocument/2006/relationships" xmlns:p="http://schemas.openxmlformats.org/presentationml/2006/main">
+  <p:cSld>
+    <p:bg>
+      <p:bgRef idx="1001">
+        <a:schemeClr val="bg1"/>
+      </p:bgRef>
+    </p:bg>
+    <p:spTree>
+      <p:nvGrpSpPr>
+        <p:cNvPr id="1" name=""/>
+        <p:cNvGrpSpPr/>
+        <p:nvPr/>
+      </p:nvGrpSpPr>
+      <p:grpSpPr>
+        <a:xfrm>
+          <a:off x="0" y="0"/>
+          <a:ext cx="0" cy="0"/>
+          <a:chOff x="0" y="0"/>
+          <a:chExt cx="0" cy="0"/>
+        </a:xfrm>
+      </p:grpSpPr>
+      <p:sp>
+        <p:nvSpPr>
+          <p:cNvPr id="2" name="Header Placeholder 1"/>
+          <p:cNvSpPr>
+            <a:spLocks noGrp="1"/>
+          </p:cNvSpPr>
+          <p:nvPr>
+            <p:ph type="hdr" sz="quarter"/>
+          </p:nvPr>
+        </p:nvSpPr>
+        <p:spPr>
+          <a:xfrm>
+            <a:off x="0" y="0"/>
+            <a:ext cx="2971800" cy="458788"/>
+          </a:xfrm>
+          <a:prstGeom prst="rect">
+            <a:avLst/>
+          </a:prstGeom>
+        </p:spPr>
+        <p:txBody>
+          <a:bodyPr vert="horz" lIns="91440" tIns="45720" rIns="91440" bIns="45720" rtlCol="0"/>
+          <a:lstStyle>
+            <a:lvl1pPr algn="l">
+              <a:defRPr sz="1200"/>
+            </a:lvl1pPr>
+          </a:lstStyle>
+          <a:p>
+            <a:endParaRPr lang="en-US"/>
+          </a:p>
+        </p:txBody>
+      </p:sp>
+      <p:sp>
+        <p:nvSpPr>
+          <p:cNvPr id="3" name="Date Placeholder 2"/>
+          <p:cNvSpPr>
+            <a:spLocks noGrp="1"/>
+          </p:cNvSpPr>
+          <p:nvPr>
+            <p:ph type="dt" idx="1"/>
+          </p:nvPr>
+        </p:nvSpPr>
+        <p:spPr>
+          <a:xfrm>
+            <a:off x="3884613" y="0"/>
+            <a:ext cx="2971800" cy="458788"/>
+          </a:xfrm>
+          <a:prstGeom prst="rect">
+            <a:avLst/>
+          </a:prstGeom>
+        </p:spPr>
+        <p:txBody>
+          <a:bodyPr vert="horz" lIns="91440" tIns="45720" rIns="91440" bIns="45720" rtlCol="0"/>
+          <a:lstStyle>
+            <a:lvl1pPr algn="r">
+              <a:defRPr sz="1200"/>
+            </a:lvl1pPr>
+          </a:lstStyle>
+          <a:p>
+            <a:fld id="{4ED1BE5B-B97A-284E-B9BA-AD45CD112878}" type="datetimeFigureOut">
+              <a:rPr lang="en-US" smtClean="0"/>
+              <a:t>2/25/24</a:t>
+            </a:fld>
+            <a:endParaRPr lang="en-US"/>
+          </a:p>
+        </p:txBody>
+      </p:sp>
+      <p:sp>
+        <p:nvSpPr>
+          <p:cNvPr id="4" name="Slide Image Placeholder 3"/>
+          <p:cNvSpPr>
+            <a:spLocks noGrp="1" noRot="1" noChangeAspect="1"/>
+          </p:cNvSpPr>
+          <p:nvPr>
+            <p:ph type="sldImg" idx="2"/>
+          </p:nvPr>
+        </p:nvSpPr>
+        <p:spPr>
+          <a:xfrm>
+            <a:off x="685800" y="1143000"/>
+            <a:ext cx="5486400" cy="3086100"/>
+          </a:xfrm>
+          <a:prstGeom prst="rect">
+            <a:avLst/>
+          </a:prstGeom>
+          <a:noFill/>
+          <a:ln w="12700">
+            <a:solidFill>
+              <a:prstClr val="black"/>
+            </a:solidFill>
+          </a:ln>
+        </p:spPr>
+        <p:txBody>
+          <a:bodyPr vert="horz" lIns="91440" tIns="45720" rIns="91440" bIns="45720" rtlCol="0" anchor="ctr"/>
+          <a:lstStyle/>
+          <a:p>
+            <a:endParaRPr lang="en-US"/>
+          </a:p>
+        </p:txBody>
+      </p:sp>
+      <p:sp>
+        <p:nvSpPr>
+          <p:cNvPr id="5" name="Notes Placeholder 4"/>
+          <p:cNvSpPr>
+            <a:spLocks noGrp="1"/>
+          </p:cNvSpPr>
+          <p:nvPr>
+            <p:ph type="body" sz="quarter" idx="3"/>
+          </p:nvPr>
+        </p:nvSpPr>
+        <p:spPr>
+          <a:xfrm>
+            <a:off x="685800" y="4400550"/>
+            <a:ext cx="5486400" cy="3600450"/>
+          </a:xfrm>
+          <a:prstGeom prst="rect">
+            <a:avLst/>
+          </a:prstGeom>
+        </p:spPr>
+        <p:txBody>
+          <a:bodyPr vert="horz" lIns="91440" tIns="45720" rIns="91440" bIns="45720" rtlCol="0"/>
+          <a:lstStyle/>
+          <a:p>
+            <a:pPr lvl="0"/>
+            <a:r>
+              <a:rPr lang="en-US"/>
+              <a:t>Click to edit Master text styles</a:t>
+            </a:r>
+          </a:p>
+          <a:p>
+            <a:pPr lvl="1"/>
+            <a:r>
+              <a:rPr lang="en-US"/>
+              <a:t>Second level</a:t>
+            </a:r>
+          </a:p>
+          <a:p>
+            <a:pPr lvl="2"/>
+            <a:r>
+              <a:rPr lang="en-US"/>
+              <a:t>Third level</a:t>
+            </a:r>
+          </a:p>
+          <a:p>
+            <a:pPr lvl="3"/>
+            <a:r>
+              <a:rPr lang="en-US"/>
+              <a:t>Fourth level</a:t>
+            </a:r>
+          </a:p>
+          <a:p>
+            <a:pPr lvl="4"/>
+            <a:r>
+              <a:rPr lang="en-US"/>
+              <a:t>Fifth level</a:t>
+            </a:r>
+          </a:p>
+        </p:txBody>
+      </p:sp>
+      <p:sp>
+        <p:nvSpPr>
+          <p:cNvPr id="6" name="Footer Placeholder 5"/>
+          <p:cNvSpPr>
+            <a:spLocks noGrp="1"/>
+          </p:cNvSpPr>
+          <p:nvPr>
+            <p:ph type="ftr" sz="quarter" idx="4"/>
+          </p:nvPr>
+        </p:nvSpPr>
+        <p:spPr>
+          <a:xfrm>
+            <a:off x="0" y="8685213"/>
+            <a:ext cx="2971800" cy="458787"/>
+          </a:xfrm>
+          <a:prstGeom prst="rect">
+            <a:avLst/>
+          </a:prstGeom>
+        </p:spPr>
+        <p:txBody>
+          <a:bodyPr vert="horz" lIns="91440" tIns="45720" rIns="91440" bIns="45720" rtlCol="0" anchor="b"/>
+          <a:lstStyle>
+            <a:lvl1pPr algn="l">
+              <a:defRPr sz="1200"/>
+            </a:lvl1pPr>
+          </a:lstStyle>
+          <a:p>
+            <a:endParaRPr lang="en-US"/>
+          </a:p>
+        </p:txBody>
+      </p:sp>
+      <p:sp>
+        <p:nvSpPr>
+          <p:cNvPr id="7" name="Slide Number Placeholder 6"/>
+          <p:cNvSpPr>
+            <a:spLocks noGrp="1"/>
+          </p:cNvSpPr>
+          <p:nvPr>
+            <p:ph type="sldNum" sz="quarter" idx="5"/>
+          </p:nvPr>
+        </p:nvSpPr>
+        <p:spPr>
+          <a:xfrm>
+            <a:off x="3884613" y="8685213"/>
+            <a:ext cx="2971800" cy="458787"/>
+          </a:xfrm>
+          <a:prstGeom prst="rect">
+            <a:avLst/>
+          </a:prstGeom>
+        </p:spPr>
+        <p:txBody>
+          <a:bodyPr vert="horz" lIns="91440" tIns="45720" rIns="91440" bIns="45720" rtlCol="0" anchor="b"/>
+          <a:lstStyle>
+            <a:lvl1pPr algn="r">
+              <a:defRPr sz="1200"/>
+            </a:lvl1pPr>
+          </a:lstStyle>
+          <a:p>
+            <a:fld id="{028856DC-C7BD-7D44-8538-EEFCFE5646D4}" type="slidenum">
+              <a:rPr lang="en-US" smtClean="0"/>
+              <a:t>‹#›</a:t>
+            </a:fld>
+            <a:endParaRPr lang="en-US"/>
+          </a:p>
+        </p:txBody>
+      </p:sp>
+    </p:spTree>
+    <p:extLst>
+      <p:ext uri="{BB962C8B-B14F-4D97-AF65-F5344CB8AC3E}">
+        <p14:creationId xmlns:p14="http://schemas.microsoft.com/office/powerpoint/2010/main" val="2763740263"/>
+      </p:ext>
+    </p:extLst>
+  </p:cSld>
+  <p:clrMap bg1="lt1" tx1="dk1" bg2="lt2" tx2="dk2" accent1="accent1" accent2="accent2" accent3="accent3" accent4="accent4" accent5="accent5" accent6="accent6" hlink="hlink" folHlink="folHlink"/>
+  <p:notesStyle>
+    <a:lvl1pPr marL="0" algn="l" defTabSz="914400" rtl="0" eaLnBrk="1" latinLnBrk="0" hangingPunct="1">
+      <a:defRPr sz="1200" kern="1200">
+        <a:solidFill>
+          <a:schemeClr val="tx1"/>
+        </a:solidFill>
+        <a:latin typeface="+mn-lt"/>
+        <a:ea typeface="+mn-ea"/>
+        <a:cs typeface="+mn-cs"/>
+      </a:defRPr>
+    </a:lvl1pPr>
+    <a:lvl2pPr marL="457200" algn="l" defTabSz="914400" rtl="0" eaLnBrk="1" latinLnBrk="0" hangingPunct="1">
+      <a:defRPr sz="1200" kern="1200">
+        <a:solidFill>
+          <a:schemeClr val="tx1"/>
+        </a:solidFill>
+        <a:latin typeface="+mn-lt"/>
+        <a:ea typeface="+mn-ea"/>
+        <a:cs typeface="+mn-cs"/>
+      </a:defRPr>
+    </a:lvl2pPr>
+    <a:lvl3pPr marL="914400" algn="l" defTabSz="914400" rtl="0" eaLnBrk="1" latinLnBrk="0" hangingPunct="1">
+      <a:defRPr sz="1200" kern="1200">
+        <a:solidFill>
+          <a:schemeClr val="tx1"/>
+        </a:solidFill>
+        <a:latin typeface="+mn-lt"/>
+        <a:ea typeface="+mn-ea"/>
+        <a:cs typeface="+mn-cs"/>
+      </a:defRPr>
+    </a:lvl3pPr>
+    <a:lvl4pPr marL="1371600" algn="l" defTabSz="914400" rtl="0" eaLnBrk="1" latinLnBrk="0" hangingPunct="1">
+      <a:defRPr sz="1200" kern="1200">
+        <a:solidFill>
+          <a:schemeClr val="tx1"/>
+        </a:solidFill>
+        <a:latin typeface="+mn-lt"/>
+        <a:ea typeface="+mn-ea"/>
+        <a:cs typeface="+mn-cs"/>
+      </a:defRPr>
+    </a:lvl4pPr>
+    <a:lvl5pPr marL="1828800" algn="l" defTabSz="914400" rtl="0" eaLnBrk="1" latinLnBrk="0" hangingPunct="1">
+      <a:defRPr sz="1200" kern="1200">
+        <a:solidFill>
+          <a:schemeClr val="tx1"/>
+        </a:solidFill>
+        <a:latin typeface="+mn-lt"/>
+        <a:ea typeface="+mn-ea"/>
+        <a:cs typeface="+mn-cs"/>
+      </a:defRPr>
+    </a:lvl5pPr>
+    <a:lvl6pPr marL="2286000" algn="l" defTabSz="914400" rtl="0" eaLnBrk="1" latinLnBrk="0" hangingPunct="1">
+      <a:defRPr sz="1200" kern="1200">
+        <a:solidFill>
+          <a:schemeClr val="tx1"/>
+        </a:solidFill>
+        <a:latin typeface="+mn-lt"/>
+        <a:ea typeface="+mn-ea"/>
+        <a:cs typeface="+mn-cs"/>
+      </a:defRPr>
+    </a:lvl6pPr>
+    <a:lvl7pPr marL="2743200" algn="l" defTabSz="914400" rtl="0" eaLnBrk="1" latinLnBrk="0" hangingPunct="1">
+      <a:defRPr sz="1200" kern="1200">
+        <a:solidFill>
+          <a:schemeClr val="tx1"/>
+        </a:solidFill>
+        <a:latin typeface="+mn-lt"/>
+        <a:ea typeface="+mn-ea"/>
+        <a:cs typeface="+mn-cs"/>
+      </a:defRPr>
+    </a:lvl7pPr>
+    <a:lvl8pPr marL="3200400" algn="l" defTabSz="914400" rtl="0" eaLnBrk="1" latinLnBrk="0" hangingPunct="1">
+      <a:defRPr sz="1200" kern="1200">
+        <a:solidFill>
+          <a:schemeClr val="tx1"/>
+        </a:solidFill>
+        <a:latin typeface="+mn-lt"/>
+        <a:ea typeface="+mn-ea"/>
+        <a:cs typeface="+mn-cs"/>
+      </a:defRPr>
+    </a:lvl8pPr>
+    <a:lvl9pPr marL="3657600" algn="l" defTabSz="914400" rtl="0" eaLnBrk="1" latinLnBrk="0" hangingPunct="1">
+      <a:defRPr sz="1200" kern="1200">
+        <a:solidFill>
+          <a:schemeClr val="tx1"/>
+        </a:solidFill>
+        <a:latin typeface="+mn-lt"/>
+        <a:ea typeface="+mn-ea"/>
+        <a:cs typeface="+mn-cs"/>
+      </a:defRPr>
+    </a:lvl9pPr>
+  </p:notesStyle>
+</p:notesMaster>
 </file>
 
 <file path=ppt/slideLayouts/slideLayout1.xml><?xml version="1.0" encoding="utf-8"?>
@@ -278,9 +697,9 @@
           <a:bodyPr/>
           <a:lstStyle/>
           <a:p>
-            <a:fld id="{E83EA47A-6256-8F4F-B550-16A126149868}" type="datetimeFigureOut">
+            <a:fld id="{9B195E20-42E0-4147-9778-1F4BC48694EB}" type="datetime1">
               <a:rPr lang="en-US" smtClean="0"/>
-              <a:t>2/2/24</a:t>
+              <a:t>2/25/24</a:t>
             </a:fld>
             <a:endParaRPr lang="en-US"/>
           </a:p>
@@ -476,9 +895,9 @@
           <a:bodyPr/>
           <a:lstStyle/>
           <a:p>
-            <a:fld id="{E83EA47A-6256-8F4F-B550-16A126149868}" type="datetimeFigureOut">
+            <a:fld id="{A21575A4-E38A-6C43-86BF-41C40DD5196D}" type="datetime1">
               <a:rPr lang="en-US" smtClean="0"/>
-              <a:t>2/2/24</a:t>
+              <a:t>2/25/24</a:t>
             </a:fld>
             <a:endParaRPr lang="en-US"/>
           </a:p>
@@ -684,9 +1103,9 @@
           <a:bodyPr/>
           <a:lstStyle/>
           <a:p>
-            <a:fld id="{E83EA47A-6256-8F4F-B550-16A126149868}" type="datetimeFigureOut">
+            <a:fld id="{EC5D3E14-9D8E-3345-A021-4ED06091C6A0}" type="datetime1">
               <a:rPr lang="en-US" smtClean="0"/>
-              <a:t>2/2/24</a:t>
+              <a:t>2/25/24</a:t>
             </a:fld>
             <a:endParaRPr lang="en-US"/>
           </a:p>
@@ -882,9 +1301,9 @@
           <a:bodyPr/>
           <a:lstStyle/>
           <a:p>
-            <a:fld id="{E83EA47A-6256-8F4F-B550-16A126149868}" type="datetimeFigureOut">
+            <a:fld id="{80F06652-901E-2849-A87E-56800F9CC188}" type="datetime1">
               <a:rPr lang="en-US" smtClean="0"/>
-              <a:t>2/2/24</a:t>
+              <a:t>2/25/24</a:t>
             </a:fld>
             <a:endParaRPr lang="en-US"/>
           </a:p>
@@ -1157,9 +1576,9 @@
           <a:bodyPr/>
           <a:lstStyle/>
           <a:p>
-            <a:fld id="{E83EA47A-6256-8F4F-B550-16A126149868}" type="datetimeFigureOut">
+            <a:fld id="{CC0169BB-0441-094D-97BB-4891670BB427}" type="datetime1">
               <a:rPr lang="en-US" smtClean="0"/>
-              <a:t>2/2/24</a:t>
+              <a:t>2/25/24</a:t>
             </a:fld>
             <a:endParaRPr lang="en-US"/>
           </a:p>
@@ -1422,9 +1841,9 @@
           <a:bodyPr/>
           <a:lstStyle/>
           <a:p>
-            <a:fld id="{E83EA47A-6256-8F4F-B550-16A126149868}" type="datetimeFigureOut">
+            <a:fld id="{C4895167-4B2C-EE45-BD28-8AC76A2AFDD7}" type="datetime1">
               <a:rPr lang="en-US" smtClean="0"/>
-              <a:t>2/2/24</a:t>
+              <a:t>2/25/24</a:t>
             </a:fld>
             <a:endParaRPr lang="en-US"/>
           </a:p>
@@ -1834,9 +2253,9 @@
           <a:bodyPr/>
           <a:lstStyle/>
           <a:p>
-            <a:fld id="{E83EA47A-6256-8F4F-B550-16A126149868}" type="datetimeFigureOut">
+            <a:fld id="{87F9BAB7-0596-964F-9C8D-84F3F60C4D9B}" type="datetime1">
               <a:rPr lang="en-US" smtClean="0"/>
-              <a:t>2/2/24</a:t>
+              <a:t>2/25/24</a:t>
             </a:fld>
             <a:endParaRPr lang="en-US"/>
           </a:p>
@@ -1975,9 +2394,9 @@
           <a:bodyPr/>
           <a:lstStyle/>
           <a:p>
-            <a:fld id="{E83EA47A-6256-8F4F-B550-16A126149868}" type="datetimeFigureOut">
+            <a:fld id="{D6BE6BC7-52E4-1E46-A3DE-A4E437228939}" type="datetime1">
               <a:rPr lang="en-US" smtClean="0"/>
-              <a:t>2/2/24</a:t>
+              <a:t>2/25/24</a:t>
             </a:fld>
             <a:endParaRPr lang="en-US"/>
           </a:p>
@@ -2088,9 +2507,9 @@
           <a:bodyPr/>
           <a:lstStyle/>
           <a:p>
-            <a:fld id="{E83EA47A-6256-8F4F-B550-16A126149868}" type="datetimeFigureOut">
+            <a:fld id="{B40927BD-DCBA-FA4F-A866-459969E3D365}" type="datetime1">
               <a:rPr lang="en-US" smtClean="0"/>
-              <a:t>2/2/24</a:t>
+              <a:t>2/25/24</a:t>
             </a:fld>
             <a:endParaRPr lang="en-US"/>
           </a:p>
@@ -2399,9 +2818,9 @@
           <a:bodyPr/>
           <a:lstStyle/>
           <a:p>
-            <a:fld id="{E83EA47A-6256-8F4F-B550-16A126149868}" type="datetimeFigureOut">
+            <a:fld id="{647CC3E7-394A-184F-8E91-4FE9EDFB086F}" type="datetime1">
               <a:rPr lang="en-US" smtClean="0"/>
-              <a:t>2/2/24</a:t>
+              <a:t>2/25/24</a:t>
             </a:fld>
             <a:endParaRPr lang="en-US"/>
           </a:p>
@@ -2687,9 +3106,9 @@
           <a:bodyPr/>
           <a:lstStyle/>
           <a:p>
-            <a:fld id="{E83EA47A-6256-8F4F-B550-16A126149868}" type="datetimeFigureOut">
+            <a:fld id="{EB753F62-4440-004F-BC2C-FDEDA1E2992E}" type="datetime1">
               <a:rPr lang="en-US" smtClean="0"/>
-              <a:t>2/2/24</a:t>
+              <a:t>2/25/24</a:t>
             </a:fld>
             <a:endParaRPr lang="en-US"/>
           </a:p>
@@ -2928,9 +3347,9 @@
             </a:lvl1pPr>
           </a:lstStyle>
           <a:p>
-            <a:fld id="{E83EA47A-6256-8F4F-B550-16A126149868}" type="datetimeFigureOut">
+            <a:fld id="{D0C6DB7F-A274-7447-8FBB-7574C1E0E5F3}" type="datetime1">
               <a:rPr lang="en-US" smtClean="0"/>
-              <a:t>2/2/24</a:t>
+              <a:t>2/25/24</a:t>
             </a:fld>
             <a:endParaRPr lang="en-US"/>
           </a:p>
@@ -3047,6 +3466,7 @@
     <p:sldLayoutId id="2147483658" r:id="rId10"/>
     <p:sldLayoutId id="2147483659" r:id="rId11"/>
   </p:sldLayoutIdLst>
+  <p:hf hdr="0" ftr="0" dt="0"/>
   <p:txStyles>
     <p:titleStyle>
       <a:lvl1pPr algn="l" defTabSz="914400" rtl="0" eaLnBrk="1" latinLnBrk="0" hangingPunct="1">
@@ -3412,6 +3832,35 @@
           </a:p>
         </p:txBody>
       </p:sp>
+      <p:sp>
+        <p:nvSpPr>
+          <p:cNvPr id="4" name="Slide Number Placeholder 3">
+            <a:extLst>
+              <a:ext uri="{FF2B5EF4-FFF2-40B4-BE49-F238E27FC236}">
+                <a16:creationId xmlns:a16="http://schemas.microsoft.com/office/drawing/2014/main" id="{EBCB2642-35CC-EAFD-9520-0B972147472E}"/>
+              </a:ext>
+            </a:extLst>
+          </p:cNvPr>
+          <p:cNvSpPr>
+            <a:spLocks noGrp="1"/>
+          </p:cNvSpPr>
+          <p:nvPr>
+            <p:ph type="sldNum" sz="quarter" idx="12"/>
+          </p:nvPr>
+        </p:nvSpPr>
+        <p:spPr/>
+        <p:txBody>
+          <a:bodyPr/>
+          <a:lstStyle/>
+          <a:p>
+            <a:fld id="{92AF051A-FF74-2247-B065-E58DA1926FE1}" type="slidenum">
+              <a:rPr lang="en-US" smtClean="0"/>
+              <a:t>1</a:t>
+            </a:fld>
+            <a:endParaRPr lang="en-US"/>
+          </a:p>
+        </p:txBody>
+      </p:sp>
     </p:spTree>
     <p:extLst>
       <p:ext uri="{BB962C8B-B14F-4D97-AF65-F5344CB8AC3E}">
@@ -3447,7 +3896,7 @@
           <p:cNvPr id="2" name="Title 1">
             <a:extLst>
               <a:ext uri="{FF2B5EF4-FFF2-40B4-BE49-F238E27FC236}">
-                <a16:creationId xmlns:a16="http://schemas.microsoft.com/office/drawing/2014/main" id="{8F472D5F-0FB4-D021-4D29-026FA6C8E9E1}"/>
+                <a16:creationId xmlns:a16="http://schemas.microsoft.com/office/drawing/2014/main" id="{FD4880B0-C3A1-F0FC-79E3-BD41C1B9954F}"/>
               </a:ext>
             </a:extLst>
           </p:cNvPr>
@@ -3458,14 +3907,19 @@
             <p:ph type="title"/>
           </p:nvPr>
         </p:nvSpPr>
-        <p:spPr/>
+        <p:spPr>
+          <a:xfrm>
+            <a:off x="201118" y="117788"/>
+            <a:ext cx="4663190" cy="744147"/>
+          </a:xfrm>
+        </p:spPr>
         <p:txBody>
           <a:bodyPr/>
           <a:lstStyle/>
           <a:p>
             <a:r>
               <a:rPr lang="en-US" dirty="0"/>
-              <a:t>The purchasing managers’ index </a:t>
+              <a:t>Car/Truck Sales</a:t>
             </a:r>
           </a:p>
         </p:txBody>
@@ -3475,7 +3929,7 @@
           <p:cNvPr id="3" name="Content Placeholder 2">
             <a:extLst>
               <a:ext uri="{FF2B5EF4-FFF2-40B4-BE49-F238E27FC236}">
-                <a16:creationId xmlns:a16="http://schemas.microsoft.com/office/drawing/2014/main" id="{5FC5E8E8-FB64-99C3-0264-1A914BE419B7}"/>
+                <a16:creationId xmlns:a16="http://schemas.microsoft.com/office/drawing/2014/main" id="{A981F4E4-53B3-5C2D-E480-92A9A769A4F6}"/>
               </a:ext>
             </a:extLst>
           </p:cNvPr>
@@ -3486,21 +3940,69 @@
             <p:ph idx="1"/>
           </p:nvPr>
         </p:nvSpPr>
-        <p:spPr/>
+        <p:spPr>
+          <a:xfrm>
+            <a:off x="403486" y="1253330"/>
+            <a:ext cx="5240311" cy="5103019"/>
+          </a:xfrm>
+        </p:spPr>
         <p:txBody>
-          <a:bodyPr/>
+          <a:bodyPr>
+            <a:normAutofit fontScale="77500" lnSpcReduction="20000"/>
+          </a:bodyPr>
           <a:lstStyle/>
           <a:p>
-            <a:endParaRPr lang="en-US"/>
+            <a:r>
+              <a:rPr lang="en-US" dirty="0"/>
+              <a:t>Unit car and truck sales tell us the number of cars and trucks that were sold during a particular month</a:t>
+            </a:r>
+          </a:p>
+          <a:p>
+            <a:r>
+              <a:rPr lang="en-US" dirty="0"/>
+              <a:t>Provides us with an important clue concerning the retail sales and personal consumption expenditures (PCE)</a:t>
+            </a:r>
+          </a:p>
+          <a:p>
+            <a:r>
+              <a:rPr lang="en-US" dirty="0"/>
+              <a:t>Automotives sales are very sensitive to changes in interest rates and consumer psychology </a:t>
+            </a:r>
+          </a:p>
+          <a:p>
+            <a:pPr lvl="1"/>
+            <a:r>
+              <a:rPr lang="en-US" dirty="0"/>
+              <a:t>If consumers become nervous about the economic outlook, or are bothered by rising interest rates, one of the first things they do is cancel plans to buy a new car.</a:t>
+            </a:r>
+          </a:p>
+          <a:p>
+            <a:pPr lvl="1"/>
+            <a:r>
+              <a:rPr lang="en-US" dirty="0"/>
+              <a:t>This makes sense because automobiles and housing are the biggest ticket items in the family budget.</a:t>
+            </a:r>
+          </a:p>
+          <a:p>
+            <a:r>
+              <a:rPr lang="en-US" dirty="0"/>
+              <a:t>Tends to be a leading indicator of economic activity</a:t>
+            </a:r>
+          </a:p>
+          <a:p>
+            <a:r>
+              <a:rPr lang="en-US" dirty="0"/>
+              <a:t>They are timely</a:t>
+            </a:r>
           </a:p>
         </p:txBody>
       </p:sp>
       <p:graphicFrame>
         <p:nvGraphicFramePr>
-          <p:cNvPr id="4" name="Content Placeholder 3">
-            <a:extLst>
-              <a:ext uri="{FF2B5EF4-FFF2-40B4-BE49-F238E27FC236}">
-                <a16:creationId xmlns:a16="http://schemas.microsoft.com/office/drawing/2014/main" id="{029B60D1-9817-312F-3012-5EBC57F30B1A}"/>
+          <p:cNvPr id="6" name="Content Placeholder 3">
+            <a:extLst>
+              <a:ext uri="{FF2B5EF4-FFF2-40B4-BE49-F238E27FC236}">
+                <a16:creationId xmlns:a16="http://schemas.microsoft.com/office/drawing/2014/main" id="{2688B525-F229-B97E-EDD6-4E1C819BA188}"/>
               </a:ext>
             </a:extLst>
           </p:cNvPr>
@@ -3510,13 +4012,849 @@
           <p:nvPr>
             <p:extLst>
               <p:ext uri="{D42A27DB-BD31-4B8C-83A1-F6EECF244321}">
-                <p14:modId xmlns:p14="http://schemas.microsoft.com/office/powerpoint/2010/main" val="2077162207"/>
+                <p14:modId xmlns:p14="http://schemas.microsoft.com/office/powerpoint/2010/main" val="3677811803"/>
               </p:ext>
             </p:extLst>
           </p:nvPr>
         </p:nvGraphicFramePr>
         <p:xfrm>
-          <a:off x="2523000" y="1962425"/>
+          <a:off x="5805846" y="965579"/>
+          <a:ext cx="5871490" cy="2286000"/>
+        </p:xfrm>
+        <a:graphic>
+          <a:graphicData uri="http://schemas.openxmlformats.org/drawingml/2006/table">
+            <a:tbl>
+              <a:tblPr firstRow="1" bandRow="1">
+                <a:tableStyleId>{5C22544A-7EE6-4342-B048-85BDC9FD1C3A}</a:tableStyleId>
+              </a:tblPr>
+              <a:tblGrid>
+                <a:gridCol w="1174298">
+                  <a:extLst>
+                    <a:ext uri="{9D8B030D-6E8A-4147-A177-3AD203B41FA5}">
+                      <a16:colId xmlns:a16="http://schemas.microsoft.com/office/drawing/2014/main" val="1832443906"/>
+                    </a:ext>
+                  </a:extLst>
+                </a:gridCol>
+                <a:gridCol w="1174298">
+                  <a:extLst>
+                    <a:ext uri="{9D8B030D-6E8A-4147-A177-3AD203B41FA5}">
+                      <a16:colId xmlns:a16="http://schemas.microsoft.com/office/drawing/2014/main" val="3103549292"/>
+                    </a:ext>
+                  </a:extLst>
+                </a:gridCol>
+                <a:gridCol w="1174298">
+                  <a:extLst>
+                    <a:ext uri="{9D8B030D-6E8A-4147-A177-3AD203B41FA5}">
+                      <a16:colId xmlns:a16="http://schemas.microsoft.com/office/drawing/2014/main" val="3064373860"/>
+                    </a:ext>
+                  </a:extLst>
+                </a:gridCol>
+                <a:gridCol w="1174298">
+                  <a:extLst>
+                    <a:ext uri="{9D8B030D-6E8A-4147-A177-3AD203B41FA5}">
+                      <a16:colId xmlns:a16="http://schemas.microsoft.com/office/drawing/2014/main" val="2446405785"/>
+                    </a:ext>
+                  </a:extLst>
+                </a:gridCol>
+                <a:gridCol w="1174298">
+                  <a:extLst>
+                    <a:ext uri="{9D8B030D-6E8A-4147-A177-3AD203B41FA5}">
+                      <a16:colId xmlns:a16="http://schemas.microsoft.com/office/drawing/2014/main" val="751434084"/>
+                    </a:ext>
+                  </a:extLst>
+                </a:gridCol>
+              </a:tblGrid>
+              <a:tr h="299862">
+                <a:tc>
+                  <a:txBody>
+                    <a:bodyPr/>
+                    <a:lstStyle/>
+                    <a:p>
+                      <a:endParaRPr lang="en-US" dirty="0"/>
+                    </a:p>
+                  </a:txBody>
+                  <a:tcPr/>
+                </a:tc>
+                <a:tc>
+                  <a:txBody>
+                    <a:bodyPr/>
+                    <a:lstStyle/>
+                    <a:p>
+                      <a:endParaRPr lang="en-US"/>
+                    </a:p>
+                  </a:txBody>
+                  <a:tcPr/>
+                </a:tc>
+                <a:tc gridSpan="3">
+                  <a:txBody>
+                    <a:bodyPr/>
+                    <a:lstStyle/>
+                    <a:p>
+                      <a:r>
+                        <a:rPr lang="en-US" dirty="0"/>
+                        <a:t>Market </a:t>
+                      </a:r>
+                    </a:p>
+                  </a:txBody>
+                  <a:tcPr/>
+                </a:tc>
+                <a:tc hMerge="1">
+                  <a:txBody>
+                    <a:bodyPr/>
+                    <a:lstStyle/>
+                    <a:p>
+                      <a:endParaRPr lang="en-US" dirty="0"/>
+                    </a:p>
+                  </a:txBody>
+                  <a:tcPr/>
+                </a:tc>
+                <a:tc hMerge="1">
+                  <a:txBody>
+                    <a:bodyPr/>
+                    <a:lstStyle/>
+                    <a:p>
+                      <a:endParaRPr lang="en-US" dirty="0"/>
+                    </a:p>
+                  </a:txBody>
+                  <a:tcPr/>
+                </a:tc>
+                <a:extLst>
+                  <a:ext uri="{0D108BD9-81ED-4DB2-BD59-A6C34878D82A}">
+                    <a16:rowId xmlns:a16="http://schemas.microsoft.com/office/drawing/2014/main" val="789752364"/>
+                  </a:ext>
+                </a:extLst>
+              </a:tr>
+              <a:tr h="517570">
+                <a:tc>
+                  <a:txBody>
+                    <a:bodyPr/>
+                    <a:lstStyle/>
+                    <a:p>
+                      <a:endParaRPr lang="en-US" dirty="0"/>
+                    </a:p>
+                  </a:txBody>
+                  <a:tcPr/>
+                </a:tc>
+                <a:tc>
+                  <a:txBody>
+                    <a:bodyPr/>
+                    <a:lstStyle/>
+                    <a:p>
+                      <a:pPr marL="0" marR="0" lvl="0" indent="0" algn="l" defTabSz="914400" rtl="0" eaLnBrk="1" fontAlgn="auto" latinLnBrk="0" hangingPunct="1">
+                        <a:lnSpc>
+                          <a:spcPct val="100000"/>
+                        </a:lnSpc>
+                        <a:spcBef>
+                          <a:spcPts val="0"/>
+                        </a:spcBef>
+                        <a:spcAft>
+                          <a:spcPts val="0"/>
+                        </a:spcAft>
+                        <a:buClrTx/>
+                        <a:buSzTx/>
+                        <a:buFontTx/>
+                        <a:buNone/>
+                        <a:tabLst/>
+                        <a:defRPr/>
+                      </a:pPr>
+                      <a:r>
+                        <a:rPr lang="en-US" dirty="0"/>
+                        <a:t> </a:t>
+                      </a:r>
+                    </a:p>
+                    <a:p>
+                      <a:endParaRPr lang="en-US" dirty="0"/>
+                    </a:p>
+                  </a:txBody>
+                  <a:tcPr/>
+                </a:tc>
+                <a:tc>
+                  <a:txBody>
+                    <a:bodyPr/>
+                    <a:lstStyle/>
+                    <a:p>
+                      <a:r>
+                        <a:rPr lang="en-US" dirty="0"/>
+                        <a:t>Stock</a:t>
+                      </a:r>
+                    </a:p>
+                  </a:txBody>
+                  <a:tcPr/>
+                </a:tc>
+                <a:tc>
+                  <a:txBody>
+                    <a:bodyPr/>
+                    <a:lstStyle/>
+                    <a:p>
+                      <a:r>
+                        <a:rPr lang="en-US" dirty="0"/>
+                        <a:t>Bond</a:t>
+                      </a:r>
+                    </a:p>
+                  </a:txBody>
+                  <a:tcPr/>
+                </a:tc>
+                <a:tc>
+                  <a:txBody>
+                    <a:bodyPr/>
+                    <a:lstStyle/>
+                    <a:p>
+                      <a:r>
+                        <a:rPr lang="en-US" dirty="0"/>
+                        <a:t>Dollar</a:t>
+                      </a:r>
+                    </a:p>
+                  </a:txBody>
+                  <a:tcPr/>
+                </a:tc>
+                <a:extLst>
+                  <a:ext uri="{0D108BD9-81ED-4DB2-BD59-A6C34878D82A}">
+                    <a16:rowId xmlns:a16="http://schemas.microsoft.com/office/drawing/2014/main" val="823657930"/>
+                  </a:ext>
+                </a:extLst>
+              </a:tr>
+              <a:tr h="517570">
+                <a:tc>
+                  <a:txBody>
+                    <a:bodyPr/>
+                    <a:lstStyle/>
+                    <a:p>
+                      <a:pPr marL="0" marR="0" lvl="0" indent="0" algn="l" defTabSz="914400" rtl="0" eaLnBrk="1" fontAlgn="auto" latinLnBrk="0" hangingPunct="1">
+                        <a:lnSpc>
+                          <a:spcPct val="100000"/>
+                        </a:lnSpc>
+                        <a:spcBef>
+                          <a:spcPts val="0"/>
+                        </a:spcBef>
+                        <a:spcAft>
+                          <a:spcPts val="0"/>
+                        </a:spcAft>
+                        <a:buClrTx/>
+                        <a:buSzTx/>
+                        <a:buFontTx/>
+                        <a:buNone/>
+                        <a:tabLst/>
+                        <a:defRPr/>
+                      </a:pPr>
+                      <a:r>
+                        <a:rPr lang="en-US" dirty="0"/>
+                        <a:t>Car/Truck Sales</a:t>
+                      </a:r>
+                    </a:p>
+                  </a:txBody>
+                  <a:tcPr/>
+                </a:tc>
+                <a:tc>
+                  <a:txBody>
+                    <a:bodyPr/>
+                    <a:lstStyle/>
+                    <a:p>
+                      <a:r>
+                        <a:rPr lang="en-US" dirty="0"/>
+                        <a:t>Up</a:t>
+                      </a:r>
+                    </a:p>
+                  </a:txBody>
+                  <a:tcPr/>
+                </a:tc>
+                <a:tc>
+                  <a:txBody>
+                    <a:bodyPr/>
+                    <a:lstStyle/>
+                    <a:p>
+                      <a:r>
+                        <a:rPr lang="en-US" dirty="0"/>
+                        <a:t>Up</a:t>
+                      </a:r>
+                    </a:p>
+                  </a:txBody>
+                  <a:tcPr/>
+                </a:tc>
+                <a:tc>
+                  <a:txBody>
+                    <a:bodyPr/>
+                    <a:lstStyle/>
+                    <a:p>
+                      <a:r>
+                        <a:rPr lang="en-US" dirty="0"/>
+                        <a:t>Down</a:t>
+                      </a:r>
+                    </a:p>
+                  </a:txBody>
+                  <a:tcPr/>
+                </a:tc>
+                <a:tc>
+                  <a:txBody>
+                    <a:bodyPr/>
+                    <a:lstStyle/>
+                    <a:p>
+                      <a:pPr marL="0" marR="0" lvl="0" indent="0" algn="l" defTabSz="914400" rtl="0" eaLnBrk="1" fontAlgn="auto" latinLnBrk="0" hangingPunct="1">
+                        <a:lnSpc>
+                          <a:spcPct val="100000"/>
+                        </a:lnSpc>
+                        <a:spcBef>
+                          <a:spcPts val="0"/>
+                        </a:spcBef>
+                        <a:spcAft>
+                          <a:spcPts val="0"/>
+                        </a:spcAft>
+                        <a:buClrTx/>
+                        <a:buSzTx/>
+                        <a:buFontTx/>
+                        <a:buNone/>
+                        <a:tabLst/>
+                        <a:defRPr/>
+                      </a:pPr>
+                      <a:r>
+                        <a:rPr lang="en-US" dirty="0"/>
+                        <a:t>Up</a:t>
+                      </a:r>
+                    </a:p>
+                    <a:p>
+                      <a:endParaRPr lang="en-US" dirty="0"/>
+                    </a:p>
+                  </a:txBody>
+                  <a:tcPr/>
+                </a:tc>
+                <a:extLst>
+                  <a:ext uri="{0D108BD9-81ED-4DB2-BD59-A6C34878D82A}">
+                    <a16:rowId xmlns:a16="http://schemas.microsoft.com/office/drawing/2014/main" val="2240237553"/>
+                  </a:ext>
+                </a:extLst>
+              </a:tr>
+              <a:tr h="517570">
+                <a:tc>
+                  <a:txBody>
+                    <a:bodyPr/>
+                    <a:lstStyle/>
+                    <a:p>
+                      <a:endParaRPr lang="en-US" dirty="0"/>
+                    </a:p>
+                  </a:txBody>
+                  <a:tcPr/>
+                </a:tc>
+                <a:tc>
+                  <a:txBody>
+                    <a:bodyPr/>
+                    <a:lstStyle/>
+                    <a:p>
+                      <a:r>
+                        <a:rPr lang="en-US" dirty="0"/>
+                        <a:t>Down</a:t>
+                      </a:r>
+                    </a:p>
+                  </a:txBody>
+                  <a:tcPr/>
+                </a:tc>
+                <a:tc>
+                  <a:txBody>
+                    <a:bodyPr/>
+                    <a:lstStyle/>
+                    <a:p>
+                      <a:pPr marL="0" marR="0" lvl="0" indent="0" algn="l" defTabSz="914400" rtl="0" eaLnBrk="1" fontAlgn="auto" latinLnBrk="0" hangingPunct="1">
+                        <a:lnSpc>
+                          <a:spcPct val="100000"/>
+                        </a:lnSpc>
+                        <a:spcBef>
+                          <a:spcPts val="0"/>
+                        </a:spcBef>
+                        <a:spcAft>
+                          <a:spcPts val="0"/>
+                        </a:spcAft>
+                        <a:buClrTx/>
+                        <a:buSzTx/>
+                        <a:buFontTx/>
+                        <a:buNone/>
+                        <a:tabLst/>
+                        <a:defRPr/>
+                      </a:pPr>
+                      <a:r>
+                        <a:rPr lang="en-US" dirty="0"/>
+                        <a:t>Down</a:t>
+                      </a:r>
+                    </a:p>
+                    <a:p>
+                      <a:endParaRPr lang="en-US" dirty="0"/>
+                    </a:p>
+                  </a:txBody>
+                  <a:tcPr/>
+                </a:tc>
+                <a:tc>
+                  <a:txBody>
+                    <a:bodyPr/>
+                    <a:lstStyle/>
+                    <a:p>
+                      <a:r>
+                        <a:rPr lang="en-US" dirty="0"/>
+                        <a:t>Up</a:t>
+                      </a:r>
+                    </a:p>
+                  </a:txBody>
+                  <a:tcPr/>
+                </a:tc>
+                <a:tc>
+                  <a:txBody>
+                    <a:bodyPr/>
+                    <a:lstStyle/>
+                    <a:p>
+                      <a:pPr marL="0" marR="0" lvl="0" indent="0" algn="l" defTabSz="914400" rtl="0" eaLnBrk="1" fontAlgn="auto" latinLnBrk="0" hangingPunct="1">
+                        <a:lnSpc>
+                          <a:spcPct val="100000"/>
+                        </a:lnSpc>
+                        <a:spcBef>
+                          <a:spcPts val="0"/>
+                        </a:spcBef>
+                        <a:spcAft>
+                          <a:spcPts val="0"/>
+                        </a:spcAft>
+                        <a:buClrTx/>
+                        <a:buSzTx/>
+                        <a:buFontTx/>
+                        <a:buNone/>
+                        <a:tabLst/>
+                        <a:defRPr/>
+                      </a:pPr>
+                      <a:r>
+                        <a:rPr lang="en-US" dirty="0"/>
+                        <a:t>Down</a:t>
+                      </a:r>
+                    </a:p>
+                    <a:p>
+                      <a:endParaRPr lang="en-US" dirty="0"/>
+                    </a:p>
+                  </a:txBody>
+                  <a:tcPr/>
+                </a:tc>
+                <a:extLst>
+                  <a:ext uri="{0D108BD9-81ED-4DB2-BD59-A6C34878D82A}">
+                    <a16:rowId xmlns:a16="http://schemas.microsoft.com/office/drawing/2014/main" val="3723964624"/>
+                  </a:ext>
+                </a:extLst>
+              </a:tr>
+            </a:tbl>
+          </a:graphicData>
+        </a:graphic>
+      </p:graphicFrame>
+      <p:sp>
+        <p:nvSpPr>
+          <p:cNvPr id="7" name="Slide Number Placeholder 6">
+            <a:extLst>
+              <a:ext uri="{FF2B5EF4-FFF2-40B4-BE49-F238E27FC236}">
+                <a16:creationId xmlns:a16="http://schemas.microsoft.com/office/drawing/2014/main" id="{FF0D85E0-F097-C3A7-3B60-BC60A2FF9D9E}"/>
+              </a:ext>
+            </a:extLst>
+          </p:cNvPr>
+          <p:cNvSpPr>
+            <a:spLocks noGrp="1"/>
+          </p:cNvSpPr>
+          <p:nvPr>
+            <p:ph type="sldNum" sz="quarter" idx="12"/>
+          </p:nvPr>
+        </p:nvSpPr>
+        <p:spPr/>
+        <p:txBody>
+          <a:bodyPr/>
+          <a:lstStyle/>
+          <a:p>
+            <a:fld id="{92AF051A-FF74-2247-B065-E58DA1926FE1}" type="slidenum">
+              <a:rPr lang="en-US" smtClean="0"/>
+              <a:t>10</a:t>
+            </a:fld>
+            <a:endParaRPr lang="en-US"/>
+          </a:p>
+        </p:txBody>
+      </p:sp>
+      <p:sp>
+        <p:nvSpPr>
+          <p:cNvPr id="8" name="Content Placeholder 2">
+            <a:extLst>
+              <a:ext uri="{FF2B5EF4-FFF2-40B4-BE49-F238E27FC236}">
+                <a16:creationId xmlns:a16="http://schemas.microsoft.com/office/drawing/2014/main" id="{534484BE-41EB-C1FD-B523-9EE9677BDDBE}"/>
+              </a:ext>
+            </a:extLst>
+          </p:cNvPr>
+          <p:cNvSpPr txBox="1">
+            <a:spLocks/>
+          </p:cNvSpPr>
+          <p:nvPr/>
+        </p:nvSpPr>
+        <p:spPr>
+          <a:xfrm>
+            <a:off x="5936105" y="3498871"/>
+            <a:ext cx="5992860" cy="2950563"/>
+          </a:xfrm>
+          <a:prstGeom prst="rect">
+            <a:avLst/>
+          </a:prstGeom>
+        </p:spPr>
+        <p:txBody>
+          <a:bodyPr vert="horz" lIns="91440" tIns="45720" rIns="91440" bIns="45720" rtlCol="0">
+            <a:normAutofit/>
+          </a:bodyPr>
+          <a:lstStyle>
+            <a:lvl1pPr marL="228600" indent="-228600" algn="l" defTabSz="914400" rtl="0" eaLnBrk="1" latinLnBrk="0" hangingPunct="1">
+              <a:lnSpc>
+                <a:spcPct val="90000"/>
+              </a:lnSpc>
+              <a:spcBef>
+                <a:spcPts val="1000"/>
+              </a:spcBef>
+              <a:buFont typeface="Arial" panose="020B0604020202020204" pitchFamily="34" charset="0"/>
+              <a:buChar char="•"/>
+              <a:defRPr sz="2800" kern="1200">
+                <a:solidFill>
+                  <a:schemeClr val="tx1"/>
+                </a:solidFill>
+                <a:latin typeface="+mn-lt"/>
+                <a:ea typeface="+mn-ea"/>
+                <a:cs typeface="+mn-cs"/>
+              </a:defRPr>
+            </a:lvl1pPr>
+            <a:lvl2pPr marL="685800" indent="-228600" algn="l" defTabSz="914400" rtl="0" eaLnBrk="1" latinLnBrk="0" hangingPunct="1">
+              <a:lnSpc>
+                <a:spcPct val="90000"/>
+              </a:lnSpc>
+              <a:spcBef>
+                <a:spcPts val="500"/>
+              </a:spcBef>
+              <a:buFont typeface="Arial" panose="020B0604020202020204" pitchFamily="34" charset="0"/>
+              <a:buChar char="•"/>
+              <a:defRPr sz="2400" kern="1200">
+                <a:solidFill>
+                  <a:schemeClr val="tx1"/>
+                </a:solidFill>
+                <a:latin typeface="+mn-lt"/>
+                <a:ea typeface="+mn-ea"/>
+                <a:cs typeface="+mn-cs"/>
+              </a:defRPr>
+            </a:lvl2pPr>
+            <a:lvl3pPr marL="1143000" indent="-228600" algn="l" defTabSz="914400" rtl="0" eaLnBrk="1" latinLnBrk="0" hangingPunct="1">
+              <a:lnSpc>
+                <a:spcPct val="90000"/>
+              </a:lnSpc>
+              <a:spcBef>
+                <a:spcPts val="500"/>
+              </a:spcBef>
+              <a:buFont typeface="Arial" panose="020B0604020202020204" pitchFamily="34" charset="0"/>
+              <a:buChar char="•"/>
+              <a:defRPr sz="2000" kern="1200">
+                <a:solidFill>
+                  <a:schemeClr val="tx1"/>
+                </a:solidFill>
+                <a:latin typeface="+mn-lt"/>
+                <a:ea typeface="+mn-ea"/>
+                <a:cs typeface="+mn-cs"/>
+              </a:defRPr>
+            </a:lvl3pPr>
+            <a:lvl4pPr marL="1600200" indent="-228600" algn="l" defTabSz="914400" rtl="0" eaLnBrk="1" latinLnBrk="0" hangingPunct="1">
+              <a:lnSpc>
+                <a:spcPct val="90000"/>
+              </a:lnSpc>
+              <a:spcBef>
+                <a:spcPts val="500"/>
+              </a:spcBef>
+              <a:buFont typeface="Arial" panose="020B0604020202020204" pitchFamily="34" charset="0"/>
+              <a:buChar char="•"/>
+              <a:defRPr sz="1800" kern="1200">
+                <a:solidFill>
+                  <a:schemeClr val="tx1"/>
+                </a:solidFill>
+                <a:latin typeface="+mn-lt"/>
+                <a:ea typeface="+mn-ea"/>
+                <a:cs typeface="+mn-cs"/>
+              </a:defRPr>
+            </a:lvl4pPr>
+            <a:lvl5pPr marL="2057400" indent="-228600" algn="l" defTabSz="914400" rtl="0" eaLnBrk="1" latinLnBrk="0" hangingPunct="1">
+              <a:lnSpc>
+                <a:spcPct val="90000"/>
+              </a:lnSpc>
+              <a:spcBef>
+                <a:spcPts val="500"/>
+              </a:spcBef>
+              <a:buFont typeface="Arial" panose="020B0604020202020204" pitchFamily="34" charset="0"/>
+              <a:buChar char="•"/>
+              <a:defRPr sz="1800" kern="1200">
+                <a:solidFill>
+                  <a:schemeClr val="tx1"/>
+                </a:solidFill>
+                <a:latin typeface="+mn-lt"/>
+                <a:ea typeface="+mn-ea"/>
+                <a:cs typeface="+mn-cs"/>
+              </a:defRPr>
+            </a:lvl5pPr>
+            <a:lvl6pPr marL="2514600" indent="-228600" algn="l" defTabSz="914400" rtl="0" eaLnBrk="1" latinLnBrk="0" hangingPunct="1">
+              <a:lnSpc>
+                <a:spcPct val="90000"/>
+              </a:lnSpc>
+              <a:spcBef>
+                <a:spcPts val="500"/>
+              </a:spcBef>
+              <a:buFont typeface="Arial" panose="020B0604020202020204" pitchFamily="34" charset="0"/>
+              <a:buChar char="•"/>
+              <a:defRPr sz="1800" kern="1200">
+                <a:solidFill>
+                  <a:schemeClr val="tx1"/>
+                </a:solidFill>
+                <a:latin typeface="+mn-lt"/>
+                <a:ea typeface="+mn-ea"/>
+                <a:cs typeface="+mn-cs"/>
+              </a:defRPr>
+            </a:lvl6pPr>
+            <a:lvl7pPr marL="2971800" indent="-228600" algn="l" defTabSz="914400" rtl="0" eaLnBrk="1" latinLnBrk="0" hangingPunct="1">
+              <a:lnSpc>
+                <a:spcPct val="90000"/>
+              </a:lnSpc>
+              <a:spcBef>
+                <a:spcPts val="500"/>
+              </a:spcBef>
+              <a:buFont typeface="Arial" panose="020B0604020202020204" pitchFamily="34" charset="0"/>
+              <a:buChar char="•"/>
+              <a:defRPr sz="1800" kern="1200">
+                <a:solidFill>
+                  <a:schemeClr val="tx1"/>
+                </a:solidFill>
+                <a:latin typeface="+mn-lt"/>
+                <a:ea typeface="+mn-ea"/>
+                <a:cs typeface="+mn-cs"/>
+              </a:defRPr>
+            </a:lvl7pPr>
+            <a:lvl8pPr marL="3429000" indent="-228600" algn="l" defTabSz="914400" rtl="0" eaLnBrk="1" latinLnBrk="0" hangingPunct="1">
+              <a:lnSpc>
+                <a:spcPct val="90000"/>
+              </a:lnSpc>
+              <a:spcBef>
+                <a:spcPts val="500"/>
+              </a:spcBef>
+              <a:buFont typeface="Arial" panose="020B0604020202020204" pitchFamily="34" charset="0"/>
+              <a:buChar char="•"/>
+              <a:defRPr sz="1800" kern="1200">
+                <a:solidFill>
+                  <a:schemeClr val="tx1"/>
+                </a:solidFill>
+                <a:latin typeface="+mn-lt"/>
+                <a:ea typeface="+mn-ea"/>
+                <a:cs typeface="+mn-cs"/>
+              </a:defRPr>
+            </a:lvl8pPr>
+            <a:lvl9pPr marL="3886200" indent="-228600" algn="l" defTabSz="914400" rtl="0" eaLnBrk="1" latinLnBrk="0" hangingPunct="1">
+              <a:lnSpc>
+                <a:spcPct val="90000"/>
+              </a:lnSpc>
+              <a:spcBef>
+                <a:spcPts val="500"/>
+              </a:spcBef>
+              <a:buFont typeface="Arial" panose="020B0604020202020204" pitchFamily="34" charset="0"/>
+              <a:buChar char="•"/>
+              <a:defRPr sz="1800" kern="1200">
+                <a:solidFill>
+                  <a:schemeClr val="tx1"/>
+                </a:solidFill>
+                <a:latin typeface="+mn-lt"/>
+                <a:ea typeface="+mn-ea"/>
+                <a:cs typeface="+mn-cs"/>
+              </a:defRPr>
+            </a:lvl9pPr>
+          </a:lstStyle>
+          <a:p>
+            <a:r>
+              <a:rPr lang="en-US" sz="1800" dirty="0"/>
+              <a:t>Stronger-than-expected  car and truck sales</a:t>
+            </a:r>
+          </a:p>
+          <a:p>
+            <a:pPr lvl="1"/>
+            <a:r>
+              <a:rPr lang="en-US" sz="1400" dirty="0"/>
+              <a:t>A pick-up in car sales would imply a stronger economy that , in turn , leads to higher profits </a:t>
+            </a:r>
+          </a:p>
+          <a:p>
+            <a:pPr lvl="1"/>
+            <a:r>
+              <a:rPr lang="en-US" sz="1400" dirty="0"/>
+              <a:t>A more rapid pace of car sales implies faster growth of both the consumption component of GDP and GDP itself</a:t>
+            </a:r>
+          </a:p>
+          <a:p>
+            <a:pPr lvl="1"/>
+            <a:r>
+              <a:rPr lang="en-US" sz="1400" dirty="0"/>
+              <a:t>A pickup in the pace of the economic activity could induce the Federal Reserve to tighten monetary policy by increasing interest rates.</a:t>
+            </a:r>
+          </a:p>
+          <a:p>
+            <a:r>
+              <a:rPr lang="en-US" sz="1800" dirty="0"/>
+              <a:t>Weaker than expected  car and truck sales</a:t>
+            </a:r>
+          </a:p>
+          <a:p>
+            <a:pPr lvl="1"/>
+            <a:r>
+              <a:rPr lang="en-US" sz="1400" dirty="0"/>
+              <a:t>The opposite of the above takes place</a:t>
+            </a:r>
+          </a:p>
+          <a:p>
+            <a:pPr marL="457200" lvl="1" indent="0">
+              <a:buNone/>
+            </a:pPr>
+            <a:endParaRPr lang="en-US" sz="1000" dirty="0"/>
+          </a:p>
+        </p:txBody>
+      </p:sp>
+    </p:spTree>
+    <p:extLst>
+      <p:ext uri="{BB962C8B-B14F-4D97-AF65-F5344CB8AC3E}">
+        <p14:creationId xmlns:p14="http://schemas.microsoft.com/office/powerpoint/2010/main" val="1390540734"/>
+      </p:ext>
+    </p:extLst>
+  </p:cSld>
+  <p:clrMapOvr>
+    <a:masterClrMapping/>
+  </p:clrMapOvr>
+</p:sld>
+</file>
+
+<file path=ppt/slides/slide11.xml><?xml version="1.0" encoding="utf-8"?>
+<p:sld xmlns:a="http://schemas.openxmlformats.org/drawingml/2006/main" xmlns:r="http://schemas.openxmlformats.org/officeDocument/2006/relationships" xmlns:p="http://schemas.openxmlformats.org/presentationml/2006/main">
+  <p:cSld>
+    <p:spTree>
+      <p:nvGrpSpPr>
+        <p:cNvPr id="1" name=""/>
+        <p:cNvGrpSpPr/>
+        <p:nvPr/>
+      </p:nvGrpSpPr>
+      <p:grpSpPr>
+        <a:xfrm>
+          <a:off x="0" y="0"/>
+          <a:ext cx="0" cy="0"/>
+          <a:chOff x="0" y="0"/>
+          <a:chExt cx="0" cy="0"/>
+        </a:xfrm>
+      </p:grpSpPr>
+      <p:sp>
+        <p:nvSpPr>
+          <p:cNvPr id="2" name="Title 1">
+            <a:extLst>
+              <a:ext uri="{FF2B5EF4-FFF2-40B4-BE49-F238E27FC236}">
+                <a16:creationId xmlns:a16="http://schemas.microsoft.com/office/drawing/2014/main" id="{8F472D5F-0FB4-D021-4D29-026FA6C8E9E1}"/>
+              </a:ext>
+            </a:extLst>
+          </p:cNvPr>
+          <p:cNvSpPr>
+            <a:spLocks noGrp="1"/>
+          </p:cNvSpPr>
+          <p:nvPr>
+            <p:ph type="title"/>
+          </p:nvPr>
+        </p:nvSpPr>
+        <p:spPr>
+          <a:xfrm>
+            <a:off x="126168" y="0"/>
+            <a:ext cx="7601262" cy="864068"/>
+          </a:xfrm>
+        </p:spPr>
+        <p:txBody>
+          <a:bodyPr/>
+          <a:lstStyle/>
+          <a:p>
+            <a:r>
+              <a:rPr lang="en-US" dirty="0"/>
+              <a:t>The purchasing managers’ index </a:t>
+            </a:r>
+          </a:p>
+        </p:txBody>
+      </p:sp>
+      <p:sp>
+        <p:nvSpPr>
+          <p:cNvPr id="3" name="Content Placeholder 2">
+            <a:extLst>
+              <a:ext uri="{FF2B5EF4-FFF2-40B4-BE49-F238E27FC236}">
+                <a16:creationId xmlns:a16="http://schemas.microsoft.com/office/drawing/2014/main" id="{5FC5E8E8-FB64-99C3-0264-1A914BE419B7}"/>
+              </a:ext>
+            </a:extLst>
+          </p:cNvPr>
+          <p:cNvSpPr>
+            <a:spLocks noGrp="1"/>
+          </p:cNvSpPr>
+          <p:nvPr>
+            <p:ph idx="1"/>
+          </p:nvPr>
+        </p:nvSpPr>
+        <p:spPr>
+          <a:xfrm>
+            <a:off x="195777" y="918720"/>
+            <a:ext cx="5200682" cy="5527050"/>
+          </a:xfrm>
+        </p:spPr>
+        <p:txBody>
+          <a:bodyPr>
+            <a:normAutofit fontScale="85000" lnSpcReduction="20000"/>
+          </a:bodyPr>
+          <a:lstStyle/>
+          <a:p>
+            <a:r>
+              <a:rPr lang="en-US" dirty="0"/>
+              <a:t>The National Association of Purchasing  Management (NAPM)Provides the first comprehensive look at the manufacturing sector via its “diffusion index”</a:t>
+            </a:r>
+          </a:p>
+          <a:p>
+            <a:r>
+              <a:rPr lang="en-US" dirty="0"/>
+              <a:t>The NAPM index tracks the economy’s ups and downs fairly well</a:t>
+            </a:r>
+          </a:p>
+          <a:p>
+            <a:r>
+              <a:rPr lang="en-US" dirty="0"/>
+              <a:t>Obtained directly from purchasing executives in over 250 industrial companies</a:t>
+            </a:r>
+          </a:p>
+          <a:p>
+            <a:pPr lvl="1"/>
+            <a:r>
+              <a:rPr lang="en-US" dirty="0"/>
+              <a:t>21 industries in 50 states are represented on the business survey committee</a:t>
+            </a:r>
+          </a:p>
+          <a:p>
+            <a:pPr lvl="1"/>
+            <a:r>
+              <a:rPr lang="en-US" dirty="0"/>
+              <a:t>Participants respond to a questionnaire regarding production, orders, commodity prices, inventories, vendor performance, and employment by generally characterizing activity in each category as up, down or unchanged. </a:t>
+            </a:r>
+          </a:p>
+          <a:p>
+            <a:r>
+              <a:rPr lang="en-US" dirty="0"/>
+              <a:t>Timely </a:t>
+            </a:r>
+          </a:p>
+        </p:txBody>
+      </p:sp>
+      <p:graphicFrame>
+        <p:nvGraphicFramePr>
+          <p:cNvPr id="4" name="Content Placeholder 3">
+            <a:extLst>
+              <a:ext uri="{FF2B5EF4-FFF2-40B4-BE49-F238E27FC236}">
+                <a16:creationId xmlns:a16="http://schemas.microsoft.com/office/drawing/2014/main" id="{029B60D1-9817-312F-3012-5EBC57F30B1A}"/>
+              </a:ext>
+            </a:extLst>
+          </p:cNvPr>
+          <p:cNvGraphicFramePr>
+            <a:graphicFrameLocks/>
+          </p:cNvGraphicFramePr>
+          <p:nvPr>
+            <p:extLst>
+              <p:ext uri="{D42A27DB-BD31-4B8C-83A1-F6EECF244321}">
+                <p14:modId xmlns:p14="http://schemas.microsoft.com/office/powerpoint/2010/main" val="71497502"/>
+              </p:ext>
+            </p:extLst>
+          </p:nvPr>
+        </p:nvGraphicFramePr>
+        <p:xfrm>
+          <a:off x="5453577" y="1137920"/>
           <a:ext cx="6572250" cy="2291080"/>
         </p:xfrm>
         <a:graphic>
@@ -3933,6 +5271,265 @@
           </a:graphicData>
         </a:graphic>
       </p:graphicFrame>
+      <p:sp>
+        <p:nvSpPr>
+          <p:cNvPr id="5" name="Slide Number Placeholder 4">
+            <a:extLst>
+              <a:ext uri="{FF2B5EF4-FFF2-40B4-BE49-F238E27FC236}">
+                <a16:creationId xmlns:a16="http://schemas.microsoft.com/office/drawing/2014/main" id="{42F1B6E5-7F9C-9478-847C-D4AF7B341A86}"/>
+              </a:ext>
+            </a:extLst>
+          </p:cNvPr>
+          <p:cNvSpPr>
+            <a:spLocks noGrp="1"/>
+          </p:cNvSpPr>
+          <p:nvPr>
+            <p:ph type="sldNum" sz="quarter" idx="12"/>
+          </p:nvPr>
+        </p:nvSpPr>
+        <p:spPr/>
+        <p:txBody>
+          <a:bodyPr/>
+          <a:lstStyle/>
+          <a:p>
+            <a:fld id="{92AF051A-FF74-2247-B065-E58DA1926FE1}" type="slidenum">
+              <a:rPr lang="en-US" smtClean="0"/>
+              <a:t>11</a:t>
+            </a:fld>
+            <a:endParaRPr lang="en-US"/>
+          </a:p>
+        </p:txBody>
+      </p:sp>
+      <p:sp>
+        <p:nvSpPr>
+          <p:cNvPr id="6" name="Content Placeholder 2">
+            <a:extLst>
+              <a:ext uri="{FF2B5EF4-FFF2-40B4-BE49-F238E27FC236}">
+                <a16:creationId xmlns:a16="http://schemas.microsoft.com/office/drawing/2014/main" id="{477D788C-E1D1-0EB5-4F20-31B76190D9DA}"/>
+              </a:ext>
+            </a:extLst>
+          </p:cNvPr>
+          <p:cNvSpPr txBox="1">
+            <a:spLocks/>
+          </p:cNvSpPr>
+          <p:nvPr/>
+        </p:nvSpPr>
+        <p:spPr>
+          <a:xfrm>
+            <a:off x="5936105" y="3498871"/>
+            <a:ext cx="5992860" cy="2950563"/>
+          </a:xfrm>
+          <a:prstGeom prst="rect">
+            <a:avLst/>
+          </a:prstGeom>
+        </p:spPr>
+        <p:txBody>
+          <a:bodyPr vert="horz" lIns="91440" tIns="45720" rIns="91440" bIns="45720" rtlCol="0">
+            <a:normAutofit lnSpcReduction="10000"/>
+          </a:bodyPr>
+          <a:lstStyle>
+            <a:lvl1pPr marL="228600" indent="-228600" algn="l" defTabSz="914400" rtl="0" eaLnBrk="1" latinLnBrk="0" hangingPunct="1">
+              <a:lnSpc>
+                <a:spcPct val="90000"/>
+              </a:lnSpc>
+              <a:spcBef>
+                <a:spcPts val="1000"/>
+              </a:spcBef>
+              <a:buFont typeface="Arial" panose="020B0604020202020204" pitchFamily="34" charset="0"/>
+              <a:buChar char="•"/>
+              <a:defRPr sz="2800" kern="1200">
+                <a:solidFill>
+                  <a:schemeClr val="tx1"/>
+                </a:solidFill>
+                <a:latin typeface="+mn-lt"/>
+                <a:ea typeface="+mn-ea"/>
+                <a:cs typeface="+mn-cs"/>
+              </a:defRPr>
+            </a:lvl1pPr>
+            <a:lvl2pPr marL="685800" indent="-228600" algn="l" defTabSz="914400" rtl="0" eaLnBrk="1" latinLnBrk="0" hangingPunct="1">
+              <a:lnSpc>
+                <a:spcPct val="90000"/>
+              </a:lnSpc>
+              <a:spcBef>
+                <a:spcPts val="500"/>
+              </a:spcBef>
+              <a:buFont typeface="Arial" panose="020B0604020202020204" pitchFamily="34" charset="0"/>
+              <a:buChar char="•"/>
+              <a:defRPr sz="2400" kern="1200">
+                <a:solidFill>
+                  <a:schemeClr val="tx1"/>
+                </a:solidFill>
+                <a:latin typeface="+mn-lt"/>
+                <a:ea typeface="+mn-ea"/>
+                <a:cs typeface="+mn-cs"/>
+              </a:defRPr>
+            </a:lvl2pPr>
+            <a:lvl3pPr marL="1143000" indent="-228600" algn="l" defTabSz="914400" rtl="0" eaLnBrk="1" latinLnBrk="0" hangingPunct="1">
+              <a:lnSpc>
+                <a:spcPct val="90000"/>
+              </a:lnSpc>
+              <a:spcBef>
+                <a:spcPts val="500"/>
+              </a:spcBef>
+              <a:buFont typeface="Arial" panose="020B0604020202020204" pitchFamily="34" charset="0"/>
+              <a:buChar char="•"/>
+              <a:defRPr sz="2000" kern="1200">
+                <a:solidFill>
+                  <a:schemeClr val="tx1"/>
+                </a:solidFill>
+                <a:latin typeface="+mn-lt"/>
+                <a:ea typeface="+mn-ea"/>
+                <a:cs typeface="+mn-cs"/>
+              </a:defRPr>
+            </a:lvl3pPr>
+            <a:lvl4pPr marL="1600200" indent="-228600" algn="l" defTabSz="914400" rtl="0" eaLnBrk="1" latinLnBrk="0" hangingPunct="1">
+              <a:lnSpc>
+                <a:spcPct val="90000"/>
+              </a:lnSpc>
+              <a:spcBef>
+                <a:spcPts val="500"/>
+              </a:spcBef>
+              <a:buFont typeface="Arial" panose="020B0604020202020204" pitchFamily="34" charset="0"/>
+              <a:buChar char="•"/>
+              <a:defRPr sz="1800" kern="1200">
+                <a:solidFill>
+                  <a:schemeClr val="tx1"/>
+                </a:solidFill>
+                <a:latin typeface="+mn-lt"/>
+                <a:ea typeface="+mn-ea"/>
+                <a:cs typeface="+mn-cs"/>
+              </a:defRPr>
+            </a:lvl4pPr>
+            <a:lvl5pPr marL="2057400" indent="-228600" algn="l" defTabSz="914400" rtl="0" eaLnBrk="1" latinLnBrk="0" hangingPunct="1">
+              <a:lnSpc>
+                <a:spcPct val="90000"/>
+              </a:lnSpc>
+              <a:spcBef>
+                <a:spcPts val="500"/>
+              </a:spcBef>
+              <a:buFont typeface="Arial" panose="020B0604020202020204" pitchFamily="34" charset="0"/>
+              <a:buChar char="•"/>
+              <a:defRPr sz="1800" kern="1200">
+                <a:solidFill>
+                  <a:schemeClr val="tx1"/>
+                </a:solidFill>
+                <a:latin typeface="+mn-lt"/>
+                <a:ea typeface="+mn-ea"/>
+                <a:cs typeface="+mn-cs"/>
+              </a:defRPr>
+            </a:lvl5pPr>
+            <a:lvl6pPr marL="2514600" indent="-228600" algn="l" defTabSz="914400" rtl="0" eaLnBrk="1" latinLnBrk="0" hangingPunct="1">
+              <a:lnSpc>
+                <a:spcPct val="90000"/>
+              </a:lnSpc>
+              <a:spcBef>
+                <a:spcPts val="500"/>
+              </a:spcBef>
+              <a:buFont typeface="Arial" panose="020B0604020202020204" pitchFamily="34" charset="0"/>
+              <a:buChar char="•"/>
+              <a:defRPr sz="1800" kern="1200">
+                <a:solidFill>
+                  <a:schemeClr val="tx1"/>
+                </a:solidFill>
+                <a:latin typeface="+mn-lt"/>
+                <a:ea typeface="+mn-ea"/>
+                <a:cs typeface="+mn-cs"/>
+              </a:defRPr>
+            </a:lvl6pPr>
+            <a:lvl7pPr marL="2971800" indent="-228600" algn="l" defTabSz="914400" rtl="0" eaLnBrk="1" latinLnBrk="0" hangingPunct="1">
+              <a:lnSpc>
+                <a:spcPct val="90000"/>
+              </a:lnSpc>
+              <a:spcBef>
+                <a:spcPts val="500"/>
+              </a:spcBef>
+              <a:buFont typeface="Arial" panose="020B0604020202020204" pitchFamily="34" charset="0"/>
+              <a:buChar char="•"/>
+              <a:defRPr sz="1800" kern="1200">
+                <a:solidFill>
+                  <a:schemeClr val="tx1"/>
+                </a:solidFill>
+                <a:latin typeface="+mn-lt"/>
+                <a:ea typeface="+mn-ea"/>
+                <a:cs typeface="+mn-cs"/>
+              </a:defRPr>
+            </a:lvl7pPr>
+            <a:lvl8pPr marL="3429000" indent="-228600" algn="l" defTabSz="914400" rtl="0" eaLnBrk="1" latinLnBrk="0" hangingPunct="1">
+              <a:lnSpc>
+                <a:spcPct val="90000"/>
+              </a:lnSpc>
+              <a:spcBef>
+                <a:spcPts val="500"/>
+              </a:spcBef>
+              <a:buFont typeface="Arial" panose="020B0604020202020204" pitchFamily="34" charset="0"/>
+              <a:buChar char="•"/>
+              <a:defRPr sz="1800" kern="1200">
+                <a:solidFill>
+                  <a:schemeClr val="tx1"/>
+                </a:solidFill>
+                <a:latin typeface="+mn-lt"/>
+                <a:ea typeface="+mn-ea"/>
+                <a:cs typeface="+mn-cs"/>
+              </a:defRPr>
+            </a:lvl8pPr>
+            <a:lvl9pPr marL="3886200" indent="-228600" algn="l" defTabSz="914400" rtl="0" eaLnBrk="1" latinLnBrk="0" hangingPunct="1">
+              <a:lnSpc>
+                <a:spcPct val="90000"/>
+              </a:lnSpc>
+              <a:spcBef>
+                <a:spcPts val="500"/>
+              </a:spcBef>
+              <a:buFont typeface="Arial" panose="020B0604020202020204" pitchFamily="34" charset="0"/>
+              <a:buChar char="•"/>
+              <a:defRPr sz="1800" kern="1200">
+                <a:solidFill>
+                  <a:schemeClr val="tx1"/>
+                </a:solidFill>
+                <a:latin typeface="+mn-lt"/>
+                <a:ea typeface="+mn-ea"/>
+                <a:cs typeface="+mn-cs"/>
+              </a:defRPr>
+            </a:lvl9pPr>
+          </a:lstStyle>
+          <a:p>
+            <a:r>
+              <a:rPr lang="en-US" sz="1800" dirty="0"/>
+              <a:t>A reading of 50 can be thought of as a swing point</a:t>
+            </a:r>
+          </a:p>
+          <a:p>
+            <a:r>
+              <a:rPr lang="en-US" sz="1800" dirty="0"/>
+              <a:t>A reading above 50 implies an orders increase</a:t>
+            </a:r>
+          </a:p>
+          <a:p>
+            <a:r>
+              <a:rPr lang="en-US" sz="1800" dirty="0"/>
+              <a:t>A reading below 50 indicates an orders decline</a:t>
+            </a:r>
+          </a:p>
+          <a:p>
+            <a:r>
+              <a:rPr lang="en-US" sz="1800" dirty="0"/>
+              <a:t>As a rule of thumb, when the NAPM index approaches 60, you can bet investors will begin to worry about the consequences  of an overheated economy – higher inflation, bottlenecks, and a Fed Reserve leaning in the direction of tighter credit</a:t>
+            </a:r>
+          </a:p>
+          <a:p>
+            <a:r>
+              <a:rPr lang="en-US" sz="1800" dirty="0"/>
+              <a:t>A slide towards 40 strongly suggests that a recession is near at hand.</a:t>
+            </a:r>
+            <a:endParaRPr lang="en-US" sz="1400" dirty="0"/>
+          </a:p>
+          <a:p>
+            <a:pPr marL="457200" lvl="1" indent="0">
+              <a:buNone/>
+            </a:pPr>
+            <a:endParaRPr lang="en-US" sz="1000" dirty="0"/>
+          </a:p>
+        </p:txBody>
+      </p:sp>
     </p:spTree>
     <p:extLst>
       <p:ext uri="{BB962C8B-B14F-4D97-AF65-F5344CB8AC3E}">
@@ -3946,7 +5543,7 @@
 </p:sld>
 </file>
 
-<file path=ppt/slides/slide11.xml><?xml version="1.0" encoding="utf-8"?>
+<file path=ppt/slides/slide12.xml><?xml version="1.0" encoding="utf-8"?>
 <p:sld xmlns:a="http://schemas.openxmlformats.org/drawingml/2006/main" xmlns:r="http://schemas.openxmlformats.org/officeDocument/2006/relationships" xmlns:p="http://schemas.openxmlformats.org/presentationml/2006/main">
   <p:cSld>
     <p:spTree>
@@ -3979,14 +5576,28 @@
             <p:ph type="title"/>
           </p:nvPr>
         </p:nvSpPr>
-        <p:spPr/>
+        <p:spPr>
+          <a:xfrm>
+            <a:off x="186128" y="136525"/>
+            <a:ext cx="4723151" cy="915354"/>
+          </a:xfrm>
+        </p:spPr>
         <p:txBody>
-          <a:bodyPr/>
+          <a:bodyPr>
+            <a:normAutofit/>
+          </a:bodyPr>
           <a:lstStyle/>
           <a:p>
             <a:r>
               <a:rPr lang="en-US" dirty="0"/>
-              <a:t>Employment (The king of the kings)</a:t>
+              <a:t>Employment (1) </a:t>
+            </a:r>
+            <a:br>
+              <a:rPr lang="en-US" dirty="0"/>
+            </a:br>
+            <a:r>
+              <a:rPr lang="en-US" sz="1600" dirty="0"/>
+              <a:t>(The king of the kings)</a:t>
             </a:r>
           </a:p>
         </p:txBody>
@@ -4007,12 +5618,27 @@
             <p:ph idx="1"/>
           </p:nvPr>
         </p:nvSpPr>
-        <p:spPr/>
+        <p:spPr>
+          <a:xfrm>
+            <a:off x="186128" y="1128582"/>
+            <a:ext cx="10515600" cy="4351338"/>
+          </a:xfrm>
+        </p:spPr>
         <p:txBody>
           <a:bodyPr/>
           <a:lstStyle/>
           <a:p>
-            <a:endParaRPr lang="en-US"/>
+            <a:r>
+              <a:rPr lang="en-US" dirty="0"/>
+              <a:t>Payroll employment</a:t>
+            </a:r>
+          </a:p>
+          <a:p>
+            <a:pPr lvl="1"/>
+            <a:r>
+              <a:rPr lang="en-US" dirty="0"/>
+              <a:t>Coincident indicator </a:t>
+            </a:r>
           </a:p>
         </p:txBody>
       </p:sp>
@@ -4031,13 +5657,13 @@
           <p:nvPr>
             <p:extLst>
               <p:ext uri="{D42A27DB-BD31-4B8C-83A1-F6EECF244321}">
-                <p14:modId xmlns:p14="http://schemas.microsoft.com/office/powerpoint/2010/main" val="3920342376"/>
+                <p14:modId xmlns:p14="http://schemas.microsoft.com/office/powerpoint/2010/main" val="1355872386"/>
               </p:ext>
             </p:extLst>
           </p:nvPr>
         </p:nvGraphicFramePr>
         <p:xfrm>
-          <a:off x="2443800" y="1459866"/>
+          <a:off x="5443928" y="136525"/>
           <a:ext cx="6572250" cy="2291080"/>
         </p:xfrm>
         <a:graphic>
@@ -4454,6 +6080,135 @@
           </a:graphicData>
         </a:graphic>
       </p:graphicFrame>
+      <p:sp>
+        <p:nvSpPr>
+          <p:cNvPr id="6" name="Slide Number Placeholder 5">
+            <a:extLst>
+              <a:ext uri="{FF2B5EF4-FFF2-40B4-BE49-F238E27FC236}">
+                <a16:creationId xmlns:a16="http://schemas.microsoft.com/office/drawing/2014/main" id="{9C43B2DD-0005-7589-F0CE-BCD0C21B435D}"/>
+              </a:ext>
+            </a:extLst>
+          </p:cNvPr>
+          <p:cNvSpPr>
+            <a:spLocks noGrp="1"/>
+          </p:cNvSpPr>
+          <p:nvPr>
+            <p:ph type="sldNum" sz="quarter" idx="12"/>
+          </p:nvPr>
+        </p:nvSpPr>
+        <p:spPr/>
+        <p:txBody>
+          <a:bodyPr/>
+          <a:lstStyle/>
+          <a:p>
+            <a:fld id="{92AF051A-FF74-2247-B065-E58DA1926FE1}" type="slidenum">
+              <a:rPr lang="en-US" smtClean="0"/>
+              <a:t>12</a:t>
+            </a:fld>
+            <a:endParaRPr lang="en-US"/>
+          </a:p>
+        </p:txBody>
+      </p:sp>
+    </p:spTree>
+    <p:extLst>
+      <p:ext uri="{BB962C8B-B14F-4D97-AF65-F5344CB8AC3E}">
+        <p14:creationId xmlns:p14="http://schemas.microsoft.com/office/powerpoint/2010/main" val="3754857710"/>
+      </p:ext>
+    </p:extLst>
+  </p:cSld>
+  <p:clrMapOvr>
+    <a:masterClrMapping/>
+  </p:clrMapOvr>
+</p:sld>
+</file>
+
+<file path=ppt/slides/slide13.xml><?xml version="1.0" encoding="utf-8"?>
+<p:sld xmlns:a="http://schemas.openxmlformats.org/drawingml/2006/main" xmlns:r="http://schemas.openxmlformats.org/officeDocument/2006/relationships" xmlns:p="http://schemas.openxmlformats.org/presentationml/2006/main">
+  <p:cSld>
+    <p:spTree>
+      <p:nvGrpSpPr>
+        <p:cNvPr id="1" name=""/>
+        <p:cNvGrpSpPr/>
+        <p:nvPr/>
+      </p:nvGrpSpPr>
+      <p:grpSpPr>
+        <a:xfrm>
+          <a:off x="0" y="0"/>
+          <a:ext cx="0" cy="0"/>
+          <a:chOff x="0" y="0"/>
+          <a:chExt cx="0" cy="0"/>
+        </a:xfrm>
+      </p:grpSpPr>
+      <p:sp>
+        <p:nvSpPr>
+          <p:cNvPr id="2" name="Title 1">
+            <a:extLst>
+              <a:ext uri="{FF2B5EF4-FFF2-40B4-BE49-F238E27FC236}">
+                <a16:creationId xmlns:a16="http://schemas.microsoft.com/office/drawing/2014/main" id="{F68665A5-0776-AF40-E93D-D5844DEB5CA8}"/>
+              </a:ext>
+            </a:extLst>
+          </p:cNvPr>
+          <p:cNvSpPr>
+            <a:spLocks noGrp="1"/>
+          </p:cNvSpPr>
+          <p:nvPr>
+            <p:ph type="title"/>
+          </p:nvPr>
+        </p:nvSpPr>
+        <p:spPr>
+          <a:xfrm>
+            <a:off x="186128" y="136525"/>
+            <a:ext cx="10515600" cy="915354"/>
+          </a:xfrm>
+        </p:spPr>
+        <p:txBody>
+          <a:bodyPr>
+            <a:normAutofit/>
+          </a:bodyPr>
+          <a:lstStyle/>
+          <a:p>
+            <a:r>
+              <a:rPr lang="en-US" dirty="0"/>
+              <a:t>Employment (2)</a:t>
+            </a:r>
+            <a:br>
+              <a:rPr lang="en-US" dirty="0"/>
+            </a:br>
+            <a:r>
+              <a:rPr lang="en-US" sz="1600" dirty="0"/>
+              <a:t>(The king of the kings)</a:t>
+            </a:r>
+          </a:p>
+        </p:txBody>
+      </p:sp>
+      <p:sp>
+        <p:nvSpPr>
+          <p:cNvPr id="3" name="Content Placeholder 2">
+            <a:extLst>
+              <a:ext uri="{FF2B5EF4-FFF2-40B4-BE49-F238E27FC236}">
+                <a16:creationId xmlns:a16="http://schemas.microsoft.com/office/drawing/2014/main" id="{43BDE805-616B-0C0D-C213-D4AD3BBACEA0}"/>
+              </a:ext>
+            </a:extLst>
+          </p:cNvPr>
+          <p:cNvSpPr>
+            <a:spLocks noGrp="1"/>
+          </p:cNvSpPr>
+          <p:nvPr>
+            <p:ph idx="1"/>
+          </p:nvPr>
+        </p:nvSpPr>
+        <p:spPr/>
+        <p:txBody>
+          <a:bodyPr/>
+          <a:lstStyle/>
+          <a:p>
+            <a:r>
+              <a:rPr lang="en-US" dirty="0"/>
+              <a:t>Unemployment rate</a:t>
+            </a:r>
+          </a:p>
+        </p:txBody>
+      </p:sp>
       <p:graphicFrame>
         <p:nvGraphicFramePr>
           <p:cNvPr id="5" name="Content Placeholder 3">
@@ -4469,13 +6224,13 @@
           <p:nvPr>
             <p:extLst>
               <p:ext uri="{D42A27DB-BD31-4B8C-83A1-F6EECF244321}">
-                <p14:modId xmlns:p14="http://schemas.microsoft.com/office/powerpoint/2010/main" val="2840933760"/>
+                <p14:modId xmlns:p14="http://schemas.microsoft.com/office/powerpoint/2010/main" val="1324806995"/>
               </p:ext>
             </p:extLst>
           </p:nvPr>
         </p:nvGraphicFramePr>
         <p:xfrm>
-          <a:off x="2373000" y="3885883"/>
+          <a:off x="5513439" y="243273"/>
           <a:ext cx="6572250" cy="2291080"/>
         </p:xfrm>
         <a:graphic>
@@ -4892,10 +6647,39 @@
           </a:graphicData>
         </a:graphic>
       </p:graphicFrame>
+      <p:sp>
+        <p:nvSpPr>
+          <p:cNvPr id="6" name="Slide Number Placeholder 5">
+            <a:extLst>
+              <a:ext uri="{FF2B5EF4-FFF2-40B4-BE49-F238E27FC236}">
+                <a16:creationId xmlns:a16="http://schemas.microsoft.com/office/drawing/2014/main" id="{9C43B2DD-0005-7589-F0CE-BCD0C21B435D}"/>
+              </a:ext>
+            </a:extLst>
+          </p:cNvPr>
+          <p:cNvSpPr>
+            <a:spLocks noGrp="1"/>
+          </p:cNvSpPr>
+          <p:nvPr>
+            <p:ph type="sldNum" sz="quarter" idx="12"/>
+          </p:nvPr>
+        </p:nvSpPr>
+        <p:spPr/>
+        <p:txBody>
+          <a:bodyPr/>
+          <a:lstStyle/>
+          <a:p>
+            <a:fld id="{92AF051A-FF74-2247-B065-E58DA1926FE1}" type="slidenum">
+              <a:rPr lang="en-US" smtClean="0"/>
+              <a:t>13</a:t>
+            </a:fld>
+            <a:endParaRPr lang="en-US"/>
+          </a:p>
+        </p:txBody>
+      </p:sp>
     </p:spTree>
     <p:extLst>
       <p:ext uri="{BB962C8B-B14F-4D97-AF65-F5344CB8AC3E}">
-        <p14:creationId xmlns:p14="http://schemas.microsoft.com/office/powerpoint/2010/main" val="3754857710"/>
+        <p14:creationId xmlns:p14="http://schemas.microsoft.com/office/powerpoint/2010/main" val="972704525"/>
       </p:ext>
     </p:extLst>
   </p:cSld>
@@ -4905,7 +6689,7 @@
 </p:sld>
 </file>
 
-<file path=ppt/slides/slide12.xml><?xml version="1.0" encoding="utf-8"?>
+<file path=ppt/slides/slide14.xml><?xml version="1.0" encoding="utf-8"?>
 <p:sld xmlns:a="http://schemas.openxmlformats.org/drawingml/2006/main" xmlns:r="http://schemas.openxmlformats.org/officeDocument/2006/relationships" xmlns:p="http://schemas.openxmlformats.org/presentationml/2006/main">
   <p:cSld>
     <p:spTree>
@@ -5418,6 +7202,35 @@
           </a:graphicData>
         </a:graphic>
       </p:graphicFrame>
+      <p:sp>
+        <p:nvSpPr>
+          <p:cNvPr id="5" name="Slide Number Placeholder 4">
+            <a:extLst>
+              <a:ext uri="{FF2B5EF4-FFF2-40B4-BE49-F238E27FC236}">
+                <a16:creationId xmlns:a16="http://schemas.microsoft.com/office/drawing/2014/main" id="{F3DB9FEC-A804-0544-27E6-CC333A6AEB54}"/>
+              </a:ext>
+            </a:extLst>
+          </p:cNvPr>
+          <p:cNvSpPr>
+            <a:spLocks noGrp="1"/>
+          </p:cNvSpPr>
+          <p:nvPr>
+            <p:ph type="sldNum" sz="quarter" idx="12"/>
+          </p:nvPr>
+        </p:nvSpPr>
+        <p:spPr/>
+        <p:txBody>
+          <a:bodyPr/>
+          <a:lstStyle/>
+          <a:p>
+            <a:fld id="{92AF051A-FF74-2247-B065-E58DA1926FE1}" type="slidenum">
+              <a:rPr lang="en-US" smtClean="0"/>
+              <a:t>14</a:t>
+            </a:fld>
+            <a:endParaRPr lang="en-US"/>
+          </a:p>
+        </p:txBody>
+      </p:sp>
     </p:spTree>
     <p:extLst>
       <p:ext uri="{BB962C8B-B14F-4D97-AF65-F5344CB8AC3E}">
@@ -5431,7 +7244,7 @@
 </p:sld>
 </file>
 
-<file path=ppt/slides/slide13.xml><?xml version="1.0" encoding="utf-8"?>
+<file path=ppt/slides/slide15.xml><?xml version="1.0" encoding="utf-8"?>
 <p:sld xmlns:a="http://schemas.openxmlformats.org/drawingml/2006/main" xmlns:r="http://schemas.openxmlformats.org/officeDocument/2006/relationships" xmlns:p="http://schemas.openxmlformats.org/presentationml/2006/main">
   <p:cSld>
     <p:spTree>
@@ -5944,6 +7757,35 @@
           </a:graphicData>
         </a:graphic>
       </p:graphicFrame>
+      <p:sp>
+        <p:nvSpPr>
+          <p:cNvPr id="7" name="Slide Number Placeholder 6">
+            <a:extLst>
+              <a:ext uri="{FF2B5EF4-FFF2-40B4-BE49-F238E27FC236}">
+                <a16:creationId xmlns:a16="http://schemas.microsoft.com/office/drawing/2014/main" id="{6AF4A745-9F9A-94A0-0E52-7430CD0319C1}"/>
+              </a:ext>
+            </a:extLst>
+          </p:cNvPr>
+          <p:cNvSpPr>
+            <a:spLocks noGrp="1"/>
+          </p:cNvSpPr>
+          <p:nvPr>
+            <p:ph type="sldNum" sz="quarter" idx="12"/>
+          </p:nvPr>
+        </p:nvSpPr>
+        <p:spPr/>
+        <p:txBody>
+          <a:bodyPr/>
+          <a:lstStyle/>
+          <a:p>
+            <a:fld id="{92AF051A-FF74-2247-B065-E58DA1926FE1}" type="slidenum">
+              <a:rPr lang="en-US" smtClean="0"/>
+              <a:t>15</a:t>
+            </a:fld>
+            <a:endParaRPr lang="en-US"/>
+          </a:p>
+        </p:txBody>
+      </p:sp>
     </p:spTree>
     <p:extLst>
       <p:ext uri="{BB962C8B-B14F-4D97-AF65-F5344CB8AC3E}">
@@ -5957,7 +7799,7 @@
 </p:sld>
 </file>
 
-<file path=ppt/slides/slide14.xml><?xml version="1.0" encoding="utf-8"?>
+<file path=ppt/slides/slide16.xml><?xml version="1.0" encoding="utf-8"?>
 <p:sld xmlns:a="http://schemas.openxmlformats.org/drawingml/2006/main" xmlns:r="http://schemas.openxmlformats.org/officeDocument/2006/relationships" xmlns:p="http://schemas.openxmlformats.org/presentationml/2006/main">
   <p:cSld>
     <p:spTree>
@@ -6912,6 +8754,35 @@
           </a:graphicData>
         </a:graphic>
       </p:graphicFrame>
+      <p:sp>
+        <p:nvSpPr>
+          <p:cNvPr id="6" name="Slide Number Placeholder 5">
+            <a:extLst>
+              <a:ext uri="{FF2B5EF4-FFF2-40B4-BE49-F238E27FC236}">
+                <a16:creationId xmlns:a16="http://schemas.microsoft.com/office/drawing/2014/main" id="{F21FAB84-D7A9-A29B-F61F-5A62334975A9}"/>
+              </a:ext>
+            </a:extLst>
+          </p:cNvPr>
+          <p:cNvSpPr>
+            <a:spLocks noGrp="1"/>
+          </p:cNvSpPr>
+          <p:nvPr>
+            <p:ph type="sldNum" sz="quarter" idx="12"/>
+          </p:nvPr>
+        </p:nvSpPr>
+        <p:spPr/>
+        <p:txBody>
+          <a:bodyPr/>
+          <a:lstStyle/>
+          <a:p>
+            <a:fld id="{92AF051A-FF74-2247-B065-E58DA1926FE1}" type="slidenum">
+              <a:rPr lang="en-US" smtClean="0"/>
+              <a:t>16</a:t>
+            </a:fld>
+            <a:endParaRPr lang="en-US"/>
+          </a:p>
+        </p:txBody>
+      </p:sp>
     </p:spTree>
     <p:extLst>
       <p:ext uri="{BB962C8B-B14F-4D97-AF65-F5344CB8AC3E}">
@@ -6925,7 +8796,7 @@
 </p:sld>
 </file>
 
-<file path=ppt/slides/slide15.xml><?xml version="1.0" encoding="utf-8"?>
+<file path=ppt/slides/slide17.xml><?xml version="1.0" encoding="utf-8"?>
 <p:sld xmlns:a="http://schemas.openxmlformats.org/drawingml/2006/main" xmlns:r="http://schemas.openxmlformats.org/officeDocument/2006/relationships" xmlns:p="http://schemas.openxmlformats.org/presentationml/2006/main">
   <p:cSld>
     <p:spTree>
@@ -7430,6 +9301,35 @@
           </a:graphicData>
         </a:graphic>
       </p:graphicFrame>
+      <p:sp>
+        <p:nvSpPr>
+          <p:cNvPr id="5" name="Slide Number Placeholder 4">
+            <a:extLst>
+              <a:ext uri="{FF2B5EF4-FFF2-40B4-BE49-F238E27FC236}">
+                <a16:creationId xmlns:a16="http://schemas.microsoft.com/office/drawing/2014/main" id="{413A71F5-6FDC-2E42-5B15-80BAC694EB3A}"/>
+              </a:ext>
+            </a:extLst>
+          </p:cNvPr>
+          <p:cNvSpPr>
+            <a:spLocks noGrp="1"/>
+          </p:cNvSpPr>
+          <p:nvPr>
+            <p:ph type="sldNum" sz="quarter" idx="12"/>
+          </p:nvPr>
+        </p:nvSpPr>
+        <p:spPr/>
+        <p:txBody>
+          <a:bodyPr/>
+          <a:lstStyle/>
+          <a:p>
+            <a:fld id="{92AF051A-FF74-2247-B065-E58DA1926FE1}" type="slidenum">
+              <a:rPr lang="en-US" smtClean="0"/>
+              <a:t>17</a:t>
+            </a:fld>
+            <a:endParaRPr lang="en-US"/>
+          </a:p>
+        </p:txBody>
+      </p:sp>
     </p:spTree>
     <p:extLst>
       <p:ext uri="{BB962C8B-B14F-4D97-AF65-F5344CB8AC3E}">
@@ -7443,7 +9343,7 @@
 </p:sld>
 </file>
 
-<file path=ppt/slides/slide16.xml><?xml version="1.0" encoding="utf-8"?>
+<file path=ppt/slides/slide18.xml><?xml version="1.0" encoding="utf-8"?>
 <p:sld xmlns:a="http://schemas.openxmlformats.org/drawingml/2006/main" xmlns:r="http://schemas.openxmlformats.org/officeDocument/2006/relationships" xmlns:p="http://schemas.openxmlformats.org/presentationml/2006/main">
   <p:cSld>
     <p:spTree>
@@ -7948,6 +9848,35 @@
           </a:graphicData>
         </a:graphic>
       </p:graphicFrame>
+      <p:sp>
+        <p:nvSpPr>
+          <p:cNvPr id="5" name="Slide Number Placeholder 4">
+            <a:extLst>
+              <a:ext uri="{FF2B5EF4-FFF2-40B4-BE49-F238E27FC236}">
+                <a16:creationId xmlns:a16="http://schemas.microsoft.com/office/drawing/2014/main" id="{26FDC9B1-9155-A0AB-C1F1-EA0DCD56602F}"/>
+              </a:ext>
+            </a:extLst>
+          </p:cNvPr>
+          <p:cNvSpPr>
+            <a:spLocks noGrp="1"/>
+          </p:cNvSpPr>
+          <p:nvPr>
+            <p:ph type="sldNum" sz="quarter" idx="12"/>
+          </p:nvPr>
+        </p:nvSpPr>
+        <p:spPr/>
+        <p:txBody>
+          <a:bodyPr/>
+          <a:lstStyle/>
+          <a:p>
+            <a:fld id="{92AF051A-FF74-2247-B065-E58DA1926FE1}" type="slidenum">
+              <a:rPr lang="en-US" smtClean="0"/>
+              <a:t>18</a:t>
+            </a:fld>
+            <a:endParaRPr lang="en-US"/>
+          </a:p>
+        </p:txBody>
+      </p:sp>
     </p:spTree>
     <p:extLst>
       <p:ext uri="{BB962C8B-B14F-4D97-AF65-F5344CB8AC3E}">
@@ -7961,7 +9890,7 @@
 </p:sld>
 </file>
 
-<file path=ppt/slides/slide17.xml><?xml version="1.0" encoding="utf-8"?>
+<file path=ppt/slides/slide19.xml><?xml version="1.0" encoding="utf-8"?>
 <p:sld xmlns:a="http://schemas.openxmlformats.org/drawingml/2006/main" xmlns:r="http://schemas.openxmlformats.org/officeDocument/2006/relationships" xmlns:p="http://schemas.openxmlformats.org/presentationml/2006/main">
   <p:cSld>
     <p:spTree>
@@ -8466,6 +10395,35 @@
           </a:graphicData>
         </a:graphic>
       </p:graphicFrame>
+      <p:sp>
+        <p:nvSpPr>
+          <p:cNvPr id="5" name="Slide Number Placeholder 4">
+            <a:extLst>
+              <a:ext uri="{FF2B5EF4-FFF2-40B4-BE49-F238E27FC236}">
+                <a16:creationId xmlns:a16="http://schemas.microsoft.com/office/drawing/2014/main" id="{19BD3B2F-8491-2287-60AA-04DE961412EA}"/>
+              </a:ext>
+            </a:extLst>
+          </p:cNvPr>
+          <p:cNvSpPr>
+            <a:spLocks noGrp="1"/>
+          </p:cNvSpPr>
+          <p:nvPr>
+            <p:ph type="sldNum" sz="quarter" idx="12"/>
+          </p:nvPr>
+        </p:nvSpPr>
+        <p:spPr/>
+        <p:txBody>
+          <a:bodyPr/>
+          <a:lstStyle/>
+          <a:p>
+            <a:fld id="{92AF051A-FF74-2247-B065-E58DA1926FE1}" type="slidenum">
+              <a:rPr lang="en-US" smtClean="0"/>
+              <a:t>19</a:t>
+            </a:fld>
+            <a:endParaRPr lang="en-US"/>
+          </a:p>
+        </p:txBody>
+      </p:sp>
     </p:spTree>
     <p:extLst>
       <p:ext uri="{BB962C8B-B14F-4D97-AF65-F5344CB8AC3E}">
@@ -8479,7 +10437,548 @@
 </p:sld>
 </file>
 
-<file path=ppt/slides/slide18.xml><?xml version="1.0" encoding="utf-8"?>
+<file path=ppt/slides/slide2.xml><?xml version="1.0" encoding="utf-8"?>
+<p:sld xmlns:a="http://schemas.openxmlformats.org/drawingml/2006/main" xmlns:r="http://schemas.openxmlformats.org/officeDocument/2006/relationships" xmlns:p="http://schemas.openxmlformats.org/presentationml/2006/main">
+  <p:cSld>
+    <p:spTree>
+      <p:nvGrpSpPr>
+        <p:cNvPr id="1" name=""/>
+        <p:cNvGrpSpPr/>
+        <p:nvPr/>
+      </p:nvGrpSpPr>
+      <p:grpSpPr>
+        <a:xfrm>
+          <a:off x="0" y="0"/>
+          <a:ext cx="0" cy="0"/>
+          <a:chOff x="0" y="0"/>
+          <a:chExt cx="0" cy="0"/>
+        </a:xfrm>
+      </p:grpSpPr>
+      <p:sp>
+        <p:nvSpPr>
+          <p:cNvPr id="2" name="Title 1">
+            <a:extLst>
+              <a:ext uri="{FF2B5EF4-FFF2-40B4-BE49-F238E27FC236}">
+                <a16:creationId xmlns:a16="http://schemas.microsoft.com/office/drawing/2014/main" id="{55323F80-FB0A-27B8-0DF1-AB2BFD696B9A}"/>
+              </a:ext>
+            </a:extLst>
+          </p:cNvPr>
+          <p:cNvSpPr>
+            <a:spLocks noGrp="1"/>
+          </p:cNvSpPr>
+          <p:nvPr>
+            <p:ph type="title"/>
+          </p:nvPr>
+        </p:nvSpPr>
+        <p:spPr/>
+        <p:txBody>
+          <a:bodyPr/>
+          <a:lstStyle/>
+          <a:p>
+            <a:r>
+              <a:rPr lang="en-US" dirty="0"/>
+              <a:t>Fixed Income Market</a:t>
+            </a:r>
+          </a:p>
+        </p:txBody>
+      </p:sp>
+      <p:sp>
+        <p:nvSpPr>
+          <p:cNvPr id="3" name="Content Placeholder 2">
+            <a:extLst>
+              <a:ext uri="{FF2B5EF4-FFF2-40B4-BE49-F238E27FC236}">
+                <a16:creationId xmlns:a16="http://schemas.microsoft.com/office/drawing/2014/main" id="{04634561-92AB-9FF9-5942-07CDDFE8258F}"/>
+              </a:ext>
+            </a:extLst>
+          </p:cNvPr>
+          <p:cNvSpPr>
+            <a:spLocks noGrp="1"/>
+          </p:cNvSpPr>
+          <p:nvPr>
+            <p:ph idx="1"/>
+          </p:nvPr>
+        </p:nvSpPr>
+        <p:spPr>
+          <a:xfrm>
+            <a:off x="216815" y="1825625"/>
+            <a:ext cx="6353637" cy="4351338"/>
+          </a:xfrm>
+        </p:spPr>
+        <p:txBody>
+          <a:bodyPr>
+            <a:normAutofit lnSpcReduction="10000"/>
+          </a:bodyPr>
+          <a:lstStyle/>
+          <a:p>
+            <a:r>
+              <a:rPr lang="en-US" dirty="0"/>
+              <a:t>Any market forces that causes the economy to grow more rapidly, or causes the inflation rate to rise, increases the likelihood that the Federal Reserve will </a:t>
+            </a:r>
+            <a:r>
+              <a:rPr lang="en-US" b="1" u="sng" dirty="0"/>
+              <a:t>raise interest </a:t>
+            </a:r>
+            <a:r>
+              <a:rPr lang="en-US" dirty="0"/>
+              <a:t>rates and decrease prices in the fixed income markets. </a:t>
+            </a:r>
+          </a:p>
+          <a:p>
+            <a:r>
+              <a:rPr lang="en-US" dirty="0"/>
+              <a:t>Any market forces that causes economic activity to decline, or the inflation rate to drop, increases the likelihood that the federal reserve will </a:t>
+            </a:r>
+            <a:r>
+              <a:rPr lang="en-US" b="1" u="sng" dirty="0"/>
+              <a:t>lower interest </a:t>
+            </a:r>
+            <a:r>
+              <a:rPr lang="en-US" dirty="0"/>
+              <a:t>rates and raise prices in the fixed-income markets. </a:t>
+            </a:r>
+          </a:p>
+        </p:txBody>
+      </p:sp>
+      <p:sp>
+        <p:nvSpPr>
+          <p:cNvPr id="4" name="Up-Down Arrow 3">
+            <a:extLst>
+              <a:ext uri="{FF2B5EF4-FFF2-40B4-BE49-F238E27FC236}">
+                <a16:creationId xmlns:a16="http://schemas.microsoft.com/office/drawing/2014/main" id="{D1934CAF-25AF-3637-B884-4A69E6BAAA6F}"/>
+              </a:ext>
+            </a:extLst>
+          </p:cNvPr>
+          <p:cNvSpPr/>
+          <p:nvPr/>
+        </p:nvSpPr>
+        <p:spPr>
+          <a:xfrm>
+            <a:off x="6914506" y="614488"/>
+            <a:ext cx="4602824" cy="5562475"/>
+          </a:xfrm>
+          <a:prstGeom prst="upDownArrow">
+            <a:avLst/>
+          </a:prstGeom>
+          <a:gradFill flip="none" rotWithShape="1">
+            <a:gsLst>
+              <a:gs pos="100000">
+                <a:schemeClr val="accent1"/>
+              </a:gs>
+              <a:gs pos="0">
+                <a:schemeClr val="accent2"/>
+              </a:gs>
+              <a:gs pos="100000">
+                <a:schemeClr val="accent1"/>
+              </a:gs>
+              <a:gs pos="100000">
+                <a:schemeClr val="accent2">
+                  <a:lumMod val="45000"/>
+                  <a:lumOff val="55000"/>
+                </a:schemeClr>
+              </a:gs>
+              <a:gs pos="100000">
+                <a:schemeClr val="accent1"/>
+              </a:gs>
+            </a:gsLst>
+            <a:lin ang="5400000" scaled="1"/>
+            <a:tileRect/>
+          </a:gradFill>
+        </p:spPr>
+        <p:style>
+          <a:lnRef idx="2">
+            <a:schemeClr val="accent1">
+              <a:shade val="15000"/>
+            </a:schemeClr>
+          </a:lnRef>
+          <a:fillRef idx="1">
+            <a:schemeClr val="accent1"/>
+          </a:fillRef>
+          <a:effectRef idx="0">
+            <a:schemeClr val="accent1"/>
+          </a:effectRef>
+          <a:fontRef idx="minor">
+            <a:schemeClr val="lt1"/>
+          </a:fontRef>
+        </p:style>
+        <p:txBody>
+          <a:bodyPr rtlCol="0" anchor="ctr"/>
+          <a:lstStyle/>
+          <a:p>
+            <a:pPr algn="ctr"/>
+            <a:r>
+              <a:rPr lang="en-US" sz="3200" dirty="0"/>
+              <a:t>ECONOMY </a:t>
+            </a:r>
+          </a:p>
+        </p:txBody>
+      </p:sp>
+      <p:sp>
+        <p:nvSpPr>
+          <p:cNvPr id="5" name="Down Arrow 4">
+            <a:extLst>
+              <a:ext uri="{FF2B5EF4-FFF2-40B4-BE49-F238E27FC236}">
+                <a16:creationId xmlns:a16="http://schemas.microsoft.com/office/drawing/2014/main" id="{E63A7AED-0BED-CE51-AFC0-D255BD21FE20}"/>
+              </a:ext>
+            </a:extLst>
+          </p:cNvPr>
+          <p:cNvSpPr/>
+          <p:nvPr/>
+        </p:nvSpPr>
+        <p:spPr>
+          <a:xfrm>
+            <a:off x="10104322" y="1336421"/>
+            <a:ext cx="484632" cy="978408"/>
+          </a:xfrm>
+          <a:prstGeom prst="downArrow">
+            <a:avLst/>
+          </a:prstGeom>
+        </p:spPr>
+        <p:style>
+          <a:lnRef idx="2">
+            <a:schemeClr val="accent1">
+              <a:shade val="15000"/>
+            </a:schemeClr>
+          </a:lnRef>
+          <a:fillRef idx="1">
+            <a:schemeClr val="accent1"/>
+          </a:fillRef>
+          <a:effectRef idx="0">
+            <a:schemeClr val="accent1"/>
+          </a:effectRef>
+          <a:fontRef idx="minor">
+            <a:schemeClr val="lt1"/>
+          </a:fontRef>
+        </p:style>
+        <p:txBody>
+          <a:bodyPr rtlCol="0" anchor="ctr"/>
+          <a:lstStyle/>
+          <a:p>
+            <a:pPr algn="ctr"/>
+            <a:endParaRPr lang="en-US"/>
+          </a:p>
+        </p:txBody>
+      </p:sp>
+      <p:sp>
+        <p:nvSpPr>
+          <p:cNvPr id="6" name="Down Arrow 5">
+            <a:extLst>
+              <a:ext uri="{FF2B5EF4-FFF2-40B4-BE49-F238E27FC236}">
+                <a16:creationId xmlns:a16="http://schemas.microsoft.com/office/drawing/2014/main" id="{CC51D959-A0D7-A3CD-6AB7-B590445CFE00}"/>
+              </a:ext>
+            </a:extLst>
+          </p:cNvPr>
+          <p:cNvSpPr/>
+          <p:nvPr/>
+        </p:nvSpPr>
+        <p:spPr>
+          <a:xfrm rot="10800000">
+            <a:off x="8306295" y="628288"/>
+            <a:ext cx="484632" cy="978408"/>
+          </a:xfrm>
+          <a:prstGeom prst="downArrow">
+            <a:avLst/>
+          </a:prstGeom>
+        </p:spPr>
+        <p:style>
+          <a:lnRef idx="2">
+            <a:schemeClr val="accent1">
+              <a:shade val="15000"/>
+            </a:schemeClr>
+          </a:lnRef>
+          <a:fillRef idx="1">
+            <a:schemeClr val="accent1"/>
+          </a:fillRef>
+          <a:effectRef idx="0">
+            <a:schemeClr val="accent1"/>
+          </a:effectRef>
+          <a:fontRef idx="minor">
+            <a:schemeClr val="lt1"/>
+          </a:fontRef>
+        </p:style>
+        <p:txBody>
+          <a:bodyPr rtlCol="0" anchor="ctr"/>
+          <a:lstStyle/>
+          <a:p>
+            <a:pPr algn="ctr"/>
+            <a:endParaRPr lang="en-US"/>
+          </a:p>
+        </p:txBody>
+      </p:sp>
+      <p:sp>
+        <p:nvSpPr>
+          <p:cNvPr id="7" name="Down Arrow 6">
+            <a:extLst>
+              <a:ext uri="{FF2B5EF4-FFF2-40B4-BE49-F238E27FC236}">
+                <a16:creationId xmlns:a16="http://schemas.microsoft.com/office/drawing/2014/main" id="{F8A7F084-7CB9-209E-FA6D-7B702822C3DD}"/>
+              </a:ext>
+            </a:extLst>
+          </p:cNvPr>
+          <p:cNvSpPr/>
+          <p:nvPr/>
+        </p:nvSpPr>
+        <p:spPr>
+          <a:xfrm>
+            <a:off x="10104322" y="4730785"/>
+            <a:ext cx="484632" cy="978408"/>
+          </a:xfrm>
+          <a:prstGeom prst="downArrow">
+            <a:avLst/>
+          </a:prstGeom>
+        </p:spPr>
+        <p:style>
+          <a:lnRef idx="2">
+            <a:schemeClr val="accent1">
+              <a:shade val="15000"/>
+            </a:schemeClr>
+          </a:lnRef>
+          <a:fillRef idx="1">
+            <a:schemeClr val="accent1"/>
+          </a:fillRef>
+          <a:effectRef idx="0">
+            <a:schemeClr val="accent1"/>
+          </a:effectRef>
+          <a:fontRef idx="minor">
+            <a:schemeClr val="lt1"/>
+          </a:fontRef>
+        </p:style>
+        <p:txBody>
+          <a:bodyPr rtlCol="0" anchor="ctr"/>
+          <a:lstStyle/>
+          <a:p>
+            <a:pPr algn="ctr"/>
+            <a:endParaRPr lang="en-US"/>
+          </a:p>
+        </p:txBody>
+      </p:sp>
+      <p:sp>
+        <p:nvSpPr>
+          <p:cNvPr id="8" name="Down Arrow 7">
+            <a:extLst>
+              <a:ext uri="{FF2B5EF4-FFF2-40B4-BE49-F238E27FC236}">
+                <a16:creationId xmlns:a16="http://schemas.microsoft.com/office/drawing/2014/main" id="{3C91A030-0B0F-00DA-9CCC-556333385966}"/>
+              </a:ext>
+            </a:extLst>
+          </p:cNvPr>
+          <p:cNvSpPr/>
+          <p:nvPr/>
+        </p:nvSpPr>
+        <p:spPr>
+          <a:xfrm rot="10800000">
+            <a:off x="8304766" y="4121436"/>
+            <a:ext cx="484632" cy="978408"/>
+          </a:xfrm>
+          <a:prstGeom prst="downArrow">
+            <a:avLst/>
+          </a:prstGeom>
+        </p:spPr>
+        <p:style>
+          <a:lnRef idx="2">
+            <a:schemeClr val="accent1">
+              <a:shade val="15000"/>
+            </a:schemeClr>
+          </a:lnRef>
+          <a:fillRef idx="1">
+            <a:schemeClr val="accent1"/>
+          </a:fillRef>
+          <a:effectRef idx="0">
+            <a:schemeClr val="accent1"/>
+          </a:effectRef>
+          <a:fontRef idx="minor">
+            <a:schemeClr val="lt1"/>
+          </a:fontRef>
+        </p:style>
+        <p:txBody>
+          <a:bodyPr rtlCol="0" anchor="ctr"/>
+          <a:lstStyle/>
+          <a:p>
+            <a:pPr algn="ctr"/>
+            <a:endParaRPr lang="en-US"/>
+          </a:p>
+        </p:txBody>
+      </p:sp>
+      <p:sp>
+        <p:nvSpPr>
+          <p:cNvPr id="9" name="TextBox 8">
+            <a:extLst>
+              <a:ext uri="{FF2B5EF4-FFF2-40B4-BE49-F238E27FC236}">
+                <a16:creationId xmlns:a16="http://schemas.microsoft.com/office/drawing/2014/main" id="{34C30FF5-13CE-1821-19F2-052289BCFAA7}"/>
+              </a:ext>
+            </a:extLst>
+          </p:cNvPr>
+          <p:cNvSpPr txBox="1"/>
+          <p:nvPr/>
+        </p:nvSpPr>
+        <p:spPr>
+          <a:xfrm>
+            <a:off x="8076697" y="1679236"/>
+            <a:ext cx="1425070" cy="369332"/>
+          </a:xfrm>
+          <a:prstGeom prst="rect">
+            <a:avLst/>
+          </a:prstGeom>
+          <a:noFill/>
+        </p:spPr>
+        <p:txBody>
+          <a:bodyPr wrap="none" rtlCol="0">
+            <a:spAutoFit/>
+          </a:bodyPr>
+          <a:lstStyle/>
+          <a:p>
+            <a:r>
+              <a:rPr lang="en-US" dirty="0"/>
+              <a:t>Interest rates</a:t>
+            </a:r>
+          </a:p>
+        </p:txBody>
+      </p:sp>
+      <p:sp>
+        <p:nvSpPr>
+          <p:cNvPr id="10" name="TextBox 9">
+            <a:extLst>
+              <a:ext uri="{FF2B5EF4-FFF2-40B4-BE49-F238E27FC236}">
+                <a16:creationId xmlns:a16="http://schemas.microsoft.com/office/drawing/2014/main" id="{3F92CE18-BEC0-D602-EFB3-B5ED52BCF0D9}"/>
+              </a:ext>
+            </a:extLst>
+          </p:cNvPr>
+          <p:cNvSpPr txBox="1"/>
+          <p:nvPr/>
+        </p:nvSpPr>
+        <p:spPr>
+          <a:xfrm>
+            <a:off x="9634103" y="4291844"/>
+            <a:ext cx="1425070" cy="369332"/>
+          </a:xfrm>
+          <a:prstGeom prst="rect">
+            <a:avLst/>
+          </a:prstGeom>
+          <a:noFill/>
+        </p:spPr>
+        <p:txBody>
+          <a:bodyPr wrap="none" rtlCol="0">
+            <a:spAutoFit/>
+          </a:bodyPr>
+          <a:lstStyle/>
+          <a:p>
+            <a:r>
+              <a:rPr lang="en-US" dirty="0"/>
+              <a:t>Interest rates</a:t>
+            </a:r>
+          </a:p>
+        </p:txBody>
+      </p:sp>
+      <p:sp>
+        <p:nvSpPr>
+          <p:cNvPr id="11" name="TextBox 10">
+            <a:extLst>
+              <a:ext uri="{FF2B5EF4-FFF2-40B4-BE49-F238E27FC236}">
+                <a16:creationId xmlns:a16="http://schemas.microsoft.com/office/drawing/2014/main" id="{8BDAA7A1-006F-9A29-D57D-702F76E9F703}"/>
+              </a:ext>
+            </a:extLst>
+          </p:cNvPr>
+          <p:cNvSpPr txBox="1"/>
+          <p:nvPr/>
+        </p:nvSpPr>
+        <p:spPr>
+          <a:xfrm>
+            <a:off x="9634103" y="2364048"/>
+            <a:ext cx="1391086" cy="369332"/>
+          </a:xfrm>
+          <a:prstGeom prst="rect">
+            <a:avLst/>
+          </a:prstGeom>
+          <a:noFill/>
+        </p:spPr>
+        <p:txBody>
+          <a:bodyPr wrap="none" rtlCol="0">
+            <a:spAutoFit/>
+          </a:bodyPr>
+          <a:lstStyle/>
+          <a:p>
+            <a:r>
+              <a:rPr lang="en-US" dirty="0"/>
+              <a:t>Bond market</a:t>
+            </a:r>
+          </a:p>
+        </p:txBody>
+      </p:sp>
+      <p:sp>
+        <p:nvSpPr>
+          <p:cNvPr id="12" name="TextBox 11">
+            <a:extLst>
+              <a:ext uri="{FF2B5EF4-FFF2-40B4-BE49-F238E27FC236}">
+                <a16:creationId xmlns:a16="http://schemas.microsoft.com/office/drawing/2014/main" id="{96CC0441-805E-686D-90ED-DE1AB218FA3A}"/>
+              </a:ext>
+            </a:extLst>
+          </p:cNvPr>
+          <p:cNvSpPr txBox="1"/>
+          <p:nvPr/>
+        </p:nvSpPr>
+        <p:spPr>
+          <a:xfrm>
+            <a:off x="8369183" y="5084406"/>
+            <a:ext cx="1391086" cy="369332"/>
+          </a:xfrm>
+          <a:prstGeom prst="rect">
+            <a:avLst/>
+          </a:prstGeom>
+          <a:noFill/>
+        </p:spPr>
+        <p:txBody>
+          <a:bodyPr wrap="none" rtlCol="0">
+            <a:spAutoFit/>
+          </a:bodyPr>
+          <a:lstStyle/>
+          <a:p>
+            <a:r>
+              <a:rPr lang="en-US" dirty="0"/>
+              <a:t>Bond market</a:t>
+            </a:r>
+          </a:p>
+        </p:txBody>
+      </p:sp>
+      <p:sp>
+        <p:nvSpPr>
+          <p:cNvPr id="13" name="Slide Number Placeholder 12">
+            <a:extLst>
+              <a:ext uri="{FF2B5EF4-FFF2-40B4-BE49-F238E27FC236}">
+                <a16:creationId xmlns:a16="http://schemas.microsoft.com/office/drawing/2014/main" id="{90093467-D802-708E-9D0C-F2A78E78EA53}"/>
+              </a:ext>
+            </a:extLst>
+          </p:cNvPr>
+          <p:cNvSpPr>
+            <a:spLocks noGrp="1"/>
+          </p:cNvSpPr>
+          <p:nvPr>
+            <p:ph type="sldNum" sz="quarter" idx="12"/>
+          </p:nvPr>
+        </p:nvSpPr>
+        <p:spPr/>
+        <p:txBody>
+          <a:bodyPr/>
+          <a:lstStyle/>
+          <a:p>
+            <a:fld id="{92AF051A-FF74-2247-B065-E58DA1926FE1}" type="slidenum">
+              <a:rPr lang="en-US" smtClean="0"/>
+              <a:t>2</a:t>
+            </a:fld>
+            <a:endParaRPr lang="en-US"/>
+          </a:p>
+        </p:txBody>
+      </p:sp>
+    </p:spTree>
+    <p:extLst>
+      <p:ext uri="{BB962C8B-B14F-4D97-AF65-F5344CB8AC3E}">
+        <p14:creationId xmlns:p14="http://schemas.microsoft.com/office/powerpoint/2010/main" val="2775847869"/>
+      </p:ext>
+    </p:extLst>
+  </p:cSld>
+  <p:clrMapOvr>
+    <a:masterClrMapping/>
+  </p:clrMapOvr>
+</p:sld>
+</file>
+
+<file path=ppt/slides/slide20.xml><?xml version="1.0" encoding="utf-8"?>
 <p:sld xmlns:a="http://schemas.openxmlformats.org/drawingml/2006/main" xmlns:r="http://schemas.openxmlformats.org/officeDocument/2006/relationships" xmlns:p="http://schemas.openxmlformats.org/presentationml/2006/main">
   <p:cSld>
     <p:spTree>
@@ -8959,6 +11458,35 @@
           </a:graphicData>
         </a:graphic>
       </p:graphicFrame>
+      <p:sp>
+        <p:nvSpPr>
+          <p:cNvPr id="5" name="Slide Number Placeholder 4">
+            <a:extLst>
+              <a:ext uri="{FF2B5EF4-FFF2-40B4-BE49-F238E27FC236}">
+                <a16:creationId xmlns:a16="http://schemas.microsoft.com/office/drawing/2014/main" id="{F15C8AD6-CB9D-8549-482D-E75BC1A3484C}"/>
+              </a:ext>
+            </a:extLst>
+          </p:cNvPr>
+          <p:cNvSpPr>
+            <a:spLocks noGrp="1"/>
+          </p:cNvSpPr>
+          <p:nvPr>
+            <p:ph type="sldNum" sz="quarter" idx="12"/>
+          </p:nvPr>
+        </p:nvSpPr>
+        <p:spPr/>
+        <p:txBody>
+          <a:bodyPr/>
+          <a:lstStyle/>
+          <a:p>
+            <a:fld id="{92AF051A-FF74-2247-B065-E58DA1926FE1}" type="slidenum">
+              <a:rPr lang="en-US" smtClean="0"/>
+              <a:t>20</a:t>
+            </a:fld>
+            <a:endParaRPr lang="en-US"/>
+          </a:p>
+        </p:txBody>
+      </p:sp>
     </p:spTree>
     <p:extLst>
       <p:ext uri="{BB962C8B-B14F-4D97-AF65-F5344CB8AC3E}">
@@ -8972,7 +11500,7 @@
 </p:sld>
 </file>
 
-<file path=ppt/slides/slide19.xml><?xml version="1.0" encoding="utf-8"?>
+<file path=ppt/slides/slide21.xml><?xml version="1.0" encoding="utf-8"?>
 <p:sld xmlns:a="http://schemas.openxmlformats.org/drawingml/2006/main" xmlns:r="http://schemas.openxmlformats.org/officeDocument/2006/relationships" xmlns:p="http://schemas.openxmlformats.org/presentationml/2006/main">
   <p:cSld>
     <p:spTree>
@@ -9919,6 +12447,35 @@
           </a:graphicData>
         </a:graphic>
       </p:graphicFrame>
+      <p:sp>
+        <p:nvSpPr>
+          <p:cNvPr id="7" name="Slide Number Placeholder 6">
+            <a:extLst>
+              <a:ext uri="{FF2B5EF4-FFF2-40B4-BE49-F238E27FC236}">
+                <a16:creationId xmlns:a16="http://schemas.microsoft.com/office/drawing/2014/main" id="{388AAF4D-FC0D-D366-7C94-AFA56C061A22}"/>
+              </a:ext>
+            </a:extLst>
+          </p:cNvPr>
+          <p:cNvSpPr>
+            <a:spLocks noGrp="1"/>
+          </p:cNvSpPr>
+          <p:nvPr>
+            <p:ph type="sldNum" sz="quarter" idx="12"/>
+          </p:nvPr>
+        </p:nvSpPr>
+        <p:spPr/>
+        <p:txBody>
+          <a:bodyPr/>
+          <a:lstStyle/>
+          <a:p>
+            <a:fld id="{92AF051A-FF74-2247-B065-E58DA1926FE1}" type="slidenum">
+              <a:rPr lang="en-US" smtClean="0"/>
+              <a:t>21</a:t>
+            </a:fld>
+            <a:endParaRPr lang="en-US"/>
+          </a:p>
+        </p:txBody>
+      </p:sp>
     </p:spTree>
     <p:extLst>
       <p:ext uri="{BB962C8B-B14F-4D97-AF65-F5344CB8AC3E}">
@@ -9932,519 +12489,7 @@
 </p:sld>
 </file>
 
-<file path=ppt/slides/slide2.xml><?xml version="1.0" encoding="utf-8"?>
-<p:sld xmlns:a="http://schemas.openxmlformats.org/drawingml/2006/main" xmlns:r="http://schemas.openxmlformats.org/officeDocument/2006/relationships" xmlns:p="http://schemas.openxmlformats.org/presentationml/2006/main">
-  <p:cSld>
-    <p:spTree>
-      <p:nvGrpSpPr>
-        <p:cNvPr id="1" name=""/>
-        <p:cNvGrpSpPr/>
-        <p:nvPr/>
-      </p:nvGrpSpPr>
-      <p:grpSpPr>
-        <a:xfrm>
-          <a:off x="0" y="0"/>
-          <a:ext cx="0" cy="0"/>
-          <a:chOff x="0" y="0"/>
-          <a:chExt cx="0" cy="0"/>
-        </a:xfrm>
-      </p:grpSpPr>
-      <p:sp>
-        <p:nvSpPr>
-          <p:cNvPr id="2" name="Title 1">
-            <a:extLst>
-              <a:ext uri="{FF2B5EF4-FFF2-40B4-BE49-F238E27FC236}">
-                <a16:creationId xmlns:a16="http://schemas.microsoft.com/office/drawing/2014/main" id="{55323F80-FB0A-27B8-0DF1-AB2BFD696B9A}"/>
-              </a:ext>
-            </a:extLst>
-          </p:cNvPr>
-          <p:cNvSpPr>
-            <a:spLocks noGrp="1"/>
-          </p:cNvSpPr>
-          <p:nvPr>
-            <p:ph type="title"/>
-          </p:nvPr>
-        </p:nvSpPr>
-        <p:spPr/>
-        <p:txBody>
-          <a:bodyPr/>
-          <a:lstStyle/>
-          <a:p>
-            <a:r>
-              <a:rPr lang="en-US" dirty="0"/>
-              <a:t>Fixed Income Market</a:t>
-            </a:r>
-          </a:p>
-        </p:txBody>
-      </p:sp>
-      <p:sp>
-        <p:nvSpPr>
-          <p:cNvPr id="3" name="Content Placeholder 2">
-            <a:extLst>
-              <a:ext uri="{FF2B5EF4-FFF2-40B4-BE49-F238E27FC236}">
-                <a16:creationId xmlns:a16="http://schemas.microsoft.com/office/drawing/2014/main" id="{04634561-92AB-9FF9-5942-07CDDFE8258F}"/>
-              </a:ext>
-            </a:extLst>
-          </p:cNvPr>
-          <p:cNvSpPr>
-            <a:spLocks noGrp="1"/>
-          </p:cNvSpPr>
-          <p:nvPr>
-            <p:ph idx="1"/>
-          </p:nvPr>
-        </p:nvSpPr>
-        <p:spPr>
-          <a:xfrm>
-            <a:off x="216815" y="1825625"/>
-            <a:ext cx="6353637" cy="4351338"/>
-          </a:xfrm>
-        </p:spPr>
-        <p:txBody>
-          <a:bodyPr>
-            <a:normAutofit lnSpcReduction="10000"/>
-          </a:bodyPr>
-          <a:lstStyle/>
-          <a:p>
-            <a:r>
-              <a:rPr lang="en-US" dirty="0"/>
-              <a:t>Any market forces that causes the economy to grow more rapidly, or causes the inflation rate to rise, increases the likelihood that the Federal Reserve will </a:t>
-            </a:r>
-            <a:r>
-              <a:rPr lang="en-US" b="1" u="sng" dirty="0"/>
-              <a:t>raise interest </a:t>
-            </a:r>
-            <a:r>
-              <a:rPr lang="en-US" dirty="0"/>
-              <a:t>rates and decrease prices in the fixed income markets. </a:t>
-            </a:r>
-          </a:p>
-          <a:p>
-            <a:r>
-              <a:rPr lang="en-US" dirty="0"/>
-              <a:t>Any market forces that causes economic activity to decline, or the inflation rate to drop, increases the likelihood that the federal reserve will </a:t>
-            </a:r>
-            <a:r>
-              <a:rPr lang="en-US" b="1" u="sng" dirty="0"/>
-              <a:t>lower interest </a:t>
-            </a:r>
-            <a:r>
-              <a:rPr lang="en-US" dirty="0"/>
-              <a:t>rates and raise prices in the fixed-income markets. </a:t>
-            </a:r>
-          </a:p>
-        </p:txBody>
-      </p:sp>
-      <p:sp>
-        <p:nvSpPr>
-          <p:cNvPr id="4" name="Up-Down Arrow 3">
-            <a:extLst>
-              <a:ext uri="{FF2B5EF4-FFF2-40B4-BE49-F238E27FC236}">
-                <a16:creationId xmlns:a16="http://schemas.microsoft.com/office/drawing/2014/main" id="{D1934CAF-25AF-3637-B884-4A69E6BAAA6F}"/>
-              </a:ext>
-            </a:extLst>
-          </p:cNvPr>
-          <p:cNvSpPr/>
-          <p:nvPr/>
-        </p:nvSpPr>
-        <p:spPr>
-          <a:xfrm>
-            <a:off x="6914506" y="614488"/>
-            <a:ext cx="4602824" cy="5562475"/>
-          </a:xfrm>
-          <a:prstGeom prst="upDownArrow">
-            <a:avLst/>
-          </a:prstGeom>
-          <a:gradFill flip="none" rotWithShape="1">
-            <a:gsLst>
-              <a:gs pos="100000">
-                <a:schemeClr val="accent1"/>
-              </a:gs>
-              <a:gs pos="0">
-                <a:schemeClr val="accent2"/>
-              </a:gs>
-              <a:gs pos="100000">
-                <a:schemeClr val="accent1"/>
-              </a:gs>
-              <a:gs pos="100000">
-                <a:schemeClr val="accent2">
-                  <a:lumMod val="45000"/>
-                  <a:lumOff val="55000"/>
-                </a:schemeClr>
-              </a:gs>
-              <a:gs pos="100000">
-                <a:schemeClr val="accent1"/>
-              </a:gs>
-            </a:gsLst>
-            <a:lin ang="5400000" scaled="1"/>
-            <a:tileRect/>
-          </a:gradFill>
-        </p:spPr>
-        <p:style>
-          <a:lnRef idx="2">
-            <a:schemeClr val="accent1">
-              <a:shade val="15000"/>
-            </a:schemeClr>
-          </a:lnRef>
-          <a:fillRef idx="1">
-            <a:schemeClr val="accent1"/>
-          </a:fillRef>
-          <a:effectRef idx="0">
-            <a:schemeClr val="accent1"/>
-          </a:effectRef>
-          <a:fontRef idx="minor">
-            <a:schemeClr val="lt1"/>
-          </a:fontRef>
-        </p:style>
-        <p:txBody>
-          <a:bodyPr rtlCol="0" anchor="ctr"/>
-          <a:lstStyle/>
-          <a:p>
-            <a:pPr algn="ctr"/>
-            <a:r>
-              <a:rPr lang="en-US" sz="3200" dirty="0"/>
-              <a:t>ECONOMY </a:t>
-            </a:r>
-          </a:p>
-        </p:txBody>
-      </p:sp>
-      <p:sp>
-        <p:nvSpPr>
-          <p:cNvPr id="5" name="Down Arrow 4">
-            <a:extLst>
-              <a:ext uri="{FF2B5EF4-FFF2-40B4-BE49-F238E27FC236}">
-                <a16:creationId xmlns:a16="http://schemas.microsoft.com/office/drawing/2014/main" id="{E63A7AED-0BED-CE51-AFC0-D255BD21FE20}"/>
-              </a:ext>
-            </a:extLst>
-          </p:cNvPr>
-          <p:cNvSpPr/>
-          <p:nvPr/>
-        </p:nvSpPr>
-        <p:spPr>
-          <a:xfrm>
-            <a:off x="10104322" y="1336421"/>
-            <a:ext cx="484632" cy="978408"/>
-          </a:xfrm>
-          <a:prstGeom prst="downArrow">
-            <a:avLst/>
-          </a:prstGeom>
-        </p:spPr>
-        <p:style>
-          <a:lnRef idx="2">
-            <a:schemeClr val="accent1">
-              <a:shade val="15000"/>
-            </a:schemeClr>
-          </a:lnRef>
-          <a:fillRef idx="1">
-            <a:schemeClr val="accent1"/>
-          </a:fillRef>
-          <a:effectRef idx="0">
-            <a:schemeClr val="accent1"/>
-          </a:effectRef>
-          <a:fontRef idx="minor">
-            <a:schemeClr val="lt1"/>
-          </a:fontRef>
-        </p:style>
-        <p:txBody>
-          <a:bodyPr rtlCol="0" anchor="ctr"/>
-          <a:lstStyle/>
-          <a:p>
-            <a:pPr algn="ctr"/>
-            <a:endParaRPr lang="en-US"/>
-          </a:p>
-        </p:txBody>
-      </p:sp>
-      <p:sp>
-        <p:nvSpPr>
-          <p:cNvPr id="6" name="Down Arrow 5">
-            <a:extLst>
-              <a:ext uri="{FF2B5EF4-FFF2-40B4-BE49-F238E27FC236}">
-                <a16:creationId xmlns:a16="http://schemas.microsoft.com/office/drawing/2014/main" id="{CC51D959-A0D7-A3CD-6AB7-B590445CFE00}"/>
-              </a:ext>
-            </a:extLst>
-          </p:cNvPr>
-          <p:cNvSpPr/>
-          <p:nvPr/>
-        </p:nvSpPr>
-        <p:spPr>
-          <a:xfrm rot="10800000">
-            <a:off x="8306295" y="628288"/>
-            <a:ext cx="484632" cy="978408"/>
-          </a:xfrm>
-          <a:prstGeom prst="downArrow">
-            <a:avLst/>
-          </a:prstGeom>
-        </p:spPr>
-        <p:style>
-          <a:lnRef idx="2">
-            <a:schemeClr val="accent1">
-              <a:shade val="15000"/>
-            </a:schemeClr>
-          </a:lnRef>
-          <a:fillRef idx="1">
-            <a:schemeClr val="accent1"/>
-          </a:fillRef>
-          <a:effectRef idx="0">
-            <a:schemeClr val="accent1"/>
-          </a:effectRef>
-          <a:fontRef idx="minor">
-            <a:schemeClr val="lt1"/>
-          </a:fontRef>
-        </p:style>
-        <p:txBody>
-          <a:bodyPr rtlCol="0" anchor="ctr"/>
-          <a:lstStyle/>
-          <a:p>
-            <a:pPr algn="ctr"/>
-            <a:endParaRPr lang="en-US"/>
-          </a:p>
-        </p:txBody>
-      </p:sp>
-      <p:sp>
-        <p:nvSpPr>
-          <p:cNvPr id="7" name="Down Arrow 6">
-            <a:extLst>
-              <a:ext uri="{FF2B5EF4-FFF2-40B4-BE49-F238E27FC236}">
-                <a16:creationId xmlns:a16="http://schemas.microsoft.com/office/drawing/2014/main" id="{F8A7F084-7CB9-209E-FA6D-7B702822C3DD}"/>
-              </a:ext>
-            </a:extLst>
-          </p:cNvPr>
-          <p:cNvSpPr/>
-          <p:nvPr/>
-        </p:nvSpPr>
-        <p:spPr>
-          <a:xfrm>
-            <a:off x="10104322" y="4730785"/>
-            <a:ext cx="484632" cy="978408"/>
-          </a:xfrm>
-          <a:prstGeom prst="downArrow">
-            <a:avLst/>
-          </a:prstGeom>
-        </p:spPr>
-        <p:style>
-          <a:lnRef idx="2">
-            <a:schemeClr val="accent1">
-              <a:shade val="15000"/>
-            </a:schemeClr>
-          </a:lnRef>
-          <a:fillRef idx="1">
-            <a:schemeClr val="accent1"/>
-          </a:fillRef>
-          <a:effectRef idx="0">
-            <a:schemeClr val="accent1"/>
-          </a:effectRef>
-          <a:fontRef idx="minor">
-            <a:schemeClr val="lt1"/>
-          </a:fontRef>
-        </p:style>
-        <p:txBody>
-          <a:bodyPr rtlCol="0" anchor="ctr"/>
-          <a:lstStyle/>
-          <a:p>
-            <a:pPr algn="ctr"/>
-            <a:endParaRPr lang="en-US"/>
-          </a:p>
-        </p:txBody>
-      </p:sp>
-      <p:sp>
-        <p:nvSpPr>
-          <p:cNvPr id="8" name="Down Arrow 7">
-            <a:extLst>
-              <a:ext uri="{FF2B5EF4-FFF2-40B4-BE49-F238E27FC236}">
-                <a16:creationId xmlns:a16="http://schemas.microsoft.com/office/drawing/2014/main" id="{3C91A030-0B0F-00DA-9CCC-556333385966}"/>
-              </a:ext>
-            </a:extLst>
-          </p:cNvPr>
-          <p:cNvSpPr/>
-          <p:nvPr/>
-        </p:nvSpPr>
-        <p:spPr>
-          <a:xfrm rot="10800000">
-            <a:off x="8304766" y="4121436"/>
-            <a:ext cx="484632" cy="978408"/>
-          </a:xfrm>
-          <a:prstGeom prst="downArrow">
-            <a:avLst/>
-          </a:prstGeom>
-        </p:spPr>
-        <p:style>
-          <a:lnRef idx="2">
-            <a:schemeClr val="accent1">
-              <a:shade val="15000"/>
-            </a:schemeClr>
-          </a:lnRef>
-          <a:fillRef idx="1">
-            <a:schemeClr val="accent1"/>
-          </a:fillRef>
-          <a:effectRef idx="0">
-            <a:schemeClr val="accent1"/>
-          </a:effectRef>
-          <a:fontRef idx="minor">
-            <a:schemeClr val="lt1"/>
-          </a:fontRef>
-        </p:style>
-        <p:txBody>
-          <a:bodyPr rtlCol="0" anchor="ctr"/>
-          <a:lstStyle/>
-          <a:p>
-            <a:pPr algn="ctr"/>
-            <a:endParaRPr lang="en-US"/>
-          </a:p>
-        </p:txBody>
-      </p:sp>
-      <p:sp>
-        <p:nvSpPr>
-          <p:cNvPr id="9" name="TextBox 8">
-            <a:extLst>
-              <a:ext uri="{FF2B5EF4-FFF2-40B4-BE49-F238E27FC236}">
-                <a16:creationId xmlns:a16="http://schemas.microsoft.com/office/drawing/2014/main" id="{34C30FF5-13CE-1821-19F2-052289BCFAA7}"/>
-              </a:ext>
-            </a:extLst>
-          </p:cNvPr>
-          <p:cNvSpPr txBox="1"/>
-          <p:nvPr/>
-        </p:nvSpPr>
-        <p:spPr>
-          <a:xfrm>
-            <a:off x="8076697" y="1679236"/>
-            <a:ext cx="1425070" cy="369332"/>
-          </a:xfrm>
-          <a:prstGeom prst="rect">
-            <a:avLst/>
-          </a:prstGeom>
-          <a:noFill/>
-        </p:spPr>
-        <p:txBody>
-          <a:bodyPr wrap="none" rtlCol="0">
-            <a:spAutoFit/>
-          </a:bodyPr>
-          <a:lstStyle/>
-          <a:p>
-            <a:r>
-              <a:rPr lang="en-US" dirty="0"/>
-              <a:t>Interest rates</a:t>
-            </a:r>
-          </a:p>
-        </p:txBody>
-      </p:sp>
-      <p:sp>
-        <p:nvSpPr>
-          <p:cNvPr id="10" name="TextBox 9">
-            <a:extLst>
-              <a:ext uri="{FF2B5EF4-FFF2-40B4-BE49-F238E27FC236}">
-                <a16:creationId xmlns:a16="http://schemas.microsoft.com/office/drawing/2014/main" id="{3F92CE18-BEC0-D602-EFB3-B5ED52BCF0D9}"/>
-              </a:ext>
-            </a:extLst>
-          </p:cNvPr>
-          <p:cNvSpPr txBox="1"/>
-          <p:nvPr/>
-        </p:nvSpPr>
-        <p:spPr>
-          <a:xfrm>
-            <a:off x="9634103" y="4291844"/>
-            <a:ext cx="1425070" cy="369332"/>
-          </a:xfrm>
-          <a:prstGeom prst="rect">
-            <a:avLst/>
-          </a:prstGeom>
-          <a:noFill/>
-        </p:spPr>
-        <p:txBody>
-          <a:bodyPr wrap="none" rtlCol="0">
-            <a:spAutoFit/>
-          </a:bodyPr>
-          <a:lstStyle/>
-          <a:p>
-            <a:r>
-              <a:rPr lang="en-US" dirty="0"/>
-              <a:t>Interest rates</a:t>
-            </a:r>
-          </a:p>
-        </p:txBody>
-      </p:sp>
-      <p:sp>
-        <p:nvSpPr>
-          <p:cNvPr id="11" name="TextBox 10">
-            <a:extLst>
-              <a:ext uri="{FF2B5EF4-FFF2-40B4-BE49-F238E27FC236}">
-                <a16:creationId xmlns:a16="http://schemas.microsoft.com/office/drawing/2014/main" id="{8BDAA7A1-006F-9A29-D57D-702F76E9F703}"/>
-              </a:ext>
-            </a:extLst>
-          </p:cNvPr>
-          <p:cNvSpPr txBox="1"/>
-          <p:nvPr/>
-        </p:nvSpPr>
-        <p:spPr>
-          <a:xfrm>
-            <a:off x="9634103" y="2364048"/>
-            <a:ext cx="1391086" cy="369332"/>
-          </a:xfrm>
-          <a:prstGeom prst="rect">
-            <a:avLst/>
-          </a:prstGeom>
-          <a:noFill/>
-        </p:spPr>
-        <p:txBody>
-          <a:bodyPr wrap="none" rtlCol="0">
-            <a:spAutoFit/>
-          </a:bodyPr>
-          <a:lstStyle/>
-          <a:p>
-            <a:r>
-              <a:rPr lang="en-US" dirty="0"/>
-              <a:t>Bond market</a:t>
-            </a:r>
-          </a:p>
-        </p:txBody>
-      </p:sp>
-      <p:sp>
-        <p:nvSpPr>
-          <p:cNvPr id="12" name="TextBox 11">
-            <a:extLst>
-              <a:ext uri="{FF2B5EF4-FFF2-40B4-BE49-F238E27FC236}">
-                <a16:creationId xmlns:a16="http://schemas.microsoft.com/office/drawing/2014/main" id="{96CC0441-805E-686D-90ED-DE1AB218FA3A}"/>
-              </a:ext>
-            </a:extLst>
-          </p:cNvPr>
-          <p:cNvSpPr txBox="1"/>
-          <p:nvPr/>
-        </p:nvSpPr>
-        <p:spPr>
-          <a:xfrm>
-            <a:off x="8369183" y="5084406"/>
-            <a:ext cx="1391086" cy="369332"/>
-          </a:xfrm>
-          <a:prstGeom prst="rect">
-            <a:avLst/>
-          </a:prstGeom>
-          <a:noFill/>
-        </p:spPr>
-        <p:txBody>
-          <a:bodyPr wrap="none" rtlCol="0">
-            <a:spAutoFit/>
-          </a:bodyPr>
-          <a:lstStyle/>
-          <a:p>
-            <a:r>
-              <a:rPr lang="en-US" dirty="0"/>
-              <a:t>Bond market</a:t>
-            </a:r>
-          </a:p>
-        </p:txBody>
-      </p:sp>
-    </p:spTree>
-    <p:extLst>
-      <p:ext uri="{BB962C8B-B14F-4D97-AF65-F5344CB8AC3E}">
-        <p14:creationId xmlns:p14="http://schemas.microsoft.com/office/powerpoint/2010/main" val="2775847869"/>
-      </p:ext>
-    </p:extLst>
-  </p:cSld>
-  <p:clrMapOvr>
-    <a:masterClrMapping/>
-  </p:clrMapOvr>
-</p:sld>
-</file>
-
-<file path=ppt/slides/slide20.xml><?xml version="1.0" encoding="utf-8"?>
+<file path=ppt/slides/slide22.xml><?xml version="1.0" encoding="utf-8"?>
 <p:sld xmlns:a="http://schemas.openxmlformats.org/drawingml/2006/main" xmlns:r="http://schemas.openxmlformats.org/officeDocument/2006/relationships" xmlns:p="http://schemas.openxmlformats.org/presentationml/2006/main">
   <p:cSld>
     <p:spTree>
@@ -10949,6 +12994,35 @@
           </a:graphicData>
         </a:graphic>
       </p:graphicFrame>
+      <p:sp>
+        <p:nvSpPr>
+          <p:cNvPr id="5" name="Slide Number Placeholder 4">
+            <a:extLst>
+              <a:ext uri="{FF2B5EF4-FFF2-40B4-BE49-F238E27FC236}">
+                <a16:creationId xmlns:a16="http://schemas.microsoft.com/office/drawing/2014/main" id="{0B1CCAFB-3B8D-2D14-C294-10F0DB70784D}"/>
+              </a:ext>
+            </a:extLst>
+          </p:cNvPr>
+          <p:cNvSpPr>
+            <a:spLocks noGrp="1"/>
+          </p:cNvSpPr>
+          <p:nvPr>
+            <p:ph type="sldNum" sz="quarter" idx="12"/>
+          </p:nvPr>
+        </p:nvSpPr>
+        <p:spPr/>
+        <p:txBody>
+          <a:bodyPr/>
+          <a:lstStyle/>
+          <a:p>
+            <a:fld id="{92AF051A-FF74-2247-B065-E58DA1926FE1}" type="slidenum">
+              <a:rPr lang="en-US" smtClean="0"/>
+              <a:t>22</a:t>
+            </a:fld>
+            <a:endParaRPr lang="en-US"/>
+          </a:p>
+        </p:txBody>
+      </p:sp>
     </p:spTree>
     <p:extLst>
       <p:ext uri="{BB962C8B-B14F-4D97-AF65-F5344CB8AC3E}">
@@ -10962,7 +13036,7 @@
 </p:sld>
 </file>
 
-<file path=ppt/slides/slide21.xml><?xml version="1.0" encoding="utf-8"?>
+<file path=ppt/slides/slide23.xml><?xml version="1.0" encoding="utf-8"?>
 <p:sld xmlns:a="http://schemas.openxmlformats.org/drawingml/2006/main" xmlns:r="http://schemas.openxmlformats.org/officeDocument/2006/relationships" xmlns:p="http://schemas.openxmlformats.org/presentationml/2006/main">
   <p:cSld>
     <p:spTree>
@@ -11475,6 +13549,35 @@
           </a:graphicData>
         </a:graphic>
       </p:graphicFrame>
+      <p:sp>
+        <p:nvSpPr>
+          <p:cNvPr id="5" name="Slide Number Placeholder 4">
+            <a:extLst>
+              <a:ext uri="{FF2B5EF4-FFF2-40B4-BE49-F238E27FC236}">
+                <a16:creationId xmlns:a16="http://schemas.microsoft.com/office/drawing/2014/main" id="{6E917F03-C2C3-A3A7-5773-C502512828A2}"/>
+              </a:ext>
+            </a:extLst>
+          </p:cNvPr>
+          <p:cNvSpPr>
+            <a:spLocks noGrp="1"/>
+          </p:cNvSpPr>
+          <p:nvPr>
+            <p:ph type="sldNum" sz="quarter" idx="12"/>
+          </p:nvPr>
+        </p:nvSpPr>
+        <p:spPr/>
+        <p:txBody>
+          <a:bodyPr/>
+          <a:lstStyle/>
+          <a:p>
+            <a:fld id="{92AF051A-FF74-2247-B065-E58DA1926FE1}" type="slidenum">
+              <a:rPr lang="en-US" smtClean="0"/>
+              <a:t>23</a:t>
+            </a:fld>
+            <a:endParaRPr lang="en-US"/>
+          </a:p>
+        </p:txBody>
+      </p:sp>
     </p:spTree>
     <p:extLst>
       <p:ext uri="{BB962C8B-B14F-4D97-AF65-F5344CB8AC3E}">
@@ -11488,7 +13591,7 @@
 </p:sld>
 </file>
 
-<file path=ppt/slides/slide22.xml><?xml version="1.0" encoding="utf-8"?>
+<file path=ppt/slides/slide24.xml><?xml version="1.0" encoding="utf-8"?>
 <p:sld xmlns:a="http://schemas.openxmlformats.org/drawingml/2006/main" xmlns:r="http://schemas.openxmlformats.org/officeDocument/2006/relationships" xmlns:p="http://schemas.openxmlformats.org/presentationml/2006/main">
   <p:cSld>
     <p:spTree>
@@ -11993,6 +14096,35 @@
           </a:graphicData>
         </a:graphic>
       </p:graphicFrame>
+      <p:sp>
+        <p:nvSpPr>
+          <p:cNvPr id="5" name="Slide Number Placeholder 4">
+            <a:extLst>
+              <a:ext uri="{FF2B5EF4-FFF2-40B4-BE49-F238E27FC236}">
+                <a16:creationId xmlns:a16="http://schemas.microsoft.com/office/drawing/2014/main" id="{DE5C88A9-0985-9575-D932-AD8FEEB509ED}"/>
+              </a:ext>
+            </a:extLst>
+          </p:cNvPr>
+          <p:cNvSpPr>
+            <a:spLocks noGrp="1"/>
+          </p:cNvSpPr>
+          <p:nvPr>
+            <p:ph type="sldNum" sz="quarter" idx="12"/>
+          </p:nvPr>
+        </p:nvSpPr>
+        <p:spPr/>
+        <p:txBody>
+          <a:bodyPr/>
+          <a:lstStyle/>
+          <a:p>
+            <a:fld id="{92AF051A-FF74-2247-B065-E58DA1926FE1}" type="slidenum">
+              <a:rPr lang="en-US" smtClean="0"/>
+              <a:t>24</a:t>
+            </a:fld>
+            <a:endParaRPr lang="en-US"/>
+          </a:p>
+        </p:txBody>
+      </p:sp>
     </p:spTree>
     <p:extLst>
       <p:ext uri="{BB962C8B-B14F-4D97-AF65-F5344CB8AC3E}">
@@ -12006,7 +14138,7 @@
 </p:sld>
 </file>
 
-<file path=ppt/slides/slide23.xml><?xml version="1.0" encoding="utf-8"?>
+<file path=ppt/slides/slide25.xml><?xml version="1.0" encoding="utf-8"?>
 <p:sld xmlns:a="http://schemas.openxmlformats.org/drawingml/2006/main" xmlns:r="http://schemas.openxmlformats.org/officeDocument/2006/relationships" xmlns:p="http://schemas.openxmlformats.org/presentationml/2006/main">
   <p:cSld>
     <p:spTree>
@@ -12519,6 +14651,35 @@
           </a:graphicData>
         </a:graphic>
       </p:graphicFrame>
+      <p:sp>
+        <p:nvSpPr>
+          <p:cNvPr id="5" name="Slide Number Placeholder 4">
+            <a:extLst>
+              <a:ext uri="{FF2B5EF4-FFF2-40B4-BE49-F238E27FC236}">
+                <a16:creationId xmlns:a16="http://schemas.microsoft.com/office/drawing/2014/main" id="{84A8A1A3-6948-B283-AB28-A7480C25F605}"/>
+              </a:ext>
+            </a:extLst>
+          </p:cNvPr>
+          <p:cNvSpPr>
+            <a:spLocks noGrp="1"/>
+          </p:cNvSpPr>
+          <p:nvPr>
+            <p:ph type="sldNum" sz="quarter" idx="12"/>
+          </p:nvPr>
+        </p:nvSpPr>
+        <p:spPr/>
+        <p:txBody>
+          <a:bodyPr/>
+          <a:lstStyle/>
+          <a:p>
+            <a:fld id="{92AF051A-FF74-2247-B065-E58DA1926FE1}" type="slidenum">
+              <a:rPr lang="en-US" smtClean="0"/>
+              <a:t>25</a:t>
+            </a:fld>
+            <a:endParaRPr lang="en-US"/>
+          </a:p>
+        </p:txBody>
+      </p:sp>
     </p:spTree>
     <p:extLst>
       <p:ext uri="{BB962C8B-B14F-4D97-AF65-F5344CB8AC3E}">
@@ -12532,7 +14693,7 @@
 </p:sld>
 </file>
 
-<file path=ppt/slides/slide24.xml><?xml version="1.0" encoding="utf-8"?>
+<file path=ppt/slides/slide26.xml><?xml version="1.0" encoding="utf-8"?>
 <p:sld xmlns:a="http://schemas.openxmlformats.org/drawingml/2006/main" xmlns:r="http://schemas.openxmlformats.org/officeDocument/2006/relationships" xmlns:p="http://schemas.openxmlformats.org/presentationml/2006/main">
   <p:cSld>
     <p:spTree>
@@ -13037,6 +15198,35 @@
           </a:graphicData>
         </a:graphic>
       </p:graphicFrame>
+      <p:sp>
+        <p:nvSpPr>
+          <p:cNvPr id="5" name="Slide Number Placeholder 4">
+            <a:extLst>
+              <a:ext uri="{FF2B5EF4-FFF2-40B4-BE49-F238E27FC236}">
+                <a16:creationId xmlns:a16="http://schemas.microsoft.com/office/drawing/2014/main" id="{0F805063-782C-E7E2-551B-F84B9E5012BD}"/>
+              </a:ext>
+            </a:extLst>
+          </p:cNvPr>
+          <p:cNvSpPr>
+            <a:spLocks noGrp="1"/>
+          </p:cNvSpPr>
+          <p:nvPr>
+            <p:ph type="sldNum" sz="quarter" idx="12"/>
+          </p:nvPr>
+        </p:nvSpPr>
+        <p:spPr/>
+        <p:txBody>
+          <a:bodyPr/>
+          <a:lstStyle/>
+          <a:p>
+            <a:fld id="{92AF051A-FF74-2247-B065-E58DA1926FE1}" type="slidenum">
+              <a:rPr lang="en-US" smtClean="0"/>
+              <a:t>26</a:t>
+            </a:fld>
+            <a:endParaRPr lang="en-US"/>
+          </a:p>
+        </p:txBody>
+      </p:sp>
     </p:spTree>
     <p:extLst>
       <p:ext uri="{BB962C8B-B14F-4D97-AF65-F5344CB8AC3E}">
@@ -13050,7 +15240,7 @@
 </p:sld>
 </file>
 
-<file path=ppt/slides/slide25.xml><?xml version="1.0" encoding="utf-8"?>
+<file path=ppt/slides/slide27.xml><?xml version="1.0" encoding="utf-8"?>
 <p:sld xmlns:a="http://schemas.openxmlformats.org/drawingml/2006/main" xmlns:r="http://schemas.openxmlformats.org/officeDocument/2006/relationships" xmlns:p="http://schemas.openxmlformats.org/presentationml/2006/main">
   <p:cSld>
     <p:spTree>
@@ -14361,6 +16551,35 @@
           </a:graphicData>
         </a:graphic>
       </p:graphicFrame>
+      <p:sp>
+        <p:nvSpPr>
+          <p:cNvPr id="7" name="Slide Number Placeholder 6">
+            <a:extLst>
+              <a:ext uri="{FF2B5EF4-FFF2-40B4-BE49-F238E27FC236}">
+                <a16:creationId xmlns:a16="http://schemas.microsoft.com/office/drawing/2014/main" id="{40575113-52FE-0DDC-9889-61967E9EC84F}"/>
+              </a:ext>
+            </a:extLst>
+          </p:cNvPr>
+          <p:cNvSpPr>
+            <a:spLocks noGrp="1"/>
+          </p:cNvSpPr>
+          <p:nvPr>
+            <p:ph type="sldNum" sz="quarter" idx="12"/>
+          </p:nvPr>
+        </p:nvSpPr>
+        <p:spPr/>
+        <p:txBody>
+          <a:bodyPr/>
+          <a:lstStyle/>
+          <a:p>
+            <a:fld id="{92AF051A-FF74-2247-B065-E58DA1926FE1}" type="slidenum">
+              <a:rPr lang="en-US" smtClean="0"/>
+              <a:t>27</a:t>
+            </a:fld>
+            <a:endParaRPr lang="en-US"/>
+          </a:p>
+        </p:txBody>
+      </p:sp>
     </p:spTree>
     <p:extLst>
       <p:ext uri="{BB962C8B-B14F-4D97-AF65-F5344CB8AC3E}">
@@ -14374,7 +16593,7 @@
 </p:sld>
 </file>
 
-<file path=ppt/slides/slide26.xml><?xml version="1.0" encoding="utf-8"?>
+<file path=ppt/slides/slide28.xml><?xml version="1.0" encoding="utf-8"?>
 <p:sld xmlns:a="http://schemas.openxmlformats.org/drawingml/2006/main" xmlns:r="http://schemas.openxmlformats.org/officeDocument/2006/relationships" xmlns:p="http://schemas.openxmlformats.org/presentationml/2006/main">
   <p:cSld>
     <p:spTree>
@@ -15361,6 +17580,35 @@
           </a:graphicData>
         </a:graphic>
       </p:graphicFrame>
+      <p:sp>
+        <p:nvSpPr>
+          <p:cNvPr id="6" name="Slide Number Placeholder 5">
+            <a:extLst>
+              <a:ext uri="{FF2B5EF4-FFF2-40B4-BE49-F238E27FC236}">
+                <a16:creationId xmlns:a16="http://schemas.microsoft.com/office/drawing/2014/main" id="{C690D8A8-C9E2-A8B4-3DFA-02960CCD38D6}"/>
+              </a:ext>
+            </a:extLst>
+          </p:cNvPr>
+          <p:cNvSpPr>
+            <a:spLocks noGrp="1"/>
+          </p:cNvSpPr>
+          <p:nvPr>
+            <p:ph type="sldNum" sz="quarter" idx="12"/>
+          </p:nvPr>
+        </p:nvSpPr>
+        <p:spPr/>
+        <p:txBody>
+          <a:bodyPr/>
+          <a:lstStyle/>
+          <a:p>
+            <a:fld id="{92AF051A-FF74-2247-B065-E58DA1926FE1}" type="slidenum">
+              <a:rPr lang="en-US" smtClean="0"/>
+              <a:t>28</a:t>
+            </a:fld>
+            <a:endParaRPr lang="en-US"/>
+          </a:p>
+        </p:txBody>
+      </p:sp>
     </p:spTree>
     <p:extLst>
       <p:ext uri="{BB962C8B-B14F-4D97-AF65-F5344CB8AC3E}">
@@ -15374,7 +17622,7 @@
 </p:sld>
 </file>
 
-<file path=ppt/slides/slide27.xml><?xml version="1.0" encoding="utf-8"?>
+<file path=ppt/slides/slide29.xml><?xml version="1.0" encoding="utf-8"?>
 <p:sld xmlns:a="http://schemas.openxmlformats.org/drawingml/2006/main" xmlns:r="http://schemas.openxmlformats.org/officeDocument/2006/relationships" xmlns:p="http://schemas.openxmlformats.org/presentationml/2006/main">
   <p:cSld>
     <p:spTree>
@@ -15396,7 +17644,7 @@
           <p:cNvPr id="2" name="Title 1">
             <a:extLst>
               <a:ext uri="{FF2B5EF4-FFF2-40B4-BE49-F238E27FC236}">
-                <a16:creationId xmlns:a16="http://schemas.microsoft.com/office/drawing/2014/main" id="{6A227086-99C6-9D1F-734E-EF4772CD060C}"/>
+                <a16:creationId xmlns:a16="http://schemas.microsoft.com/office/drawing/2014/main" id="{F2D57EE6-1EF5-E5FA-0421-AA37C3CE3ECE}"/>
               </a:ext>
             </a:extLst>
           </p:cNvPr>
@@ -15407,24 +17655,268 @@
             <p:ph type="title"/>
           </p:nvPr>
         </p:nvSpPr>
-        <p:spPr/>
+        <p:spPr>
+          <a:xfrm>
+            <a:off x="768531" y="253999"/>
+            <a:ext cx="10515600" cy="854075"/>
+          </a:xfrm>
+        </p:spPr>
         <p:txBody>
           <a:bodyPr/>
           <a:lstStyle/>
           <a:p>
             <a:r>
               <a:rPr lang="en-US" dirty="0"/>
-              <a:t>Reference</a:t>
+              <a:t>Fed tools to implement the monetary policy</a:t>
             </a:r>
           </a:p>
         </p:txBody>
       </p:sp>
+      <p:graphicFrame>
+        <p:nvGraphicFramePr>
+          <p:cNvPr id="5" name="Content Placeholder 4">
+            <a:extLst>
+              <a:ext uri="{FF2B5EF4-FFF2-40B4-BE49-F238E27FC236}">
+                <a16:creationId xmlns:a16="http://schemas.microsoft.com/office/drawing/2014/main" id="{5A05BB4C-EF66-EF27-D3B0-2676BDAD9798}"/>
+              </a:ext>
+            </a:extLst>
+          </p:cNvPr>
+          <p:cNvGraphicFramePr>
+            <a:graphicFrameLocks noGrp="1"/>
+          </p:cNvGraphicFramePr>
+          <p:nvPr>
+            <p:ph idx="1"/>
+            <p:extLst>
+              <p:ext uri="{D42A27DB-BD31-4B8C-83A1-F6EECF244321}">
+                <p14:modId xmlns:p14="http://schemas.microsoft.com/office/powerpoint/2010/main" val="955896250"/>
+              </p:ext>
+            </p:extLst>
+          </p:nvPr>
+        </p:nvGraphicFramePr>
+        <p:xfrm>
+          <a:off x="838200" y="1825625"/>
+          <a:ext cx="10515596" cy="2199640"/>
+        </p:xfrm>
+        <a:graphic>
+          <a:graphicData uri="http://schemas.openxmlformats.org/drawingml/2006/table">
+            <a:tbl>
+              <a:tblPr firstRow="1" bandRow="1">
+                <a:tableStyleId>{5C22544A-7EE6-4342-B048-85BDC9FD1C3A}</a:tableStyleId>
+              </a:tblPr>
+              <a:tblGrid>
+                <a:gridCol w="2628899">
+                  <a:extLst>
+                    <a:ext uri="{9D8B030D-6E8A-4147-A177-3AD203B41FA5}">
+                      <a16:colId xmlns:a16="http://schemas.microsoft.com/office/drawing/2014/main" val="379973147"/>
+                    </a:ext>
+                  </a:extLst>
+                </a:gridCol>
+                <a:gridCol w="2628899">
+                  <a:extLst>
+                    <a:ext uri="{9D8B030D-6E8A-4147-A177-3AD203B41FA5}">
+                      <a16:colId xmlns:a16="http://schemas.microsoft.com/office/drawing/2014/main" val="299684217"/>
+                    </a:ext>
+                  </a:extLst>
+                </a:gridCol>
+                <a:gridCol w="2628899">
+                  <a:extLst>
+                    <a:ext uri="{9D8B030D-6E8A-4147-A177-3AD203B41FA5}">
+                      <a16:colId xmlns:a16="http://schemas.microsoft.com/office/drawing/2014/main" val="3302411831"/>
+                    </a:ext>
+                  </a:extLst>
+                </a:gridCol>
+                <a:gridCol w="2628899">
+                  <a:extLst>
+                    <a:ext uri="{9D8B030D-6E8A-4147-A177-3AD203B41FA5}">
+                      <a16:colId xmlns:a16="http://schemas.microsoft.com/office/drawing/2014/main" val="300384571"/>
+                    </a:ext>
+                  </a:extLst>
+                </a:gridCol>
+              </a:tblGrid>
+              <a:tr h="370840">
+                <a:tc>
+                  <a:txBody>
+                    <a:bodyPr/>
+                    <a:lstStyle/>
+                    <a:p>
+                      <a:endParaRPr lang="en-US" dirty="0"/>
+                    </a:p>
+                  </a:txBody>
+                  <a:tcPr/>
+                </a:tc>
+                <a:tc>
+                  <a:txBody>
+                    <a:bodyPr/>
+                    <a:lstStyle/>
+                    <a:p>
+                      <a:r>
+                        <a:rPr lang="en-US" dirty="0"/>
+                        <a:t>Open Market Operations</a:t>
+                      </a:r>
+                    </a:p>
+                  </a:txBody>
+                  <a:tcPr/>
+                </a:tc>
+                <a:tc>
+                  <a:txBody>
+                    <a:bodyPr/>
+                    <a:lstStyle/>
+                    <a:p>
+                      <a:r>
+                        <a:rPr lang="en-US" dirty="0"/>
+                        <a:t>Discount Rate</a:t>
+                      </a:r>
+                    </a:p>
+                  </a:txBody>
+                  <a:tcPr/>
+                </a:tc>
+                <a:tc>
+                  <a:txBody>
+                    <a:bodyPr/>
+                    <a:lstStyle/>
+                    <a:p>
+                      <a:r>
+                        <a:rPr lang="en-US" dirty="0"/>
+                        <a:t>Reserve Requirement </a:t>
+                      </a:r>
+                    </a:p>
+                  </a:txBody>
+                  <a:tcPr/>
+                </a:tc>
+                <a:extLst>
+                  <a:ext uri="{0D108BD9-81ED-4DB2-BD59-A6C34878D82A}">
+                    <a16:rowId xmlns:a16="http://schemas.microsoft.com/office/drawing/2014/main" val="1808978326"/>
+                  </a:ext>
+                </a:extLst>
+              </a:tr>
+              <a:tr h="370840">
+                <a:tc>
+                  <a:txBody>
+                    <a:bodyPr/>
+                    <a:lstStyle/>
+                    <a:p>
+                      <a:r>
+                        <a:rPr lang="en-US" dirty="0"/>
+                        <a:t>Expansionary </a:t>
+                      </a:r>
+                    </a:p>
+                  </a:txBody>
+                  <a:tcPr/>
+                </a:tc>
+                <a:tc>
+                  <a:txBody>
+                    <a:bodyPr/>
+                    <a:lstStyle/>
+                    <a:p>
+                      <a:r>
+                        <a:rPr lang="en-US" dirty="0"/>
+                        <a:t>Buy U.S. Treasury securities and increase reserves</a:t>
+                      </a:r>
+                    </a:p>
+                  </a:txBody>
+                  <a:tcPr/>
+                </a:tc>
+                <a:tc>
+                  <a:txBody>
+                    <a:bodyPr/>
+                    <a:lstStyle/>
+                    <a:p>
+                      <a:r>
+                        <a:rPr lang="en-US" dirty="0"/>
+                        <a:t>Lower discount rate </a:t>
+                      </a:r>
+                    </a:p>
+                  </a:txBody>
+                  <a:tcPr/>
+                </a:tc>
+                <a:tc>
+                  <a:txBody>
+                    <a:bodyPr/>
+                    <a:lstStyle/>
+                    <a:p>
+                      <a:r>
+                        <a:rPr lang="en-US" dirty="0"/>
+                        <a:t>Lower reserve requirements</a:t>
+                      </a:r>
+                    </a:p>
+                  </a:txBody>
+                  <a:tcPr/>
+                </a:tc>
+                <a:extLst>
+                  <a:ext uri="{0D108BD9-81ED-4DB2-BD59-A6C34878D82A}">
+                    <a16:rowId xmlns:a16="http://schemas.microsoft.com/office/drawing/2014/main" val="2701772009"/>
+                  </a:ext>
+                </a:extLst>
+              </a:tr>
+              <a:tr h="370840">
+                <a:tc>
+                  <a:txBody>
+                    <a:bodyPr/>
+                    <a:lstStyle/>
+                    <a:p>
+                      <a:r>
+                        <a:rPr lang="en-US" dirty="0"/>
+                        <a:t>Contractionary</a:t>
+                      </a:r>
+                    </a:p>
+                  </a:txBody>
+                  <a:tcPr/>
+                </a:tc>
+                <a:tc>
+                  <a:txBody>
+                    <a:bodyPr/>
+                    <a:lstStyle/>
+                    <a:p>
+                      <a:r>
+                        <a:rPr lang="en-US" dirty="0"/>
+                        <a:t>Sell U.S. treasury securities and decrease reserves </a:t>
+                      </a:r>
+                    </a:p>
+                  </a:txBody>
+                  <a:tcPr/>
+                </a:tc>
+                <a:tc>
+                  <a:txBody>
+                    <a:bodyPr/>
+                    <a:lstStyle/>
+                    <a:p>
+                      <a:r>
+                        <a:rPr lang="en-US" dirty="0"/>
+                        <a:t>Raise discount rate </a:t>
+                      </a:r>
+                    </a:p>
+                  </a:txBody>
+                  <a:tcPr/>
+                </a:tc>
+                <a:tc>
+                  <a:txBody>
+                    <a:bodyPr/>
+                    <a:lstStyle/>
+                    <a:p>
+                      <a:r>
+                        <a:rPr lang="en-US" dirty="0"/>
+                        <a:t>Raise Reserve requirements </a:t>
+                      </a:r>
+                    </a:p>
+                  </a:txBody>
+                  <a:tcPr/>
+                </a:tc>
+                <a:extLst>
+                  <a:ext uri="{0D108BD9-81ED-4DB2-BD59-A6C34878D82A}">
+                    <a16:rowId xmlns:a16="http://schemas.microsoft.com/office/drawing/2014/main" val="3484295644"/>
+                  </a:ext>
+                </a:extLst>
+              </a:tr>
+            </a:tbl>
+          </a:graphicData>
+        </a:graphic>
+      </p:graphicFrame>
       <p:sp>
         <p:nvSpPr>
-          <p:cNvPr id="3" name="Content Placeholder 2">
-            <a:extLst>
-              <a:ext uri="{FF2B5EF4-FFF2-40B4-BE49-F238E27FC236}">
-                <a16:creationId xmlns:a16="http://schemas.microsoft.com/office/drawing/2014/main" id="{48079A7C-370C-5659-9897-A48444AF225C}"/>
+          <p:cNvPr id="4" name="Slide Number Placeholder 3">
+            <a:extLst>
+              <a:ext uri="{FF2B5EF4-FFF2-40B4-BE49-F238E27FC236}">
+                <a16:creationId xmlns:a16="http://schemas.microsoft.com/office/drawing/2014/main" id="{863C5AEB-424D-159B-FDE6-151ADD453D0E}"/>
               </a:ext>
             </a:extLst>
           </p:cNvPr>
@@ -15432,7 +17924,7 @@
             <a:spLocks noGrp="1"/>
           </p:cNvSpPr>
           <p:nvPr>
-            <p:ph idx="1"/>
+            <p:ph type="sldNum" sz="quarter" idx="12"/>
           </p:nvPr>
         </p:nvSpPr>
         <p:spPr/>
@@ -15440,35 +17932,18 @@
           <a:bodyPr/>
           <a:lstStyle/>
           <a:p>
-            <a:r>
-              <a:rPr lang="en-US" dirty="0"/>
-              <a:t>Stephen D. </a:t>
-            </a:r>
-            <a:r>
-              <a:rPr lang="en-US" dirty="0" err="1"/>
-              <a:t>Slifer</a:t>
-            </a:r>
-            <a:r>
-              <a:rPr lang="en-US" dirty="0"/>
-              <a:t> and W. Stansbury Carnes, By the numbers, </a:t>
-            </a:r>
-            <a:r>
-              <a:rPr lang="en-US" dirty="0">
-                <a:hlinkClick r:id="rId2"/>
-              </a:rPr>
-              <a:t>A survival guide to economic indicators</a:t>
-            </a:r>
-            <a:r>
-              <a:rPr lang="en-US" dirty="0"/>
-              <a:t>. International Financial Press, 1995</a:t>
-            </a:r>
+            <a:fld id="{92AF051A-FF74-2247-B065-E58DA1926FE1}" type="slidenum">
+              <a:rPr lang="en-US" smtClean="0"/>
+              <a:t>29</a:t>
+            </a:fld>
+            <a:endParaRPr lang="en-US"/>
           </a:p>
         </p:txBody>
       </p:sp>
     </p:spTree>
     <p:extLst>
       <p:ext uri="{BB962C8B-B14F-4D97-AF65-F5344CB8AC3E}">
-        <p14:creationId xmlns:p14="http://schemas.microsoft.com/office/powerpoint/2010/main" val="3159560760"/>
+        <p14:creationId xmlns:p14="http://schemas.microsoft.com/office/powerpoint/2010/main" val="463750963"/>
       </p:ext>
     </p:extLst>
   </p:cSld>
@@ -16254,10 +18729,2810 @@
           </a:p>
         </p:txBody>
       </p:sp>
+      <p:sp>
+        <p:nvSpPr>
+          <p:cNvPr id="25" name="Slide Number Placeholder 24">
+            <a:extLst>
+              <a:ext uri="{FF2B5EF4-FFF2-40B4-BE49-F238E27FC236}">
+                <a16:creationId xmlns:a16="http://schemas.microsoft.com/office/drawing/2014/main" id="{A4D078D6-8970-F481-A6C2-EEEE526BA875}"/>
+              </a:ext>
+            </a:extLst>
+          </p:cNvPr>
+          <p:cNvSpPr>
+            <a:spLocks noGrp="1"/>
+          </p:cNvSpPr>
+          <p:nvPr>
+            <p:ph type="sldNum" sz="quarter" idx="12"/>
+          </p:nvPr>
+        </p:nvSpPr>
+        <p:spPr/>
+        <p:txBody>
+          <a:bodyPr/>
+          <a:lstStyle/>
+          <a:p>
+            <a:fld id="{92AF051A-FF74-2247-B065-E58DA1926FE1}" type="slidenum">
+              <a:rPr lang="en-US" smtClean="0"/>
+              <a:t>3</a:t>
+            </a:fld>
+            <a:endParaRPr lang="en-US"/>
+          </a:p>
+        </p:txBody>
+      </p:sp>
     </p:spTree>
     <p:extLst>
       <p:ext uri="{BB962C8B-B14F-4D97-AF65-F5344CB8AC3E}">
         <p14:creationId xmlns:p14="http://schemas.microsoft.com/office/powerpoint/2010/main" val="4282321875"/>
+      </p:ext>
+    </p:extLst>
+  </p:cSld>
+  <p:clrMapOvr>
+    <a:masterClrMapping/>
+  </p:clrMapOvr>
+</p:sld>
+</file>
+
+<file path=ppt/slides/slide30.xml><?xml version="1.0" encoding="utf-8"?>
+<p:sld xmlns:a="http://schemas.openxmlformats.org/drawingml/2006/main" xmlns:r="http://schemas.openxmlformats.org/officeDocument/2006/relationships" xmlns:p="http://schemas.openxmlformats.org/presentationml/2006/main">
+  <p:cSld>
+    <p:spTree>
+      <p:nvGrpSpPr>
+        <p:cNvPr id="1" name=""/>
+        <p:cNvGrpSpPr/>
+        <p:nvPr/>
+      </p:nvGrpSpPr>
+      <p:grpSpPr>
+        <a:xfrm>
+          <a:off x="0" y="0"/>
+          <a:ext cx="0" cy="0"/>
+          <a:chOff x="0" y="0"/>
+          <a:chExt cx="0" cy="0"/>
+        </a:xfrm>
+      </p:grpSpPr>
+      <p:sp>
+        <p:nvSpPr>
+          <p:cNvPr id="2" name="Title 1">
+            <a:extLst>
+              <a:ext uri="{FF2B5EF4-FFF2-40B4-BE49-F238E27FC236}">
+                <a16:creationId xmlns:a16="http://schemas.microsoft.com/office/drawing/2014/main" id="{FC10F564-CCA7-7423-06E3-11F79075815B}"/>
+              </a:ext>
+            </a:extLst>
+          </p:cNvPr>
+          <p:cNvSpPr>
+            <a:spLocks noGrp="1"/>
+          </p:cNvSpPr>
+          <p:nvPr>
+            <p:ph type="title"/>
+          </p:nvPr>
+        </p:nvSpPr>
+        <p:spPr>
+          <a:xfrm>
+            <a:off x="390873" y="260606"/>
+            <a:ext cx="10515600" cy="966392"/>
+          </a:xfrm>
+        </p:spPr>
+        <p:txBody>
+          <a:bodyPr/>
+          <a:lstStyle/>
+          <a:p>
+            <a:endParaRPr lang="en-US" dirty="0"/>
+          </a:p>
+        </p:txBody>
+      </p:sp>
+      <p:sp>
+        <p:nvSpPr>
+          <p:cNvPr id="3" name="Content Placeholder 2">
+            <a:extLst>
+              <a:ext uri="{FF2B5EF4-FFF2-40B4-BE49-F238E27FC236}">
+                <a16:creationId xmlns:a16="http://schemas.microsoft.com/office/drawing/2014/main" id="{92481480-7BE7-6D3B-133C-CCA5D2E64B2A}"/>
+              </a:ext>
+            </a:extLst>
+          </p:cNvPr>
+          <p:cNvSpPr>
+            <a:spLocks noGrp="1"/>
+          </p:cNvSpPr>
+          <p:nvPr>
+            <p:ph idx="1"/>
+          </p:nvPr>
+        </p:nvSpPr>
+        <p:spPr/>
+        <p:txBody>
+          <a:bodyPr/>
+          <a:lstStyle/>
+          <a:p>
+            <a:endParaRPr lang="en-US" dirty="0"/>
+          </a:p>
+        </p:txBody>
+      </p:sp>
+      <p:sp>
+        <p:nvSpPr>
+          <p:cNvPr id="6" name="Process 5">
+            <a:extLst>
+              <a:ext uri="{FF2B5EF4-FFF2-40B4-BE49-F238E27FC236}">
+                <a16:creationId xmlns:a16="http://schemas.microsoft.com/office/drawing/2014/main" id="{8E7D1D3B-32C5-0900-AC23-2486EFDC5BB9}"/>
+              </a:ext>
+            </a:extLst>
+          </p:cNvPr>
+          <p:cNvSpPr/>
+          <p:nvPr/>
+        </p:nvSpPr>
+        <p:spPr>
+          <a:xfrm>
+            <a:off x="3076079" y="1883361"/>
+            <a:ext cx="2079914" cy="1278651"/>
+          </a:xfrm>
+          <a:prstGeom prst="flowChartProcess">
+            <a:avLst/>
+          </a:prstGeom>
+        </p:spPr>
+        <p:style>
+          <a:lnRef idx="2">
+            <a:schemeClr val="accent1">
+              <a:shade val="15000"/>
+            </a:schemeClr>
+          </a:lnRef>
+          <a:fillRef idx="1">
+            <a:schemeClr val="accent1"/>
+          </a:fillRef>
+          <a:effectRef idx="0">
+            <a:schemeClr val="accent1"/>
+          </a:effectRef>
+          <a:fontRef idx="minor">
+            <a:schemeClr val="lt1"/>
+          </a:fontRef>
+        </p:style>
+        <p:txBody>
+          <a:bodyPr rtlCol="0" anchor="ctr"/>
+          <a:lstStyle/>
+          <a:p>
+            <a:pPr algn="ctr"/>
+            <a:r>
+              <a:rPr lang="en-US" dirty="0"/>
+              <a:t>Depository bank </a:t>
+            </a:r>
+          </a:p>
+        </p:txBody>
+      </p:sp>
+      <p:cxnSp>
+        <p:nvCxnSpPr>
+          <p:cNvPr id="10" name="Straight Arrow Connector 9">
+            <a:extLst>
+              <a:ext uri="{FF2B5EF4-FFF2-40B4-BE49-F238E27FC236}">
+                <a16:creationId xmlns:a16="http://schemas.microsoft.com/office/drawing/2014/main" id="{DA98A399-6EC4-B9F4-9ABC-FEA6C64341E4}"/>
+              </a:ext>
+            </a:extLst>
+          </p:cNvPr>
+          <p:cNvCxnSpPr>
+            <a:cxnSpLocks/>
+          </p:cNvCxnSpPr>
+          <p:nvPr/>
+        </p:nvCxnSpPr>
+        <p:spPr>
+          <a:xfrm>
+            <a:off x="5303529" y="2766574"/>
+            <a:ext cx="3500843" cy="790876"/>
+          </a:xfrm>
+          <a:prstGeom prst="straightConnector1">
+            <a:avLst/>
+          </a:prstGeom>
+          <a:ln>
+            <a:tailEnd type="triangle"/>
+          </a:ln>
+        </p:spPr>
+        <p:style>
+          <a:lnRef idx="1">
+            <a:schemeClr val="accent1"/>
+          </a:lnRef>
+          <a:fillRef idx="0">
+            <a:schemeClr val="accent1"/>
+          </a:fillRef>
+          <a:effectRef idx="0">
+            <a:schemeClr val="accent1"/>
+          </a:effectRef>
+          <a:fontRef idx="minor">
+            <a:schemeClr val="tx1"/>
+          </a:fontRef>
+        </p:style>
+      </p:cxnSp>
+      <p:cxnSp>
+        <p:nvCxnSpPr>
+          <p:cNvPr id="12" name="Straight Arrow Connector 11">
+            <a:extLst>
+              <a:ext uri="{FF2B5EF4-FFF2-40B4-BE49-F238E27FC236}">
+                <a16:creationId xmlns:a16="http://schemas.microsoft.com/office/drawing/2014/main" id="{56085EA8-8C93-A9B2-6C86-08E099DED746}"/>
+              </a:ext>
+            </a:extLst>
+          </p:cNvPr>
+          <p:cNvCxnSpPr>
+            <a:cxnSpLocks/>
+          </p:cNvCxnSpPr>
+          <p:nvPr/>
+        </p:nvCxnSpPr>
+        <p:spPr>
+          <a:xfrm flipH="1" flipV="1">
+            <a:off x="5199017" y="2992290"/>
+            <a:ext cx="3248304" cy="734979"/>
+          </a:xfrm>
+          <a:prstGeom prst="straightConnector1">
+            <a:avLst/>
+          </a:prstGeom>
+          <a:ln>
+            <a:tailEnd type="triangle"/>
+          </a:ln>
+        </p:spPr>
+        <p:style>
+          <a:lnRef idx="1">
+            <a:schemeClr val="accent1"/>
+          </a:lnRef>
+          <a:fillRef idx="0">
+            <a:schemeClr val="accent1"/>
+          </a:fillRef>
+          <a:effectRef idx="0">
+            <a:schemeClr val="accent1"/>
+          </a:effectRef>
+          <a:fontRef idx="minor">
+            <a:schemeClr val="tx1"/>
+          </a:fontRef>
+        </p:style>
+      </p:cxnSp>
+      <p:sp>
+        <p:nvSpPr>
+          <p:cNvPr id="14" name="TextBox 13">
+            <a:extLst>
+              <a:ext uri="{FF2B5EF4-FFF2-40B4-BE49-F238E27FC236}">
+                <a16:creationId xmlns:a16="http://schemas.microsoft.com/office/drawing/2014/main" id="{6FDAFCD7-6BE1-DE15-58C4-3052427ACB19}"/>
+              </a:ext>
+            </a:extLst>
+          </p:cNvPr>
+          <p:cNvSpPr txBox="1"/>
+          <p:nvPr/>
+        </p:nvSpPr>
+        <p:spPr>
+          <a:xfrm rot="730469">
+            <a:off x="5687663" y="2722434"/>
+            <a:ext cx="2602444" cy="369332"/>
+          </a:xfrm>
+          <a:prstGeom prst="rect">
+            <a:avLst/>
+          </a:prstGeom>
+          <a:noFill/>
+        </p:spPr>
+        <p:txBody>
+          <a:bodyPr wrap="none" rtlCol="0">
+            <a:spAutoFit/>
+          </a:bodyPr>
+          <a:lstStyle/>
+          <a:p>
+            <a:r>
+              <a:rPr lang="en-US" dirty="0"/>
+              <a:t>Deposit required reserves</a:t>
+            </a:r>
+          </a:p>
+        </p:txBody>
+      </p:sp>
+      <p:sp>
+        <p:nvSpPr>
+          <p:cNvPr id="15" name="TextBox 14">
+            <a:extLst>
+              <a:ext uri="{FF2B5EF4-FFF2-40B4-BE49-F238E27FC236}">
+                <a16:creationId xmlns:a16="http://schemas.microsoft.com/office/drawing/2014/main" id="{2C21030D-9F28-C141-CC17-D06CBA7CFDD1}"/>
+              </a:ext>
+            </a:extLst>
+          </p:cNvPr>
+          <p:cNvSpPr txBox="1"/>
+          <p:nvPr/>
+        </p:nvSpPr>
+        <p:spPr>
+          <a:xfrm rot="730469">
+            <a:off x="5661986" y="3305076"/>
+            <a:ext cx="2279342" cy="369332"/>
+          </a:xfrm>
+          <a:prstGeom prst="rect">
+            <a:avLst/>
+          </a:prstGeom>
+          <a:noFill/>
+        </p:spPr>
+        <p:txBody>
+          <a:bodyPr wrap="none" rtlCol="0">
+            <a:spAutoFit/>
+          </a:bodyPr>
+          <a:lstStyle/>
+          <a:p>
+            <a:r>
+              <a:rPr lang="en-US" dirty="0"/>
+              <a:t>Receives interest IORB</a:t>
+            </a:r>
+          </a:p>
+        </p:txBody>
+      </p:sp>
+      <p:sp>
+        <p:nvSpPr>
+          <p:cNvPr id="16" name="Process 15">
+            <a:extLst>
+              <a:ext uri="{FF2B5EF4-FFF2-40B4-BE49-F238E27FC236}">
+                <a16:creationId xmlns:a16="http://schemas.microsoft.com/office/drawing/2014/main" id="{AB9BAA25-158A-5566-FFD7-1ABACCCCED2E}"/>
+              </a:ext>
+            </a:extLst>
+          </p:cNvPr>
+          <p:cNvSpPr/>
+          <p:nvPr/>
+        </p:nvSpPr>
+        <p:spPr>
+          <a:xfrm>
+            <a:off x="3037130" y="5207392"/>
+            <a:ext cx="2079914" cy="1278651"/>
+          </a:xfrm>
+          <a:prstGeom prst="flowChartProcess">
+            <a:avLst/>
+          </a:prstGeom>
+        </p:spPr>
+        <p:style>
+          <a:lnRef idx="2">
+            <a:schemeClr val="accent1">
+              <a:shade val="15000"/>
+            </a:schemeClr>
+          </a:lnRef>
+          <a:fillRef idx="1">
+            <a:schemeClr val="accent1"/>
+          </a:fillRef>
+          <a:effectRef idx="0">
+            <a:schemeClr val="accent1"/>
+          </a:effectRef>
+          <a:fontRef idx="minor">
+            <a:schemeClr val="lt1"/>
+          </a:fontRef>
+        </p:style>
+        <p:txBody>
+          <a:bodyPr rtlCol="0" anchor="ctr"/>
+          <a:lstStyle/>
+          <a:p>
+            <a:pPr algn="ctr"/>
+            <a:r>
+              <a:rPr lang="en-US" dirty="0"/>
+              <a:t>Depository bank </a:t>
+            </a:r>
+          </a:p>
+        </p:txBody>
+      </p:sp>
+      <p:cxnSp>
+        <p:nvCxnSpPr>
+          <p:cNvPr id="17" name="Straight Arrow Connector 16">
+            <a:extLst>
+              <a:ext uri="{FF2B5EF4-FFF2-40B4-BE49-F238E27FC236}">
+                <a16:creationId xmlns:a16="http://schemas.microsoft.com/office/drawing/2014/main" id="{03863DCB-231B-DAA4-C5DC-CB961C7FA2E3}"/>
+              </a:ext>
+            </a:extLst>
+          </p:cNvPr>
+          <p:cNvCxnSpPr>
+            <a:cxnSpLocks/>
+          </p:cNvCxnSpPr>
+          <p:nvPr/>
+        </p:nvCxnSpPr>
+        <p:spPr>
+          <a:xfrm flipH="1">
+            <a:off x="5303529" y="4731930"/>
+            <a:ext cx="3783872" cy="950925"/>
+          </a:xfrm>
+          <a:prstGeom prst="straightConnector1">
+            <a:avLst/>
+          </a:prstGeom>
+          <a:ln>
+            <a:tailEnd type="triangle"/>
+          </a:ln>
+        </p:spPr>
+        <p:style>
+          <a:lnRef idx="1">
+            <a:schemeClr val="accent1"/>
+          </a:lnRef>
+          <a:fillRef idx="0">
+            <a:schemeClr val="accent1"/>
+          </a:fillRef>
+          <a:effectRef idx="0">
+            <a:schemeClr val="accent1"/>
+          </a:effectRef>
+          <a:fontRef idx="minor">
+            <a:schemeClr val="tx1"/>
+          </a:fontRef>
+        </p:style>
+      </p:cxnSp>
+      <p:cxnSp>
+        <p:nvCxnSpPr>
+          <p:cNvPr id="19" name="Straight Arrow Connector 18">
+            <a:extLst>
+              <a:ext uri="{FF2B5EF4-FFF2-40B4-BE49-F238E27FC236}">
+                <a16:creationId xmlns:a16="http://schemas.microsoft.com/office/drawing/2014/main" id="{D1803A22-B07B-C194-50F5-A233F96C433C}"/>
+              </a:ext>
+            </a:extLst>
+          </p:cNvPr>
+          <p:cNvCxnSpPr>
+            <a:cxnSpLocks/>
+          </p:cNvCxnSpPr>
+          <p:nvPr/>
+        </p:nvCxnSpPr>
+        <p:spPr>
+          <a:xfrm flipV="1">
+            <a:off x="5345450" y="4459693"/>
+            <a:ext cx="3458922" cy="881300"/>
+          </a:xfrm>
+          <a:prstGeom prst="straightConnector1">
+            <a:avLst/>
+          </a:prstGeom>
+          <a:ln>
+            <a:tailEnd type="triangle"/>
+          </a:ln>
+        </p:spPr>
+        <p:style>
+          <a:lnRef idx="1">
+            <a:schemeClr val="accent1"/>
+          </a:lnRef>
+          <a:fillRef idx="0">
+            <a:schemeClr val="accent1"/>
+          </a:fillRef>
+          <a:effectRef idx="0">
+            <a:schemeClr val="accent1"/>
+          </a:effectRef>
+          <a:fontRef idx="minor">
+            <a:schemeClr val="tx1"/>
+          </a:fontRef>
+        </p:style>
+      </p:cxnSp>
+      <p:sp>
+        <p:nvSpPr>
+          <p:cNvPr id="21" name="TextBox 20">
+            <a:extLst>
+              <a:ext uri="{FF2B5EF4-FFF2-40B4-BE49-F238E27FC236}">
+                <a16:creationId xmlns:a16="http://schemas.microsoft.com/office/drawing/2014/main" id="{839050D2-00AB-50C2-CA44-7F904C1352A4}"/>
+              </a:ext>
+            </a:extLst>
+          </p:cNvPr>
+          <p:cNvSpPr txBox="1"/>
+          <p:nvPr/>
+        </p:nvSpPr>
+        <p:spPr>
+          <a:xfrm rot="20798364">
+            <a:off x="5690585" y="4632454"/>
+            <a:ext cx="2222147" cy="369332"/>
+          </a:xfrm>
+          <a:prstGeom prst="rect">
+            <a:avLst/>
+          </a:prstGeom>
+          <a:noFill/>
+        </p:spPr>
+        <p:txBody>
+          <a:bodyPr wrap="none" rtlCol="0">
+            <a:spAutoFit/>
+          </a:bodyPr>
+          <a:lstStyle/>
+          <a:p>
+            <a:r>
+              <a:rPr lang="en-US" dirty="0"/>
+              <a:t>Pays discount interest</a:t>
+            </a:r>
+          </a:p>
+        </p:txBody>
+      </p:sp>
+      <p:sp>
+        <p:nvSpPr>
+          <p:cNvPr id="22" name="TextBox 21">
+            <a:extLst>
+              <a:ext uri="{FF2B5EF4-FFF2-40B4-BE49-F238E27FC236}">
+                <a16:creationId xmlns:a16="http://schemas.microsoft.com/office/drawing/2014/main" id="{2A1BB280-2B1F-E814-B2A5-A4A09B09E5F8}"/>
+              </a:ext>
+            </a:extLst>
+          </p:cNvPr>
+          <p:cNvSpPr txBox="1"/>
+          <p:nvPr/>
+        </p:nvSpPr>
+        <p:spPr>
+          <a:xfrm rot="20798364">
+            <a:off x="5446161" y="5180678"/>
+            <a:ext cx="3542060" cy="369332"/>
+          </a:xfrm>
+          <a:prstGeom prst="rect">
+            <a:avLst/>
+          </a:prstGeom>
+          <a:noFill/>
+        </p:spPr>
+        <p:txBody>
+          <a:bodyPr wrap="none" rtlCol="0">
+            <a:spAutoFit/>
+          </a:bodyPr>
+          <a:lstStyle/>
+          <a:p>
+            <a:r>
+              <a:rPr lang="en-US" dirty="0"/>
+              <a:t>Borrows from the  discount window</a:t>
+            </a:r>
+          </a:p>
+        </p:txBody>
+      </p:sp>
+      <p:sp>
+        <p:nvSpPr>
+          <p:cNvPr id="23" name="Process 22">
+            <a:extLst>
+              <a:ext uri="{FF2B5EF4-FFF2-40B4-BE49-F238E27FC236}">
+                <a16:creationId xmlns:a16="http://schemas.microsoft.com/office/drawing/2014/main" id="{C7C79E85-E698-0500-DCB1-2E6A29F76BCC}"/>
+              </a:ext>
+            </a:extLst>
+          </p:cNvPr>
+          <p:cNvSpPr/>
+          <p:nvPr/>
+        </p:nvSpPr>
+        <p:spPr>
+          <a:xfrm>
+            <a:off x="9244974" y="2602446"/>
+            <a:ext cx="2305968" cy="2492694"/>
+          </a:xfrm>
+          <a:prstGeom prst="flowChartProcess">
+            <a:avLst/>
+          </a:prstGeom>
+        </p:spPr>
+        <p:style>
+          <a:lnRef idx="2">
+            <a:schemeClr val="accent1">
+              <a:shade val="15000"/>
+            </a:schemeClr>
+          </a:lnRef>
+          <a:fillRef idx="1">
+            <a:schemeClr val="accent1"/>
+          </a:fillRef>
+          <a:effectRef idx="0">
+            <a:schemeClr val="accent1"/>
+          </a:effectRef>
+          <a:fontRef idx="minor">
+            <a:schemeClr val="lt1"/>
+          </a:fontRef>
+        </p:style>
+        <p:txBody>
+          <a:bodyPr rtlCol="0" anchor="ctr"/>
+          <a:lstStyle/>
+          <a:p>
+            <a:pPr algn="ctr"/>
+            <a:r>
+              <a:rPr lang="en-US" dirty="0"/>
+              <a:t>Central Bank</a:t>
+            </a:r>
+          </a:p>
+          <a:p>
+            <a:pPr algn="ctr"/>
+            <a:r>
+              <a:rPr lang="en-US" dirty="0"/>
+              <a:t>(Fed)</a:t>
+            </a:r>
+          </a:p>
+        </p:txBody>
+      </p:sp>
+      <p:sp>
+        <p:nvSpPr>
+          <p:cNvPr id="29" name="Process 28">
+            <a:extLst>
+              <a:ext uri="{FF2B5EF4-FFF2-40B4-BE49-F238E27FC236}">
+                <a16:creationId xmlns:a16="http://schemas.microsoft.com/office/drawing/2014/main" id="{95A33613-1591-C0D8-40E7-6204D3944310}"/>
+              </a:ext>
+            </a:extLst>
+          </p:cNvPr>
+          <p:cNvSpPr/>
+          <p:nvPr/>
+        </p:nvSpPr>
+        <p:spPr>
+          <a:xfrm>
+            <a:off x="60185" y="3489742"/>
+            <a:ext cx="2079914" cy="1278651"/>
+          </a:xfrm>
+          <a:prstGeom prst="flowChartProcess">
+            <a:avLst/>
+          </a:prstGeom>
+        </p:spPr>
+        <p:style>
+          <a:lnRef idx="2">
+            <a:schemeClr val="accent1">
+              <a:shade val="15000"/>
+            </a:schemeClr>
+          </a:lnRef>
+          <a:fillRef idx="1">
+            <a:schemeClr val="accent1"/>
+          </a:fillRef>
+          <a:effectRef idx="0">
+            <a:schemeClr val="accent1"/>
+          </a:effectRef>
+          <a:fontRef idx="minor">
+            <a:schemeClr val="lt1"/>
+          </a:fontRef>
+        </p:style>
+        <p:txBody>
+          <a:bodyPr rtlCol="0" anchor="ctr"/>
+          <a:lstStyle/>
+          <a:p>
+            <a:pPr algn="ctr"/>
+            <a:r>
+              <a:rPr lang="en-US" dirty="0"/>
+              <a:t>Depository bank </a:t>
+            </a:r>
+          </a:p>
+        </p:txBody>
+      </p:sp>
+      <p:cxnSp>
+        <p:nvCxnSpPr>
+          <p:cNvPr id="31" name="Straight Arrow Connector 30">
+            <a:extLst>
+              <a:ext uri="{FF2B5EF4-FFF2-40B4-BE49-F238E27FC236}">
+                <a16:creationId xmlns:a16="http://schemas.microsoft.com/office/drawing/2014/main" id="{DCFD69B5-4868-3A16-F1EC-1EB7E70E8089}"/>
+              </a:ext>
+            </a:extLst>
+          </p:cNvPr>
+          <p:cNvCxnSpPr>
+            <a:cxnSpLocks/>
+          </p:cNvCxnSpPr>
+          <p:nvPr/>
+        </p:nvCxnSpPr>
+        <p:spPr>
+          <a:xfrm flipV="1">
+            <a:off x="1639036" y="2522686"/>
+            <a:ext cx="1282497" cy="749692"/>
+          </a:xfrm>
+          <a:prstGeom prst="straightConnector1">
+            <a:avLst/>
+          </a:prstGeom>
+          <a:ln>
+            <a:headEnd type="triangle"/>
+            <a:tailEnd type="triangle"/>
+          </a:ln>
+        </p:spPr>
+        <p:style>
+          <a:lnRef idx="1">
+            <a:schemeClr val="accent1"/>
+          </a:lnRef>
+          <a:fillRef idx="0">
+            <a:schemeClr val="accent1"/>
+          </a:fillRef>
+          <a:effectRef idx="0">
+            <a:schemeClr val="accent1"/>
+          </a:effectRef>
+          <a:fontRef idx="minor">
+            <a:schemeClr val="tx1"/>
+          </a:fontRef>
+        </p:style>
+      </p:cxnSp>
+      <p:cxnSp>
+        <p:nvCxnSpPr>
+          <p:cNvPr id="34" name="Straight Arrow Connector 33">
+            <a:extLst>
+              <a:ext uri="{FF2B5EF4-FFF2-40B4-BE49-F238E27FC236}">
+                <a16:creationId xmlns:a16="http://schemas.microsoft.com/office/drawing/2014/main" id="{0101D33D-781E-4300-4678-05FB8754CA27}"/>
+              </a:ext>
+            </a:extLst>
+          </p:cNvPr>
+          <p:cNvCxnSpPr>
+            <a:cxnSpLocks/>
+          </p:cNvCxnSpPr>
+          <p:nvPr/>
+        </p:nvCxnSpPr>
+        <p:spPr>
+          <a:xfrm>
+            <a:off x="1717490" y="4936495"/>
+            <a:ext cx="1215200" cy="845996"/>
+          </a:xfrm>
+          <a:prstGeom prst="straightConnector1">
+            <a:avLst/>
+          </a:prstGeom>
+          <a:ln>
+            <a:headEnd type="triangle"/>
+            <a:tailEnd type="triangle"/>
+          </a:ln>
+        </p:spPr>
+        <p:style>
+          <a:lnRef idx="1">
+            <a:schemeClr val="accent1"/>
+          </a:lnRef>
+          <a:fillRef idx="0">
+            <a:schemeClr val="accent1"/>
+          </a:fillRef>
+          <a:effectRef idx="0">
+            <a:schemeClr val="accent1"/>
+          </a:effectRef>
+          <a:fontRef idx="minor">
+            <a:schemeClr val="tx1"/>
+          </a:fontRef>
+        </p:style>
+      </p:cxnSp>
+      <p:cxnSp>
+        <p:nvCxnSpPr>
+          <p:cNvPr id="37" name="Straight Arrow Connector 36">
+            <a:extLst>
+              <a:ext uri="{FF2B5EF4-FFF2-40B4-BE49-F238E27FC236}">
+                <a16:creationId xmlns:a16="http://schemas.microsoft.com/office/drawing/2014/main" id="{970AB0E1-168D-D8B6-6ED9-26041EB15314}"/>
+              </a:ext>
+            </a:extLst>
+          </p:cNvPr>
+          <p:cNvCxnSpPr>
+            <a:cxnSpLocks/>
+          </p:cNvCxnSpPr>
+          <p:nvPr/>
+        </p:nvCxnSpPr>
+        <p:spPr>
+          <a:xfrm flipV="1">
+            <a:off x="4044382" y="3359779"/>
+            <a:ext cx="0" cy="1735361"/>
+          </a:xfrm>
+          <a:prstGeom prst="straightConnector1">
+            <a:avLst/>
+          </a:prstGeom>
+          <a:ln>
+            <a:headEnd type="triangle"/>
+            <a:tailEnd type="triangle"/>
+          </a:ln>
+        </p:spPr>
+        <p:style>
+          <a:lnRef idx="1">
+            <a:schemeClr val="accent1"/>
+          </a:lnRef>
+          <a:fillRef idx="0">
+            <a:schemeClr val="accent1"/>
+          </a:fillRef>
+          <a:effectRef idx="0">
+            <a:schemeClr val="accent1"/>
+          </a:effectRef>
+          <a:fontRef idx="minor">
+            <a:schemeClr val="tx1"/>
+          </a:fontRef>
+        </p:style>
+      </p:cxnSp>
+      <p:sp>
+        <p:nvSpPr>
+          <p:cNvPr id="40" name="Slide Number Placeholder 39">
+            <a:extLst>
+              <a:ext uri="{FF2B5EF4-FFF2-40B4-BE49-F238E27FC236}">
+                <a16:creationId xmlns:a16="http://schemas.microsoft.com/office/drawing/2014/main" id="{3215C1C1-982B-2490-9F0E-81BD9990BAA0}"/>
+              </a:ext>
+            </a:extLst>
+          </p:cNvPr>
+          <p:cNvSpPr>
+            <a:spLocks noGrp="1"/>
+          </p:cNvSpPr>
+          <p:nvPr>
+            <p:ph type="sldNum" sz="quarter" idx="12"/>
+          </p:nvPr>
+        </p:nvSpPr>
+        <p:spPr/>
+        <p:txBody>
+          <a:bodyPr/>
+          <a:lstStyle/>
+          <a:p>
+            <a:fld id="{92AF051A-FF74-2247-B065-E58DA1926FE1}" type="slidenum">
+              <a:rPr lang="en-US" smtClean="0"/>
+              <a:t>30</a:t>
+            </a:fld>
+            <a:endParaRPr lang="en-US"/>
+          </a:p>
+        </p:txBody>
+      </p:sp>
+    </p:spTree>
+    <p:extLst>
+      <p:ext uri="{BB962C8B-B14F-4D97-AF65-F5344CB8AC3E}">
+        <p14:creationId xmlns:p14="http://schemas.microsoft.com/office/powerpoint/2010/main" val="2766823385"/>
+      </p:ext>
+    </p:extLst>
+  </p:cSld>
+  <p:clrMapOvr>
+    <a:masterClrMapping/>
+  </p:clrMapOvr>
+</p:sld>
+</file>
+
+<file path=ppt/slides/slide31.xml><?xml version="1.0" encoding="utf-8"?>
+<p:sld xmlns:a="http://schemas.openxmlformats.org/drawingml/2006/main" xmlns:r="http://schemas.openxmlformats.org/officeDocument/2006/relationships" xmlns:p="http://schemas.openxmlformats.org/presentationml/2006/main">
+  <p:cSld>
+    <p:spTree>
+      <p:nvGrpSpPr>
+        <p:cNvPr id="1" name=""/>
+        <p:cNvGrpSpPr/>
+        <p:nvPr/>
+      </p:nvGrpSpPr>
+      <p:grpSpPr>
+        <a:xfrm>
+          <a:off x="0" y="0"/>
+          <a:ext cx="0" cy="0"/>
+          <a:chOff x="0" y="0"/>
+          <a:chExt cx="0" cy="0"/>
+        </a:xfrm>
+      </p:grpSpPr>
+      <p:sp>
+        <p:nvSpPr>
+          <p:cNvPr id="2" name="Title 1">
+            <a:extLst>
+              <a:ext uri="{FF2B5EF4-FFF2-40B4-BE49-F238E27FC236}">
+                <a16:creationId xmlns:a16="http://schemas.microsoft.com/office/drawing/2014/main" id="{FCDF227C-52F8-4B92-1603-072B9A367809}"/>
+              </a:ext>
+            </a:extLst>
+          </p:cNvPr>
+          <p:cNvSpPr>
+            <a:spLocks noGrp="1"/>
+          </p:cNvSpPr>
+          <p:nvPr>
+            <p:ph type="title"/>
+          </p:nvPr>
+        </p:nvSpPr>
+        <p:spPr/>
+        <p:txBody>
+          <a:bodyPr/>
+          <a:lstStyle/>
+          <a:p>
+            <a:endParaRPr lang="en-US"/>
+          </a:p>
+        </p:txBody>
+      </p:sp>
+      <p:sp>
+        <p:nvSpPr>
+          <p:cNvPr id="3" name="Content Placeholder 2">
+            <a:extLst>
+              <a:ext uri="{FF2B5EF4-FFF2-40B4-BE49-F238E27FC236}">
+                <a16:creationId xmlns:a16="http://schemas.microsoft.com/office/drawing/2014/main" id="{9175C977-C49E-AA37-5D19-0920D87F6A0D}"/>
+              </a:ext>
+            </a:extLst>
+          </p:cNvPr>
+          <p:cNvSpPr>
+            <a:spLocks noGrp="1"/>
+          </p:cNvSpPr>
+          <p:nvPr>
+            <p:ph idx="1"/>
+          </p:nvPr>
+        </p:nvSpPr>
+        <p:spPr/>
+        <p:txBody>
+          <a:bodyPr/>
+          <a:lstStyle/>
+          <a:p>
+            <a:r>
+              <a:rPr lang="en-US" dirty="0"/>
+              <a:t>If the Fed decreases the discount rate, the depository banks are incentivized to borrow from the fed than other depository banks, and therefore the funds fed rate will tend to go down.</a:t>
+            </a:r>
+          </a:p>
+          <a:p>
+            <a:r>
+              <a:rPr lang="en-US" dirty="0"/>
+              <a:t>If the fed decreases the IORB</a:t>
+            </a:r>
+          </a:p>
+        </p:txBody>
+      </p:sp>
+      <p:sp>
+        <p:nvSpPr>
+          <p:cNvPr id="4" name="Slide Number Placeholder 3">
+            <a:extLst>
+              <a:ext uri="{FF2B5EF4-FFF2-40B4-BE49-F238E27FC236}">
+                <a16:creationId xmlns:a16="http://schemas.microsoft.com/office/drawing/2014/main" id="{27A9D307-1975-8B7B-4914-1E5AC3847892}"/>
+              </a:ext>
+            </a:extLst>
+          </p:cNvPr>
+          <p:cNvSpPr>
+            <a:spLocks noGrp="1"/>
+          </p:cNvSpPr>
+          <p:nvPr>
+            <p:ph type="sldNum" sz="quarter" idx="12"/>
+          </p:nvPr>
+        </p:nvSpPr>
+        <p:spPr/>
+        <p:txBody>
+          <a:bodyPr/>
+          <a:lstStyle/>
+          <a:p>
+            <a:fld id="{92AF051A-FF74-2247-B065-E58DA1926FE1}" type="slidenum">
+              <a:rPr lang="en-US" smtClean="0"/>
+              <a:t>31</a:t>
+            </a:fld>
+            <a:endParaRPr lang="en-US"/>
+          </a:p>
+        </p:txBody>
+      </p:sp>
+    </p:spTree>
+    <p:extLst>
+      <p:ext uri="{BB962C8B-B14F-4D97-AF65-F5344CB8AC3E}">
+        <p14:creationId xmlns:p14="http://schemas.microsoft.com/office/powerpoint/2010/main" val="302866391"/>
+      </p:ext>
+    </p:extLst>
+  </p:cSld>
+  <p:clrMapOvr>
+    <a:masterClrMapping/>
+  </p:clrMapOvr>
+</p:sld>
+</file>
+
+<file path=ppt/slides/slide32.xml><?xml version="1.0" encoding="utf-8"?>
+<p:sld xmlns:a="http://schemas.openxmlformats.org/drawingml/2006/main" xmlns:r="http://schemas.openxmlformats.org/officeDocument/2006/relationships" xmlns:p="http://schemas.openxmlformats.org/presentationml/2006/main">
+  <p:cSld>
+    <p:spTree>
+      <p:nvGrpSpPr>
+        <p:cNvPr id="1" name=""/>
+        <p:cNvGrpSpPr/>
+        <p:nvPr/>
+      </p:nvGrpSpPr>
+      <p:grpSpPr>
+        <a:xfrm>
+          <a:off x="0" y="0"/>
+          <a:ext cx="0" cy="0"/>
+          <a:chOff x="0" y="0"/>
+          <a:chExt cx="0" cy="0"/>
+        </a:xfrm>
+      </p:grpSpPr>
+      <p:sp>
+        <p:nvSpPr>
+          <p:cNvPr id="2" name="Title 1">
+            <a:extLst>
+              <a:ext uri="{FF2B5EF4-FFF2-40B4-BE49-F238E27FC236}">
+                <a16:creationId xmlns:a16="http://schemas.microsoft.com/office/drawing/2014/main" id="{73A6C0F5-80DE-57BB-0FF1-40D04C0D5F0F}"/>
+              </a:ext>
+            </a:extLst>
+          </p:cNvPr>
+          <p:cNvSpPr>
+            <a:spLocks noGrp="1"/>
+          </p:cNvSpPr>
+          <p:nvPr>
+            <p:ph type="title"/>
+          </p:nvPr>
+        </p:nvSpPr>
+        <p:spPr>
+          <a:xfrm>
+            <a:off x="185057" y="140471"/>
+            <a:ext cx="10515600" cy="540566"/>
+          </a:xfrm>
+        </p:spPr>
+        <p:txBody>
+          <a:bodyPr>
+            <a:normAutofit fontScale="90000"/>
+          </a:bodyPr>
+          <a:lstStyle/>
+          <a:p>
+            <a:r>
+              <a:rPr lang="en-US" dirty="0"/>
+              <a:t>Fed and Monetary Policy</a:t>
+            </a:r>
+          </a:p>
+        </p:txBody>
+      </p:sp>
+      <p:sp>
+        <p:nvSpPr>
+          <p:cNvPr id="3" name="Content Placeholder 2">
+            <a:extLst>
+              <a:ext uri="{FF2B5EF4-FFF2-40B4-BE49-F238E27FC236}">
+                <a16:creationId xmlns:a16="http://schemas.microsoft.com/office/drawing/2014/main" id="{1A88BDCD-55CA-02E5-159B-177626EE28FE}"/>
+              </a:ext>
+            </a:extLst>
+          </p:cNvPr>
+          <p:cNvSpPr>
+            <a:spLocks noGrp="1"/>
+          </p:cNvSpPr>
+          <p:nvPr>
+            <p:ph idx="1"/>
+          </p:nvPr>
+        </p:nvSpPr>
+        <p:spPr>
+          <a:xfrm>
+            <a:off x="637903" y="1045028"/>
+            <a:ext cx="10515600" cy="5184186"/>
+          </a:xfrm>
+        </p:spPr>
+        <p:txBody>
+          <a:bodyPr/>
+          <a:lstStyle/>
+          <a:p>
+            <a:r>
+              <a:rPr lang="en-US" b="1" i="0" dirty="0">
+                <a:solidFill>
+                  <a:srgbClr val="333333"/>
+                </a:solidFill>
+                <a:effectLst/>
+                <a:latin typeface="Lucida Grande" panose="020B0600040502020204" pitchFamily="34" charset="0"/>
+              </a:rPr>
+              <a:t>Discount rate: </a:t>
+            </a:r>
+            <a:r>
+              <a:rPr lang="en-US" b="0" i="0" dirty="0">
+                <a:solidFill>
+                  <a:srgbClr val="333333"/>
+                </a:solidFill>
+                <a:effectLst/>
+                <a:latin typeface="Lucida Grande" panose="020B0600040502020204" pitchFamily="34" charset="0"/>
+              </a:rPr>
+              <a:t>The interest rate charged by the Federal Reserve to banks for loans obtained through the Federal Reserve's discount window.</a:t>
+            </a:r>
+          </a:p>
+          <a:p>
+            <a:r>
+              <a:rPr lang="en-US" b="1" i="0" dirty="0">
+                <a:solidFill>
+                  <a:srgbClr val="333333"/>
+                </a:solidFill>
+                <a:effectLst/>
+                <a:latin typeface="Lucida Grande" panose="020B0600040502020204" pitchFamily="34" charset="0"/>
+              </a:rPr>
+              <a:t>Discount window: </a:t>
+            </a:r>
+            <a:r>
+              <a:rPr lang="en-US" b="0" i="0" dirty="0">
+                <a:solidFill>
+                  <a:srgbClr val="333333"/>
+                </a:solidFill>
+                <a:effectLst/>
+                <a:latin typeface="Lucida Grande" panose="020B0600040502020204" pitchFamily="34" charset="0"/>
+              </a:rPr>
+              <a:t>Federal Reserve lending to depository institutions to support the liquidity and stability of the banking system and the effective implementation of monetary policy.</a:t>
+            </a:r>
+            <a:endParaRPr lang="en-US" dirty="0">
+              <a:solidFill>
+                <a:srgbClr val="333333"/>
+              </a:solidFill>
+              <a:latin typeface="Lucida Grande" panose="020B0600040502020204" pitchFamily="34" charset="0"/>
+            </a:endParaRPr>
+          </a:p>
+          <a:p>
+            <a:r>
+              <a:rPr lang="en-US" b="1" i="0" dirty="0">
+                <a:solidFill>
+                  <a:srgbClr val="333333"/>
+                </a:solidFill>
+                <a:effectLst/>
+                <a:latin typeface="Lucida Grande" panose="020B0600040502020204" pitchFamily="34" charset="0"/>
+              </a:rPr>
+              <a:t>Federal funds rate (FFR): </a:t>
+            </a:r>
+            <a:r>
+              <a:rPr lang="en-US" b="0" i="0" dirty="0">
+                <a:solidFill>
+                  <a:srgbClr val="333333"/>
+                </a:solidFill>
+                <a:effectLst/>
+                <a:latin typeface="Lucida Grande" panose="020B0600040502020204" pitchFamily="34" charset="0"/>
+              </a:rPr>
+              <a:t>The interest rate at which depository institutions lend reserve balances to other depository institutions overnight.</a:t>
+            </a:r>
+          </a:p>
+          <a:p>
+            <a:r>
+              <a:rPr lang="en-US" b="1" i="0" dirty="0">
+                <a:solidFill>
+                  <a:srgbClr val="333333"/>
+                </a:solidFill>
+                <a:effectLst/>
+                <a:latin typeface="Lucida Grande" panose="020B0600040502020204" pitchFamily="34" charset="0"/>
+              </a:rPr>
+              <a:t>Open market operations: </a:t>
+            </a:r>
+            <a:r>
+              <a:rPr lang="en-US" b="0" i="0" dirty="0">
+                <a:solidFill>
+                  <a:srgbClr val="333333"/>
+                </a:solidFill>
+                <a:effectLst/>
+                <a:latin typeface="Lucida Grande" panose="020B0600040502020204" pitchFamily="34" charset="0"/>
+              </a:rPr>
+              <a:t>The buying and selling of government securities by the Federal Reserve.</a:t>
+            </a:r>
+            <a:endParaRPr lang="en-US" dirty="0"/>
+          </a:p>
+        </p:txBody>
+      </p:sp>
+      <p:sp>
+        <p:nvSpPr>
+          <p:cNvPr id="4" name="Slide Number Placeholder 3">
+            <a:extLst>
+              <a:ext uri="{FF2B5EF4-FFF2-40B4-BE49-F238E27FC236}">
+                <a16:creationId xmlns:a16="http://schemas.microsoft.com/office/drawing/2014/main" id="{BCF83083-6F6B-AE01-AE93-075C2D4D95D8}"/>
+              </a:ext>
+            </a:extLst>
+          </p:cNvPr>
+          <p:cNvSpPr>
+            <a:spLocks noGrp="1"/>
+          </p:cNvSpPr>
+          <p:nvPr>
+            <p:ph type="sldNum" sz="quarter" idx="12"/>
+          </p:nvPr>
+        </p:nvSpPr>
+        <p:spPr/>
+        <p:txBody>
+          <a:bodyPr/>
+          <a:lstStyle/>
+          <a:p>
+            <a:fld id="{92AF051A-FF74-2247-B065-E58DA1926FE1}" type="slidenum">
+              <a:rPr lang="en-US" smtClean="0"/>
+              <a:t>32</a:t>
+            </a:fld>
+            <a:endParaRPr lang="en-US"/>
+          </a:p>
+        </p:txBody>
+      </p:sp>
+    </p:spTree>
+    <p:extLst>
+      <p:ext uri="{BB962C8B-B14F-4D97-AF65-F5344CB8AC3E}">
+        <p14:creationId xmlns:p14="http://schemas.microsoft.com/office/powerpoint/2010/main" val="1655546515"/>
+      </p:ext>
+    </p:extLst>
+  </p:cSld>
+  <p:clrMapOvr>
+    <a:masterClrMapping/>
+  </p:clrMapOvr>
+</p:sld>
+</file>
+
+<file path=ppt/slides/slide33.xml><?xml version="1.0" encoding="utf-8"?>
+<p:sld xmlns:a="http://schemas.openxmlformats.org/drawingml/2006/main" xmlns:r="http://schemas.openxmlformats.org/officeDocument/2006/relationships" xmlns:p="http://schemas.openxmlformats.org/presentationml/2006/main">
+  <p:cSld>
+    <p:spTree>
+      <p:nvGrpSpPr>
+        <p:cNvPr id="1" name=""/>
+        <p:cNvGrpSpPr/>
+        <p:nvPr/>
+      </p:nvGrpSpPr>
+      <p:grpSpPr>
+        <a:xfrm>
+          <a:off x="0" y="0"/>
+          <a:ext cx="0" cy="0"/>
+          <a:chOff x="0" y="0"/>
+          <a:chExt cx="0" cy="0"/>
+        </a:xfrm>
+      </p:grpSpPr>
+      <p:sp>
+        <p:nvSpPr>
+          <p:cNvPr id="2" name="Title 1">
+            <a:extLst>
+              <a:ext uri="{FF2B5EF4-FFF2-40B4-BE49-F238E27FC236}">
+                <a16:creationId xmlns:a16="http://schemas.microsoft.com/office/drawing/2014/main" id="{60F7D2C1-0E89-F5C6-5338-D246BA39F292}"/>
+              </a:ext>
+            </a:extLst>
+          </p:cNvPr>
+          <p:cNvSpPr>
+            <a:spLocks noGrp="1"/>
+          </p:cNvSpPr>
+          <p:nvPr>
+            <p:ph type="title"/>
+          </p:nvPr>
+        </p:nvSpPr>
+        <p:spPr/>
+        <p:txBody>
+          <a:bodyPr/>
+          <a:lstStyle/>
+          <a:p>
+            <a:r>
+              <a:rPr lang="en-US" dirty="0"/>
+              <a:t>Administered Rates </a:t>
+            </a:r>
+          </a:p>
+        </p:txBody>
+      </p:sp>
+      <p:sp>
+        <p:nvSpPr>
+          <p:cNvPr id="3" name="Content Placeholder 2">
+            <a:extLst>
+              <a:ext uri="{FF2B5EF4-FFF2-40B4-BE49-F238E27FC236}">
+                <a16:creationId xmlns:a16="http://schemas.microsoft.com/office/drawing/2014/main" id="{32AECD02-15EC-8A5C-AC57-2D804D7E154F}"/>
+              </a:ext>
+            </a:extLst>
+          </p:cNvPr>
+          <p:cNvSpPr>
+            <a:spLocks noGrp="1"/>
+          </p:cNvSpPr>
+          <p:nvPr>
+            <p:ph idx="1"/>
+          </p:nvPr>
+        </p:nvSpPr>
+        <p:spPr>
+          <a:xfrm>
+            <a:off x="267929" y="1805960"/>
+            <a:ext cx="10515600" cy="4351338"/>
+          </a:xfrm>
+        </p:spPr>
+        <p:txBody>
+          <a:bodyPr/>
+          <a:lstStyle/>
+          <a:p>
+            <a:r>
+              <a:rPr lang="en-US" dirty="0"/>
+              <a:t>Interest on reserve balances (IORB)</a:t>
+            </a:r>
+          </a:p>
+          <a:p>
+            <a:pPr lvl="1"/>
+            <a:r>
+              <a:rPr lang="en-US" dirty="0"/>
+              <a:t>Applies to both IORR and IOER </a:t>
+            </a:r>
+          </a:p>
+          <a:p>
+            <a:endParaRPr lang="en-US" dirty="0"/>
+          </a:p>
+          <a:p>
+            <a:endParaRPr lang="en-US" dirty="0"/>
+          </a:p>
+          <a:p>
+            <a:r>
+              <a:rPr lang="en-US" dirty="0"/>
+              <a:t>Overnight reverse repurchase agreement (ON RRP)</a:t>
+            </a:r>
+          </a:p>
+        </p:txBody>
+      </p:sp>
+      <p:pic>
+        <p:nvPicPr>
+          <p:cNvPr id="4" name="Picture 3">
+            <a:extLst>
+              <a:ext uri="{FF2B5EF4-FFF2-40B4-BE49-F238E27FC236}">
+                <a16:creationId xmlns:a16="http://schemas.microsoft.com/office/drawing/2014/main" id="{6C030DF2-2D65-5B00-EFFD-8D925B6F13AA}"/>
+              </a:ext>
+            </a:extLst>
+          </p:cNvPr>
+          <p:cNvPicPr>
+            <a:picLocks noChangeAspect="1"/>
+          </p:cNvPicPr>
+          <p:nvPr/>
+        </p:nvPicPr>
+        <p:blipFill>
+          <a:blip r:embed="rId2"/>
+          <a:stretch>
+            <a:fillRect/>
+          </a:stretch>
+        </p:blipFill>
+        <p:spPr>
+          <a:xfrm>
+            <a:off x="7329538" y="823247"/>
+            <a:ext cx="4705145" cy="2232441"/>
+          </a:xfrm>
+          <a:prstGeom prst="rect">
+            <a:avLst/>
+          </a:prstGeom>
+        </p:spPr>
+      </p:pic>
+      <p:sp>
+        <p:nvSpPr>
+          <p:cNvPr id="5" name="Slide Number Placeholder 4">
+            <a:extLst>
+              <a:ext uri="{FF2B5EF4-FFF2-40B4-BE49-F238E27FC236}">
+                <a16:creationId xmlns:a16="http://schemas.microsoft.com/office/drawing/2014/main" id="{2F83CC70-F89F-9441-329E-2E291ABB891D}"/>
+              </a:ext>
+            </a:extLst>
+          </p:cNvPr>
+          <p:cNvSpPr>
+            <a:spLocks noGrp="1"/>
+          </p:cNvSpPr>
+          <p:nvPr>
+            <p:ph type="sldNum" sz="quarter" idx="12"/>
+          </p:nvPr>
+        </p:nvSpPr>
+        <p:spPr/>
+        <p:txBody>
+          <a:bodyPr/>
+          <a:lstStyle/>
+          <a:p>
+            <a:fld id="{92AF051A-FF74-2247-B065-E58DA1926FE1}" type="slidenum">
+              <a:rPr lang="en-US" smtClean="0"/>
+              <a:t>33</a:t>
+            </a:fld>
+            <a:endParaRPr lang="en-US"/>
+          </a:p>
+        </p:txBody>
+      </p:sp>
+    </p:spTree>
+    <p:extLst>
+      <p:ext uri="{BB962C8B-B14F-4D97-AF65-F5344CB8AC3E}">
+        <p14:creationId xmlns:p14="http://schemas.microsoft.com/office/powerpoint/2010/main" val="1286123417"/>
+      </p:ext>
+    </p:extLst>
+  </p:cSld>
+  <p:clrMapOvr>
+    <a:masterClrMapping/>
+  </p:clrMapOvr>
+</p:sld>
+</file>
+
+<file path=ppt/slides/slide34.xml><?xml version="1.0" encoding="utf-8"?>
+<p:sld xmlns:a="http://schemas.openxmlformats.org/drawingml/2006/main" xmlns:r="http://schemas.openxmlformats.org/officeDocument/2006/relationships" xmlns:p="http://schemas.openxmlformats.org/presentationml/2006/main">
+  <p:cSld>
+    <p:spTree>
+      <p:nvGrpSpPr>
+        <p:cNvPr id="1" name=""/>
+        <p:cNvGrpSpPr/>
+        <p:nvPr/>
+      </p:nvGrpSpPr>
+      <p:grpSpPr>
+        <a:xfrm>
+          <a:off x="0" y="0"/>
+          <a:ext cx="0" cy="0"/>
+          <a:chOff x="0" y="0"/>
+          <a:chExt cx="0" cy="0"/>
+        </a:xfrm>
+      </p:grpSpPr>
+      <p:sp>
+        <p:nvSpPr>
+          <p:cNvPr id="2" name="Title 1">
+            <a:extLst>
+              <a:ext uri="{FF2B5EF4-FFF2-40B4-BE49-F238E27FC236}">
+                <a16:creationId xmlns:a16="http://schemas.microsoft.com/office/drawing/2014/main" id="{D84B9150-76BB-76C2-CC7C-A896C5D94D8C}"/>
+              </a:ext>
+            </a:extLst>
+          </p:cNvPr>
+          <p:cNvSpPr>
+            <a:spLocks noGrp="1"/>
+          </p:cNvSpPr>
+          <p:nvPr>
+            <p:ph type="title"/>
+          </p:nvPr>
+        </p:nvSpPr>
+        <p:spPr>
+          <a:xfrm>
+            <a:off x="394063" y="190955"/>
+            <a:ext cx="4961709" cy="836658"/>
+          </a:xfrm>
+        </p:spPr>
+        <p:txBody>
+          <a:bodyPr/>
+          <a:lstStyle/>
+          <a:p>
+            <a:r>
+              <a:rPr lang="en-US" dirty="0"/>
+              <a:t>Ceiling/Floor to FFR</a:t>
+            </a:r>
+          </a:p>
+        </p:txBody>
+      </p:sp>
+      <p:sp>
+        <p:nvSpPr>
+          <p:cNvPr id="3" name="Content Placeholder 2">
+            <a:extLst>
+              <a:ext uri="{FF2B5EF4-FFF2-40B4-BE49-F238E27FC236}">
+                <a16:creationId xmlns:a16="http://schemas.microsoft.com/office/drawing/2014/main" id="{BDC61D06-00E9-B33C-2630-14A9246DB7FA}"/>
+              </a:ext>
+            </a:extLst>
+          </p:cNvPr>
+          <p:cNvSpPr>
+            <a:spLocks noGrp="1"/>
+          </p:cNvSpPr>
+          <p:nvPr>
+            <p:ph idx="1"/>
+          </p:nvPr>
+        </p:nvSpPr>
+        <p:spPr>
+          <a:xfrm>
+            <a:off x="394064" y="1263372"/>
+            <a:ext cx="6270780" cy="4914220"/>
+          </a:xfrm>
+        </p:spPr>
+        <p:txBody>
+          <a:bodyPr>
+            <a:normAutofit/>
+          </a:bodyPr>
+          <a:lstStyle/>
+          <a:p>
+            <a:r>
+              <a:rPr lang="en-US" sz="1800" dirty="0"/>
+              <a:t>If discount rate falls behind FFR, depository banks may find it more attractive to borrow from the fed than each other, which will push FFR below the discount rate</a:t>
+            </a:r>
+          </a:p>
+          <a:p>
+            <a:endParaRPr lang="en-US" sz="1800" dirty="0"/>
+          </a:p>
+          <a:p>
+            <a:endParaRPr lang="en-US" sz="1800" dirty="0"/>
+          </a:p>
+          <a:p>
+            <a:endParaRPr lang="en-US" sz="1800" dirty="0"/>
+          </a:p>
+          <a:p>
+            <a:endParaRPr lang="en-US" sz="1800" dirty="0"/>
+          </a:p>
+          <a:p>
+            <a:endParaRPr lang="en-US" sz="1800" dirty="0"/>
+          </a:p>
+          <a:p>
+            <a:endParaRPr lang="en-US" sz="1800" dirty="0"/>
+          </a:p>
+          <a:p>
+            <a:r>
+              <a:rPr lang="en-US" sz="1800" dirty="0"/>
+              <a:t>If FFR falls below IORB, depository banks may find it attractive to borrow in the federal funds market and deposit those reserves at the Fed and earn IORB-FFR</a:t>
+            </a:r>
+          </a:p>
+        </p:txBody>
+      </p:sp>
+      <p:sp>
+        <p:nvSpPr>
+          <p:cNvPr id="4" name="Up Arrow 3">
+            <a:extLst>
+              <a:ext uri="{FF2B5EF4-FFF2-40B4-BE49-F238E27FC236}">
+                <a16:creationId xmlns:a16="http://schemas.microsoft.com/office/drawing/2014/main" id="{2E03A03E-0C2C-C202-CFDE-36E8B894768C}"/>
+              </a:ext>
+            </a:extLst>
+          </p:cNvPr>
+          <p:cNvSpPr/>
+          <p:nvPr/>
+        </p:nvSpPr>
+        <p:spPr>
+          <a:xfrm>
+            <a:off x="9326880" y="1607910"/>
+            <a:ext cx="452846" cy="4035243"/>
+          </a:xfrm>
+          <a:prstGeom prst="upArrow">
+            <a:avLst/>
+          </a:prstGeom>
+        </p:spPr>
+        <p:style>
+          <a:lnRef idx="2">
+            <a:schemeClr val="accent1">
+              <a:shade val="15000"/>
+            </a:schemeClr>
+          </a:lnRef>
+          <a:fillRef idx="1">
+            <a:schemeClr val="accent1"/>
+          </a:fillRef>
+          <a:effectRef idx="0">
+            <a:schemeClr val="accent1"/>
+          </a:effectRef>
+          <a:fontRef idx="minor">
+            <a:schemeClr val="lt1"/>
+          </a:fontRef>
+        </p:style>
+        <p:txBody>
+          <a:bodyPr rtlCol="0" anchor="ctr"/>
+          <a:lstStyle/>
+          <a:p>
+            <a:pPr algn="ctr"/>
+            <a:endParaRPr lang="en-US"/>
+          </a:p>
+        </p:txBody>
+      </p:sp>
+      <p:sp>
+        <p:nvSpPr>
+          <p:cNvPr id="5" name="TextBox 4">
+            <a:extLst>
+              <a:ext uri="{FF2B5EF4-FFF2-40B4-BE49-F238E27FC236}">
+                <a16:creationId xmlns:a16="http://schemas.microsoft.com/office/drawing/2014/main" id="{80441305-4790-897B-67B1-0FDECD3E436E}"/>
+              </a:ext>
+            </a:extLst>
+          </p:cNvPr>
+          <p:cNvSpPr txBox="1"/>
+          <p:nvPr/>
+        </p:nvSpPr>
+        <p:spPr>
+          <a:xfrm>
+            <a:off x="7508474" y="1456293"/>
+            <a:ext cx="1482457" cy="369332"/>
+          </a:xfrm>
+          <a:prstGeom prst="rect">
+            <a:avLst/>
+          </a:prstGeom>
+          <a:noFill/>
+        </p:spPr>
+        <p:txBody>
+          <a:bodyPr wrap="none" rtlCol="0">
+            <a:spAutoFit/>
+          </a:bodyPr>
+          <a:lstStyle/>
+          <a:p>
+            <a:r>
+              <a:rPr lang="en-US" dirty="0"/>
+              <a:t>Discount Rate</a:t>
+            </a:r>
+          </a:p>
+        </p:txBody>
+      </p:sp>
+      <p:sp>
+        <p:nvSpPr>
+          <p:cNvPr id="6" name="TextBox 5">
+            <a:extLst>
+              <a:ext uri="{FF2B5EF4-FFF2-40B4-BE49-F238E27FC236}">
+                <a16:creationId xmlns:a16="http://schemas.microsoft.com/office/drawing/2014/main" id="{8C3B4CAB-265C-3DBB-AA52-5620C6A829CB}"/>
+              </a:ext>
+            </a:extLst>
+          </p:cNvPr>
+          <p:cNvSpPr txBox="1"/>
+          <p:nvPr/>
+        </p:nvSpPr>
+        <p:spPr>
+          <a:xfrm>
+            <a:off x="7382848" y="5336612"/>
+            <a:ext cx="2071529" cy="923330"/>
+          </a:xfrm>
+          <a:prstGeom prst="rect">
+            <a:avLst/>
+          </a:prstGeom>
+          <a:noFill/>
+        </p:spPr>
+        <p:txBody>
+          <a:bodyPr wrap="none" rtlCol="0">
+            <a:spAutoFit/>
+          </a:bodyPr>
+          <a:lstStyle/>
+          <a:p>
+            <a:r>
+              <a:rPr lang="en-US" dirty="0"/>
+              <a:t>Administered Rates:</a:t>
+            </a:r>
+          </a:p>
+          <a:p>
+            <a:r>
+              <a:rPr lang="en-US" dirty="0"/>
+              <a:t>	- IORB</a:t>
+            </a:r>
+          </a:p>
+          <a:p>
+            <a:r>
+              <a:rPr lang="en-US" dirty="0"/>
+              <a:t>	- ON RRP</a:t>
+            </a:r>
+          </a:p>
+        </p:txBody>
+      </p:sp>
+      <p:sp>
+        <p:nvSpPr>
+          <p:cNvPr id="7" name="TextBox 6">
+            <a:extLst>
+              <a:ext uri="{FF2B5EF4-FFF2-40B4-BE49-F238E27FC236}">
+                <a16:creationId xmlns:a16="http://schemas.microsoft.com/office/drawing/2014/main" id="{A2662CC7-6542-17A7-FEC0-92F9806A29FA}"/>
+              </a:ext>
+            </a:extLst>
+          </p:cNvPr>
+          <p:cNvSpPr txBox="1"/>
+          <p:nvPr/>
+        </p:nvSpPr>
+        <p:spPr>
+          <a:xfrm rot="16200000">
+            <a:off x="8163561" y="3535816"/>
+            <a:ext cx="521297" cy="369332"/>
+          </a:xfrm>
+          <a:prstGeom prst="rect">
+            <a:avLst/>
+          </a:prstGeom>
+          <a:noFill/>
+        </p:spPr>
+        <p:txBody>
+          <a:bodyPr wrap="none" rtlCol="0">
+            <a:spAutoFit/>
+          </a:bodyPr>
+          <a:lstStyle/>
+          <a:p>
+            <a:r>
+              <a:rPr lang="en-US" dirty="0"/>
+              <a:t>FFR</a:t>
+            </a:r>
+          </a:p>
+        </p:txBody>
+      </p:sp>
+      <p:sp>
+        <p:nvSpPr>
+          <p:cNvPr id="8" name="TextBox 7">
+            <a:extLst>
+              <a:ext uri="{FF2B5EF4-FFF2-40B4-BE49-F238E27FC236}">
+                <a16:creationId xmlns:a16="http://schemas.microsoft.com/office/drawing/2014/main" id="{14C61FA7-4089-3DB5-FEB5-A57DE5EB34CA}"/>
+              </a:ext>
+            </a:extLst>
+          </p:cNvPr>
+          <p:cNvSpPr txBox="1"/>
+          <p:nvPr/>
+        </p:nvSpPr>
+        <p:spPr>
+          <a:xfrm>
+            <a:off x="10019227" y="1471377"/>
+            <a:ext cx="813043" cy="369332"/>
+          </a:xfrm>
+          <a:prstGeom prst="rect">
+            <a:avLst/>
+          </a:prstGeom>
+          <a:noFill/>
+        </p:spPr>
+        <p:txBody>
+          <a:bodyPr wrap="none" rtlCol="0">
+            <a:spAutoFit/>
+          </a:bodyPr>
+          <a:lstStyle/>
+          <a:p>
+            <a:r>
+              <a:rPr lang="en-US" dirty="0"/>
+              <a:t>Ceiling</a:t>
+            </a:r>
+          </a:p>
+        </p:txBody>
+      </p:sp>
+      <p:sp>
+        <p:nvSpPr>
+          <p:cNvPr id="9" name="TextBox 8">
+            <a:extLst>
+              <a:ext uri="{FF2B5EF4-FFF2-40B4-BE49-F238E27FC236}">
+                <a16:creationId xmlns:a16="http://schemas.microsoft.com/office/drawing/2014/main" id="{89773F62-320A-F2D5-DC2E-448919064578}"/>
+              </a:ext>
+            </a:extLst>
+          </p:cNvPr>
+          <p:cNvSpPr txBox="1"/>
+          <p:nvPr/>
+        </p:nvSpPr>
+        <p:spPr>
+          <a:xfrm>
+            <a:off x="10019226" y="5335584"/>
+            <a:ext cx="667170" cy="369332"/>
+          </a:xfrm>
+          <a:prstGeom prst="rect">
+            <a:avLst/>
+          </a:prstGeom>
+          <a:noFill/>
+        </p:spPr>
+        <p:txBody>
+          <a:bodyPr wrap="none" rtlCol="0">
+            <a:spAutoFit/>
+          </a:bodyPr>
+          <a:lstStyle/>
+          <a:p>
+            <a:r>
+              <a:rPr lang="en-US" dirty="0"/>
+              <a:t>Floor</a:t>
+            </a:r>
+          </a:p>
+        </p:txBody>
+      </p:sp>
+      <p:sp>
+        <p:nvSpPr>
+          <p:cNvPr id="10" name="Slide Number Placeholder 9">
+            <a:extLst>
+              <a:ext uri="{FF2B5EF4-FFF2-40B4-BE49-F238E27FC236}">
+                <a16:creationId xmlns:a16="http://schemas.microsoft.com/office/drawing/2014/main" id="{304592FA-D403-68A3-D034-4C7A05E63416}"/>
+              </a:ext>
+            </a:extLst>
+          </p:cNvPr>
+          <p:cNvSpPr>
+            <a:spLocks noGrp="1"/>
+          </p:cNvSpPr>
+          <p:nvPr>
+            <p:ph type="sldNum" sz="quarter" idx="12"/>
+          </p:nvPr>
+        </p:nvSpPr>
+        <p:spPr/>
+        <p:txBody>
+          <a:bodyPr/>
+          <a:lstStyle/>
+          <a:p>
+            <a:fld id="{92AF051A-FF74-2247-B065-E58DA1926FE1}" type="slidenum">
+              <a:rPr lang="en-US" smtClean="0"/>
+              <a:t>34</a:t>
+            </a:fld>
+            <a:endParaRPr lang="en-US"/>
+          </a:p>
+        </p:txBody>
+      </p:sp>
+      <p:cxnSp>
+        <p:nvCxnSpPr>
+          <p:cNvPr id="12" name="Straight Arrow Connector 11">
+            <a:extLst>
+              <a:ext uri="{FF2B5EF4-FFF2-40B4-BE49-F238E27FC236}">
+                <a16:creationId xmlns:a16="http://schemas.microsoft.com/office/drawing/2014/main" id="{880ABA93-5104-F189-838C-AA763201B0C3}"/>
+              </a:ext>
+            </a:extLst>
+          </p:cNvPr>
+          <p:cNvCxnSpPr>
+            <a:cxnSpLocks/>
+          </p:cNvCxnSpPr>
+          <p:nvPr/>
+        </p:nvCxnSpPr>
+        <p:spPr>
+          <a:xfrm flipH="1">
+            <a:off x="10607040" y="3981131"/>
+            <a:ext cx="627017" cy="1244012"/>
+          </a:xfrm>
+          <a:prstGeom prst="straightConnector1">
+            <a:avLst/>
+          </a:prstGeom>
+          <a:ln>
+            <a:tailEnd type="triangle"/>
+          </a:ln>
+        </p:spPr>
+        <p:style>
+          <a:lnRef idx="1">
+            <a:schemeClr val="accent1"/>
+          </a:lnRef>
+          <a:fillRef idx="0">
+            <a:schemeClr val="accent1"/>
+          </a:fillRef>
+          <a:effectRef idx="0">
+            <a:schemeClr val="accent1"/>
+          </a:effectRef>
+          <a:fontRef idx="minor">
+            <a:schemeClr val="tx1"/>
+          </a:fontRef>
+        </p:style>
+      </p:cxnSp>
+      <p:cxnSp>
+        <p:nvCxnSpPr>
+          <p:cNvPr id="14" name="Straight Arrow Connector 13">
+            <a:extLst>
+              <a:ext uri="{FF2B5EF4-FFF2-40B4-BE49-F238E27FC236}">
+                <a16:creationId xmlns:a16="http://schemas.microsoft.com/office/drawing/2014/main" id="{82FCB145-0168-E354-218A-87EDDF4C7DF7}"/>
+              </a:ext>
+            </a:extLst>
+          </p:cNvPr>
+          <p:cNvCxnSpPr>
+            <a:cxnSpLocks/>
+          </p:cNvCxnSpPr>
+          <p:nvPr/>
+        </p:nvCxnSpPr>
+        <p:spPr>
+          <a:xfrm flipH="1" flipV="1">
+            <a:off x="10832270" y="1912542"/>
+            <a:ext cx="521530" cy="1301321"/>
+          </a:xfrm>
+          <a:prstGeom prst="straightConnector1">
+            <a:avLst/>
+          </a:prstGeom>
+          <a:ln>
+            <a:tailEnd type="triangle"/>
+          </a:ln>
+        </p:spPr>
+        <p:style>
+          <a:lnRef idx="1">
+            <a:schemeClr val="accent1"/>
+          </a:lnRef>
+          <a:fillRef idx="0">
+            <a:schemeClr val="accent1"/>
+          </a:fillRef>
+          <a:effectRef idx="0">
+            <a:schemeClr val="accent1"/>
+          </a:effectRef>
+          <a:fontRef idx="minor">
+            <a:schemeClr val="tx1"/>
+          </a:fontRef>
+        </p:style>
+      </p:cxnSp>
+      <p:sp>
+        <p:nvSpPr>
+          <p:cNvPr id="18" name="TextBox 17">
+            <a:extLst>
+              <a:ext uri="{FF2B5EF4-FFF2-40B4-BE49-F238E27FC236}">
+                <a16:creationId xmlns:a16="http://schemas.microsoft.com/office/drawing/2014/main" id="{5FF75FA7-C672-DCCE-B955-E16D89DF98E8}"/>
+              </a:ext>
+            </a:extLst>
+          </p:cNvPr>
+          <p:cNvSpPr txBox="1"/>
+          <p:nvPr/>
+        </p:nvSpPr>
+        <p:spPr>
+          <a:xfrm>
+            <a:off x="10792899" y="3249516"/>
+            <a:ext cx="1378819" cy="646331"/>
+          </a:xfrm>
+          <a:prstGeom prst="rect">
+            <a:avLst/>
+          </a:prstGeom>
+          <a:noFill/>
+        </p:spPr>
+        <p:txBody>
+          <a:bodyPr wrap="square" rtlCol="0">
+            <a:spAutoFit/>
+          </a:bodyPr>
+          <a:lstStyle/>
+          <a:p>
+            <a:r>
+              <a:rPr lang="en-US" dirty="0"/>
+              <a:t>Because of </a:t>
+            </a:r>
+          </a:p>
+          <a:p>
+            <a:r>
+              <a:rPr lang="en-US" dirty="0"/>
+              <a:t>arbitrage </a:t>
+            </a:r>
+          </a:p>
+        </p:txBody>
+      </p:sp>
+      <p:sp>
+        <p:nvSpPr>
+          <p:cNvPr id="19" name="TextBox 18">
+            <a:extLst>
+              <a:ext uri="{FF2B5EF4-FFF2-40B4-BE49-F238E27FC236}">
+                <a16:creationId xmlns:a16="http://schemas.microsoft.com/office/drawing/2014/main" id="{AF4549A9-BCE0-49FF-1276-C973C9F6DD49}"/>
+              </a:ext>
+            </a:extLst>
+          </p:cNvPr>
+          <p:cNvSpPr txBox="1"/>
+          <p:nvPr/>
+        </p:nvSpPr>
+        <p:spPr>
+          <a:xfrm>
+            <a:off x="5460274" y="6364151"/>
+            <a:ext cx="876971" cy="369332"/>
+          </a:xfrm>
+          <a:prstGeom prst="rect">
+            <a:avLst/>
+          </a:prstGeom>
+          <a:noFill/>
+        </p:spPr>
+        <p:txBody>
+          <a:bodyPr wrap="none" rtlCol="0">
+            <a:spAutoFit/>
+          </a:bodyPr>
+          <a:lstStyle/>
+          <a:p>
+            <a:r>
+              <a:rPr lang="en-US" dirty="0">
+                <a:hlinkClick r:id="rId2"/>
+              </a:rPr>
+              <a:t>Source </a:t>
+            </a:r>
+            <a:endParaRPr lang="en-US" dirty="0"/>
+          </a:p>
+        </p:txBody>
+      </p:sp>
+    </p:spTree>
+    <p:extLst>
+      <p:ext uri="{BB962C8B-B14F-4D97-AF65-F5344CB8AC3E}">
+        <p14:creationId xmlns:p14="http://schemas.microsoft.com/office/powerpoint/2010/main" val="1042643929"/>
+      </p:ext>
+    </p:extLst>
+  </p:cSld>
+  <p:clrMapOvr>
+    <a:masterClrMapping/>
+  </p:clrMapOvr>
+</p:sld>
+</file>
+
+<file path=ppt/slides/slide35.xml><?xml version="1.0" encoding="utf-8"?>
+<p:sld xmlns:a="http://schemas.openxmlformats.org/drawingml/2006/main" xmlns:r="http://schemas.openxmlformats.org/officeDocument/2006/relationships" xmlns:p="http://schemas.openxmlformats.org/presentationml/2006/main">
+  <p:cSld>
+    <p:spTree>
+      <p:nvGrpSpPr>
+        <p:cNvPr id="1" name=""/>
+        <p:cNvGrpSpPr/>
+        <p:nvPr/>
+      </p:nvGrpSpPr>
+      <p:grpSpPr>
+        <a:xfrm>
+          <a:off x="0" y="0"/>
+          <a:ext cx="0" cy="0"/>
+          <a:chOff x="0" y="0"/>
+          <a:chExt cx="0" cy="0"/>
+        </a:xfrm>
+      </p:grpSpPr>
+      <p:sp>
+        <p:nvSpPr>
+          <p:cNvPr id="2" name="Title 1">
+            <a:extLst>
+              <a:ext uri="{FF2B5EF4-FFF2-40B4-BE49-F238E27FC236}">
+                <a16:creationId xmlns:a16="http://schemas.microsoft.com/office/drawing/2014/main" id="{1B3D7C1B-BC25-FEF5-6327-0DF9A334F049}"/>
+              </a:ext>
+            </a:extLst>
+          </p:cNvPr>
+          <p:cNvSpPr>
+            <a:spLocks noGrp="1"/>
+          </p:cNvSpPr>
+          <p:nvPr>
+            <p:ph type="title"/>
+          </p:nvPr>
+        </p:nvSpPr>
+        <p:spPr>
+          <a:xfrm>
+            <a:off x="211183" y="136525"/>
+            <a:ext cx="10515600" cy="620559"/>
+          </a:xfrm>
+        </p:spPr>
+        <p:txBody>
+          <a:bodyPr>
+            <a:normAutofit fontScale="90000"/>
+          </a:bodyPr>
+          <a:lstStyle/>
+          <a:p>
+            <a:r>
+              <a:rPr lang="en-US" dirty="0"/>
+              <a:t>Monetary policy evolution</a:t>
+            </a:r>
+          </a:p>
+        </p:txBody>
+      </p:sp>
+      <p:sp>
+        <p:nvSpPr>
+          <p:cNvPr id="3" name="Content Placeholder 2">
+            <a:extLst>
+              <a:ext uri="{FF2B5EF4-FFF2-40B4-BE49-F238E27FC236}">
+                <a16:creationId xmlns:a16="http://schemas.microsoft.com/office/drawing/2014/main" id="{BA683130-31F4-3895-B044-115508309E2A}"/>
+              </a:ext>
+            </a:extLst>
+          </p:cNvPr>
+          <p:cNvSpPr>
+            <a:spLocks noGrp="1"/>
+          </p:cNvSpPr>
+          <p:nvPr>
+            <p:ph idx="1"/>
+          </p:nvPr>
+        </p:nvSpPr>
+        <p:spPr/>
+        <p:txBody>
+          <a:bodyPr/>
+          <a:lstStyle/>
+          <a:p>
+            <a:endParaRPr lang="en-US" dirty="0"/>
+          </a:p>
+        </p:txBody>
+      </p:sp>
+      <p:sp>
+        <p:nvSpPr>
+          <p:cNvPr id="4" name="Slide Number Placeholder 3">
+            <a:extLst>
+              <a:ext uri="{FF2B5EF4-FFF2-40B4-BE49-F238E27FC236}">
+                <a16:creationId xmlns:a16="http://schemas.microsoft.com/office/drawing/2014/main" id="{0ABF7AD6-EC14-BF8F-151C-2D62920ADF4D}"/>
+              </a:ext>
+            </a:extLst>
+          </p:cNvPr>
+          <p:cNvSpPr>
+            <a:spLocks noGrp="1"/>
+          </p:cNvSpPr>
+          <p:nvPr>
+            <p:ph type="sldNum" sz="quarter" idx="12"/>
+          </p:nvPr>
+        </p:nvSpPr>
+        <p:spPr/>
+        <p:txBody>
+          <a:bodyPr/>
+          <a:lstStyle/>
+          <a:p>
+            <a:fld id="{92AF051A-FF74-2247-B065-E58DA1926FE1}" type="slidenum">
+              <a:rPr lang="en-US" smtClean="0"/>
+              <a:t>35</a:t>
+            </a:fld>
+            <a:endParaRPr lang="en-US"/>
+          </a:p>
+        </p:txBody>
+      </p:sp>
+      <p:pic>
+        <p:nvPicPr>
+          <p:cNvPr id="6" name="Picture 5">
+            <a:extLst>
+              <a:ext uri="{FF2B5EF4-FFF2-40B4-BE49-F238E27FC236}">
+                <a16:creationId xmlns:a16="http://schemas.microsoft.com/office/drawing/2014/main" id="{1A3E60B9-8ED8-7BE3-963E-93E9556D68E4}"/>
+              </a:ext>
+            </a:extLst>
+          </p:cNvPr>
+          <p:cNvPicPr>
+            <a:picLocks noChangeAspect="1"/>
+          </p:cNvPicPr>
+          <p:nvPr/>
+        </p:nvPicPr>
+        <p:blipFill>
+          <a:blip r:embed="rId2"/>
+          <a:stretch>
+            <a:fillRect/>
+          </a:stretch>
+        </p:blipFill>
+        <p:spPr>
+          <a:xfrm>
+            <a:off x="5802371" y="3389671"/>
+            <a:ext cx="6108290" cy="3110056"/>
+          </a:xfrm>
+          <a:prstGeom prst="rect">
+            <a:avLst/>
+          </a:prstGeom>
+        </p:spPr>
+      </p:pic>
+      <p:pic>
+        <p:nvPicPr>
+          <p:cNvPr id="5" name="Picture 4">
+            <a:extLst>
+              <a:ext uri="{FF2B5EF4-FFF2-40B4-BE49-F238E27FC236}">
+                <a16:creationId xmlns:a16="http://schemas.microsoft.com/office/drawing/2014/main" id="{B66B0F27-6324-F304-FB39-88281AD6768C}"/>
+              </a:ext>
+            </a:extLst>
+          </p:cNvPr>
+          <p:cNvPicPr>
+            <a:picLocks noChangeAspect="1"/>
+          </p:cNvPicPr>
+          <p:nvPr/>
+        </p:nvPicPr>
+        <p:blipFill>
+          <a:blip r:embed="rId3"/>
+          <a:stretch>
+            <a:fillRect/>
+          </a:stretch>
+        </p:blipFill>
+        <p:spPr>
+          <a:xfrm>
+            <a:off x="371167" y="1154818"/>
+            <a:ext cx="5988064" cy="3004227"/>
+          </a:xfrm>
+          <a:prstGeom prst="rect">
+            <a:avLst/>
+          </a:prstGeom>
+        </p:spPr>
+      </p:pic>
+    </p:spTree>
+    <p:extLst>
+      <p:ext uri="{BB962C8B-B14F-4D97-AF65-F5344CB8AC3E}">
+        <p14:creationId xmlns:p14="http://schemas.microsoft.com/office/powerpoint/2010/main" val="3693275507"/>
+      </p:ext>
+    </p:extLst>
+  </p:cSld>
+  <p:clrMapOvr>
+    <a:masterClrMapping/>
+  </p:clrMapOvr>
+</p:sld>
+</file>
+
+<file path=ppt/slides/slide36.xml><?xml version="1.0" encoding="utf-8"?>
+<p:sld xmlns:a="http://schemas.openxmlformats.org/drawingml/2006/main" xmlns:r="http://schemas.openxmlformats.org/officeDocument/2006/relationships" xmlns:p="http://schemas.openxmlformats.org/presentationml/2006/main">
+  <p:cSld>
+    <p:spTree>
+      <p:nvGrpSpPr>
+        <p:cNvPr id="1" name=""/>
+        <p:cNvGrpSpPr/>
+        <p:nvPr/>
+      </p:nvGrpSpPr>
+      <p:grpSpPr>
+        <a:xfrm>
+          <a:off x="0" y="0"/>
+          <a:ext cx="0" cy="0"/>
+          <a:chOff x="0" y="0"/>
+          <a:chExt cx="0" cy="0"/>
+        </a:xfrm>
+      </p:grpSpPr>
+      <p:sp>
+        <p:nvSpPr>
+          <p:cNvPr id="2" name="Title 1">
+            <a:extLst>
+              <a:ext uri="{FF2B5EF4-FFF2-40B4-BE49-F238E27FC236}">
+                <a16:creationId xmlns:a16="http://schemas.microsoft.com/office/drawing/2014/main" id="{728AB5DF-3A43-C437-D669-4DEC1739E9BA}"/>
+              </a:ext>
+            </a:extLst>
+          </p:cNvPr>
+          <p:cNvSpPr>
+            <a:spLocks noGrp="1"/>
+          </p:cNvSpPr>
+          <p:nvPr>
+            <p:ph type="title"/>
+          </p:nvPr>
+        </p:nvSpPr>
+        <p:spPr>
+          <a:xfrm>
+            <a:off x="228600" y="156119"/>
+            <a:ext cx="10515600" cy="880201"/>
+          </a:xfrm>
+        </p:spPr>
+        <p:txBody>
+          <a:bodyPr/>
+          <a:lstStyle/>
+          <a:p>
+            <a:r>
+              <a:rPr lang="en-US" dirty="0"/>
+              <a:t>Expansionary  Monetary policy</a:t>
+            </a:r>
+          </a:p>
+        </p:txBody>
+      </p:sp>
+      <p:sp>
+        <p:nvSpPr>
+          <p:cNvPr id="3" name="Content Placeholder 2">
+            <a:extLst>
+              <a:ext uri="{FF2B5EF4-FFF2-40B4-BE49-F238E27FC236}">
+                <a16:creationId xmlns:a16="http://schemas.microsoft.com/office/drawing/2014/main" id="{28F62BF1-055D-EB12-E5A5-5B5DF742B62E}"/>
+              </a:ext>
+            </a:extLst>
+          </p:cNvPr>
+          <p:cNvSpPr>
+            <a:spLocks noGrp="1"/>
+          </p:cNvSpPr>
+          <p:nvPr>
+            <p:ph idx="1"/>
+          </p:nvPr>
+        </p:nvSpPr>
+        <p:spPr/>
+        <p:txBody>
+          <a:bodyPr/>
+          <a:lstStyle/>
+          <a:p>
+            <a:endParaRPr lang="en-US"/>
+          </a:p>
+        </p:txBody>
+      </p:sp>
+      <p:pic>
+        <p:nvPicPr>
+          <p:cNvPr id="4" name="Picture 3">
+            <a:extLst>
+              <a:ext uri="{FF2B5EF4-FFF2-40B4-BE49-F238E27FC236}">
+                <a16:creationId xmlns:a16="http://schemas.microsoft.com/office/drawing/2014/main" id="{3BCEC538-41D7-3E91-D0E7-3B1D2947087B}"/>
+              </a:ext>
+            </a:extLst>
+          </p:cNvPr>
+          <p:cNvPicPr>
+            <a:picLocks noChangeAspect="1"/>
+          </p:cNvPicPr>
+          <p:nvPr/>
+        </p:nvPicPr>
+        <p:blipFill>
+          <a:blip r:embed="rId2"/>
+          <a:stretch>
+            <a:fillRect/>
+          </a:stretch>
+        </p:blipFill>
+        <p:spPr>
+          <a:xfrm>
+            <a:off x="838200" y="1252631"/>
+            <a:ext cx="4254500" cy="3898900"/>
+          </a:xfrm>
+          <a:prstGeom prst="rect">
+            <a:avLst/>
+          </a:prstGeom>
+        </p:spPr>
+      </p:pic>
+      <p:pic>
+        <p:nvPicPr>
+          <p:cNvPr id="5" name="Picture 4">
+            <a:extLst>
+              <a:ext uri="{FF2B5EF4-FFF2-40B4-BE49-F238E27FC236}">
+                <a16:creationId xmlns:a16="http://schemas.microsoft.com/office/drawing/2014/main" id="{C0CD029F-9594-017C-6F20-094419AE713E}"/>
+              </a:ext>
+            </a:extLst>
+          </p:cNvPr>
+          <p:cNvPicPr>
+            <a:picLocks noChangeAspect="1"/>
+          </p:cNvPicPr>
+          <p:nvPr/>
+        </p:nvPicPr>
+        <p:blipFill>
+          <a:blip r:embed="rId3"/>
+          <a:stretch>
+            <a:fillRect/>
+          </a:stretch>
+        </p:blipFill>
+        <p:spPr>
+          <a:xfrm>
+            <a:off x="6783643" y="1252631"/>
+            <a:ext cx="4229100" cy="4013200"/>
+          </a:xfrm>
+          <a:prstGeom prst="rect">
+            <a:avLst/>
+          </a:prstGeom>
+        </p:spPr>
+      </p:pic>
+      <p:sp>
+        <p:nvSpPr>
+          <p:cNvPr id="6" name="TextBox 5">
+            <a:extLst>
+              <a:ext uri="{FF2B5EF4-FFF2-40B4-BE49-F238E27FC236}">
+                <a16:creationId xmlns:a16="http://schemas.microsoft.com/office/drawing/2014/main" id="{8AE64D01-31EA-30F2-52D4-4A4D4DA29BC9}"/>
+              </a:ext>
+            </a:extLst>
+          </p:cNvPr>
+          <p:cNvSpPr txBox="1"/>
+          <p:nvPr/>
+        </p:nvSpPr>
+        <p:spPr>
+          <a:xfrm>
+            <a:off x="5486400" y="6176963"/>
+            <a:ext cx="824072" cy="369332"/>
+          </a:xfrm>
+          <a:prstGeom prst="rect">
+            <a:avLst/>
+          </a:prstGeom>
+          <a:noFill/>
+        </p:spPr>
+        <p:txBody>
+          <a:bodyPr wrap="none" rtlCol="0">
+            <a:spAutoFit/>
+          </a:bodyPr>
+          <a:lstStyle/>
+          <a:p>
+            <a:r>
+              <a:rPr lang="en-US" dirty="0">
+                <a:hlinkClick r:id="rId4"/>
+              </a:rPr>
+              <a:t>Source</a:t>
+            </a:r>
+            <a:endParaRPr lang="en-US" dirty="0"/>
+          </a:p>
+        </p:txBody>
+      </p:sp>
+      <p:sp>
+        <p:nvSpPr>
+          <p:cNvPr id="7" name="Slide Number Placeholder 6">
+            <a:extLst>
+              <a:ext uri="{FF2B5EF4-FFF2-40B4-BE49-F238E27FC236}">
+                <a16:creationId xmlns:a16="http://schemas.microsoft.com/office/drawing/2014/main" id="{ECC92F52-5CF8-0401-B7E3-7DB476419963}"/>
+              </a:ext>
+            </a:extLst>
+          </p:cNvPr>
+          <p:cNvSpPr>
+            <a:spLocks noGrp="1"/>
+          </p:cNvSpPr>
+          <p:nvPr>
+            <p:ph type="sldNum" sz="quarter" idx="12"/>
+          </p:nvPr>
+        </p:nvSpPr>
+        <p:spPr/>
+        <p:txBody>
+          <a:bodyPr/>
+          <a:lstStyle/>
+          <a:p>
+            <a:fld id="{92AF051A-FF74-2247-B065-E58DA1926FE1}" type="slidenum">
+              <a:rPr lang="en-US" smtClean="0"/>
+              <a:t>36</a:t>
+            </a:fld>
+            <a:endParaRPr lang="en-US"/>
+          </a:p>
+        </p:txBody>
+      </p:sp>
+    </p:spTree>
+    <p:extLst>
+      <p:ext uri="{BB962C8B-B14F-4D97-AF65-F5344CB8AC3E}">
+        <p14:creationId xmlns:p14="http://schemas.microsoft.com/office/powerpoint/2010/main" val="224661066"/>
+      </p:ext>
+    </p:extLst>
+  </p:cSld>
+  <p:clrMapOvr>
+    <a:masterClrMapping/>
+  </p:clrMapOvr>
+</p:sld>
+</file>
+
+<file path=ppt/slides/slide37.xml><?xml version="1.0" encoding="utf-8"?>
+<p:sld xmlns:a="http://schemas.openxmlformats.org/drawingml/2006/main" xmlns:r="http://schemas.openxmlformats.org/officeDocument/2006/relationships" xmlns:p="http://schemas.openxmlformats.org/presentationml/2006/main">
+  <p:cSld>
+    <p:spTree>
+      <p:nvGrpSpPr>
+        <p:cNvPr id="1" name=""/>
+        <p:cNvGrpSpPr/>
+        <p:nvPr/>
+      </p:nvGrpSpPr>
+      <p:grpSpPr>
+        <a:xfrm>
+          <a:off x="0" y="0"/>
+          <a:ext cx="0" cy="0"/>
+          <a:chOff x="0" y="0"/>
+          <a:chExt cx="0" cy="0"/>
+        </a:xfrm>
+      </p:grpSpPr>
+      <p:sp>
+        <p:nvSpPr>
+          <p:cNvPr id="2" name="Title 1">
+            <a:extLst>
+              <a:ext uri="{FF2B5EF4-FFF2-40B4-BE49-F238E27FC236}">
+                <a16:creationId xmlns:a16="http://schemas.microsoft.com/office/drawing/2014/main" id="{0428308F-351E-206F-21D5-53F929A38DE9}"/>
+              </a:ext>
+            </a:extLst>
+          </p:cNvPr>
+          <p:cNvSpPr>
+            <a:spLocks noGrp="1"/>
+          </p:cNvSpPr>
+          <p:nvPr>
+            <p:ph type="title"/>
+          </p:nvPr>
+        </p:nvSpPr>
+        <p:spPr>
+          <a:xfrm>
+            <a:off x="120445" y="137293"/>
+            <a:ext cx="10515600" cy="893404"/>
+          </a:xfrm>
+        </p:spPr>
+        <p:txBody>
+          <a:bodyPr/>
+          <a:lstStyle/>
+          <a:p>
+            <a:r>
+              <a:rPr lang="en-US" dirty="0"/>
+              <a:t>Contractionary monetary policy</a:t>
+            </a:r>
+          </a:p>
+        </p:txBody>
+      </p:sp>
+      <p:sp>
+        <p:nvSpPr>
+          <p:cNvPr id="3" name="Content Placeholder 2">
+            <a:extLst>
+              <a:ext uri="{FF2B5EF4-FFF2-40B4-BE49-F238E27FC236}">
+                <a16:creationId xmlns:a16="http://schemas.microsoft.com/office/drawing/2014/main" id="{54B1A815-8390-6147-9D95-6481776B5950}"/>
+              </a:ext>
+            </a:extLst>
+          </p:cNvPr>
+          <p:cNvSpPr>
+            <a:spLocks noGrp="1"/>
+          </p:cNvSpPr>
+          <p:nvPr>
+            <p:ph idx="1"/>
+          </p:nvPr>
+        </p:nvSpPr>
+        <p:spPr/>
+        <p:txBody>
+          <a:bodyPr/>
+          <a:lstStyle/>
+          <a:p>
+            <a:endParaRPr lang="en-US"/>
+          </a:p>
+        </p:txBody>
+      </p:sp>
+      <p:pic>
+        <p:nvPicPr>
+          <p:cNvPr id="5" name="Picture 4">
+            <a:extLst>
+              <a:ext uri="{FF2B5EF4-FFF2-40B4-BE49-F238E27FC236}">
+                <a16:creationId xmlns:a16="http://schemas.microsoft.com/office/drawing/2014/main" id="{A758B037-97E0-AE94-B346-5E958D4CC57D}"/>
+              </a:ext>
+            </a:extLst>
+          </p:cNvPr>
+          <p:cNvPicPr>
+            <a:picLocks noChangeAspect="1"/>
+          </p:cNvPicPr>
+          <p:nvPr/>
+        </p:nvPicPr>
+        <p:blipFill>
+          <a:blip r:embed="rId2"/>
+          <a:stretch>
+            <a:fillRect/>
+          </a:stretch>
+        </p:blipFill>
+        <p:spPr>
+          <a:xfrm>
+            <a:off x="631829" y="1630312"/>
+            <a:ext cx="4495800" cy="4038600"/>
+          </a:xfrm>
+          <a:prstGeom prst="rect">
+            <a:avLst/>
+          </a:prstGeom>
+        </p:spPr>
+      </p:pic>
+      <p:pic>
+        <p:nvPicPr>
+          <p:cNvPr id="6" name="Picture 5">
+            <a:extLst>
+              <a:ext uri="{FF2B5EF4-FFF2-40B4-BE49-F238E27FC236}">
+                <a16:creationId xmlns:a16="http://schemas.microsoft.com/office/drawing/2014/main" id="{33C4762E-877E-59B8-0B6B-5D1EDDE062E8}"/>
+              </a:ext>
+            </a:extLst>
+          </p:cNvPr>
+          <p:cNvPicPr>
+            <a:picLocks noChangeAspect="1"/>
+          </p:cNvPicPr>
+          <p:nvPr/>
+        </p:nvPicPr>
+        <p:blipFill>
+          <a:blip r:embed="rId3"/>
+          <a:stretch>
+            <a:fillRect/>
+          </a:stretch>
+        </p:blipFill>
+        <p:spPr>
+          <a:xfrm>
+            <a:off x="6966051" y="1519799"/>
+            <a:ext cx="4305300" cy="4000500"/>
+          </a:xfrm>
+          <a:prstGeom prst="rect">
+            <a:avLst/>
+          </a:prstGeom>
+        </p:spPr>
+      </p:pic>
+      <p:sp>
+        <p:nvSpPr>
+          <p:cNvPr id="7" name="TextBox 6">
+            <a:extLst>
+              <a:ext uri="{FF2B5EF4-FFF2-40B4-BE49-F238E27FC236}">
+                <a16:creationId xmlns:a16="http://schemas.microsoft.com/office/drawing/2014/main" id="{C0ED730E-8BB1-ACA0-3666-9190AEA6700C}"/>
+              </a:ext>
+            </a:extLst>
+          </p:cNvPr>
+          <p:cNvSpPr txBox="1"/>
+          <p:nvPr/>
+        </p:nvSpPr>
+        <p:spPr>
+          <a:xfrm>
+            <a:off x="5486400" y="6176963"/>
+            <a:ext cx="824072" cy="369332"/>
+          </a:xfrm>
+          <a:prstGeom prst="rect">
+            <a:avLst/>
+          </a:prstGeom>
+          <a:noFill/>
+        </p:spPr>
+        <p:txBody>
+          <a:bodyPr wrap="none" rtlCol="0">
+            <a:spAutoFit/>
+          </a:bodyPr>
+          <a:lstStyle/>
+          <a:p>
+            <a:r>
+              <a:rPr lang="en-US" dirty="0">
+                <a:hlinkClick r:id="rId4"/>
+              </a:rPr>
+              <a:t>Source</a:t>
+            </a:r>
+            <a:endParaRPr lang="en-US" dirty="0"/>
+          </a:p>
+        </p:txBody>
+      </p:sp>
+      <p:sp>
+        <p:nvSpPr>
+          <p:cNvPr id="8" name="Slide Number Placeholder 7">
+            <a:extLst>
+              <a:ext uri="{FF2B5EF4-FFF2-40B4-BE49-F238E27FC236}">
+                <a16:creationId xmlns:a16="http://schemas.microsoft.com/office/drawing/2014/main" id="{2FF5BECC-4B48-1497-C42B-63056DADB29D}"/>
+              </a:ext>
+            </a:extLst>
+          </p:cNvPr>
+          <p:cNvSpPr>
+            <a:spLocks noGrp="1"/>
+          </p:cNvSpPr>
+          <p:nvPr>
+            <p:ph type="sldNum" sz="quarter" idx="12"/>
+          </p:nvPr>
+        </p:nvSpPr>
+        <p:spPr/>
+        <p:txBody>
+          <a:bodyPr/>
+          <a:lstStyle/>
+          <a:p>
+            <a:fld id="{92AF051A-FF74-2247-B065-E58DA1926FE1}" type="slidenum">
+              <a:rPr lang="en-US" smtClean="0"/>
+              <a:t>37</a:t>
+            </a:fld>
+            <a:endParaRPr lang="en-US"/>
+          </a:p>
+        </p:txBody>
+      </p:sp>
+    </p:spTree>
+    <p:extLst>
+      <p:ext uri="{BB962C8B-B14F-4D97-AF65-F5344CB8AC3E}">
+        <p14:creationId xmlns:p14="http://schemas.microsoft.com/office/powerpoint/2010/main" val="3091485750"/>
+      </p:ext>
+    </p:extLst>
+  </p:cSld>
+  <p:clrMapOvr>
+    <a:masterClrMapping/>
+  </p:clrMapOvr>
+</p:sld>
+</file>
+
+<file path=ppt/slides/slide38.xml><?xml version="1.0" encoding="utf-8"?>
+<p:sld xmlns:a="http://schemas.openxmlformats.org/drawingml/2006/main" xmlns:r="http://schemas.openxmlformats.org/officeDocument/2006/relationships" xmlns:p="http://schemas.openxmlformats.org/presentationml/2006/main">
+  <p:cSld>
+    <p:spTree>
+      <p:nvGrpSpPr>
+        <p:cNvPr id="1" name=""/>
+        <p:cNvGrpSpPr/>
+        <p:nvPr/>
+      </p:nvGrpSpPr>
+      <p:grpSpPr>
+        <a:xfrm>
+          <a:off x="0" y="0"/>
+          <a:ext cx="0" cy="0"/>
+          <a:chOff x="0" y="0"/>
+          <a:chExt cx="0" cy="0"/>
+        </a:xfrm>
+      </p:grpSpPr>
+      <p:sp>
+        <p:nvSpPr>
+          <p:cNvPr id="2" name="Title 1">
+            <a:extLst>
+              <a:ext uri="{FF2B5EF4-FFF2-40B4-BE49-F238E27FC236}">
+                <a16:creationId xmlns:a16="http://schemas.microsoft.com/office/drawing/2014/main" id="{6C4AE600-AEFE-DD0F-C415-E7AA32076DDB}"/>
+              </a:ext>
+            </a:extLst>
+          </p:cNvPr>
+          <p:cNvSpPr>
+            <a:spLocks noGrp="1"/>
+          </p:cNvSpPr>
+          <p:nvPr>
+            <p:ph type="title"/>
+          </p:nvPr>
+        </p:nvSpPr>
+        <p:spPr>
+          <a:xfrm>
+            <a:off x="118672" y="109277"/>
+            <a:ext cx="10515600" cy="571760"/>
+          </a:xfrm>
+        </p:spPr>
+        <p:txBody>
+          <a:bodyPr>
+            <a:normAutofit fontScale="90000"/>
+          </a:bodyPr>
+          <a:lstStyle/>
+          <a:p>
+            <a:r>
+              <a:rPr lang="en-US" dirty="0"/>
+              <a:t>Fed board</a:t>
+            </a:r>
+          </a:p>
+        </p:txBody>
+      </p:sp>
+      <p:sp>
+        <p:nvSpPr>
+          <p:cNvPr id="3" name="Content Placeholder 2">
+            <a:extLst>
+              <a:ext uri="{FF2B5EF4-FFF2-40B4-BE49-F238E27FC236}">
+                <a16:creationId xmlns:a16="http://schemas.microsoft.com/office/drawing/2014/main" id="{4512A8BD-7DDF-0547-6340-E3CAA223005A}"/>
+              </a:ext>
+            </a:extLst>
+          </p:cNvPr>
+          <p:cNvSpPr>
+            <a:spLocks noGrp="1"/>
+          </p:cNvSpPr>
+          <p:nvPr>
+            <p:ph idx="1"/>
+          </p:nvPr>
+        </p:nvSpPr>
+        <p:spPr/>
+        <p:txBody>
+          <a:bodyPr/>
+          <a:lstStyle/>
+          <a:p>
+            <a:endParaRPr lang="en-US"/>
+          </a:p>
+        </p:txBody>
+      </p:sp>
+      <p:sp>
+        <p:nvSpPr>
+          <p:cNvPr id="4" name="Slide Number Placeholder 3">
+            <a:extLst>
+              <a:ext uri="{FF2B5EF4-FFF2-40B4-BE49-F238E27FC236}">
+                <a16:creationId xmlns:a16="http://schemas.microsoft.com/office/drawing/2014/main" id="{0895E3BC-3278-F947-C095-B977FFF33F60}"/>
+              </a:ext>
+            </a:extLst>
+          </p:cNvPr>
+          <p:cNvSpPr>
+            <a:spLocks noGrp="1"/>
+          </p:cNvSpPr>
+          <p:nvPr>
+            <p:ph type="sldNum" sz="quarter" idx="12"/>
+          </p:nvPr>
+        </p:nvSpPr>
+        <p:spPr/>
+        <p:txBody>
+          <a:bodyPr/>
+          <a:lstStyle/>
+          <a:p>
+            <a:fld id="{92AF051A-FF74-2247-B065-E58DA1926FE1}" type="slidenum">
+              <a:rPr lang="en-US" smtClean="0"/>
+              <a:t>38</a:t>
+            </a:fld>
+            <a:endParaRPr lang="en-US"/>
+          </a:p>
+        </p:txBody>
+      </p:sp>
+      <p:pic>
+        <p:nvPicPr>
+          <p:cNvPr id="6" name="Picture 5">
+            <a:extLst>
+              <a:ext uri="{FF2B5EF4-FFF2-40B4-BE49-F238E27FC236}">
+                <a16:creationId xmlns:a16="http://schemas.microsoft.com/office/drawing/2014/main" id="{9177665E-BC92-C53A-0D3B-EDC4437880C6}"/>
+              </a:ext>
+            </a:extLst>
+          </p:cNvPr>
+          <p:cNvPicPr>
+            <a:picLocks noChangeAspect="1"/>
+          </p:cNvPicPr>
+          <p:nvPr/>
+        </p:nvPicPr>
+        <p:blipFill>
+          <a:blip r:embed="rId2"/>
+          <a:stretch>
+            <a:fillRect/>
+          </a:stretch>
+        </p:blipFill>
+        <p:spPr>
+          <a:xfrm>
+            <a:off x="2586222" y="0"/>
+            <a:ext cx="7019555" cy="6858000"/>
+          </a:xfrm>
+          <a:prstGeom prst="rect">
+            <a:avLst/>
+          </a:prstGeom>
+        </p:spPr>
+      </p:pic>
+      <p:sp>
+        <p:nvSpPr>
+          <p:cNvPr id="7" name="TextBox 6">
+            <a:extLst>
+              <a:ext uri="{FF2B5EF4-FFF2-40B4-BE49-F238E27FC236}">
+                <a16:creationId xmlns:a16="http://schemas.microsoft.com/office/drawing/2014/main" id="{9FC5F19E-CA5C-17F4-D4B4-977BCEA832AB}"/>
+              </a:ext>
+            </a:extLst>
+          </p:cNvPr>
+          <p:cNvSpPr txBox="1"/>
+          <p:nvPr/>
+        </p:nvSpPr>
+        <p:spPr>
+          <a:xfrm>
+            <a:off x="1557727" y="6332815"/>
+            <a:ext cx="808042" cy="369332"/>
+          </a:xfrm>
+          <a:prstGeom prst="rect">
+            <a:avLst/>
+          </a:prstGeom>
+          <a:noFill/>
+        </p:spPr>
+        <p:txBody>
+          <a:bodyPr wrap="none" rtlCol="0">
+            <a:spAutoFit/>
+          </a:bodyPr>
+          <a:lstStyle/>
+          <a:p>
+            <a:r>
+              <a:rPr lang="en-US" dirty="0">
+                <a:hlinkClick r:id="rId3"/>
+              </a:rPr>
+              <a:t>source</a:t>
+            </a:r>
+            <a:endParaRPr lang="en-US" dirty="0"/>
+          </a:p>
+        </p:txBody>
+      </p:sp>
+    </p:spTree>
+    <p:extLst>
+      <p:ext uri="{BB962C8B-B14F-4D97-AF65-F5344CB8AC3E}">
+        <p14:creationId xmlns:p14="http://schemas.microsoft.com/office/powerpoint/2010/main" val="2165276616"/>
+      </p:ext>
+    </p:extLst>
+  </p:cSld>
+  <p:clrMapOvr>
+    <a:masterClrMapping/>
+  </p:clrMapOvr>
+</p:sld>
+</file>
+
+<file path=ppt/slides/slide39.xml><?xml version="1.0" encoding="utf-8"?>
+<p:sld xmlns:a="http://schemas.openxmlformats.org/drawingml/2006/main" xmlns:r="http://schemas.openxmlformats.org/officeDocument/2006/relationships" xmlns:p="http://schemas.openxmlformats.org/presentationml/2006/main">
+  <p:cSld>
+    <p:spTree>
+      <p:nvGrpSpPr>
+        <p:cNvPr id="1" name=""/>
+        <p:cNvGrpSpPr/>
+        <p:nvPr/>
+      </p:nvGrpSpPr>
+      <p:grpSpPr>
+        <a:xfrm>
+          <a:off x="0" y="0"/>
+          <a:ext cx="0" cy="0"/>
+          <a:chOff x="0" y="0"/>
+          <a:chExt cx="0" cy="0"/>
+        </a:xfrm>
+      </p:grpSpPr>
+      <p:sp>
+        <p:nvSpPr>
+          <p:cNvPr id="2" name="Title 1">
+            <a:extLst>
+              <a:ext uri="{FF2B5EF4-FFF2-40B4-BE49-F238E27FC236}">
+                <a16:creationId xmlns:a16="http://schemas.microsoft.com/office/drawing/2014/main" id="{68DB650A-CC70-337A-8DF6-D4A9AC68B564}"/>
+              </a:ext>
+            </a:extLst>
+          </p:cNvPr>
+          <p:cNvSpPr>
+            <a:spLocks noGrp="1"/>
+          </p:cNvSpPr>
+          <p:nvPr>
+            <p:ph type="title"/>
+          </p:nvPr>
+        </p:nvSpPr>
+        <p:spPr/>
+        <p:txBody>
+          <a:bodyPr/>
+          <a:lstStyle/>
+          <a:p>
+            <a:r>
+              <a:rPr lang="en-US" dirty="0"/>
+              <a:t>Fed events</a:t>
+            </a:r>
+          </a:p>
+        </p:txBody>
+      </p:sp>
+      <p:sp>
+        <p:nvSpPr>
+          <p:cNvPr id="3" name="Content Placeholder 2">
+            <a:extLst>
+              <a:ext uri="{FF2B5EF4-FFF2-40B4-BE49-F238E27FC236}">
+                <a16:creationId xmlns:a16="http://schemas.microsoft.com/office/drawing/2014/main" id="{74D9A49D-1C75-D94A-C008-8B9D7AE0FF78}"/>
+              </a:ext>
+            </a:extLst>
+          </p:cNvPr>
+          <p:cNvSpPr>
+            <a:spLocks noGrp="1"/>
+          </p:cNvSpPr>
+          <p:nvPr>
+            <p:ph idx="1"/>
+          </p:nvPr>
+        </p:nvSpPr>
+        <p:spPr/>
+        <p:txBody>
+          <a:bodyPr/>
+          <a:lstStyle/>
+          <a:p>
+            <a:endParaRPr lang="en-US"/>
+          </a:p>
+        </p:txBody>
+      </p:sp>
+      <p:sp>
+        <p:nvSpPr>
+          <p:cNvPr id="4" name="Slide Number Placeholder 3">
+            <a:extLst>
+              <a:ext uri="{FF2B5EF4-FFF2-40B4-BE49-F238E27FC236}">
+                <a16:creationId xmlns:a16="http://schemas.microsoft.com/office/drawing/2014/main" id="{767B21F6-9471-1058-3AF8-4369086B33C6}"/>
+              </a:ext>
+            </a:extLst>
+          </p:cNvPr>
+          <p:cNvSpPr>
+            <a:spLocks noGrp="1"/>
+          </p:cNvSpPr>
+          <p:nvPr>
+            <p:ph type="sldNum" sz="quarter" idx="12"/>
+          </p:nvPr>
+        </p:nvSpPr>
+        <p:spPr/>
+        <p:txBody>
+          <a:bodyPr/>
+          <a:lstStyle/>
+          <a:p>
+            <a:fld id="{92AF051A-FF74-2247-B065-E58DA1926FE1}" type="slidenum">
+              <a:rPr lang="en-US" smtClean="0"/>
+              <a:t>39</a:t>
+            </a:fld>
+            <a:endParaRPr lang="en-US"/>
+          </a:p>
+        </p:txBody>
+      </p:sp>
+      <p:pic>
+        <p:nvPicPr>
+          <p:cNvPr id="5" name="Picture 4">
+            <a:extLst>
+              <a:ext uri="{FF2B5EF4-FFF2-40B4-BE49-F238E27FC236}">
+                <a16:creationId xmlns:a16="http://schemas.microsoft.com/office/drawing/2014/main" id="{7D7A3959-5C7C-E32C-EEE2-EA1A49AB8D7C}"/>
+              </a:ext>
+            </a:extLst>
+          </p:cNvPr>
+          <p:cNvPicPr>
+            <a:picLocks noChangeAspect="1"/>
+          </p:cNvPicPr>
+          <p:nvPr/>
+        </p:nvPicPr>
+        <p:blipFill>
+          <a:blip r:embed="rId2"/>
+          <a:stretch>
+            <a:fillRect/>
+          </a:stretch>
+        </p:blipFill>
+        <p:spPr>
+          <a:xfrm>
+            <a:off x="2209800" y="1613955"/>
+            <a:ext cx="7772400" cy="3630089"/>
+          </a:xfrm>
+          <a:prstGeom prst="rect">
+            <a:avLst/>
+          </a:prstGeom>
+        </p:spPr>
+      </p:pic>
+      <p:sp>
+        <p:nvSpPr>
+          <p:cNvPr id="6" name="TextBox 5">
+            <a:extLst>
+              <a:ext uri="{FF2B5EF4-FFF2-40B4-BE49-F238E27FC236}">
+                <a16:creationId xmlns:a16="http://schemas.microsoft.com/office/drawing/2014/main" id="{8A68FBC7-550B-21B0-7AFD-3710ED5A45CB}"/>
+              </a:ext>
+            </a:extLst>
+          </p:cNvPr>
+          <p:cNvSpPr txBox="1"/>
+          <p:nvPr/>
+        </p:nvSpPr>
+        <p:spPr>
+          <a:xfrm>
+            <a:off x="1557727" y="6332815"/>
+            <a:ext cx="808042" cy="369332"/>
+          </a:xfrm>
+          <a:prstGeom prst="rect">
+            <a:avLst/>
+          </a:prstGeom>
+          <a:noFill/>
+        </p:spPr>
+        <p:txBody>
+          <a:bodyPr wrap="none" rtlCol="0">
+            <a:spAutoFit/>
+          </a:bodyPr>
+          <a:lstStyle/>
+          <a:p>
+            <a:r>
+              <a:rPr lang="en-US" dirty="0">
+                <a:hlinkClick r:id="rId3"/>
+              </a:rPr>
+              <a:t>source</a:t>
+            </a:r>
+            <a:endParaRPr lang="en-US" dirty="0"/>
+          </a:p>
+        </p:txBody>
+      </p:sp>
+    </p:spTree>
+    <p:extLst>
+      <p:ext uri="{BB962C8B-B14F-4D97-AF65-F5344CB8AC3E}">
+        <p14:creationId xmlns:p14="http://schemas.microsoft.com/office/powerpoint/2010/main" val="178549767"/>
       </p:ext>
     </p:extLst>
   </p:cSld>
@@ -17125,10 +22400,602 @@
           </a:p>
         </p:txBody>
       </p:sp>
+      <p:sp>
+        <p:nvSpPr>
+          <p:cNvPr id="21" name="Slide Number Placeholder 20">
+            <a:extLst>
+              <a:ext uri="{FF2B5EF4-FFF2-40B4-BE49-F238E27FC236}">
+                <a16:creationId xmlns:a16="http://schemas.microsoft.com/office/drawing/2014/main" id="{7B8F1067-BF21-6465-50DD-65C3C6A1ED4A}"/>
+              </a:ext>
+            </a:extLst>
+          </p:cNvPr>
+          <p:cNvSpPr>
+            <a:spLocks noGrp="1"/>
+          </p:cNvSpPr>
+          <p:nvPr>
+            <p:ph type="sldNum" sz="quarter" idx="12"/>
+          </p:nvPr>
+        </p:nvSpPr>
+        <p:spPr/>
+        <p:txBody>
+          <a:bodyPr/>
+          <a:lstStyle/>
+          <a:p>
+            <a:fld id="{92AF051A-FF74-2247-B065-E58DA1926FE1}" type="slidenum">
+              <a:rPr lang="en-US" smtClean="0"/>
+              <a:t>4</a:t>
+            </a:fld>
+            <a:endParaRPr lang="en-US"/>
+          </a:p>
+        </p:txBody>
+      </p:sp>
     </p:spTree>
     <p:extLst>
       <p:ext uri="{BB962C8B-B14F-4D97-AF65-F5344CB8AC3E}">
         <p14:creationId xmlns:p14="http://schemas.microsoft.com/office/powerpoint/2010/main" val="4194452381"/>
+      </p:ext>
+    </p:extLst>
+  </p:cSld>
+  <p:clrMapOvr>
+    <a:masterClrMapping/>
+  </p:clrMapOvr>
+</p:sld>
+</file>
+
+<file path=ppt/slides/slide40.xml><?xml version="1.0" encoding="utf-8"?>
+<p:sld xmlns:a="http://schemas.openxmlformats.org/drawingml/2006/main" xmlns:r="http://schemas.openxmlformats.org/officeDocument/2006/relationships" xmlns:p="http://schemas.openxmlformats.org/presentationml/2006/main">
+  <p:cSld>
+    <p:spTree>
+      <p:nvGrpSpPr>
+        <p:cNvPr id="1" name=""/>
+        <p:cNvGrpSpPr/>
+        <p:nvPr/>
+      </p:nvGrpSpPr>
+      <p:grpSpPr>
+        <a:xfrm>
+          <a:off x="0" y="0"/>
+          <a:ext cx="0" cy="0"/>
+          <a:chOff x="0" y="0"/>
+          <a:chExt cx="0" cy="0"/>
+        </a:xfrm>
+      </p:grpSpPr>
+      <p:sp>
+        <p:nvSpPr>
+          <p:cNvPr id="2" name="Title 1">
+            <a:extLst>
+              <a:ext uri="{FF2B5EF4-FFF2-40B4-BE49-F238E27FC236}">
+                <a16:creationId xmlns:a16="http://schemas.microsoft.com/office/drawing/2014/main" id="{0A9BDF26-B4DF-23AB-2C76-6B07236E85E6}"/>
+              </a:ext>
+            </a:extLst>
+          </p:cNvPr>
+          <p:cNvSpPr>
+            <a:spLocks noGrp="1"/>
+          </p:cNvSpPr>
+          <p:nvPr>
+            <p:ph type="title"/>
+          </p:nvPr>
+        </p:nvSpPr>
+        <p:spPr>
+          <a:xfrm>
+            <a:off x="80554" y="0"/>
+            <a:ext cx="4299857" cy="749572"/>
+          </a:xfrm>
+        </p:spPr>
+        <p:txBody>
+          <a:bodyPr/>
+          <a:lstStyle/>
+          <a:p>
+            <a:r>
+              <a:rPr lang="en-US" dirty="0"/>
+              <a:t>FOMC Calendar</a:t>
+            </a:r>
+          </a:p>
+        </p:txBody>
+      </p:sp>
+      <p:sp>
+        <p:nvSpPr>
+          <p:cNvPr id="3" name="Content Placeholder 2">
+            <a:extLst>
+              <a:ext uri="{FF2B5EF4-FFF2-40B4-BE49-F238E27FC236}">
+                <a16:creationId xmlns:a16="http://schemas.microsoft.com/office/drawing/2014/main" id="{9343F71F-4EA5-A671-A03B-CCAC0F7F1AEA}"/>
+              </a:ext>
+            </a:extLst>
+          </p:cNvPr>
+          <p:cNvSpPr>
+            <a:spLocks noGrp="1"/>
+          </p:cNvSpPr>
+          <p:nvPr>
+            <p:ph idx="1"/>
+          </p:nvPr>
+        </p:nvSpPr>
+        <p:spPr>
+          <a:xfrm>
+            <a:off x="243840" y="813585"/>
+            <a:ext cx="5104775" cy="1682277"/>
+          </a:xfrm>
+        </p:spPr>
+        <p:txBody>
+          <a:bodyPr>
+            <a:normAutofit/>
+          </a:bodyPr>
+          <a:lstStyle/>
+          <a:p>
+            <a:r>
+              <a:rPr lang="en-US" sz="1400" dirty="0"/>
+              <a:t>Eight meetings a year </a:t>
+            </a:r>
+          </a:p>
+          <a:p>
+            <a:r>
+              <a:rPr lang="en-US" sz="1400" dirty="0"/>
+              <a:t>Press conference after each meeting</a:t>
+            </a:r>
+          </a:p>
+          <a:p>
+            <a:r>
+              <a:rPr lang="en-US" sz="1400" dirty="0"/>
+              <a:t>Minutes released three weeks later </a:t>
+            </a:r>
+          </a:p>
+          <a:p>
+            <a:r>
+              <a:rPr lang="en-US" sz="1400" dirty="0"/>
+              <a:t>Projection material on four of the meetings </a:t>
+            </a:r>
+          </a:p>
+        </p:txBody>
+      </p:sp>
+      <p:pic>
+        <p:nvPicPr>
+          <p:cNvPr id="4" name="Picture 3">
+            <a:extLst>
+              <a:ext uri="{FF2B5EF4-FFF2-40B4-BE49-F238E27FC236}">
+                <a16:creationId xmlns:a16="http://schemas.microsoft.com/office/drawing/2014/main" id="{31BD7BF6-BBE9-8E60-3F06-45C253D8B9B4}"/>
+              </a:ext>
+            </a:extLst>
+          </p:cNvPr>
+          <p:cNvPicPr>
+            <a:picLocks noChangeAspect="1"/>
+          </p:cNvPicPr>
+          <p:nvPr/>
+        </p:nvPicPr>
+        <p:blipFill>
+          <a:blip r:embed="rId2"/>
+          <a:stretch>
+            <a:fillRect/>
+          </a:stretch>
+        </p:blipFill>
+        <p:spPr>
+          <a:xfrm>
+            <a:off x="6843386" y="0"/>
+            <a:ext cx="5348614" cy="6858000"/>
+          </a:xfrm>
+          <a:prstGeom prst="rect">
+            <a:avLst/>
+          </a:prstGeom>
+        </p:spPr>
+      </p:pic>
+      <p:sp>
+        <p:nvSpPr>
+          <p:cNvPr id="5" name="Slide Number Placeholder 4">
+            <a:extLst>
+              <a:ext uri="{FF2B5EF4-FFF2-40B4-BE49-F238E27FC236}">
+                <a16:creationId xmlns:a16="http://schemas.microsoft.com/office/drawing/2014/main" id="{AD0CB5E2-A8B7-0557-710E-4709F696E4F7}"/>
+              </a:ext>
+            </a:extLst>
+          </p:cNvPr>
+          <p:cNvSpPr>
+            <a:spLocks noGrp="1"/>
+          </p:cNvSpPr>
+          <p:nvPr>
+            <p:ph type="sldNum" sz="quarter" idx="12"/>
+          </p:nvPr>
+        </p:nvSpPr>
+        <p:spPr/>
+        <p:txBody>
+          <a:bodyPr/>
+          <a:lstStyle/>
+          <a:p>
+            <a:fld id="{92AF051A-FF74-2247-B065-E58DA1926FE1}" type="slidenum">
+              <a:rPr lang="en-US" smtClean="0"/>
+              <a:t>40</a:t>
+            </a:fld>
+            <a:endParaRPr lang="en-US"/>
+          </a:p>
+        </p:txBody>
+      </p:sp>
+      <p:pic>
+        <p:nvPicPr>
+          <p:cNvPr id="6" name="Picture 5">
+            <a:extLst>
+              <a:ext uri="{FF2B5EF4-FFF2-40B4-BE49-F238E27FC236}">
+                <a16:creationId xmlns:a16="http://schemas.microsoft.com/office/drawing/2014/main" id="{D00185BD-A9F4-F589-49F0-4C30E5A51265}"/>
+              </a:ext>
+            </a:extLst>
+          </p:cNvPr>
+          <p:cNvPicPr>
+            <a:picLocks noChangeAspect="1"/>
+          </p:cNvPicPr>
+          <p:nvPr/>
+        </p:nvPicPr>
+        <p:blipFill>
+          <a:blip r:embed="rId3"/>
+          <a:stretch>
+            <a:fillRect/>
+          </a:stretch>
+        </p:blipFill>
+        <p:spPr>
+          <a:xfrm>
+            <a:off x="243840" y="2862603"/>
+            <a:ext cx="6138134" cy="3589049"/>
+          </a:xfrm>
+          <a:prstGeom prst="rect">
+            <a:avLst/>
+          </a:prstGeom>
+        </p:spPr>
+      </p:pic>
+      <p:sp>
+        <p:nvSpPr>
+          <p:cNvPr id="7" name="TextBox 6">
+            <a:extLst>
+              <a:ext uri="{FF2B5EF4-FFF2-40B4-BE49-F238E27FC236}">
+                <a16:creationId xmlns:a16="http://schemas.microsoft.com/office/drawing/2014/main" id="{29A6D3BB-5941-7272-B097-F1B6B33C1602}"/>
+              </a:ext>
+            </a:extLst>
+          </p:cNvPr>
+          <p:cNvSpPr txBox="1"/>
+          <p:nvPr/>
+        </p:nvSpPr>
+        <p:spPr>
+          <a:xfrm>
+            <a:off x="1557727" y="6332815"/>
+            <a:ext cx="808042" cy="369332"/>
+          </a:xfrm>
+          <a:prstGeom prst="rect">
+            <a:avLst/>
+          </a:prstGeom>
+          <a:noFill/>
+        </p:spPr>
+        <p:txBody>
+          <a:bodyPr wrap="none" rtlCol="0">
+            <a:spAutoFit/>
+          </a:bodyPr>
+          <a:lstStyle/>
+          <a:p>
+            <a:r>
+              <a:rPr lang="en-US" dirty="0">
+                <a:hlinkClick r:id="rId4"/>
+              </a:rPr>
+              <a:t>source</a:t>
+            </a:r>
+            <a:endParaRPr lang="en-US" dirty="0"/>
+          </a:p>
+        </p:txBody>
+      </p:sp>
+    </p:spTree>
+    <p:extLst>
+      <p:ext uri="{BB962C8B-B14F-4D97-AF65-F5344CB8AC3E}">
+        <p14:creationId xmlns:p14="http://schemas.microsoft.com/office/powerpoint/2010/main" val="3053613431"/>
+      </p:ext>
+    </p:extLst>
+  </p:cSld>
+  <p:clrMapOvr>
+    <a:masterClrMapping/>
+  </p:clrMapOvr>
+</p:sld>
+</file>
+
+<file path=ppt/slides/slide41.xml><?xml version="1.0" encoding="utf-8"?>
+<p:sld xmlns:a="http://schemas.openxmlformats.org/drawingml/2006/main" xmlns:r="http://schemas.openxmlformats.org/officeDocument/2006/relationships" xmlns:p="http://schemas.openxmlformats.org/presentationml/2006/main">
+  <p:cSld>
+    <p:spTree>
+      <p:nvGrpSpPr>
+        <p:cNvPr id="1" name=""/>
+        <p:cNvGrpSpPr/>
+        <p:nvPr/>
+      </p:nvGrpSpPr>
+      <p:grpSpPr>
+        <a:xfrm>
+          <a:off x="0" y="0"/>
+          <a:ext cx="0" cy="0"/>
+          <a:chOff x="0" y="0"/>
+          <a:chExt cx="0" cy="0"/>
+        </a:xfrm>
+      </p:grpSpPr>
+      <p:sp>
+        <p:nvSpPr>
+          <p:cNvPr id="2" name="Title 1">
+            <a:extLst>
+              <a:ext uri="{FF2B5EF4-FFF2-40B4-BE49-F238E27FC236}">
+                <a16:creationId xmlns:a16="http://schemas.microsoft.com/office/drawing/2014/main" id="{61B28A2C-BF83-7887-8C08-BB56AE29F24E}"/>
+              </a:ext>
+            </a:extLst>
+          </p:cNvPr>
+          <p:cNvSpPr>
+            <a:spLocks noGrp="1"/>
+          </p:cNvSpPr>
+          <p:nvPr>
+            <p:ph type="title"/>
+          </p:nvPr>
+        </p:nvSpPr>
+        <p:spPr>
+          <a:xfrm>
+            <a:off x="124968" y="22034"/>
+            <a:ext cx="10515600" cy="659003"/>
+          </a:xfrm>
+        </p:spPr>
+        <p:txBody>
+          <a:bodyPr>
+            <a:normAutofit fontScale="90000"/>
+          </a:bodyPr>
+          <a:lstStyle/>
+          <a:p>
+            <a:r>
+              <a:rPr lang="en-US" dirty="0"/>
+              <a:t>Beige book calendar </a:t>
+            </a:r>
+          </a:p>
+        </p:txBody>
+      </p:sp>
+      <p:sp>
+        <p:nvSpPr>
+          <p:cNvPr id="3" name="Content Placeholder 2">
+            <a:extLst>
+              <a:ext uri="{FF2B5EF4-FFF2-40B4-BE49-F238E27FC236}">
+                <a16:creationId xmlns:a16="http://schemas.microsoft.com/office/drawing/2014/main" id="{C8028272-E118-EB88-D585-4C703305D1A2}"/>
+              </a:ext>
+            </a:extLst>
+          </p:cNvPr>
+          <p:cNvSpPr>
+            <a:spLocks noGrp="1"/>
+          </p:cNvSpPr>
+          <p:nvPr>
+            <p:ph idx="1"/>
+          </p:nvPr>
+        </p:nvSpPr>
+        <p:spPr/>
+        <p:txBody>
+          <a:bodyPr/>
+          <a:lstStyle/>
+          <a:p>
+            <a:endParaRPr lang="en-US"/>
+          </a:p>
+        </p:txBody>
+      </p:sp>
+      <p:sp>
+        <p:nvSpPr>
+          <p:cNvPr id="4" name="Slide Number Placeholder 3">
+            <a:extLst>
+              <a:ext uri="{FF2B5EF4-FFF2-40B4-BE49-F238E27FC236}">
+                <a16:creationId xmlns:a16="http://schemas.microsoft.com/office/drawing/2014/main" id="{955796C4-177A-D4C7-924E-7F2569F9D2E1}"/>
+              </a:ext>
+            </a:extLst>
+          </p:cNvPr>
+          <p:cNvSpPr>
+            <a:spLocks noGrp="1"/>
+          </p:cNvSpPr>
+          <p:nvPr>
+            <p:ph type="sldNum" sz="quarter" idx="12"/>
+          </p:nvPr>
+        </p:nvSpPr>
+        <p:spPr/>
+        <p:txBody>
+          <a:bodyPr/>
+          <a:lstStyle/>
+          <a:p>
+            <a:fld id="{92AF051A-FF74-2247-B065-E58DA1926FE1}" type="slidenum">
+              <a:rPr lang="en-US" smtClean="0"/>
+              <a:t>41</a:t>
+            </a:fld>
+            <a:endParaRPr lang="en-US"/>
+          </a:p>
+        </p:txBody>
+      </p:sp>
+      <p:pic>
+        <p:nvPicPr>
+          <p:cNvPr id="5" name="Picture 4">
+            <a:extLst>
+              <a:ext uri="{FF2B5EF4-FFF2-40B4-BE49-F238E27FC236}">
+                <a16:creationId xmlns:a16="http://schemas.microsoft.com/office/drawing/2014/main" id="{C27F9C02-F38A-1A9B-B8A8-4FC8DCC6C85E}"/>
+              </a:ext>
+            </a:extLst>
+          </p:cNvPr>
+          <p:cNvPicPr>
+            <a:picLocks noChangeAspect="1"/>
+          </p:cNvPicPr>
+          <p:nvPr/>
+        </p:nvPicPr>
+        <p:blipFill>
+          <a:blip r:embed="rId2"/>
+          <a:stretch>
+            <a:fillRect/>
+          </a:stretch>
+        </p:blipFill>
+        <p:spPr>
+          <a:xfrm>
+            <a:off x="252984" y="961691"/>
+            <a:ext cx="7772400" cy="5666138"/>
+          </a:xfrm>
+          <a:prstGeom prst="rect">
+            <a:avLst/>
+          </a:prstGeom>
+        </p:spPr>
+      </p:pic>
+      <p:sp>
+        <p:nvSpPr>
+          <p:cNvPr id="6" name="TextBox 5">
+            <a:extLst>
+              <a:ext uri="{FF2B5EF4-FFF2-40B4-BE49-F238E27FC236}">
+                <a16:creationId xmlns:a16="http://schemas.microsoft.com/office/drawing/2014/main" id="{3DF97C7A-CF8F-C1CF-ACE6-6A79F384EF9A}"/>
+              </a:ext>
+            </a:extLst>
+          </p:cNvPr>
+          <p:cNvSpPr txBox="1"/>
+          <p:nvPr/>
+        </p:nvSpPr>
+        <p:spPr>
+          <a:xfrm>
+            <a:off x="8206579" y="6401841"/>
+            <a:ext cx="808042" cy="369332"/>
+          </a:xfrm>
+          <a:prstGeom prst="rect">
+            <a:avLst/>
+          </a:prstGeom>
+          <a:noFill/>
+        </p:spPr>
+        <p:txBody>
+          <a:bodyPr wrap="none" rtlCol="0">
+            <a:spAutoFit/>
+          </a:bodyPr>
+          <a:lstStyle/>
+          <a:p>
+            <a:r>
+              <a:rPr lang="en-US" dirty="0">
+                <a:hlinkClick r:id="rId3"/>
+              </a:rPr>
+              <a:t>source</a:t>
+            </a:r>
+            <a:endParaRPr lang="en-US" dirty="0"/>
+          </a:p>
+        </p:txBody>
+      </p:sp>
+    </p:spTree>
+    <p:extLst>
+      <p:ext uri="{BB962C8B-B14F-4D97-AF65-F5344CB8AC3E}">
+        <p14:creationId xmlns:p14="http://schemas.microsoft.com/office/powerpoint/2010/main" val="571648836"/>
+      </p:ext>
+    </p:extLst>
+  </p:cSld>
+  <p:clrMapOvr>
+    <a:masterClrMapping/>
+  </p:clrMapOvr>
+</p:sld>
+</file>
+
+<file path=ppt/slides/slide42.xml><?xml version="1.0" encoding="utf-8"?>
+<p:sld xmlns:a="http://schemas.openxmlformats.org/drawingml/2006/main" xmlns:r="http://schemas.openxmlformats.org/officeDocument/2006/relationships" xmlns:p="http://schemas.openxmlformats.org/presentationml/2006/main">
+  <p:cSld>
+    <p:spTree>
+      <p:nvGrpSpPr>
+        <p:cNvPr id="1" name=""/>
+        <p:cNvGrpSpPr/>
+        <p:nvPr/>
+      </p:nvGrpSpPr>
+      <p:grpSpPr>
+        <a:xfrm>
+          <a:off x="0" y="0"/>
+          <a:ext cx="0" cy="0"/>
+          <a:chOff x="0" y="0"/>
+          <a:chExt cx="0" cy="0"/>
+        </a:xfrm>
+      </p:grpSpPr>
+      <p:sp>
+        <p:nvSpPr>
+          <p:cNvPr id="2" name="Title 1">
+            <a:extLst>
+              <a:ext uri="{FF2B5EF4-FFF2-40B4-BE49-F238E27FC236}">
+                <a16:creationId xmlns:a16="http://schemas.microsoft.com/office/drawing/2014/main" id="{6A227086-99C6-9D1F-734E-EF4772CD060C}"/>
+              </a:ext>
+            </a:extLst>
+          </p:cNvPr>
+          <p:cNvSpPr>
+            <a:spLocks noGrp="1"/>
+          </p:cNvSpPr>
+          <p:nvPr>
+            <p:ph type="title"/>
+          </p:nvPr>
+        </p:nvSpPr>
+        <p:spPr/>
+        <p:txBody>
+          <a:bodyPr/>
+          <a:lstStyle/>
+          <a:p>
+            <a:r>
+              <a:rPr lang="en-US" dirty="0"/>
+              <a:t>Reference</a:t>
+            </a:r>
+          </a:p>
+        </p:txBody>
+      </p:sp>
+      <p:sp>
+        <p:nvSpPr>
+          <p:cNvPr id="3" name="Content Placeholder 2">
+            <a:extLst>
+              <a:ext uri="{FF2B5EF4-FFF2-40B4-BE49-F238E27FC236}">
+                <a16:creationId xmlns:a16="http://schemas.microsoft.com/office/drawing/2014/main" id="{48079A7C-370C-5659-9897-A48444AF225C}"/>
+              </a:ext>
+            </a:extLst>
+          </p:cNvPr>
+          <p:cNvSpPr>
+            <a:spLocks noGrp="1"/>
+          </p:cNvSpPr>
+          <p:nvPr>
+            <p:ph idx="1"/>
+          </p:nvPr>
+        </p:nvSpPr>
+        <p:spPr/>
+        <p:txBody>
+          <a:bodyPr/>
+          <a:lstStyle/>
+          <a:p>
+            <a:r>
+              <a:rPr lang="en-US" dirty="0"/>
+              <a:t>Stephen D. </a:t>
+            </a:r>
+            <a:r>
+              <a:rPr lang="en-US" dirty="0" err="1"/>
+              <a:t>Slifer</a:t>
+            </a:r>
+            <a:r>
+              <a:rPr lang="en-US" dirty="0"/>
+              <a:t> and W. Stansbury Carnes, By the numbers, </a:t>
+            </a:r>
+            <a:r>
+              <a:rPr lang="en-US" dirty="0">
+                <a:hlinkClick r:id="rId2"/>
+              </a:rPr>
+              <a:t>A survival guide to economic indicators</a:t>
+            </a:r>
+            <a:r>
+              <a:rPr lang="en-US" dirty="0"/>
+              <a:t>. International Financial Press, 1995</a:t>
+            </a:r>
+          </a:p>
+        </p:txBody>
+      </p:sp>
+      <p:sp>
+        <p:nvSpPr>
+          <p:cNvPr id="4" name="Slide Number Placeholder 3">
+            <a:extLst>
+              <a:ext uri="{FF2B5EF4-FFF2-40B4-BE49-F238E27FC236}">
+                <a16:creationId xmlns:a16="http://schemas.microsoft.com/office/drawing/2014/main" id="{42BF0406-4F19-A127-0124-02C6F7567A60}"/>
+              </a:ext>
+            </a:extLst>
+          </p:cNvPr>
+          <p:cNvSpPr>
+            <a:spLocks noGrp="1"/>
+          </p:cNvSpPr>
+          <p:nvPr>
+            <p:ph type="sldNum" sz="quarter" idx="12"/>
+          </p:nvPr>
+        </p:nvSpPr>
+        <p:spPr/>
+        <p:txBody>
+          <a:bodyPr/>
+          <a:lstStyle/>
+          <a:p>
+            <a:fld id="{92AF051A-FF74-2247-B065-E58DA1926FE1}" type="slidenum">
+              <a:rPr lang="en-US" smtClean="0"/>
+              <a:t>42</a:t>
+            </a:fld>
+            <a:endParaRPr lang="en-US"/>
+          </a:p>
+        </p:txBody>
+      </p:sp>
+    </p:spTree>
+    <p:extLst>
+      <p:ext uri="{BB962C8B-B14F-4D97-AF65-F5344CB8AC3E}">
+        <p14:creationId xmlns:p14="http://schemas.microsoft.com/office/powerpoint/2010/main" val="3159560760"/>
       </p:ext>
     </p:extLst>
   </p:cSld>
@@ -17206,7 +23073,7 @@
             <p:ph idx="1"/>
             <p:extLst>
               <p:ext uri="{D42A27DB-BD31-4B8C-83A1-F6EECF244321}">
-                <p14:modId xmlns:p14="http://schemas.microsoft.com/office/powerpoint/2010/main" val="731724052"/>
+                <p14:modId xmlns:p14="http://schemas.microsoft.com/office/powerpoint/2010/main" val="116340339"/>
               </p:ext>
             </p:extLst>
           </p:nvPr>
@@ -17950,7 +23817,7 @@
                     <a:p>
                       <a:r>
                         <a:rPr lang="en-US" sz="1000" dirty="0"/>
-                        <a:t>Personal Income/Consumption Spending </a:t>
+                        <a:t>Personal Income/Consumption Spending (PCE)</a:t>
                       </a:r>
                     </a:p>
                   </a:txBody>
@@ -18456,6 +24323,35 @@
           </a:graphicData>
         </a:graphic>
       </p:graphicFrame>
+      <p:sp>
+        <p:nvSpPr>
+          <p:cNvPr id="5" name="Slide Number Placeholder 4">
+            <a:extLst>
+              <a:ext uri="{FF2B5EF4-FFF2-40B4-BE49-F238E27FC236}">
+                <a16:creationId xmlns:a16="http://schemas.microsoft.com/office/drawing/2014/main" id="{DD359928-2E1E-2429-A779-E55C742345D2}"/>
+              </a:ext>
+            </a:extLst>
+          </p:cNvPr>
+          <p:cNvSpPr>
+            <a:spLocks noGrp="1"/>
+          </p:cNvSpPr>
+          <p:nvPr>
+            <p:ph type="sldNum" sz="quarter" idx="12"/>
+          </p:nvPr>
+        </p:nvSpPr>
+        <p:spPr/>
+        <p:txBody>
+          <a:bodyPr/>
+          <a:lstStyle/>
+          <a:p>
+            <a:fld id="{92AF051A-FF74-2247-B065-E58DA1926FE1}" type="slidenum">
+              <a:rPr lang="en-US" smtClean="0"/>
+              <a:t>5</a:t>
+            </a:fld>
+            <a:endParaRPr lang="en-US"/>
+          </a:p>
+        </p:txBody>
+      </p:sp>
     </p:spTree>
     <p:extLst>
       <p:ext uri="{BB962C8B-B14F-4D97-AF65-F5344CB8AC3E}">
@@ -18910,6 +24806,35 @@
           </a:graphicData>
         </a:graphic>
       </p:graphicFrame>
+      <p:sp>
+        <p:nvSpPr>
+          <p:cNvPr id="5" name="Slide Number Placeholder 4">
+            <a:extLst>
+              <a:ext uri="{FF2B5EF4-FFF2-40B4-BE49-F238E27FC236}">
+                <a16:creationId xmlns:a16="http://schemas.microsoft.com/office/drawing/2014/main" id="{FA854B61-0BB3-5055-BC9C-AC02C49EBEB1}"/>
+              </a:ext>
+            </a:extLst>
+          </p:cNvPr>
+          <p:cNvSpPr>
+            <a:spLocks noGrp="1"/>
+          </p:cNvSpPr>
+          <p:nvPr>
+            <p:ph type="sldNum" sz="quarter" idx="12"/>
+          </p:nvPr>
+        </p:nvSpPr>
+        <p:spPr/>
+        <p:txBody>
+          <a:bodyPr/>
+          <a:lstStyle/>
+          <a:p>
+            <a:fld id="{92AF051A-FF74-2247-B065-E58DA1926FE1}" type="slidenum">
+              <a:rPr lang="en-US" smtClean="0"/>
+              <a:t>6</a:t>
+            </a:fld>
+            <a:endParaRPr lang="en-US"/>
+          </a:p>
+        </p:txBody>
+      </p:sp>
     </p:spTree>
     <p:extLst>
       <p:ext uri="{BB962C8B-B14F-4D97-AF65-F5344CB8AC3E}">
@@ -18945,7 +24870,7 @@
           <p:cNvPr id="2" name="Title 1">
             <a:extLst>
               <a:ext uri="{FF2B5EF4-FFF2-40B4-BE49-F238E27FC236}">
-                <a16:creationId xmlns:a16="http://schemas.microsoft.com/office/drawing/2014/main" id="{CDFA9295-CB6D-0C0D-AD30-ED0131EF5AC6}"/>
+                <a16:creationId xmlns:a16="http://schemas.microsoft.com/office/drawing/2014/main" id="{CD53E847-70ED-884A-C653-D94E7F4EA4A6}"/>
               </a:ext>
             </a:extLst>
           </p:cNvPr>
@@ -18956,9 +24881,226 @@
             <p:ph type="title"/>
           </p:nvPr>
         </p:nvSpPr>
+        <p:spPr>
+          <a:xfrm>
+            <a:off x="73702" y="0"/>
+            <a:ext cx="10515600" cy="699177"/>
+          </a:xfrm>
+        </p:spPr>
+        <p:txBody>
+          <a:bodyPr/>
+          <a:lstStyle/>
+          <a:p>
+            <a:r>
+              <a:rPr lang="en-US" dirty="0"/>
+              <a:t>Indicator quality</a:t>
+            </a:r>
+          </a:p>
+        </p:txBody>
+      </p:sp>
+      <p:sp>
+        <p:nvSpPr>
+          <p:cNvPr id="3" name="Content Placeholder 2">
+            <a:extLst>
+              <a:ext uri="{FF2B5EF4-FFF2-40B4-BE49-F238E27FC236}">
+                <a16:creationId xmlns:a16="http://schemas.microsoft.com/office/drawing/2014/main" id="{BF3337BB-F564-B52C-E53A-D0CD753D7C24}"/>
+              </a:ext>
+            </a:extLst>
+          </p:cNvPr>
+          <p:cNvSpPr>
+            <a:spLocks noGrp="1"/>
+          </p:cNvSpPr>
+          <p:nvPr>
+            <p:ph idx="1"/>
+          </p:nvPr>
+        </p:nvSpPr>
+        <p:spPr>
+          <a:xfrm>
+            <a:off x="575873" y="761323"/>
+            <a:ext cx="10515600" cy="5497070"/>
+          </a:xfrm>
+        </p:spPr>
+        <p:txBody>
+          <a:bodyPr>
+            <a:noAutofit/>
+          </a:bodyPr>
+          <a:lstStyle/>
+          <a:p>
+            <a:pPr marL="0" indent="0">
+              <a:buNone/>
+            </a:pPr>
+            <a:r>
+              <a:rPr lang="en-US" sz="1400" dirty="0"/>
+              <a:t>Several factors determine the quality of an economic indicator:</a:t>
+            </a:r>
+          </a:p>
+          <a:p>
+            <a:r>
+              <a:rPr lang="en-US" sz="1400" b="1" u="sng" dirty="0"/>
+              <a:t>Accuracy</a:t>
+            </a:r>
+            <a:r>
+              <a:rPr lang="en-US" sz="1400" dirty="0"/>
+              <a:t>: The indicator should accurately reflect the economic phenomenon it aims to measure. This involves using reliable data sources and appropriate methodologies for data collection and calculation.</a:t>
+            </a:r>
+          </a:p>
+          <a:p>
+            <a:r>
+              <a:rPr lang="en-US" sz="1400" b="1" u="sng" dirty="0"/>
+              <a:t>Relevance</a:t>
+            </a:r>
+            <a:r>
+              <a:rPr lang="en-US" sz="1400" dirty="0"/>
+              <a:t>: The indicator should be relevant to the aspect of the economy being analyzed. It should provide meaningful insights into economic activity or trends within a specific sector or the economy as a whole.</a:t>
+            </a:r>
+          </a:p>
+          <a:p>
+            <a:r>
+              <a:rPr lang="en-US" sz="1400" b="1" u="sng" dirty="0"/>
+              <a:t>Timeliness</a:t>
+            </a:r>
+            <a:r>
+              <a:rPr lang="en-US" sz="1400" dirty="0"/>
+              <a:t>: Timeliness refers to how quickly the indicator is released after the period it measures. Timely indicators are crucial for policymakers, investors, and analysts to make informed decisions. High-frequency data can provide more up-to-date information but may sacrifice depth or accuracy.</a:t>
+            </a:r>
+          </a:p>
+          <a:p>
+            <a:r>
+              <a:rPr lang="en-US" sz="1400" b="1" u="sng" dirty="0"/>
+              <a:t>Frequency</a:t>
+            </a:r>
+            <a:r>
+              <a:rPr lang="en-US" sz="1400" dirty="0"/>
+              <a:t>: Frequency refers to how often the data is collected and reported. Higher frequency data allows for more granular analysis and can capture short-term fluctuations in economic activity. However, higher frequency data may also be more volatile and subject to revisions.</a:t>
+            </a:r>
+          </a:p>
+          <a:p>
+            <a:r>
+              <a:rPr lang="en-US" sz="1400" b="1" u="sng" dirty="0"/>
+              <a:t>Volatility</a:t>
+            </a:r>
+            <a:r>
+              <a:rPr lang="en-US" sz="1400" dirty="0"/>
+              <a:t>: Volatility measures the degree of variation or fluctuation in the indicator over time. While some volatility is expected in economic indicators due to the dynamic nature of the economy, excessive volatility can make it difficult to interpret the underlying trends or patterns accurately.</a:t>
+            </a:r>
+          </a:p>
+          <a:p>
+            <a:r>
+              <a:rPr lang="en-US" sz="1400" b="1" u="sng" dirty="0"/>
+              <a:t>Lead/Lag</a:t>
+            </a:r>
+            <a:r>
+              <a:rPr lang="en-US" sz="1400" dirty="0"/>
+              <a:t>: Lead/lag refers to whether the indicator precedes, coincides with, or lags behind changes in the economy. Leading indicators provide insights into future economic trends and are valuable for forecasting. Coincident indicators move in tandem with overall economic activity and provide a real-time snapshot of the economy. Lagging indicators confirm trends that have already occurred and are useful for assessing the timing and magnitude of economic shifts.</a:t>
+            </a:r>
+          </a:p>
+          <a:p>
+            <a:r>
+              <a:rPr lang="en-US" sz="1400" b="1" u="sng" dirty="0"/>
+              <a:t>Consistency</a:t>
+            </a:r>
+            <a:r>
+              <a:rPr lang="en-US" sz="1400" dirty="0"/>
+              <a:t>: Consistency refers to the stability and reliability of the indicator's behavior over time. Consistent indicators are easier to interpret and incorporate into economic models or analyses.</a:t>
+            </a:r>
+          </a:p>
+          <a:p>
+            <a:r>
+              <a:rPr lang="en-US" sz="1400" b="1" u="sng" dirty="0"/>
+              <a:t>Accessibility</a:t>
+            </a:r>
+            <a:r>
+              <a:rPr lang="en-US" sz="1400" dirty="0"/>
+              <a:t>: The indicator should be readily available and accessible to policymakers, analysts, and the general public. Accessibility ensures transparency and facilitates widespread use and understanding of the indicator's implications.</a:t>
+            </a:r>
+          </a:p>
+        </p:txBody>
+      </p:sp>
+      <p:sp>
+        <p:nvSpPr>
+          <p:cNvPr id="4" name="Slide Number Placeholder 3">
+            <a:extLst>
+              <a:ext uri="{FF2B5EF4-FFF2-40B4-BE49-F238E27FC236}">
+                <a16:creationId xmlns:a16="http://schemas.microsoft.com/office/drawing/2014/main" id="{39DB4315-733C-6F98-97BF-E7E47E89C6C6}"/>
+              </a:ext>
+            </a:extLst>
+          </p:cNvPr>
+          <p:cNvSpPr>
+            <a:spLocks noGrp="1"/>
+          </p:cNvSpPr>
+          <p:nvPr>
+            <p:ph type="sldNum" sz="quarter" idx="12"/>
+          </p:nvPr>
+        </p:nvSpPr>
         <p:spPr/>
         <p:txBody>
           <a:bodyPr/>
+          <a:lstStyle/>
+          <a:p>
+            <a:fld id="{92AF051A-FF74-2247-B065-E58DA1926FE1}" type="slidenum">
+              <a:rPr lang="en-US" smtClean="0"/>
+              <a:t>7</a:t>
+            </a:fld>
+            <a:endParaRPr lang="en-US"/>
+          </a:p>
+        </p:txBody>
+      </p:sp>
+    </p:spTree>
+    <p:extLst>
+      <p:ext uri="{BB962C8B-B14F-4D97-AF65-F5344CB8AC3E}">
+        <p14:creationId xmlns:p14="http://schemas.microsoft.com/office/powerpoint/2010/main" val="405157009"/>
+      </p:ext>
+    </p:extLst>
+  </p:cSld>
+  <p:clrMapOvr>
+    <a:masterClrMapping/>
+  </p:clrMapOvr>
+</p:sld>
+</file>
+
+<file path=ppt/slides/slide8.xml><?xml version="1.0" encoding="utf-8"?>
+<p:sld xmlns:a="http://schemas.openxmlformats.org/drawingml/2006/main" xmlns:r="http://schemas.openxmlformats.org/officeDocument/2006/relationships" xmlns:p="http://schemas.openxmlformats.org/presentationml/2006/main">
+  <p:cSld>
+    <p:spTree>
+      <p:nvGrpSpPr>
+        <p:cNvPr id="1" name=""/>
+        <p:cNvGrpSpPr/>
+        <p:nvPr/>
+      </p:nvGrpSpPr>
+      <p:grpSpPr>
+        <a:xfrm>
+          <a:off x="0" y="0"/>
+          <a:ext cx="0" cy="0"/>
+          <a:chOff x="0" y="0"/>
+          <a:chExt cx="0" cy="0"/>
+        </a:xfrm>
+      </p:grpSpPr>
+      <p:sp>
+        <p:nvSpPr>
+          <p:cNvPr id="2" name="Title 1">
+            <a:extLst>
+              <a:ext uri="{FF2B5EF4-FFF2-40B4-BE49-F238E27FC236}">
+                <a16:creationId xmlns:a16="http://schemas.microsoft.com/office/drawing/2014/main" id="{CDFA9295-CB6D-0C0D-AD30-ED0131EF5AC6}"/>
+              </a:ext>
+            </a:extLst>
+          </p:cNvPr>
+          <p:cNvSpPr>
+            <a:spLocks noGrp="1"/>
+          </p:cNvSpPr>
+          <p:nvPr>
+            <p:ph type="title"/>
+          </p:nvPr>
+        </p:nvSpPr>
+        <p:spPr>
+          <a:xfrm>
+            <a:off x="238594" y="167052"/>
+            <a:ext cx="10515600" cy="669196"/>
+          </a:xfrm>
+        </p:spPr>
+        <p:txBody>
+          <a:bodyPr>
+            <a:normAutofit fontScale="90000"/>
+          </a:bodyPr>
           <a:lstStyle/>
           <a:p>
             <a:r>
@@ -18984,13 +25126,13 @@
             <p:ph idx="1"/>
             <p:extLst>
               <p:ext uri="{D42A27DB-BD31-4B8C-83A1-F6EECF244321}">
-                <p14:modId xmlns:p14="http://schemas.microsoft.com/office/powerpoint/2010/main" val="3839888146"/>
+                <p14:modId xmlns:p14="http://schemas.microsoft.com/office/powerpoint/2010/main" val="1571888311"/>
               </p:ext>
             </p:extLst>
           </p:nvPr>
         </p:nvGraphicFramePr>
         <p:xfrm>
-          <a:off x="2523000" y="1962425"/>
+          <a:off x="5370695" y="906905"/>
           <a:ext cx="6572250" cy="1752600"/>
         </p:xfrm>
         <a:graphic>
@@ -19052,7 +25194,7 @@
                     <a:bodyPr/>
                     <a:lstStyle/>
                     <a:p>
-                      <a:endParaRPr lang="en-US"/>
+                      <a:endParaRPr lang="en-US" dirty="0"/>
                     </a:p>
                   </a:txBody>
                   <a:tcPr/>
@@ -19347,6 +25489,600 @@
           </a:graphicData>
         </a:graphic>
       </p:graphicFrame>
+      <p:sp>
+        <p:nvSpPr>
+          <p:cNvPr id="5" name="Slide Number Placeholder 4">
+            <a:extLst>
+              <a:ext uri="{FF2B5EF4-FFF2-40B4-BE49-F238E27FC236}">
+                <a16:creationId xmlns:a16="http://schemas.microsoft.com/office/drawing/2014/main" id="{5AB5EC43-1ED0-AE5F-4488-AD5635701DDA}"/>
+              </a:ext>
+            </a:extLst>
+          </p:cNvPr>
+          <p:cNvSpPr>
+            <a:spLocks noGrp="1"/>
+          </p:cNvSpPr>
+          <p:nvPr>
+            <p:ph type="sldNum" sz="quarter" idx="12"/>
+          </p:nvPr>
+        </p:nvSpPr>
+        <p:spPr/>
+        <p:txBody>
+          <a:bodyPr/>
+          <a:lstStyle/>
+          <a:p>
+            <a:fld id="{92AF051A-FF74-2247-B065-E58DA1926FE1}" type="slidenum">
+              <a:rPr lang="en-US" smtClean="0"/>
+              <a:t>8</a:t>
+            </a:fld>
+            <a:endParaRPr lang="en-US"/>
+          </a:p>
+        </p:txBody>
+      </p:sp>
+      <p:sp>
+        <p:nvSpPr>
+          <p:cNvPr id="6" name="Content Placeholder 2">
+            <a:extLst>
+              <a:ext uri="{FF2B5EF4-FFF2-40B4-BE49-F238E27FC236}">
+                <a16:creationId xmlns:a16="http://schemas.microsoft.com/office/drawing/2014/main" id="{7D3B4100-7663-0510-3ABA-91683521F9C7}"/>
+              </a:ext>
+            </a:extLst>
+          </p:cNvPr>
+          <p:cNvSpPr txBox="1">
+            <a:spLocks/>
+          </p:cNvSpPr>
+          <p:nvPr/>
+        </p:nvSpPr>
+        <p:spPr>
+          <a:xfrm>
+            <a:off x="216815" y="906905"/>
+            <a:ext cx="4894831" cy="5270058"/>
+          </a:xfrm>
+          <a:prstGeom prst="rect">
+            <a:avLst/>
+          </a:prstGeom>
+        </p:spPr>
+        <p:txBody>
+          <a:bodyPr vert="horz" lIns="91440" tIns="45720" rIns="91440" bIns="45720" rtlCol="0">
+            <a:normAutofit fontScale="92500" lnSpcReduction="10000"/>
+          </a:bodyPr>
+          <a:lstStyle>
+            <a:lvl1pPr marL="228600" indent="-228600" algn="l" defTabSz="914400" rtl="0" eaLnBrk="1" latinLnBrk="0" hangingPunct="1">
+              <a:lnSpc>
+                <a:spcPct val="90000"/>
+              </a:lnSpc>
+              <a:spcBef>
+                <a:spcPts val="1000"/>
+              </a:spcBef>
+              <a:buFont typeface="Arial" panose="020B0604020202020204" pitchFamily="34" charset="0"/>
+              <a:buChar char="•"/>
+              <a:defRPr sz="2800" kern="1200">
+                <a:solidFill>
+                  <a:schemeClr val="tx1"/>
+                </a:solidFill>
+                <a:latin typeface="+mn-lt"/>
+                <a:ea typeface="+mn-ea"/>
+                <a:cs typeface="+mn-cs"/>
+              </a:defRPr>
+            </a:lvl1pPr>
+            <a:lvl2pPr marL="685800" indent="-228600" algn="l" defTabSz="914400" rtl="0" eaLnBrk="1" latinLnBrk="0" hangingPunct="1">
+              <a:lnSpc>
+                <a:spcPct val="90000"/>
+              </a:lnSpc>
+              <a:spcBef>
+                <a:spcPts val="500"/>
+              </a:spcBef>
+              <a:buFont typeface="Arial" panose="020B0604020202020204" pitchFamily="34" charset="0"/>
+              <a:buChar char="•"/>
+              <a:defRPr sz="2400" kern="1200">
+                <a:solidFill>
+                  <a:schemeClr val="tx1"/>
+                </a:solidFill>
+                <a:latin typeface="+mn-lt"/>
+                <a:ea typeface="+mn-ea"/>
+                <a:cs typeface="+mn-cs"/>
+              </a:defRPr>
+            </a:lvl2pPr>
+            <a:lvl3pPr marL="1143000" indent="-228600" algn="l" defTabSz="914400" rtl="0" eaLnBrk="1" latinLnBrk="0" hangingPunct="1">
+              <a:lnSpc>
+                <a:spcPct val="90000"/>
+              </a:lnSpc>
+              <a:spcBef>
+                <a:spcPts val="500"/>
+              </a:spcBef>
+              <a:buFont typeface="Arial" panose="020B0604020202020204" pitchFamily="34" charset="0"/>
+              <a:buChar char="•"/>
+              <a:defRPr sz="2000" kern="1200">
+                <a:solidFill>
+                  <a:schemeClr val="tx1"/>
+                </a:solidFill>
+                <a:latin typeface="+mn-lt"/>
+                <a:ea typeface="+mn-ea"/>
+                <a:cs typeface="+mn-cs"/>
+              </a:defRPr>
+            </a:lvl3pPr>
+            <a:lvl4pPr marL="1600200" indent="-228600" algn="l" defTabSz="914400" rtl="0" eaLnBrk="1" latinLnBrk="0" hangingPunct="1">
+              <a:lnSpc>
+                <a:spcPct val="90000"/>
+              </a:lnSpc>
+              <a:spcBef>
+                <a:spcPts val="500"/>
+              </a:spcBef>
+              <a:buFont typeface="Arial" panose="020B0604020202020204" pitchFamily="34" charset="0"/>
+              <a:buChar char="•"/>
+              <a:defRPr sz="1800" kern="1200">
+                <a:solidFill>
+                  <a:schemeClr val="tx1"/>
+                </a:solidFill>
+                <a:latin typeface="+mn-lt"/>
+                <a:ea typeface="+mn-ea"/>
+                <a:cs typeface="+mn-cs"/>
+              </a:defRPr>
+            </a:lvl4pPr>
+            <a:lvl5pPr marL="2057400" indent="-228600" algn="l" defTabSz="914400" rtl="0" eaLnBrk="1" latinLnBrk="0" hangingPunct="1">
+              <a:lnSpc>
+                <a:spcPct val="90000"/>
+              </a:lnSpc>
+              <a:spcBef>
+                <a:spcPts val="500"/>
+              </a:spcBef>
+              <a:buFont typeface="Arial" panose="020B0604020202020204" pitchFamily="34" charset="0"/>
+              <a:buChar char="•"/>
+              <a:defRPr sz="1800" kern="1200">
+                <a:solidFill>
+                  <a:schemeClr val="tx1"/>
+                </a:solidFill>
+                <a:latin typeface="+mn-lt"/>
+                <a:ea typeface="+mn-ea"/>
+                <a:cs typeface="+mn-cs"/>
+              </a:defRPr>
+            </a:lvl5pPr>
+            <a:lvl6pPr marL="2514600" indent="-228600" algn="l" defTabSz="914400" rtl="0" eaLnBrk="1" latinLnBrk="0" hangingPunct="1">
+              <a:lnSpc>
+                <a:spcPct val="90000"/>
+              </a:lnSpc>
+              <a:spcBef>
+                <a:spcPts val="500"/>
+              </a:spcBef>
+              <a:buFont typeface="Arial" panose="020B0604020202020204" pitchFamily="34" charset="0"/>
+              <a:buChar char="•"/>
+              <a:defRPr sz="1800" kern="1200">
+                <a:solidFill>
+                  <a:schemeClr val="tx1"/>
+                </a:solidFill>
+                <a:latin typeface="+mn-lt"/>
+                <a:ea typeface="+mn-ea"/>
+                <a:cs typeface="+mn-cs"/>
+              </a:defRPr>
+            </a:lvl6pPr>
+            <a:lvl7pPr marL="2971800" indent="-228600" algn="l" defTabSz="914400" rtl="0" eaLnBrk="1" latinLnBrk="0" hangingPunct="1">
+              <a:lnSpc>
+                <a:spcPct val="90000"/>
+              </a:lnSpc>
+              <a:spcBef>
+                <a:spcPts val="500"/>
+              </a:spcBef>
+              <a:buFont typeface="Arial" panose="020B0604020202020204" pitchFamily="34" charset="0"/>
+              <a:buChar char="•"/>
+              <a:defRPr sz="1800" kern="1200">
+                <a:solidFill>
+                  <a:schemeClr val="tx1"/>
+                </a:solidFill>
+                <a:latin typeface="+mn-lt"/>
+                <a:ea typeface="+mn-ea"/>
+                <a:cs typeface="+mn-cs"/>
+              </a:defRPr>
+            </a:lvl7pPr>
+            <a:lvl8pPr marL="3429000" indent="-228600" algn="l" defTabSz="914400" rtl="0" eaLnBrk="1" latinLnBrk="0" hangingPunct="1">
+              <a:lnSpc>
+                <a:spcPct val="90000"/>
+              </a:lnSpc>
+              <a:spcBef>
+                <a:spcPts val="500"/>
+              </a:spcBef>
+              <a:buFont typeface="Arial" panose="020B0604020202020204" pitchFamily="34" charset="0"/>
+              <a:buChar char="•"/>
+              <a:defRPr sz="1800" kern="1200">
+                <a:solidFill>
+                  <a:schemeClr val="tx1"/>
+                </a:solidFill>
+                <a:latin typeface="+mn-lt"/>
+                <a:ea typeface="+mn-ea"/>
+                <a:cs typeface="+mn-cs"/>
+              </a:defRPr>
+            </a:lvl8pPr>
+            <a:lvl9pPr marL="3886200" indent="-228600" algn="l" defTabSz="914400" rtl="0" eaLnBrk="1" latinLnBrk="0" hangingPunct="1">
+              <a:lnSpc>
+                <a:spcPct val="90000"/>
+              </a:lnSpc>
+              <a:spcBef>
+                <a:spcPts val="500"/>
+              </a:spcBef>
+              <a:buFont typeface="Arial" panose="020B0604020202020204" pitchFamily="34" charset="0"/>
+              <a:buChar char="•"/>
+              <a:defRPr sz="1800" kern="1200">
+                <a:solidFill>
+                  <a:schemeClr val="tx1"/>
+                </a:solidFill>
+                <a:latin typeface="+mn-lt"/>
+                <a:ea typeface="+mn-ea"/>
+                <a:cs typeface="+mn-cs"/>
+              </a:defRPr>
+            </a:lvl9pPr>
+          </a:lstStyle>
+          <a:p>
+            <a:r>
+              <a:rPr lang="en-US" sz="1800" dirty="0"/>
+              <a:t>GDP = C+I+G+X-M</a:t>
+            </a:r>
+          </a:p>
+          <a:p>
+            <a:r>
+              <a:rPr lang="en-US" sz="1800" dirty="0"/>
+              <a:t>C: Consumption</a:t>
+            </a:r>
+          </a:p>
+          <a:p>
+            <a:pPr lvl="1"/>
+            <a:r>
+              <a:rPr lang="en-US" sz="1400" dirty="0"/>
+              <a:t>Durable goods: items expected to last three years or more (automobiles, furniture , golf clubs </a:t>
+            </a:r>
+            <a:r>
+              <a:rPr lang="en-US" sz="1400" dirty="0" err="1"/>
+              <a:t>etc</a:t>
+            </a:r>
+            <a:r>
+              <a:rPr lang="en-US" sz="1400" dirty="0"/>
+              <a:t>)</a:t>
+            </a:r>
+          </a:p>
+          <a:p>
+            <a:pPr lvl="1"/>
+            <a:r>
+              <a:rPr lang="en-US" sz="1400" dirty="0"/>
+              <a:t>Nondurable goods: which are expected to last less than three years (food, clothing, and aspirin)</a:t>
+            </a:r>
+          </a:p>
+          <a:p>
+            <a:pPr lvl="1"/>
+            <a:r>
+              <a:rPr lang="en-US" sz="1400" dirty="0"/>
+              <a:t>Services: medical care, haircuts, and legal fees</a:t>
+            </a:r>
+          </a:p>
+          <a:p>
+            <a:r>
+              <a:rPr lang="en-US" sz="1800" dirty="0"/>
+              <a:t>I: investment </a:t>
+            </a:r>
+          </a:p>
+          <a:p>
+            <a:pPr lvl="1"/>
+            <a:r>
+              <a:rPr lang="en-US" sz="1400" dirty="0"/>
+              <a:t>Nonresidential : includes spending on plant and equipment (auto factories, computers, and oil rigs)</a:t>
+            </a:r>
+          </a:p>
+          <a:p>
+            <a:pPr lvl="1"/>
+            <a:r>
+              <a:rPr lang="en-US" sz="1400" dirty="0"/>
+              <a:t>Residential : single family and multi-family home building</a:t>
+            </a:r>
+          </a:p>
+          <a:p>
+            <a:pPr lvl="1"/>
+            <a:r>
+              <a:rPr lang="en-US" sz="1400" dirty="0"/>
+              <a:t>Business inventories </a:t>
+            </a:r>
+          </a:p>
+          <a:p>
+            <a:r>
+              <a:rPr lang="en-US" sz="1800" dirty="0"/>
+              <a:t>G: Government spending</a:t>
+            </a:r>
+          </a:p>
+          <a:p>
+            <a:pPr lvl="1"/>
+            <a:r>
+              <a:rPr lang="en-US" sz="1400" dirty="0"/>
+              <a:t>Entitlement (social security, </a:t>
+            </a:r>
+            <a:r>
+              <a:rPr lang="en-US" sz="1400" dirty="0" err="1"/>
+              <a:t>medicare</a:t>
+            </a:r>
+            <a:r>
+              <a:rPr lang="en-US" sz="1400" dirty="0"/>
+              <a:t>, and veterans benefits)</a:t>
+            </a:r>
+          </a:p>
+          <a:p>
+            <a:pPr lvl="1"/>
+            <a:r>
+              <a:rPr lang="en-US" sz="1400" dirty="0"/>
+              <a:t>defense (aircraft carriers, bombs, and tanks)</a:t>
+            </a:r>
+          </a:p>
+          <a:p>
+            <a:pPr lvl="1"/>
+            <a:r>
+              <a:rPr lang="en-US" sz="1400" dirty="0"/>
+              <a:t>Discretionary spending (NASA, the Park service, the IRS, and the FBI)</a:t>
+            </a:r>
+          </a:p>
+          <a:p>
+            <a:pPr lvl="1"/>
+            <a:r>
+              <a:rPr lang="en-US" sz="1400" dirty="0"/>
+              <a:t>Interest payments</a:t>
+            </a:r>
+          </a:p>
+          <a:p>
+            <a:r>
+              <a:rPr lang="en-US" sz="1800" dirty="0"/>
+              <a:t>X: exports </a:t>
+            </a:r>
+          </a:p>
+          <a:p>
+            <a:pPr lvl="1"/>
+            <a:endParaRPr lang="en-US" sz="1400" dirty="0"/>
+          </a:p>
+          <a:p>
+            <a:r>
+              <a:rPr lang="en-US" sz="1800" dirty="0"/>
+              <a:t>M: Imports </a:t>
+            </a:r>
+          </a:p>
+        </p:txBody>
+      </p:sp>
+      <p:sp>
+        <p:nvSpPr>
+          <p:cNvPr id="7" name="Content Placeholder 2">
+            <a:extLst>
+              <a:ext uri="{FF2B5EF4-FFF2-40B4-BE49-F238E27FC236}">
+                <a16:creationId xmlns:a16="http://schemas.microsoft.com/office/drawing/2014/main" id="{4E8DE8EF-7C91-F311-EBD2-C49C52F8AF66}"/>
+              </a:ext>
+            </a:extLst>
+          </p:cNvPr>
+          <p:cNvSpPr txBox="1">
+            <a:spLocks/>
+          </p:cNvSpPr>
+          <p:nvPr/>
+        </p:nvSpPr>
+        <p:spPr>
+          <a:xfrm>
+            <a:off x="5338455" y="2865620"/>
+            <a:ext cx="6636730" cy="2950563"/>
+          </a:xfrm>
+          <a:prstGeom prst="rect">
+            <a:avLst/>
+          </a:prstGeom>
+        </p:spPr>
+        <p:txBody>
+          <a:bodyPr vert="horz" lIns="91440" tIns="45720" rIns="91440" bIns="45720" rtlCol="0">
+            <a:normAutofit/>
+          </a:bodyPr>
+          <a:lstStyle>
+            <a:lvl1pPr marL="228600" indent="-228600" algn="l" defTabSz="914400" rtl="0" eaLnBrk="1" latinLnBrk="0" hangingPunct="1">
+              <a:lnSpc>
+                <a:spcPct val="90000"/>
+              </a:lnSpc>
+              <a:spcBef>
+                <a:spcPts val="1000"/>
+              </a:spcBef>
+              <a:buFont typeface="Arial" panose="020B0604020202020204" pitchFamily="34" charset="0"/>
+              <a:buChar char="•"/>
+              <a:defRPr sz="2800" kern="1200">
+                <a:solidFill>
+                  <a:schemeClr val="tx1"/>
+                </a:solidFill>
+                <a:latin typeface="+mn-lt"/>
+                <a:ea typeface="+mn-ea"/>
+                <a:cs typeface="+mn-cs"/>
+              </a:defRPr>
+            </a:lvl1pPr>
+            <a:lvl2pPr marL="685800" indent="-228600" algn="l" defTabSz="914400" rtl="0" eaLnBrk="1" latinLnBrk="0" hangingPunct="1">
+              <a:lnSpc>
+                <a:spcPct val="90000"/>
+              </a:lnSpc>
+              <a:spcBef>
+                <a:spcPts val="500"/>
+              </a:spcBef>
+              <a:buFont typeface="Arial" panose="020B0604020202020204" pitchFamily="34" charset="0"/>
+              <a:buChar char="•"/>
+              <a:defRPr sz="2400" kern="1200">
+                <a:solidFill>
+                  <a:schemeClr val="tx1"/>
+                </a:solidFill>
+                <a:latin typeface="+mn-lt"/>
+                <a:ea typeface="+mn-ea"/>
+                <a:cs typeface="+mn-cs"/>
+              </a:defRPr>
+            </a:lvl2pPr>
+            <a:lvl3pPr marL="1143000" indent="-228600" algn="l" defTabSz="914400" rtl="0" eaLnBrk="1" latinLnBrk="0" hangingPunct="1">
+              <a:lnSpc>
+                <a:spcPct val="90000"/>
+              </a:lnSpc>
+              <a:spcBef>
+                <a:spcPts val="500"/>
+              </a:spcBef>
+              <a:buFont typeface="Arial" panose="020B0604020202020204" pitchFamily="34" charset="0"/>
+              <a:buChar char="•"/>
+              <a:defRPr sz="2000" kern="1200">
+                <a:solidFill>
+                  <a:schemeClr val="tx1"/>
+                </a:solidFill>
+                <a:latin typeface="+mn-lt"/>
+                <a:ea typeface="+mn-ea"/>
+                <a:cs typeface="+mn-cs"/>
+              </a:defRPr>
+            </a:lvl3pPr>
+            <a:lvl4pPr marL="1600200" indent="-228600" algn="l" defTabSz="914400" rtl="0" eaLnBrk="1" latinLnBrk="0" hangingPunct="1">
+              <a:lnSpc>
+                <a:spcPct val="90000"/>
+              </a:lnSpc>
+              <a:spcBef>
+                <a:spcPts val="500"/>
+              </a:spcBef>
+              <a:buFont typeface="Arial" panose="020B0604020202020204" pitchFamily="34" charset="0"/>
+              <a:buChar char="•"/>
+              <a:defRPr sz="1800" kern="1200">
+                <a:solidFill>
+                  <a:schemeClr val="tx1"/>
+                </a:solidFill>
+                <a:latin typeface="+mn-lt"/>
+                <a:ea typeface="+mn-ea"/>
+                <a:cs typeface="+mn-cs"/>
+              </a:defRPr>
+            </a:lvl4pPr>
+            <a:lvl5pPr marL="2057400" indent="-228600" algn="l" defTabSz="914400" rtl="0" eaLnBrk="1" latinLnBrk="0" hangingPunct="1">
+              <a:lnSpc>
+                <a:spcPct val="90000"/>
+              </a:lnSpc>
+              <a:spcBef>
+                <a:spcPts val="500"/>
+              </a:spcBef>
+              <a:buFont typeface="Arial" panose="020B0604020202020204" pitchFamily="34" charset="0"/>
+              <a:buChar char="•"/>
+              <a:defRPr sz="1800" kern="1200">
+                <a:solidFill>
+                  <a:schemeClr val="tx1"/>
+                </a:solidFill>
+                <a:latin typeface="+mn-lt"/>
+                <a:ea typeface="+mn-ea"/>
+                <a:cs typeface="+mn-cs"/>
+              </a:defRPr>
+            </a:lvl5pPr>
+            <a:lvl6pPr marL="2514600" indent="-228600" algn="l" defTabSz="914400" rtl="0" eaLnBrk="1" latinLnBrk="0" hangingPunct="1">
+              <a:lnSpc>
+                <a:spcPct val="90000"/>
+              </a:lnSpc>
+              <a:spcBef>
+                <a:spcPts val="500"/>
+              </a:spcBef>
+              <a:buFont typeface="Arial" panose="020B0604020202020204" pitchFamily="34" charset="0"/>
+              <a:buChar char="•"/>
+              <a:defRPr sz="1800" kern="1200">
+                <a:solidFill>
+                  <a:schemeClr val="tx1"/>
+                </a:solidFill>
+                <a:latin typeface="+mn-lt"/>
+                <a:ea typeface="+mn-ea"/>
+                <a:cs typeface="+mn-cs"/>
+              </a:defRPr>
+            </a:lvl6pPr>
+            <a:lvl7pPr marL="2971800" indent="-228600" algn="l" defTabSz="914400" rtl="0" eaLnBrk="1" latinLnBrk="0" hangingPunct="1">
+              <a:lnSpc>
+                <a:spcPct val="90000"/>
+              </a:lnSpc>
+              <a:spcBef>
+                <a:spcPts val="500"/>
+              </a:spcBef>
+              <a:buFont typeface="Arial" panose="020B0604020202020204" pitchFamily="34" charset="0"/>
+              <a:buChar char="•"/>
+              <a:defRPr sz="1800" kern="1200">
+                <a:solidFill>
+                  <a:schemeClr val="tx1"/>
+                </a:solidFill>
+                <a:latin typeface="+mn-lt"/>
+                <a:ea typeface="+mn-ea"/>
+                <a:cs typeface="+mn-cs"/>
+              </a:defRPr>
+            </a:lvl7pPr>
+            <a:lvl8pPr marL="3429000" indent="-228600" algn="l" defTabSz="914400" rtl="0" eaLnBrk="1" latinLnBrk="0" hangingPunct="1">
+              <a:lnSpc>
+                <a:spcPct val="90000"/>
+              </a:lnSpc>
+              <a:spcBef>
+                <a:spcPts val="500"/>
+              </a:spcBef>
+              <a:buFont typeface="Arial" panose="020B0604020202020204" pitchFamily="34" charset="0"/>
+              <a:buChar char="•"/>
+              <a:defRPr sz="1800" kern="1200">
+                <a:solidFill>
+                  <a:schemeClr val="tx1"/>
+                </a:solidFill>
+                <a:latin typeface="+mn-lt"/>
+                <a:ea typeface="+mn-ea"/>
+                <a:cs typeface="+mn-cs"/>
+              </a:defRPr>
+            </a:lvl8pPr>
+            <a:lvl9pPr marL="3886200" indent="-228600" algn="l" defTabSz="914400" rtl="0" eaLnBrk="1" latinLnBrk="0" hangingPunct="1">
+              <a:lnSpc>
+                <a:spcPct val="90000"/>
+              </a:lnSpc>
+              <a:spcBef>
+                <a:spcPts val="500"/>
+              </a:spcBef>
+              <a:buFont typeface="Arial" panose="020B0604020202020204" pitchFamily="34" charset="0"/>
+              <a:buChar char="•"/>
+              <a:defRPr sz="1800" kern="1200">
+                <a:solidFill>
+                  <a:schemeClr val="tx1"/>
+                </a:solidFill>
+                <a:latin typeface="+mn-lt"/>
+                <a:ea typeface="+mn-ea"/>
+                <a:cs typeface="+mn-cs"/>
+              </a:defRPr>
+            </a:lvl9pPr>
+          </a:lstStyle>
+          <a:p>
+            <a:r>
+              <a:rPr lang="en-US" sz="1800" dirty="0"/>
+              <a:t>Positive GDP growth</a:t>
+            </a:r>
+          </a:p>
+          <a:p>
+            <a:pPr lvl="1"/>
+            <a:r>
+              <a:rPr lang="en-US" sz="1400" dirty="0"/>
+              <a:t>Indicates a healthy economy which can lead to increased corporate profits, consumer spending and foreign investment</a:t>
+            </a:r>
+          </a:p>
+          <a:p>
+            <a:pPr lvl="1"/>
+            <a:r>
+              <a:rPr lang="en-US" sz="1400" dirty="0"/>
+              <a:t>Central banks may raise interest rates to prevent the economy from overheating and to control inflation</a:t>
+            </a:r>
+          </a:p>
+          <a:p>
+            <a:r>
+              <a:rPr lang="en-US" sz="1800" dirty="0"/>
+              <a:t>Negative GDP growth</a:t>
+            </a:r>
+          </a:p>
+          <a:p>
+            <a:pPr lvl="1"/>
+            <a:r>
+              <a:rPr lang="en-US" sz="1400" dirty="0"/>
+              <a:t>It can lead to a decrease in investors confidence in future profitability of companies and increases risk-aversion</a:t>
+            </a:r>
+          </a:p>
+          <a:p>
+            <a:pPr lvl="1"/>
+            <a:r>
+              <a:rPr lang="en-US" sz="1400" dirty="0"/>
+              <a:t>Central banks may lower interest rates to stimulate economic activity</a:t>
+            </a:r>
+          </a:p>
+          <a:p>
+            <a:pPr lvl="1"/>
+            <a:r>
+              <a:rPr lang="en-US" sz="1400" dirty="0"/>
+              <a:t>Foreign investors may seek assets in other currencies or regions with stronger economic prospects </a:t>
+            </a:r>
+          </a:p>
+          <a:p>
+            <a:pPr marL="457200" lvl="1" indent="0">
+              <a:buNone/>
+            </a:pPr>
+            <a:endParaRPr lang="en-US" sz="1000" dirty="0"/>
+          </a:p>
+        </p:txBody>
+      </p:sp>
     </p:spTree>
     <p:extLst>
       <p:ext uri="{BB962C8B-B14F-4D97-AF65-F5344CB8AC3E}">
@@ -19360,7 +26096,7 @@
 </p:sld>
 </file>
 
-<file path=ppt/slides/slide8.xml><?xml version="1.0" encoding="utf-8"?>
+<file path=ppt/slides/slide9.xml><?xml version="1.0" encoding="utf-8"?>
 <p:sld xmlns:a="http://schemas.openxmlformats.org/drawingml/2006/main" xmlns:r="http://schemas.openxmlformats.org/officeDocument/2006/relationships" xmlns:p="http://schemas.openxmlformats.org/presentationml/2006/main">
   <p:cSld>
     <p:spTree>
@@ -19393,7 +26129,12 @@
             <p:ph type="title"/>
           </p:nvPr>
         </p:nvSpPr>
-        <p:spPr/>
+        <p:spPr>
+          <a:xfrm>
+            <a:off x="156148" y="136525"/>
+            <a:ext cx="10515600" cy="931524"/>
+          </a:xfrm>
+        </p:spPr>
         <p:txBody>
           <a:bodyPr/>
           <a:lstStyle/>
@@ -19421,12 +26162,40 @@
             <p:ph idx="1"/>
           </p:nvPr>
         </p:nvSpPr>
-        <p:spPr/>
+        <p:spPr>
+          <a:xfrm>
+            <a:off x="351020" y="1137920"/>
+            <a:ext cx="4903032" cy="4351338"/>
+          </a:xfrm>
+        </p:spPr>
         <p:txBody>
           <a:bodyPr/>
           <a:lstStyle/>
           <a:p>
-            <a:endParaRPr lang="en-US"/>
+            <a:r>
+              <a:rPr lang="en-US" dirty="0"/>
+              <a:t>Initial unemployment claims are a measure of how many people are filing or unemployment benefits for the </a:t>
+            </a:r>
+            <a:r>
+              <a:rPr lang="en-US" u="sng" dirty="0"/>
+              <a:t>first time </a:t>
+            </a:r>
+            <a:r>
+              <a:rPr lang="en-US" dirty="0"/>
+              <a:t>in any given week</a:t>
+            </a:r>
+          </a:p>
+          <a:p>
+            <a:r>
+              <a:rPr lang="en-US" dirty="0"/>
+              <a:t>A leading indicator of economic activity </a:t>
+            </a:r>
+          </a:p>
+          <a:p>
+            <a:r>
+              <a:rPr lang="en-US" dirty="0"/>
+              <a:t>Weekly data is notoriously volatile </a:t>
+            </a:r>
           </a:p>
         </p:txBody>
       </p:sp>
@@ -19445,13 +26214,13 @@
           <p:nvPr>
             <p:extLst>
               <p:ext uri="{D42A27DB-BD31-4B8C-83A1-F6EECF244321}">
-                <p14:modId xmlns:p14="http://schemas.microsoft.com/office/powerpoint/2010/main" val="3363437355"/>
+                <p14:modId xmlns:p14="http://schemas.microsoft.com/office/powerpoint/2010/main" val="1352223888"/>
               </p:ext>
             </p:extLst>
           </p:nvPr>
         </p:nvGraphicFramePr>
         <p:xfrm>
-          <a:off x="2523000" y="1962425"/>
+          <a:off x="5413948" y="1137920"/>
           <a:ext cx="6572250" cy="2291080"/>
         </p:xfrm>
         <a:graphic>
@@ -19868,42 +26637,12 @@
           </a:graphicData>
         </a:graphic>
       </p:graphicFrame>
-    </p:spTree>
-    <p:extLst>
-      <p:ext uri="{BB962C8B-B14F-4D97-AF65-F5344CB8AC3E}">
-        <p14:creationId xmlns:p14="http://schemas.microsoft.com/office/powerpoint/2010/main" val="3821185144"/>
-      </p:ext>
-    </p:extLst>
-  </p:cSld>
-  <p:clrMapOvr>
-    <a:masterClrMapping/>
-  </p:clrMapOvr>
-</p:sld>
-</file>
-
-<file path=ppt/slides/slide9.xml><?xml version="1.0" encoding="utf-8"?>
-<p:sld xmlns:a="http://schemas.openxmlformats.org/drawingml/2006/main" xmlns:r="http://schemas.openxmlformats.org/officeDocument/2006/relationships" xmlns:p="http://schemas.openxmlformats.org/presentationml/2006/main">
-  <p:cSld>
-    <p:spTree>
-      <p:nvGrpSpPr>
-        <p:cNvPr id="1" name=""/>
-        <p:cNvGrpSpPr/>
-        <p:nvPr/>
-      </p:nvGrpSpPr>
-      <p:grpSpPr>
-        <a:xfrm>
-          <a:off x="0" y="0"/>
-          <a:ext cx="0" cy="0"/>
-          <a:chOff x="0" y="0"/>
-          <a:chExt cx="0" cy="0"/>
-        </a:xfrm>
-      </p:grpSpPr>
       <p:sp>
         <p:nvSpPr>
-          <p:cNvPr id="2" name="Title 1">
-            <a:extLst>
-              <a:ext uri="{FF2B5EF4-FFF2-40B4-BE49-F238E27FC236}">
-                <a16:creationId xmlns:a16="http://schemas.microsoft.com/office/drawing/2014/main" id="{FD4880B0-C3A1-F0FC-79E3-BD41C1B9954F}"/>
+          <p:cNvPr id="5" name="Slide Number Placeholder 4">
+            <a:extLst>
+              <a:ext uri="{FF2B5EF4-FFF2-40B4-BE49-F238E27FC236}">
+                <a16:creationId xmlns:a16="http://schemas.microsoft.com/office/drawing/2014/main" id="{61AC0D30-CE23-C677-01B9-1D2419FB11CD}"/>
               </a:ext>
             </a:extLst>
           </p:cNvPr>
@@ -19911,7 +26650,7 @@
             <a:spLocks noGrp="1"/>
           </p:cNvSpPr>
           <p:nvPr>
-            <p:ph type="title"/>
+            <p:ph type="sldNum" sz="quarter" idx="12"/>
           </p:nvPr>
         </p:nvSpPr>
         <p:spPr/>
@@ -19919,480 +26658,258 @@
           <a:bodyPr/>
           <a:lstStyle/>
           <a:p>
-            <a:r>
-              <a:rPr lang="en-US" dirty="0"/>
-              <a:t>Car/Truck Sales</a:t>
-            </a:r>
+            <a:fld id="{92AF051A-FF74-2247-B065-E58DA1926FE1}" type="slidenum">
+              <a:rPr lang="en-US" smtClean="0"/>
+              <a:t>9</a:t>
+            </a:fld>
+            <a:endParaRPr lang="en-US"/>
           </a:p>
         </p:txBody>
       </p:sp>
       <p:sp>
         <p:nvSpPr>
-          <p:cNvPr id="3" name="Content Placeholder 2">
-            <a:extLst>
-              <a:ext uri="{FF2B5EF4-FFF2-40B4-BE49-F238E27FC236}">
-                <a16:creationId xmlns:a16="http://schemas.microsoft.com/office/drawing/2014/main" id="{A981F4E4-53B3-5C2D-E480-92A9A769A4F6}"/>
-              </a:ext>
-            </a:extLst>
-          </p:cNvPr>
-          <p:cNvSpPr>
-            <a:spLocks noGrp="1"/>
+          <p:cNvPr id="6" name="Content Placeholder 2">
+            <a:extLst>
+              <a:ext uri="{FF2B5EF4-FFF2-40B4-BE49-F238E27FC236}">
+                <a16:creationId xmlns:a16="http://schemas.microsoft.com/office/drawing/2014/main" id="{AB9E531E-4D46-AAB3-3EF3-D2D777F8A498}"/>
+              </a:ext>
+            </a:extLst>
+          </p:cNvPr>
+          <p:cNvSpPr txBox="1">
+            <a:spLocks/>
           </p:cNvSpPr>
-          <p:nvPr>
-            <p:ph idx="1"/>
-          </p:nvPr>
+          <p:nvPr/>
         </p:nvSpPr>
-        <p:spPr/>
+        <p:spPr>
+          <a:xfrm>
+            <a:off x="5292235" y="3498871"/>
+            <a:ext cx="6636730" cy="2950563"/>
+          </a:xfrm>
+          <a:prstGeom prst="rect">
+            <a:avLst/>
+          </a:prstGeom>
+        </p:spPr>
         <p:txBody>
-          <a:bodyPr/>
-          <a:lstStyle/>
-          <a:p>
-            <a:endParaRPr lang="en-US" dirty="0"/>
+          <a:bodyPr vert="horz" lIns="91440" tIns="45720" rIns="91440" bIns="45720" rtlCol="0">
+            <a:normAutofit/>
+          </a:bodyPr>
+          <a:lstStyle>
+            <a:lvl1pPr marL="228600" indent="-228600" algn="l" defTabSz="914400" rtl="0" eaLnBrk="1" latinLnBrk="0" hangingPunct="1">
+              <a:lnSpc>
+                <a:spcPct val="90000"/>
+              </a:lnSpc>
+              <a:spcBef>
+                <a:spcPts val="1000"/>
+              </a:spcBef>
+              <a:buFont typeface="Arial" panose="020B0604020202020204" pitchFamily="34" charset="0"/>
+              <a:buChar char="•"/>
+              <a:defRPr sz="2800" kern="1200">
+                <a:solidFill>
+                  <a:schemeClr val="tx1"/>
+                </a:solidFill>
+                <a:latin typeface="+mn-lt"/>
+                <a:ea typeface="+mn-ea"/>
+                <a:cs typeface="+mn-cs"/>
+              </a:defRPr>
+            </a:lvl1pPr>
+            <a:lvl2pPr marL="685800" indent="-228600" algn="l" defTabSz="914400" rtl="0" eaLnBrk="1" latinLnBrk="0" hangingPunct="1">
+              <a:lnSpc>
+                <a:spcPct val="90000"/>
+              </a:lnSpc>
+              <a:spcBef>
+                <a:spcPts val="500"/>
+              </a:spcBef>
+              <a:buFont typeface="Arial" panose="020B0604020202020204" pitchFamily="34" charset="0"/>
+              <a:buChar char="•"/>
+              <a:defRPr sz="2400" kern="1200">
+                <a:solidFill>
+                  <a:schemeClr val="tx1"/>
+                </a:solidFill>
+                <a:latin typeface="+mn-lt"/>
+                <a:ea typeface="+mn-ea"/>
+                <a:cs typeface="+mn-cs"/>
+              </a:defRPr>
+            </a:lvl2pPr>
+            <a:lvl3pPr marL="1143000" indent="-228600" algn="l" defTabSz="914400" rtl="0" eaLnBrk="1" latinLnBrk="0" hangingPunct="1">
+              <a:lnSpc>
+                <a:spcPct val="90000"/>
+              </a:lnSpc>
+              <a:spcBef>
+                <a:spcPts val="500"/>
+              </a:spcBef>
+              <a:buFont typeface="Arial" panose="020B0604020202020204" pitchFamily="34" charset="0"/>
+              <a:buChar char="•"/>
+              <a:defRPr sz="2000" kern="1200">
+                <a:solidFill>
+                  <a:schemeClr val="tx1"/>
+                </a:solidFill>
+                <a:latin typeface="+mn-lt"/>
+                <a:ea typeface="+mn-ea"/>
+                <a:cs typeface="+mn-cs"/>
+              </a:defRPr>
+            </a:lvl3pPr>
+            <a:lvl4pPr marL="1600200" indent="-228600" algn="l" defTabSz="914400" rtl="0" eaLnBrk="1" latinLnBrk="0" hangingPunct="1">
+              <a:lnSpc>
+                <a:spcPct val="90000"/>
+              </a:lnSpc>
+              <a:spcBef>
+                <a:spcPts val="500"/>
+              </a:spcBef>
+              <a:buFont typeface="Arial" panose="020B0604020202020204" pitchFamily="34" charset="0"/>
+              <a:buChar char="•"/>
+              <a:defRPr sz="1800" kern="1200">
+                <a:solidFill>
+                  <a:schemeClr val="tx1"/>
+                </a:solidFill>
+                <a:latin typeface="+mn-lt"/>
+                <a:ea typeface="+mn-ea"/>
+                <a:cs typeface="+mn-cs"/>
+              </a:defRPr>
+            </a:lvl4pPr>
+            <a:lvl5pPr marL="2057400" indent="-228600" algn="l" defTabSz="914400" rtl="0" eaLnBrk="1" latinLnBrk="0" hangingPunct="1">
+              <a:lnSpc>
+                <a:spcPct val="90000"/>
+              </a:lnSpc>
+              <a:spcBef>
+                <a:spcPts val="500"/>
+              </a:spcBef>
+              <a:buFont typeface="Arial" panose="020B0604020202020204" pitchFamily="34" charset="0"/>
+              <a:buChar char="•"/>
+              <a:defRPr sz="1800" kern="1200">
+                <a:solidFill>
+                  <a:schemeClr val="tx1"/>
+                </a:solidFill>
+                <a:latin typeface="+mn-lt"/>
+                <a:ea typeface="+mn-ea"/>
+                <a:cs typeface="+mn-cs"/>
+              </a:defRPr>
+            </a:lvl5pPr>
+            <a:lvl6pPr marL="2514600" indent="-228600" algn="l" defTabSz="914400" rtl="0" eaLnBrk="1" latinLnBrk="0" hangingPunct="1">
+              <a:lnSpc>
+                <a:spcPct val="90000"/>
+              </a:lnSpc>
+              <a:spcBef>
+                <a:spcPts val="500"/>
+              </a:spcBef>
+              <a:buFont typeface="Arial" panose="020B0604020202020204" pitchFamily="34" charset="0"/>
+              <a:buChar char="•"/>
+              <a:defRPr sz="1800" kern="1200">
+                <a:solidFill>
+                  <a:schemeClr val="tx1"/>
+                </a:solidFill>
+                <a:latin typeface="+mn-lt"/>
+                <a:ea typeface="+mn-ea"/>
+                <a:cs typeface="+mn-cs"/>
+              </a:defRPr>
+            </a:lvl6pPr>
+            <a:lvl7pPr marL="2971800" indent="-228600" algn="l" defTabSz="914400" rtl="0" eaLnBrk="1" latinLnBrk="0" hangingPunct="1">
+              <a:lnSpc>
+                <a:spcPct val="90000"/>
+              </a:lnSpc>
+              <a:spcBef>
+                <a:spcPts val="500"/>
+              </a:spcBef>
+              <a:buFont typeface="Arial" panose="020B0604020202020204" pitchFamily="34" charset="0"/>
+              <a:buChar char="•"/>
+              <a:defRPr sz="1800" kern="1200">
+                <a:solidFill>
+                  <a:schemeClr val="tx1"/>
+                </a:solidFill>
+                <a:latin typeface="+mn-lt"/>
+                <a:ea typeface="+mn-ea"/>
+                <a:cs typeface="+mn-cs"/>
+              </a:defRPr>
+            </a:lvl7pPr>
+            <a:lvl8pPr marL="3429000" indent="-228600" algn="l" defTabSz="914400" rtl="0" eaLnBrk="1" latinLnBrk="0" hangingPunct="1">
+              <a:lnSpc>
+                <a:spcPct val="90000"/>
+              </a:lnSpc>
+              <a:spcBef>
+                <a:spcPts val="500"/>
+              </a:spcBef>
+              <a:buFont typeface="Arial" panose="020B0604020202020204" pitchFamily="34" charset="0"/>
+              <a:buChar char="•"/>
+              <a:defRPr sz="1800" kern="1200">
+                <a:solidFill>
+                  <a:schemeClr val="tx1"/>
+                </a:solidFill>
+                <a:latin typeface="+mn-lt"/>
+                <a:ea typeface="+mn-ea"/>
+                <a:cs typeface="+mn-cs"/>
+              </a:defRPr>
+            </a:lvl8pPr>
+            <a:lvl9pPr marL="3886200" indent="-228600" algn="l" defTabSz="914400" rtl="0" eaLnBrk="1" latinLnBrk="0" hangingPunct="1">
+              <a:lnSpc>
+                <a:spcPct val="90000"/>
+              </a:lnSpc>
+              <a:spcBef>
+                <a:spcPts val="500"/>
+              </a:spcBef>
+              <a:buFont typeface="Arial" panose="020B0604020202020204" pitchFamily="34" charset="0"/>
+              <a:buChar char="•"/>
+              <a:defRPr sz="1800" kern="1200">
+                <a:solidFill>
+                  <a:schemeClr val="tx1"/>
+                </a:solidFill>
+                <a:latin typeface="+mn-lt"/>
+                <a:ea typeface="+mn-ea"/>
+                <a:cs typeface="+mn-cs"/>
+              </a:defRPr>
+            </a:lvl9pPr>
+          </a:lstStyle>
+          <a:p>
+            <a:r>
+              <a:rPr lang="en-US" sz="1800" dirty="0"/>
+              <a:t>Increase in initial unemployment claims  </a:t>
+            </a:r>
+          </a:p>
+          <a:p>
+            <a:pPr lvl="1"/>
+            <a:r>
+              <a:rPr lang="en-US" sz="1400" dirty="0"/>
+              <a:t>Indicates that the labor market conditions are beginning to soften, presumably in response to a </a:t>
+            </a:r>
+            <a:r>
+              <a:rPr lang="en-US" sz="1400" dirty="0" err="1"/>
+              <a:t>dropoff</a:t>
+            </a:r>
+            <a:r>
+              <a:rPr lang="en-US" sz="1400" dirty="0"/>
+              <a:t>  in the demand for goods and services.</a:t>
+            </a:r>
+          </a:p>
+          <a:p>
+            <a:pPr lvl="1"/>
+            <a:r>
+              <a:rPr lang="en-US" sz="1400" dirty="0"/>
+              <a:t>Theoretically indicates the pace of the economic activity is slowing</a:t>
+            </a:r>
+          </a:p>
+          <a:p>
+            <a:r>
+              <a:rPr lang="en-US" sz="1800" dirty="0"/>
+              <a:t>Decrease in initial unemployment claims  </a:t>
+            </a:r>
+          </a:p>
+          <a:p>
+            <a:pPr lvl="1"/>
+            <a:r>
+              <a:rPr lang="en-US" sz="1400" dirty="0"/>
+              <a:t>Suggests fewer individuals are filing for unemployment benefits, indicating an improvement in the labor market</a:t>
+            </a:r>
+          </a:p>
+          <a:p>
+            <a:pPr marL="457200" lvl="1" indent="0">
+              <a:buNone/>
+            </a:pPr>
+            <a:endParaRPr lang="en-US" sz="1000" dirty="0"/>
           </a:p>
         </p:txBody>
       </p:sp>
-      <p:graphicFrame>
-        <p:nvGraphicFramePr>
-          <p:cNvPr id="6" name="Content Placeholder 3">
-            <a:extLst>
-              <a:ext uri="{FF2B5EF4-FFF2-40B4-BE49-F238E27FC236}">
-                <a16:creationId xmlns:a16="http://schemas.microsoft.com/office/drawing/2014/main" id="{2688B525-F229-B97E-EDD6-4E1C819BA188}"/>
-              </a:ext>
-            </a:extLst>
-          </p:cNvPr>
-          <p:cNvGraphicFramePr>
-            <a:graphicFrameLocks/>
-          </p:cNvGraphicFramePr>
-          <p:nvPr>
-            <p:extLst>
-              <p:ext uri="{D42A27DB-BD31-4B8C-83A1-F6EECF244321}">
-                <p14:modId xmlns:p14="http://schemas.microsoft.com/office/powerpoint/2010/main" val="1120075377"/>
-              </p:ext>
-            </p:extLst>
-          </p:nvPr>
-        </p:nvGraphicFramePr>
-        <p:xfrm>
-          <a:off x="2523000" y="1962425"/>
-          <a:ext cx="6572250" cy="2291080"/>
-        </p:xfrm>
-        <a:graphic>
-          <a:graphicData uri="http://schemas.openxmlformats.org/drawingml/2006/table">
-            <a:tbl>
-              <a:tblPr firstRow="1" bandRow="1">
-                <a:tableStyleId>{5C22544A-7EE6-4342-B048-85BDC9FD1C3A}</a:tableStyleId>
-              </a:tblPr>
-              <a:tblGrid>
-                <a:gridCol w="1314450">
-                  <a:extLst>
-                    <a:ext uri="{9D8B030D-6E8A-4147-A177-3AD203B41FA5}">
-                      <a16:colId xmlns:a16="http://schemas.microsoft.com/office/drawing/2014/main" val="1832443906"/>
-                    </a:ext>
-                  </a:extLst>
-                </a:gridCol>
-                <a:gridCol w="1314450">
-                  <a:extLst>
-                    <a:ext uri="{9D8B030D-6E8A-4147-A177-3AD203B41FA5}">
-                      <a16:colId xmlns:a16="http://schemas.microsoft.com/office/drawing/2014/main" val="3103549292"/>
-                    </a:ext>
-                  </a:extLst>
-                </a:gridCol>
-                <a:gridCol w="1314450">
-                  <a:extLst>
-                    <a:ext uri="{9D8B030D-6E8A-4147-A177-3AD203B41FA5}">
-                      <a16:colId xmlns:a16="http://schemas.microsoft.com/office/drawing/2014/main" val="3064373860"/>
-                    </a:ext>
-                  </a:extLst>
-                </a:gridCol>
-                <a:gridCol w="1314450">
-                  <a:extLst>
-                    <a:ext uri="{9D8B030D-6E8A-4147-A177-3AD203B41FA5}">
-                      <a16:colId xmlns:a16="http://schemas.microsoft.com/office/drawing/2014/main" val="2446405785"/>
-                    </a:ext>
-                  </a:extLst>
-                </a:gridCol>
-                <a:gridCol w="1314450">
-                  <a:extLst>
-                    <a:ext uri="{9D8B030D-6E8A-4147-A177-3AD203B41FA5}">
-                      <a16:colId xmlns:a16="http://schemas.microsoft.com/office/drawing/2014/main" val="751434084"/>
-                    </a:ext>
-                  </a:extLst>
-                </a:gridCol>
-              </a:tblGrid>
-              <a:tr h="370840">
-                <a:tc>
-                  <a:txBody>
-                    <a:bodyPr/>
-                    <a:lstStyle/>
-                    <a:p>
-                      <a:endParaRPr lang="en-US" dirty="0"/>
-                    </a:p>
-                  </a:txBody>
-                  <a:tcPr/>
-                </a:tc>
-                <a:tc>
-                  <a:txBody>
-                    <a:bodyPr/>
-                    <a:lstStyle/>
-                    <a:p>
-                      <a:endParaRPr lang="en-US"/>
-                    </a:p>
-                  </a:txBody>
-                  <a:tcPr/>
-                </a:tc>
-                <a:tc gridSpan="3">
-                  <a:txBody>
-                    <a:bodyPr/>
-                    <a:lstStyle/>
-                    <a:p>
-                      <a:r>
-                        <a:rPr lang="en-US" dirty="0"/>
-                        <a:t>Market </a:t>
-                      </a:r>
-                    </a:p>
-                  </a:txBody>
-                  <a:tcPr/>
-                </a:tc>
-                <a:tc hMerge="1">
-                  <a:txBody>
-                    <a:bodyPr/>
-                    <a:lstStyle/>
-                    <a:p>
-                      <a:endParaRPr lang="en-US" dirty="0"/>
-                    </a:p>
-                  </a:txBody>
-                  <a:tcPr/>
-                </a:tc>
-                <a:tc hMerge="1">
-                  <a:txBody>
-                    <a:bodyPr/>
-                    <a:lstStyle/>
-                    <a:p>
-                      <a:endParaRPr lang="en-US" dirty="0"/>
-                    </a:p>
-                  </a:txBody>
-                  <a:tcPr/>
-                </a:tc>
-                <a:extLst>
-                  <a:ext uri="{0D108BD9-81ED-4DB2-BD59-A6C34878D82A}">
-                    <a16:rowId xmlns:a16="http://schemas.microsoft.com/office/drawing/2014/main" val="789752364"/>
-                  </a:ext>
-                </a:extLst>
-              </a:tr>
-              <a:tr h="370840">
-                <a:tc>
-                  <a:txBody>
-                    <a:bodyPr/>
-                    <a:lstStyle/>
-                    <a:p>
-                      <a:endParaRPr lang="en-US" dirty="0"/>
-                    </a:p>
-                  </a:txBody>
-                  <a:tcPr/>
-                </a:tc>
-                <a:tc>
-                  <a:txBody>
-                    <a:bodyPr/>
-                    <a:lstStyle/>
-                    <a:p>
-                      <a:pPr marL="0" marR="0" lvl="0" indent="0" algn="l" defTabSz="914400" rtl="0" eaLnBrk="1" fontAlgn="auto" latinLnBrk="0" hangingPunct="1">
-                        <a:lnSpc>
-                          <a:spcPct val="100000"/>
-                        </a:lnSpc>
-                        <a:spcBef>
-                          <a:spcPts val="0"/>
-                        </a:spcBef>
-                        <a:spcAft>
-                          <a:spcPts val="0"/>
-                        </a:spcAft>
-                        <a:buClrTx/>
-                        <a:buSzTx/>
-                        <a:buFontTx/>
-                        <a:buNone/>
-                        <a:tabLst/>
-                        <a:defRPr/>
-                      </a:pPr>
-                      <a:r>
-                        <a:rPr lang="en-US" dirty="0"/>
-                        <a:t> </a:t>
-                      </a:r>
-                    </a:p>
-                    <a:p>
-                      <a:endParaRPr lang="en-US" dirty="0"/>
-                    </a:p>
-                  </a:txBody>
-                  <a:tcPr/>
-                </a:tc>
-                <a:tc>
-                  <a:txBody>
-                    <a:bodyPr/>
-                    <a:lstStyle/>
-                    <a:p>
-                      <a:r>
-                        <a:rPr lang="en-US" dirty="0"/>
-                        <a:t>Stock</a:t>
-                      </a:r>
-                    </a:p>
-                  </a:txBody>
-                  <a:tcPr/>
-                </a:tc>
-                <a:tc>
-                  <a:txBody>
-                    <a:bodyPr/>
-                    <a:lstStyle/>
-                    <a:p>
-                      <a:r>
-                        <a:rPr lang="en-US" dirty="0"/>
-                        <a:t>Bond</a:t>
-                      </a:r>
-                    </a:p>
-                  </a:txBody>
-                  <a:tcPr/>
-                </a:tc>
-                <a:tc>
-                  <a:txBody>
-                    <a:bodyPr/>
-                    <a:lstStyle/>
-                    <a:p>
-                      <a:r>
-                        <a:rPr lang="en-US" dirty="0"/>
-                        <a:t>Dollar</a:t>
-                      </a:r>
-                    </a:p>
-                  </a:txBody>
-                  <a:tcPr/>
-                </a:tc>
-                <a:extLst>
-                  <a:ext uri="{0D108BD9-81ED-4DB2-BD59-A6C34878D82A}">
-                    <a16:rowId xmlns:a16="http://schemas.microsoft.com/office/drawing/2014/main" val="823657930"/>
-                  </a:ext>
-                </a:extLst>
-              </a:tr>
-              <a:tr h="370840">
-                <a:tc>
-                  <a:txBody>
-                    <a:bodyPr/>
-                    <a:lstStyle/>
-                    <a:p>
-                      <a:pPr marL="0" marR="0" lvl="0" indent="0" algn="l" defTabSz="914400" rtl="0" eaLnBrk="1" fontAlgn="auto" latinLnBrk="0" hangingPunct="1">
-                        <a:lnSpc>
-                          <a:spcPct val="100000"/>
-                        </a:lnSpc>
-                        <a:spcBef>
-                          <a:spcPts val="0"/>
-                        </a:spcBef>
-                        <a:spcAft>
-                          <a:spcPts val="0"/>
-                        </a:spcAft>
-                        <a:buClrTx/>
-                        <a:buSzTx/>
-                        <a:buFontTx/>
-                        <a:buNone/>
-                        <a:tabLst/>
-                        <a:defRPr/>
-                      </a:pPr>
-                      <a:r>
-                        <a:rPr lang="en-US" dirty="0"/>
-                        <a:t>Car/Truck Sales</a:t>
-                      </a:r>
-                    </a:p>
-                  </a:txBody>
-                  <a:tcPr/>
-                </a:tc>
-                <a:tc>
-                  <a:txBody>
-                    <a:bodyPr/>
-                    <a:lstStyle/>
-                    <a:p>
-                      <a:r>
-                        <a:rPr lang="en-US" dirty="0"/>
-                        <a:t>Up</a:t>
-                      </a:r>
-                    </a:p>
-                  </a:txBody>
-                  <a:tcPr/>
-                </a:tc>
-                <a:tc>
-                  <a:txBody>
-                    <a:bodyPr/>
-                    <a:lstStyle/>
-                    <a:p>
-                      <a:r>
-                        <a:rPr lang="en-US" dirty="0"/>
-                        <a:t>Up</a:t>
-                      </a:r>
-                    </a:p>
-                  </a:txBody>
-                  <a:tcPr/>
-                </a:tc>
-                <a:tc>
-                  <a:txBody>
-                    <a:bodyPr/>
-                    <a:lstStyle/>
-                    <a:p>
-                      <a:r>
-                        <a:rPr lang="en-US" dirty="0"/>
-                        <a:t>Down</a:t>
-                      </a:r>
-                    </a:p>
-                  </a:txBody>
-                  <a:tcPr/>
-                </a:tc>
-                <a:tc>
-                  <a:txBody>
-                    <a:bodyPr/>
-                    <a:lstStyle/>
-                    <a:p>
-                      <a:pPr marL="0" marR="0" lvl="0" indent="0" algn="l" defTabSz="914400" rtl="0" eaLnBrk="1" fontAlgn="auto" latinLnBrk="0" hangingPunct="1">
-                        <a:lnSpc>
-                          <a:spcPct val="100000"/>
-                        </a:lnSpc>
-                        <a:spcBef>
-                          <a:spcPts val="0"/>
-                        </a:spcBef>
-                        <a:spcAft>
-                          <a:spcPts val="0"/>
-                        </a:spcAft>
-                        <a:buClrTx/>
-                        <a:buSzTx/>
-                        <a:buFontTx/>
-                        <a:buNone/>
-                        <a:tabLst/>
-                        <a:defRPr/>
-                      </a:pPr>
-                      <a:r>
-                        <a:rPr lang="en-US" dirty="0"/>
-                        <a:t>Up</a:t>
-                      </a:r>
-                    </a:p>
-                    <a:p>
-                      <a:endParaRPr lang="en-US" dirty="0"/>
-                    </a:p>
-                  </a:txBody>
-                  <a:tcPr/>
-                </a:tc>
-                <a:extLst>
-                  <a:ext uri="{0D108BD9-81ED-4DB2-BD59-A6C34878D82A}">
-                    <a16:rowId xmlns:a16="http://schemas.microsoft.com/office/drawing/2014/main" val="2240237553"/>
-                  </a:ext>
-                </a:extLst>
-              </a:tr>
-              <a:tr h="370840">
-                <a:tc>
-                  <a:txBody>
-                    <a:bodyPr/>
-                    <a:lstStyle/>
-                    <a:p>
-                      <a:endParaRPr lang="en-US" dirty="0"/>
-                    </a:p>
-                  </a:txBody>
-                  <a:tcPr/>
-                </a:tc>
-                <a:tc>
-                  <a:txBody>
-                    <a:bodyPr/>
-                    <a:lstStyle/>
-                    <a:p>
-                      <a:r>
-                        <a:rPr lang="en-US" dirty="0"/>
-                        <a:t>Down</a:t>
-                      </a:r>
-                    </a:p>
-                  </a:txBody>
-                  <a:tcPr/>
-                </a:tc>
-                <a:tc>
-                  <a:txBody>
-                    <a:bodyPr/>
-                    <a:lstStyle/>
-                    <a:p>
-                      <a:pPr marL="0" marR="0" lvl="0" indent="0" algn="l" defTabSz="914400" rtl="0" eaLnBrk="1" fontAlgn="auto" latinLnBrk="0" hangingPunct="1">
-                        <a:lnSpc>
-                          <a:spcPct val="100000"/>
-                        </a:lnSpc>
-                        <a:spcBef>
-                          <a:spcPts val="0"/>
-                        </a:spcBef>
-                        <a:spcAft>
-                          <a:spcPts val="0"/>
-                        </a:spcAft>
-                        <a:buClrTx/>
-                        <a:buSzTx/>
-                        <a:buFontTx/>
-                        <a:buNone/>
-                        <a:tabLst/>
-                        <a:defRPr/>
-                      </a:pPr>
-                      <a:r>
-                        <a:rPr lang="en-US" dirty="0"/>
-                        <a:t>Down</a:t>
-                      </a:r>
-                    </a:p>
-                    <a:p>
-                      <a:endParaRPr lang="en-US" dirty="0"/>
-                    </a:p>
-                  </a:txBody>
-                  <a:tcPr/>
-                </a:tc>
-                <a:tc>
-                  <a:txBody>
-                    <a:bodyPr/>
-                    <a:lstStyle/>
-                    <a:p>
-                      <a:r>
-                        <a:rPr lang="en-US" dirty="0"/>
-                        <a:t>Up</a:t>
-                      </a:r>
-                    </a:p>
-                  </a:txBody>
-                  <a:tcPr/>
-                </a:tc>
-                <a:tc>
-                  <a:txBody>
-                    <a:bodyPr/>
-                    <a:lstStyle/>
-                    <a:p>
-                      <a:pPr marL="0" marR="0" lvl="0" indent="0" algn="l" defTabSz="914400" rtl="0" eaLnBrk="1" fontAlgn="auto" latinLnBrk="0" hangingPunct="1">
-                        <a:lnSpc>
-                          <a:spcPct val="100000"/>
-                        </a:lnSpc>
-                        <a:spcBef>
-                          <a:spcPts val="0"/>
-                        </a:spcBef>
-                        <a:spcAft>
-                          <a:spcPts val="0"/>
-                        </a:spcAft>
-                        <a:buClrTx/>
-                        <a:buSzTx/>
-                        <a:buFontTx/>
-                        <a:buNone/>
-                        <a:tabLst/>
-                        <a:defRPr/>
-                      </a:pPr>
-                      <a:r>
-                        <a:rPr lang="en-US" dirty="0"/>
-                        <a:t>Down</a:t>
-                      </a:r>
-                    </a:p>
-                    <a:p>
-                      <a:endParaRPr lang="en-US" dirty="0"/>
-                    </a:p>
-                  </a:txBody>
-                  <a:tcPr/>
-                </a:tc>
-                <a:extLst>
-                  <a:ext uri="{0D108BD9-81ED-4DB2-BD59-A6C34878D82A}">
-                    <a16:rowId xmlns:a16="http://schemas.microsoft.com/office/drawing/2014/main" val="3723964624"/>
-                  </a:ext>
-                </a:extLst>
-              </a:tr>
-            </a:tbl>
-          </a:graphicData>
-        </a:graphic>
-      </p:graphicFrame>
     </p:spTree>
     <p:extLst>
       <p:ext uri="{BB962C8B-B14F-4D97-AF65-F5344CB8AC3E}">
-        <p14:creationId xmlns:p14="http://schemas.microsoft.com/office/powerpoint/2010/main" val="1390540734"/>
+        <p14:creationId xmlns:p14="http://schemas.microsoft.com/office/powerpoint/2010/main" val="3821185144"/>
       </p:ext>
     </p:extLst>
   </p:cSld>
@@ -20695,4 +27212,299 @@
     </a:ext>
   </a:extLst>
 </a:theme>
+</file>
+
+<file path=ppt/theme/theme2.xml><?xml version="1.0" encoding="utf-8"?>
+<a:theme xmlns:a="http://schemas.openxmlformats.org/drawingml/2006/main" name="Office Theme">
+  <a:themeElements>
+    <a:clrScheme name="Office">
+      <a:dk1>
+        <a:sysClr val="windowText" lastClr="000000"/>
+      </a:dk1>
+      <a:lt1>
+        <a:sysClr val="window" lastClr="FFFFFF"/>
+      </a:lt1>
+      <a:dk2>
+        <a:srgbClr val="44546A"/>
+      </a:dk2>
+      <a:lt2>
+        <a:srgbClr val="E7E6E6"/>
+      </a:lt2>
+      <a:accent1>
+        <a:srgbClr val="4472C4"/>
+      </a:accent1>
+      <a:accent2>
+        <a:srgbClr val="ED7D31"/>
+      </a:accent2>
+      <a:accent3>
+        <a:srgbClr val="A5A5A5"/>
+      </a:accent3>
+      <a:accent4>
+        <a:srgbClr val="FFC000"/>
+      </a:accent4>
+      <a:accent5>
+        <a:srgbClr val="5B9BD5"/>
+      </a:accent5>
+      <a:accent6>
+        <a:srgbClr val="70AD47"/>
+      </a:accent6>
+      <a:hlink>
+        <a:srgbClr val="0563C1"/>
+      </a:hlink>
+      <a:folHlink>
+        <a:srgbClr val="954F72"/>
+      </a:folHlink>
+    </a:clrScheme>
+    <a:fontScheme name="Office">
+      <a:majorFont>
+        <a:latin typeface="Calibri Light" panose="020F0302020204030204"/>
+        <a:ea typeface=""/>
+        <a:cs typeface=""/>
+        <a:font script="Jpan" typeface="游ゴシック Light"/>
+        <a:font script="Hang" typeface="맑은 고딕"/>
+        <a:font script="Hans" typeface="等线 Light"/>
+        <a:font script="Hant" typeface="新細明體"/>
+        <a:font script="Arab" typeface="Times New Roman"/>
+        <a:font script="Hebr" typeface="Times New Roman"/>
+        <a:font script="Thai" typeface="Angsana New"/>
+        <a:font script="Ethi" typeface="Nyala"/>
+        <a:font script="Beng" typeface="Vrinda"/>
+        <a:font script="Gujr" typeface="Shruti"/>
+        <a:font script="Khmr" typeface="MoolBoran"/>
+        <a:font script="Knda" typeface="Tunga"/>
+        <a:font script="Guru" typeface="Raavi"/>
+        <a:font script="Cans" typeface="Euphemia"/>
+        <a:font script="Cher" typeface="Plantagenet Cherokee"/>
+        <a:font script="Yiii" typeface="Microsoft Yi Baiti"/>
+        <a:font script="Tibt" typeface="Microsoft Himalaya"/>
+        <a:font script="Thaa" typeface="MV Boli"/>
+        <a:font script="Deva" typeface="Mangal"/>
+        <a:font script="Telu" typeface="Gautami"/>
+        <a:font script="Taml" typeface="Latha"/>
+        <a:font script="Syrc" typeface="Estrangelo Edessa"/>
+        <a:font script="Orya" typeface="Kalinga"/>
+        <a:font script="Mlym" typeface="Kartika"/>
+        <a:font script="Laoo" typeface="DokChampa"/>
+        <a:font script="Sinh" typeface="Iskoola Pota"/>
+        <a:font script="Mong" typeface="Mongolian Baiti"/>
+        <a:font script="Viet" typeface="Times New Roman"/>
+        <a:font script="Uigh" typeface="Microsoft Uighur"/>
+        <a:font script="Geor" typeface="Sylfaen"/>
+        <a:font script="Armn" typeface="Arial"/>
+        <a:font script="Bugi" typeface="Leelawadee UI"/>
+        <a:font script="Bopo" typeface="Microsoft JhengHei"/>
+        <a:font script="Java" typeface="Javanese Text"/>
+        <a:font script="Lisu" typeface="Segoe UI"/>
+        <a:font script="Mymr" typeface="Myanmar Text"/>
+        <a:font script="Nkoo" typeface="Ebrima"/>
+        <a:font script="Olck" typeface="Nirmala UI"/>
+        <a:font script="Osma" typeface="Ebrima"/>
+        <a:font script="Phag" typeface="Phagspa"/>
+        <a:font script="Syrn" typeface="Estrangelo Edessa"/>
+        <a:font script="Syrj" typeface="Estrangelo Edessa"/>
+        <a:font script="Syre" typeface="Estrangelo Edessa"/>
+        <a:font script="Sora" typeface="Nirmala UI"/>
+        <a:font script="Tale" typeface="Microsoft Tai Le"/>
+        <a:font script="Talu" typeface="Microsoft New Tai Lue"/>
+        <a:font script="Tfng" typeface="Ebrima"/>
+      </a:majorFont>
+      <a:minorFont>
+        <a:latin typeface="Calibri" panose="020F0502020204030204"/>
+        <a:ea typeface=""/>
+        <a:cs typeface=""/>
+        <a:font script="Jpan" typeface="游ゴシック"/>
+        <a:font script="Hang" typeface="맑은 고딕"/>
+        <a:font script="Hans" typeface="等线"/>
+        <a:font script="Hant" typeface="新細明體"/>
+        <a:font script="Arab" typeface="Arial"/>
+        <a:font script="Hebr" typeface="Arial"/>
+        <a:font script="Thai" typeface="Cordia New"/>
+        <a:font script="Ethi" typeface="Nyala"/>
+        <a:font script="Beng" typeface="Vrinda"/>
+        <a:font script="Gujr" typeface="Shruti"/>
+        <a:font script="Khmr" typeface="DaunPenh"/>
+        <a:font script="Knda" typeface="Tunga"/>
+        <a:font script="Guru" typeface="Raavi"/>
+        <a:font script="Cans" typeface="Euphemia"/>
+        <a:font script="Cher" typeface="Plantagenet Cherokee"/>
+        <a:font script="Yiii" typeface="Microsoft Yi Baiti"/>
+        <a:font script="Tibt" typeface="Microsoft Himalaya"/>
+        <a:font script="Thaa" typeface="MV Boli"/>
+        <a:font script="Deva" typeface="Mangal"/>
+        <a:font script="Telu" typeface="Gautami"/>
+        <a:font script="Taml" typeface="Latha"/>
+        <a:font script="Syrc" typeface="Estrangelo Edessa"/>
+        <a:font script="Orya" typeface="Kalinga"/>
+        <a:font script="Mlym" typeface="Kartika"/>
+        <a:font script="Laoo" typeface="DokChampa"/>
+        <a:font script="Sinh" typeface="Iskoola Pota"/>
+        <a:font script="Mong" typeface="Mongolian Baiti"/>
+        <a:font script="Viet" typeface="Arial"/>
+        <a:font script="Uigh" typeface="Microsoft Uighur"/>
+        <a:font script="Geor" typeface="Sylfaen"/>
+        <a:font script="Armn" typeface="Arial"/>
+        <a:font script="Bugi" typeface="Leelawadee UI"/>
+        <a:font script="Bopo" typeface="Microsoft JhengHei"/>
+        <a:font script="Java" typeface="Javanese Text"/>
+        <a:font script="Lisu" typeface="Segoe UI"/>
+        <a:font script="Mymr" typeface="Myanmar Text"/>
+        <a:font script="Nkoo" typeface="Ebrima"/>
+        <a:font script="Olck" typeface="Nirmala UI"/>
+        <a:font script="Osma" typeface="Ebrima"/>
+        <a:font script="Phag" typeface="Phagspa"/>
+        <a:font script="Syrn" typeface="Estrangelo Edessa"/>
+        <a:font script="Syrj" typeface="Estrangelo Edessa"/>
+        <a:font script="Syre" typeface="Estrangelo Edessa"/>
+        <a:font script="Sora" typeface="Nirmala UI"/>
+        <a:font script="Tale" typeface="Microsoft Tai Le"/>
+        <a:font script="Talu" typeface="Microsoft New Tai Lue"/>
+        <a:font script="Tfng" typeface="Ebrima"/>
+      </a:minorFont>
+    </a:fontScheme>
+    <a:fmtScheme name="Office">
+      <a:fillStyleLst>
+        <a:solidFill>
+          <a:schemeClr val="phClr"/>
+        </a:solidFill>
+        <a:gradFill rotWithShape="1">
+          <a:gsLst>
+            <a:gs pos="0">
+              <a:schemeClr val="phClr">
+                <a:lumMod val="110000"/>
+                <a:satMod val="105000"/>
+                <a:tint val="67000"/>
+              </a:schemeClr>
+            </a:gs>
+            <a:gs pos="50000">
+              <a:schemeClr val="phClr">
+                <a:lumMod val="105000"/>
+                <a:satMod val="103000"/>
+                <a:tint val="73000"/>
+              </a:schemeClr>
+            </a:gs>
+            <a:gs pos="100000">
+              <a:schemeClr val="phClr">
+                <a:lumMod val="105000"/>
+                <a:satMod val="109000"/>
+                <a:tint val="81000"/>
+              </a:schemeClr>
+            </a:gs>
+          </a:gsLst>
+          <a:lin ang="5400000" scaled="0"/>
+        </a:gradFill>
+        <a:gradFill rotWithShape="1">
+          <a:gsLst>
+            <a:gs pos="0">
+              <a:schemeClr val="phClr">
+                <a:satMod val="103000"/>
+                <a:lumMod val="102000"/>
+                <a:tint val="94000"/>
+              </a:schemeClr>
+            </a:gs>
+            <a:gs pos="50000">
+              <a:schemeClr val="phClr">
+                <a:satMod val="110000"/>
+                <a:lumMod val="100000"/>
+                <a:shade val="100000"/>
+              </a:schemeClr>
+            </a:gs>
+            <a:gs pos="100000">
+              <a:schemeClr val="phClr">
+                <a:lumMod val="99000"/>
+                <a:satMod val="120000"/>
+                <a:shade val="78000"/>
+              </a:schemeClr>
+            </a:gs>
+          </a:gsLst>
+          <a:lin ang="5400000" scaled="0"/>
+        </a:gradFill>
+      </a:fillStyleLst>
+      <a:lnStyleLst>
+        <a:ln w="6350" cap="flat" cmpd="sng" algn="ctr">
+          <a:solidFill>
+            <a:schemeClr val="phClr"/>
+          </a:solidFill>
+          <a:prstDash val="solid"/>
+          <a:miter lim="800000"/>
+        </a:ln>
+        <a:ln w="12700" cap="flat" cmpd="sng" algn="ctr">
+          <a:solidFill>
+            <a:schemeClr val="phClr"/>
+          </a:solidFill>
+          <a:prstDash val="solid"/>
+          <a:miter lim="800000"/>
+        </a:ln>
+        <a:ln w="19050" cap="flat" cmpd="sng" algn="ctr">
+          <a:solidFill>
+            <a:schemeClr val="phClr"/>
+          </a:solidFill>
+          <a:prstDash val="solid"/>
+          <a:miter lim="800000"/>
+        </a:ln>
+      </a:lnStyleLst>
+      <a:effectStyleLst>
+        <a:effectStyle>
+          <a:effectLst/>
+        </a:effectStyle>
+        <a:effectStyle>
+          <a:effectLst/>
+        </a:effectStyle>
+        <a:effectStyle>
+          <a:effectLst>
+            <a:outerShdw blurRad="57150" dist="19050" dir="5400000" algn="ctr" rotWithShape="0">
+              <a:srgbClr val="000000">
+                <a:alpha val="63000"/>
+              </a:srgbClr>
+            </a:outerShdw>
+          </a:effectLst>
+        </a:effectStyle>
+      </a:effectStyleLst>
+      <a:bgFillStyleLst>
+        <a:solidFill>
+          <a:schemeClr val="phClr"/>
+        </a:solidFill>
+        <a:solidFill>
+          <a:schemeClr val="phClr">
+            <a:tint val="95000"/>
+            <a:satMod val="170000"/>
+          </a:schemeClr>
+        </a:solidFill>
+        <a:gradFill rotWithShape="1">
+          <a:gsLst>
+            <a:gs pos="0">
+              <a:schemeClr val="phClr">
+                <a:tint val="93000"/>
+                <a:satMod val="150000"/>
+                <a:shade val="98000"/>
+                <a:lumMod val="102000"/>
+              </a:schemeClr>
+            </a:gs>
+            <a:gs pos="50000">
+              <a:schemeClr val="phClr">
+                <a:tint val="98000"/>
+                <a:satMod val="130000"/>
+                <a:shade val="90000"/>
+                <a:lumMod val="103000"/>
+              </a:schemeClr>
+            </a:gs>
+            <a:gs pos="100000">
+              <a:schemeClr val="phClr">
+                <a:shade val="63000"/>
+                <a:satMod val="120000"/>
+              </a:schemeClr>
+            </a:gs>
+          </a:gsLst>
+          <a:lin ang="5400000" scaled="0"/>
+        </a:gradFill>
+      </a:bgFillStyleLst>
+    </a:fmtScheme>
+  </a:themeElements>
+  <a:objectDefaults/>
+  <a:extraClrSchemeLst/>
+  <a:extLst>
+    <a:ext uri="{05A4C25C-085E-4340-85A3-A5531E510DB2}">
+      <thm15:themeFamily xmlns:thm15="http://schemas.microsoft.com/office/thememl/2012/main" name="Office Theme" id="{62F939B6-93AF-4DB8-9C6B-D6C7DFDC589F}" vid="{4A3C46E8-61CC-4603-A589-7422A47A8E4A}"/>
+    </a:ext>
+  </a:extLst>
+</a:theme>
 </file>